--- a/tommy_hotnets_v2.pptx
+++ b/tommy_hotnets_v2.pptx
@@ -5,7 +5,7 @@
     <p:sldMasterId id="2147483660" r:id="rId1"/>
   </p:sldMasterIdLst>
   <p:notesMasterIdLst>
-    <p:notesMasterId r:id="rId44"/>
+    <p:notesMasterId r:id="rId50"/>
   </p:notesMasterIdLst>
   <p:sldIdLst>
     <p:sldId id="263" r:id="rId2"/>
@@ -19,37 +19,43 @@
     <p:sldId id="358" r:id="rId10"/>
     <p:sldId id="359" r:id="rId11"/>
     <p:sldId id="360" r:id="rId12"/>
-    <p:sldId id="264" r:id="rId13"/>
-    <p:sldId id="265" r:id="rId14"/>
-    <p:sldId id="272" r:id="rId15"/>
-    <p:sldId id="274" r:id="rId16"/>
-    <p:sldId id="288" r:id="rId17"/>
-    <p:sldId id="347" r:id="rId18"/>
-    <p:sldId id="289" r:id="rId19"/>
-    <p:sldId id="290" r:id="rId20"/>
-    <p:sldId id="258" r:id="rId21"/>
-    <p:sldId id="277" r:id="rId22"/>
-    <p:sldId id="340" r:id="rId23"/>
-    <p:sldId id="341" r:id="rId24"/>
-    <p:sldId id="348" r:id="rId25"/>
-    <p:sldId id="292" r:id="rId26"/>
-    <p:sldId id="293" r:id="rId27"/>
-    <p:sldId id="280" r:id="rId28"/>
-    <p:sldId id="279" r:id="rId29"/>
-    <p:sldId id="266" r:id="rId30"/>
-    <p:sldId id="349" r:id="rId31"/>
-    <p:sldId id="278" r:id="rId32"/>
-    <p:sldId id="281" r:id="rId33"/>
-    <p:sldId id="282" r:id="rId34"/>
-    <p:sldId id="283" r:id="rId35"/>
-    <p:sldId id="284" r:id="rId36"/>
-    <p:sldId id="285" r:id="rId37"/>
-    <p:sldId id="286" r:id="rId38"/>
-    <p:sldId id="287" r:id="rId39"/>
-    <p:sldId id="276" r:id="rId40"/>
-    <p:sldId id="269" r:id="rId41"/>
-    <p:sldId id="273" r:id="rId42"/>
-    <p:sldId id="271" r:id="rId43"/>
+    <p:sldId id="361" r:id="rId13"/>
+    <p:sldId id="362" r:id="rId14"/>
+    <p:sldId id="363" r:id="rId15"/>
+    <p:sldId id="364" r:id="rId16"/>
+    <p:sldId id="365" r:id="rId17"/>
+    <p:sldId id="366" r:id="rId18"/>
+    <p:sldId id="264" r:id="rId19"/>
+    <p:sldId id="265" r:id="rId20"/>
+    <p:sldId id="272" r:id="rId21"/>
+    <p:sldId id="274" r:id="rId22"/>
+    <p:sldId id="288" r:id="rId23"/>
+    <p:sldId id="347" r:id="rId24"/>
+    <p:sldId id="289" r:id="rId25"/>
+    <p:sldId id="290" r:id="rId26"/>
+    <p:sldId id="258" r:id="rId27"/>
+    <p:sldId id="277" r:id="rId28"/>
+    <p:sldId id="340" r:id="rId29"/>
+    <p:sldId id="341" r:id="rId30"/>
+    <p:sldId id="348" r:id="rId31"/>
+    <p:sldId id="292" r:id="rId32"/>
+    <p:sldId id="293" r:id="rId33"/>
+    <p:sldId id="280" r:id="rId34"/>
+    <p:sldId id="279" r:id="rId35"/>
+    <p:sldId id="266" r:id="rId36"/>
+    <p:sldId id="349" r:id="rId37"/>
+    <p:sldId id="278" r:id="rId38"/>
+    <p:sldId id="281" r:id="rId39"/>
+    <p:sldId id="282" r:id="rId40"/>
+    <p:sldId id="283" r:id="rId41"/>
+    <p:sldId id="284" r:id="rId42"/>
+    <p:sldId id="285" r:id="rId43"/>
+    <p:sldId id="286" r:id="rId44"/>
+    <p:sldId id="287" r:id="rId45"/>
+    <p:sldId id="276" r:id="rId46"/>
+    <p:sldId id="269" r:id="rId47"/>
+    <p:sldId id="273" r:id="rId48"/>
+    <p:sldId id="271" r:id="rId49"/>
   </p:sldIdLst>
   <p:sldSz cx="12192000" cy="6858000"/>
   <p:notesSz cx="6858000" cy="9144000"/>
@@ -570,7 +576,7 @@
           <a:p>
             <a:fld id="{B3E8125A-D8BB-E74B-8C6E-AB7BD2C997CF}" type="slidenum">
               <a:rPr lang="en-US" smtClean="0"/>
-              <a:t>12</a:t>
+              <a:t>18</a:t>
             </a:fld>
             <a:endParaRPr lang="en-US"/>
           </a:p>
@@ -664,7 +670,7 @@
           <a:p>
             <a:fld id="{B3E8125A-D8BB-E74B-8C6E-AB7BD2C997CF}" type="slidenum">
               <a:rPr lang="en-US" smtClean="0"/>
-              <a:t>14</a:t>
+              <a:t>20</a:t>
             </a:fld>
             <a:endParaRPr lang="en-US"/>
           </a:p>
@@ -805,7 +811,7 @@
                 <a:tabLst/>
                 <a:defRPr/>
               </a:pPr>
-              <a:t>15</a:t>
+              <a:t>21</a:t>
             </a:fld>
             <a:endParaRPr kumimoji="0" lang="en-US" sz="1200" b="0" i="0" u="none" strike="noStrike" kern="1200" cap="none" spc="0" normalizeH="0" baseline="0" noProof="0">
               <a:ln>
@@ -905,7 +911,7 @@
           <a:p>
             <a:fld id="{B3E8125A-D8BB-E74B-8C6E-AB7BD2C997CF}" type="slidenum">
               <a:rPr lang="en-US" smtClean="0"/>
-              <a:t>24</a:t>
+              <a:t>30</a:t>
             </a:fld>
             <a:endParaRPr lang="en-US"/>
           </a:p>
@@ -992,7 +998,7 @@
           <a:p>
             <a:fld id="{B3E8125A-D8BB-E74B-8C6E-AB7BD2C997CF}" type="slidenum">
               <a:rPr lang="en-US" smtClean="0"/>
-              <a:t>25</a:t>
+              <a:t>31</a:t>
             </a:fld>
             <a:endParaRPr lang="en-US"/>
           </a:p>
@@ -1133,7 +1139,7 @@
                 <a:tabLst/>
                 <a:defRPr/>
               </a:pPr>
-              <a:t>35</a:t>
+              <a:t>41</a:t>
             </a:fld>
             <a:endParaRPr kumimoji="0" lang="en-US" sz="1200" b="0" i="0" u="none" strike="noStrike" kern="1200" cap="none" spc="0" normalizeH="0" baseline="0" noProof="0">
               <a:ln>
@@ -6349,6 +6355,2649 @@
 </file>
 
 <file path=ppt/slides/slide12.xml><?xml version="1.0" encoding="utf-8"?>
+<p:sld xmlns:a="http://schemas.openxmlformats.org/drawingml/2006/main" xmlns:r="http://schemas.openxmlformats.org/officeDocument/2006/relationships" xmlns:p="http://schemas.openxmlformats.org/presentationml/2006/main">
+  <p:cSld>
+    <p:spTree>
+      <p:nvGrpSpPr>
+        <p:cNvPr id="1" name="">
+          <a:extLst>
+            <a:ext uri="{FF2B5EF4-FFF2-40B4-BE49-F238E27FC236}">
+              <a16:creationId xmlns:a16="http://schemas.microsoft.com/office/drawing/2014/main" id="{EF1F0BC2-790E-4C10-6187-B542DA3CF017}"/>
+            </a:ext>
+          </a:extLst>
+        </p:cNvPr>
+        <p:cNvGrpSpPr/>
+        <p:nvPr/>
+      </p:nvGrpSpPr>
+      <p:grpSpPr>
+        <a:xfrm>
+          <a:off x="0" y="0"/>
+          <a:ext cx="0" cy="0"/>
+          <a:chOff x="0" y="0"/>
+          <a:chExt cx="0" cy="0"/>
+        </a:xfrm>
+      </p:grpSpPr>
+      <p:sp>
+        <p:nvSpPr>
+          <p:cNvPr id="16" name="Rounded Rectangle 15">
+            <a:extLst>
+              <a:ext uri="{FF2B5EF4-FFF2-40B4-BE49-F238E27FC236}">
+                <a16:creationId xmlns:a16="http://schemas.microsoft.com/office/drawing/2014/main" id="{230C2301-B1A5-44C9-C219-26877762654C}"/>
+              </a:ext>
+            </a:extLst>
+          </p:cNvPr>
+          <p:cNvSpPr/>
+          <p:nvPr/>
+        </p:nvSpPr>
+        <p:spPr>
+          <a:xfrm>
+            <a:off x="623454" y="574964"/>
+            <a:ext cx="4281056" cy="990600"/>
+          </a:xfrm>
+          <a:prstGeom prst="roundRect">
+            <a:avLst/>
+          </a:prstGeom>
+          <a:solidFill>
+            <a:srgbClr val="92D050"/>
+          </a:solidFill>
+          <a:ln>
+            <a:noFill/>
+          </a:ln>
+        </p:spPr>
+        <p:style>
+          <a:lnRef idx="2">
+            <a:schemeClr val="accent6"/>
+          </a:lnRef>
+          <a:fillRef idx="1">
+            <a:schemeClr val="lt1"/>
+          </a:fillRef>
+          <a:effectRef idx="0">
+            <a:schemeClr val="accent6"/>
+          </a:effectRef>
+          <a:fontRef idx="minor">
+            <a:schemeClr val="dk1"/>
+          </a:fontRef>
+        </p:style>
+        <p:txBody>
+          <a:bodyPr rtlCol="0" anchor="ctr"/>
+          <a:lstStyle/>
+          <a:p>
+            <a:pPr algn="ctr"/>
+            <a:r>
+              <a:rPr lang="en-US" sz="5400" dirty="0">
+                <a:solidFill>
+                  <a:schemeClr val="tx1"/>
+                </a:solidFill>
+              </a:rPr>
+              <a:t>Fair Ordering</a:t>
+            </a:r>
+          </a:p>
+        </p:txBody>
+      </p:sp>
+      <p:pic>
+        <p:nvPicPr>
+          <p:cNvPr id="2" name="Graphic 1" descr="Clock with solid fill">
+            <a:extLst>
+              <a:ext uri="{FF2B5EF4-FFF2-40B4-BE49-F238E27FC236}">
+                <a16:creationId xmlns:a16="http://schemas.microsoft.com/office/drawing/2014/main" id="{342E92BA-B28C-3D25-E186-B82EA31D7BB9}"/>
+              </a:ext>
+            </a:extLst>
+          </p:cNvPr>
+          <p:cNvPicPr>
+            <a:picLocks noChangeAspect="1"/>
+          </p:cNvPicPr>
+          <p:nvPr/>
+        </p:nvPicPr>
+        <p:blipFill>
+          <a:blip r:embed="rId2">
+            <a:extLst>
+              <a:ext uri="{96DAC541-7B7A-43D3-8B79-37D633B846F1}">
+                <asvg:svgBlip xmlns:asvg="http://schemas.microsoft.com/office/drawing/2016/SVG/main" r:embed="rId3"/>
+              </a:ext>
+            </a:extLst>
+          </a:blip>
+          <a:stretch>
+            <a:fillRect/>
+          </a:stretch>
+        </p:blipFill>
+        <p:spPr>
+          <a:xfrm rot="9030630">
+            <a:off x="6786549" y="2619550"/>
+            <a:ext cx="1249305" cy="1249305"/>
+          </a:xfrm>
+          <a:prstGeom prst="rect">
+            <a:avLst/>
+          </a:prstGeom>
+        </p:spPr>
+      </p:pic>
+      <p:pic>
+        <p:nvPicPr>
+          <p:cNvPr id="4" name="Graphic 3" descr="Clock with solid fill">
+            <a:extLst>
+              <a:ext uri="{FF2B5EF4-FFF2-40B4-BE49-F238E27FC236}">
+                <a16:creationId xmlns:a16="http://schemas.microsoft.com/office/drawing/2014/main" id="{39F519B8-4089-DE9E-2DA0-ADCA58589B93}"/>
+              </a:ext>
+            </a:extLst>
+          </p:cNvPr>
+          <p:cNvPicPr>
+            <a:picLocks noChangeAspect="1"/>
+          </p:cNvPicPr>
+          <p:nvPr/>
+        </p:nvPicPr>
+        <p:blipFill>
+          <a:blip r:embed="rId2">
+            <a:extLst>
+              <a:ext uri="{96DAC541-7B7A-43D3-8B79-37D633B846F1}">
+                <asvg:svgBlip xmlns:asvg="http://schemas.microsoft.com/office/drawing/2016/SVG/main" r:embed="rId3"/>
+              </a:ext>
+            </a:extLst>
+          </a:blip>
+          <a:stretch>
+            <a:fillRect/>
+          </a:stretch>
+        </p:blipFill>
+        <p:spPr>
+          <a:xfrm rot="17035987">
+            <a:off x="2815203" y="2618929"/>
+            <a:ext cx="1250548" cy="1250548"/>
+          </a:xfrm>
+          <a:prstGeom prst="rect">
+            <a:avLst/>
+          </a:prstGeom>
+        </p:spPr>
+      </p:pic>
+      <p:pic>
+        <p:nvPicPr>
+          <p:cNvPr id="9" name="Graphic 8" descr="Clock with solid fill">
+            <a:extLst>
+              <a:ext uri="{FF2B5EF4-FFF2-40B4-BE49-F238E27FC236}">
+                <a16:creationId xmlns:a16="http://schemas.microsoft.com/office/drawing/2014/main" id="{17DCE4E2-15E3-2BFA-F35A-30E33F8148C4}"/>
+              </a:ext>
+            </a:extLst>
+          </p:cNvPr>
+          <p:cNvPicPr>
+            <a:picLocks noChangeAspect="1"/>
+          </p:cNvPicPr>
+          <p:nvPr/>
+        </p:nvPicPr>
+        <p:blipFill>
+          <a:blip r:embed="rId2">
+            <a:extLst>
+              <a:ext uri="{96DAC541-7B7A-43D3-8B79-37D633B846F1}">
+                <asvg:svgBlip xmlns:asvg="http://schemas.microsoft.com/office/drawing/2016/SVG/main" r:embed="rId3"/>
+              </a:ext>
+            </a:extLst>
+          </a:blip>
+          <a:stretch>
+            <a:fillRect/>
+          </a:stretch>
+        </p:blipFill>
+        <p:spPr>
+          <a:xfrm rot="2178153">
+            <a:off x="4736757" y="2599194"/>
+            <a:ext cx="1294281" cy="1294281"/>
+          </a:xfrm>
+          <a:prstGeom prst="rect">
+            <a:avLst/>
+          </a:prstGeom>
+        </p:spPr>
+      </p:pic>
+      <p:sp>
+        <p:nvSpPr>
+          <p:cNvPr id="3" name="Rounded Rectangle 2">
+            <a:extLst>
+              <a:ext uri="{FF2B5EF4-FFF2-40B4-BE49-F238E27FC236}">
+                <a16:creationId xmlns:a16="http://schemas.microsoft.com/office/drawing/2014/main" id="{EFB9C1EF-BFA6-401A-AFF8-EA2BC2EAE5E6}"/>
+              </a:ext>
+            </a:extLst>
+          </p:cNvPr>
+          <p:cNvSpPr/>
+          <p:nvPr/>
+        </p:nvSpPr>
+        <p:spPr>
+          <a:xfrm>
+            <a:off x="5383897" y="574964"/>
+            <a:ext cx="4281056" cy="990600"/>
+          </a:xfrm>
+          <a:prstGeom prst="roundRect">
+            <a:avLst/>
+          </a:prstGeom>
+          <a:solidFill>
+            <a:schemeClr val="accent2">
+              <a:lumMod val="40000"/>
+              <a:lumOff val="60000"/>
+            </a:schemeClr>
+          </a:solidFill>
+          <a:ln>
+            <a:noFill/>
+          </a:ln>
+        </p:spPr>
+        <p:style>
+          <a:lnRef idx="2">
+            <a:schemeClr val="accent6"/>
+          </a:lnRef>
+          <a:fillRef idx="1">
+            <a:schemeClr val="lt1"/>
+          </a:fillRef>
+          <a:effectRef idx="0">
+            <a:schemeClr val="accent6"/>
+          </a:effectRef>
+          <a:fontRef idx="minor">
+            <a:schemeClr val="dk1"/>
+          </a:fontRef>
+        </p:style>
+        <p:txBody>
+          <a:bodyPr rtlCol="0" anchor="ctr"/>
+          <a:lstStyle/>
+          <a:p>
+            <a:pPr algn="ctr"/>
+            <a:r>
+              <a:rPr lang="en-US" sz="5400" dirty="0">
+                <a:solidFill>
+                  <a:schemeClr val="tx1"/>
+                </a:solidFill>
+              </a:rPr>
+              <a:t>Our Proposal</a:t>
+            </a:r>
+          </a:p>
+        </p:txBody>
+      </p:sp>
+    </p:spTree>
+    <p:extLst>
+      <p:ext uri="{BB962C8B-B14F-4D97-AF65-F5344CB8AC3E}">
+        <p14:creationId xmlns:p14="http://schemas.microsoft.com/office/powerpoint/2010/main" val="219240920"/>
+      </p:ext>
+    </p:extLst>
+  </p:cSld>
+  <p:clrMapOvr>
+    <a:masterClrMapping/>
+  </p:clrMapOvr>
+  <mc:AlternateContent xmlns:mc="http://schemas.openxmlformats.org/markup-compatibility/2006">
+    <mc:Choice xmlns:p159="http://schemas.microsoft.com/office/powerpoint/2015/09/main" Requires="p159">
+      <p:transition>
+        <p159:morph option="byObject"/>
+      </p:transition>
+    </mc:Choice>
+    <mc:Fallback>
+      <p:transition>
+        <p:fade/>
+      </p:transition>
+    </mc:Fallback>
+  </mc:AlternateContent>
+</p:sld>
+</file>
+
+<file path=ppt/slides/slide13.xml><?xml version="1.0" encoding="utf-8"?>
+<p:sld xmlns:a="http://schemas.openxmlformats.org/drawingml/2006/main" xmlns:r="http://schemas.openxmlformats.org/officeDocument/2006/relationships" xmlns:p="http://schemas.openxmlformats.org/presentationml/2006/main">
+  <p:cSld>
+    <p:spTree>
+      <p:nvGrpSpPr>
+        <p:cNvPr id="1" name="">
+          <a:extLst>
+            <a:ext uri="{FF2B5EF4-FFF2-40B4-BE49-F238E27FC236}">
+              <a16:creationId xmlns:a16="http://schemas.microsoft.com/office/drawing/2014/main" id="{C10B2650-2C8C-F10D-9303-B6E4D53E417A}"/>
+            </a:ext>
+          </a:extLst>
+        </p:cNvPr>
+        <p:cNvGrpSpPr/>
+        <p:nvPr/>
+      </p:nvGrpSpPr>
+      <p:grpSpPr>
+        <a:xfrm>
+          <a:off x="0" y="0"/>
+          <a:ext cx="0" cy="0"/>
+          <a:chOff x="0" y="0"/>
+          <a:chExt cx="0" cy="0"/>
+        </a:xfrm>
+      </p:grpSpPr>
+      <p:sp>
+        <p:nvSpPr>
+          <p:cNvPr id="16" name="Rounded Rectangle 15">
+            <a:extLst>
+              <a:ext uri="{FF2B5EF4-FFF2-40B4-BE49-F238E27FC236}">
+                <a16:creationId xmlns:a16="http://schemas.microsoft.com/office/drawing/2014/main" id="{F12AEC06-BA69-D35C-FADB-0B8D9D6674DA}"/>
+              </a:ext>
+            </a:extLst>
+          </p:cNvPr>
+          <p:cNvSpPr/>
+          <p:nvPr/>
+        </p:nvSpPr>
+        <p:spPr>
+          <a:xfrm>
+            <a:off x="623454" y="574964"/>
+            <a:ext cx="4281056" cy="990600"/>
+          </a:xfrm>
+          <a:prstGeom prst="roundRect">
+            <a:avLst/>
+          </a:prstGeom>
+          <a:solidFill>
+            <a:srgbClr val="92D050"/>
+          </a:solidFill>
+          <a:ln>
+            <a:noFill/>
+          </a:ln>
+        </p:spPr>
+        <p:style>
+          <a:lnRef idx="2">
+            <a:schemeClr val="accent6"/>
+          </a:lnRef>
+          <a:fillRef idx="1">
+            <a:schemeClr val="lt1"/>
+          </a:fillRef>
+          <a:effectRef idx="0">
+            <a:schemeClr val="accent6"/>
+          </a:effectRef>
+          <a:fontRef idx="minor">
+            <a:schemeClr val="dk1"/>
+          </a:fontRef>
+        </p:style>
+        <p:txBody>
+          <a:bodyPr rtlCol="0" anchor="ctr"/>
+          <a:lstStyle/>
+          <a:p>
+            <a:pPr algn="ctr"/>
+            <a:r>
+              <a:rPr lang="en-US" sz="5400" dirty="0">
+                <a:solidFill>
+                  <a:schemeClr val="tx1"/>
+                </a:solidFill>
+              </a:rPr>
+              <a:t>Fair Ordering</a:t>
+            </a:r>
+          </a:p>
+        </p:txBody>
+      </p:sp>
+      <p:pic>
+        <p:nvPicPr>
+          <p:cNvPr id="2" name="Graphic 1" descr="Clock with solid fill">
+            <a:extLst>
+              <a:ext uri="{FF2B5EF4-FFF2-40B4-BE49-F238E27FC236}">
+                <a16:creationId xmlns:a16="http://schemas.microsoft.com/office/drawing/2014/main" id="{7B9D80AE-1EA8-AA1A-2806-8D543F3723D2}"/>
+              </a:ext>
+            </a:extLst>
+          </p:cNvPr>
+          <p:cNvPicPr>
+            <a:picLocks noChangeAspect="1"/>
+          </p:cNvPicPr>
+          <p:nvPr/>
+        </p:nvPicPr>
+        <p:blipFill>
+          <a:blip r:embed="rId2">
+            <a:extLst>
+              <a:ext uri="{96DAC541-7B7A-43D3-8B79-37D633B846F1}">
+                <asvg:svgBlip xmlns:asvg="http://schemas.microsoft.com/office/drawing/2016/SVG/main" r:embed="rId3"/>
+              </a:ext>
+            </a:extLst>
+          </a:blip>
+          <a:stretch>
+            <a:fillRect/>
+          </a:stretch>
+        </p:blipFill>
+        <p:spPr>
+          <a:xfrm rot="376756">
+            <a:off x="6786549" y="2619550"/>
+            <a:ext cx="1249305" cy="1249305"/>
+          </a:xfrm>
+          <a:prstGeom prst="rect">
+            <a:avLst/>
+          </a:prstGeom>
+        </p:spPr>
+      </p:pic>
+      <p:pic>
+        <p:nvPicPr>
+          <p:cNvPr id="4" name="Graphic 3" descr="Clock with solid fill">
+            <a:extLst>
+              <a:ext uri="{FF2B5EF4-FFF2-40B4-BE49-F238E27FC236}">
+                <a16:creationId xmlns:a16="http://schemas.microsoft.com/office/drawing/2014/main" id="{14FDA53E-0579-83A3-19F2-16FE477BE30C}"/>
+              </a:ext>
+            </a:extLst>
+          </p:cNvPr>
+          <p:cNvPicPr>
+            <a:picLocks noChangeAspect="1"/>
+          </p:cNvPicPr>
+          <p:nvPr/>
+        </p:nvPicPr>
+        <p:blipFill>
+          <a:blip r:embed="rId2">
+            <a:extLst>
+              <a:ext uri="{96DAC541-7B7A-43D3-8B79-37D633B846F1}">
+                <asvg:svgBlip xmlns:asvg="http://schemas.microsoft.com/office/drawing/2016/SVG/main" r:embed="rId3"/>
+              </a:ext>
+            </a:extLst>
+          </a:blip>
+          <a:stretch>
+            <a:fillRect/>
+          </a:stretch>
+        </p:blipFill>
+        <p:spPr>
+          <a:xfrm rot="20756516">
+            <a:off x="2815203" y="2618929"/>
+            <a:ext cx="1250548" cy="1250548"/>
+          </a:xfrm>
+          <a:prstGeom prst="rect">
+            <a:avLst/>
+          </a:prstGeom>
+        </p:spPr>
+      </p:pic>
+      <p:pic>
+        <p:nvPicPr>
+          <p:cNvPr id="9" name="Graphic 8" descr="Clock with solid fill">
+            <a:extLst>
+              <a:ext uri="{FF2B5EF4-FFF2-40B4-BE49-F238E27FC236}">
+                <a16:creationId xmlns:a16="http://schemas.microsoft.com/office/drawing/2014/main" id="{39813B02-8883-0FC1-6CBA-18EEEC231E4C}"/>
+              </a:ext>
+            </a:extLst>
+          </p:cNvPr>
+          <p:cNvPicPr>
+            <a:picLocks noChangeAspect="1"/>
+          </p:cNvPicPr>
+          <p:nvPr/>
+        </p:nvPicPr>
+        <p:blipFill>
+          <a:blip r:embed="rId2">
+            <a:extLst>
+              <a:ext uri="{96DAC541-7B7A-43D3-8B79-37D633B846F1}">
+                <asvg:svgBlip xmlns:asvg="http://schemas.microsoft.com/office/drawing/2016/SVG/main" r:embed="rId3"/>
+              </a:ext>
+            </a:extLst>
+          </a:blip>
+          <a:stretch>
+            <a:fillRect/>
+          </a:stretch>
+        </p:blipFill>
+        <p:spPr>
+          <a:xfrm rot="518788">
+            <a:off x="4736757" y="2599194"/>
+            <a:ext cx="1294281" cy="1294281"/>
+          </a:xfrm>
+          <a:prstGeom prst="rect">
+            <a:avLst/>
+          </a:prstGeom>
+        </p:spPr>
+      </p:pic>
+      <p:sp>
+        <p:nvSpPr>
+          <p:cNvPr id="3" name="Rounded Rectangle 2">
+            <a:extLst>
+              <a:ext uri="{FF2B5EF4-FFF2-40B4-BE49-F238E27FC236}">
+                <a16:creationId xmlns:a16="http://schemas.microsoft.com/office/drawing/2014/main" id="{31DC8F9B-53C0-AA38-AD63-A1C84FC4D2C9}"/>
+              </a:ext>
+            </a:extLst>
+          </p:cNvPr>
+          <p:cNvSpPr/>
+          <p:nvPr/>
+        </p:nvSpPr>
+        <p:spPr>
+          <a:xfrm>
+            <a:off x="5383897" y="574964"/>
+            <a:ext cx="4281056" cy="990600"/>
+          </a:xfrm>
+          <a:prstGeom prst="roundRect">
+            <a:avLst/>
+          </a:prstGeom>
+          <a:solidFill>
+            <a:schemeClr val="accent2">
+              <a:lumMod val="40000"/>
+              <a:lumOff val="60000"/>
+            </a:schemeClr>
+          </a:solidFill>
+          <a:ln>
+            <a:noFill/>
+          </a:ln>
+        </p:spPr>
+        <p:style>
+          <a:lnRef idx="2">
+            <a:schemeClr val="accent6"/>
+          </a:lnRef>
+          <a:fillRef idx="1">
+            <a:schemeClr val="lt1"/>
+          </a:fillRef>
+          <a:effectRef idx="0">
+            <a:schemeClr val="accent6"/>
+          </a:effectRef>
+          <a:fontRef idx="minor">
+            <a:schemeClr val="dk1"/>
+          </a:fontRef>
+        </p:style>
+        <p:txBody>
+          <a:bodyPr rtlCol="0" anchor="ctr"/>
+          <a:lstStyle/>
+          <a:p>
+            <a:pPr algn="ctr"/>
+            <a:r>
+              <a:rPr lang="en-US" sz="5400" dirty="0">
+                <a:solidFill>
+                  <a:schemeClr val="tx1"/>
+                </a:solidFill>
+              </a:rPr>
+              <a:t>Our Proposal</a:t>
+            </a:r>
+          </a:p>
+        </p:txBody>
+      </p:sp>
+    </p:spTree>
+    <p:extLst>
+      <p:ext uri="{BB962C8B-B14F-4D97-AF65-F5344CB8AC3E}">
+        <p14:creationId xmlns:p14="http://schemas.microsoft.com/office/powerpoint/2010/main" val="2983797250"/>
+      </p:ext>
+    </p:extLst>
+  </p:cSld>
+  <p:clrMapOvr>
+    <a:masterClrMapping/>
+  </p:clrMapOvr>
+  <mc:AlternateContent xmlns:mc="http://schemas.openxmlformats.org/markup-compatibility/2006">
+    <mc:Choice xmlns:p159="http://schemas.microsoft.com/office/powerpoint/2015/09/main" Requires="p159">
+      <p:transition>
+        <p159:morph option="byObject"/>
+      </p:transition>
+    </mc:Choice>
+    <mc:Fallback>
+      <p:transition>
+        <p:fade/>
+      </p:transition>
+    </mc:Fallback>
+  </mc:AlternateContent>
+</p:sld>
+</file>
+
+<file path=ppt/slides/slide14.xml><?xml version="1.0" encoding="utf-8"?>
+<p:sld xmlns:a="http://schemas.openxmlformats.org/drawingml/2006/main" xmlns:r="http://schemas.openxmlformats.org/officeDocument/2006/relationships" xmlns:p="http://schemas.openxmlformats.org/presentationml/2006/main">
+  <p:cSld>
+    <p:spTree>
+      <p:nvGrpSpPr>
+        <p:cNvPr id="1" name="">
+          <a:extLst>
+            <a:ext uri="{FF2B5EF4-FFF2-40B4-BE49-F238E27FC236}">
+              <a16:creationId xmlns:a16="http://schemas.microsoft.com/office/drawing/2014/main" id="{10C98873-9C47-FF70-CB2A-C85F2FB5A31C}"/>
+            </a:ext>
+          </a:extLst>
+        </p:cNvPr>
+        <p:cNvGrpSpPr/>
+        <p:nvPr/>
+      </p:nvGrpSpPr>
+      <p:grpSpPr>
+        <a:xfrm>
+          <a:off x="0" y="0"/>
+          <a:ext cx="0" cy="0"/>
+          <a:chOff x="0" y="0"/>
+          <a:chExt cx="0" cy="0"/>
+        </a:xfrm>
+      </p:grpSpPr>
+      <p:sp>
+        <p:nvSpPr>
+          <p:cNvPr id="16" name="Rounded Rectangle 15">
+            <a:extLst>
+              <a:ext uri="{FF2B5EF4-FFF2-40B4-BE49-F238E27FC236}">
+                <a16:creationId xmlns:a16="http://schemas.microsoft.com/office/drawing/2014/main" id="{AEE4BB2E-72B1-BB66-045F-0F2A2B6D6B53}"/>
+              </a:ext>
+            </a:extLst>
+          </p:cNvPr>
+          <p:cNvSpPr/>
+          <p:nvPr/>
+        </p:nvSpPr>
+        <p:spPr>
+          <a:xfrm>
+            <a:off x="623454" y="574964"/>
+            <a:ext cx="4281056" cy="990600"/>
+          </a:xfrm>
+          <a:prstGeom prst="roundRect">
+            <a:avLst/>
+          </a:prstGeom>
+          <a:solidFill>
+            <a:srgbClr val="92D050"/>
+          </a:solidFill>
+          <a:ln>
+            <a:noFill/>
+          </a:ln>
+        </p:spPr>
+        <p:style>
+          <a:lnRef idx="2">
+            <a:schemeClr val="accent6"/>
+          </a:lnRef>
+          <a:fillRef idx="1">
+            <a:schemeClr val="lt1"/>
+          </a:fillRef>
+          <a:effectRef idx="0">
+            <a:schemeClr val="accent6"/>
+          </a:effectRef>
+          <a:fontRef idx="minor">
+            <a:schemeClr val="dk1"/>
+          </a:fontRef>
+        </p:style>
+        <p:txBody>
+          <a:bodyPr rtlCol="0" anchor="ctr"/>
+          <a:lstStyle/>
+          <a:p>
+            <a:pPr algn="ctr"/>
+            <a:r>
+              <a:rPr lang="en-US" sz="5400" dirty="0">
+                <a:solidFill>
+                  <a:schemeClr val="tx1"/>
+                </a:solidFill>
+              </a:rPr>
+              <a:t>Fair Ordering</a:t>
+            </a:r>
+          </a:p>
+        </p:txBody>
+      </p:sp>
+      <p:pic>
+        <p:nvPicPr>
+          <p:cNvPr id="2" name="Graphic 1" descr="Clock with solid fill">
+            <a:extLst>
+              <a:ext uri="{FF2B5EF4-FFF2-40B4-BE49-F238E27FC236}">
+                <a16:creationId xmlns:a16="http://schemas.microsoft.com/office/drawing/2014/main" id="{13D1EBDF-4915-B5A9-16AE-568921810152}"/>
+              </a:ext>
+            </a:extLst>
+          </p:cNvPr>
+          <p:cNvPicPr>
+            <a:picLocks noChangeAspect="1"/>
+          </p:cNvPicPr>
+          <p:nvPr/>
+        </p:nvPicPr>
+        <p:blipFill>
+          <a:blip r:embed="rId2">
+            <a:extLst>
+              <a:ext uri="{96DAC541-7B7A-43D3-8B79-37D633B846F1}">
+                <asvg:svgBlip xmlns:asvg="http://schemas.microsoft.com/office/drawing/2016/SVG/main" r:embed="rId3"/>
+              </a:ext>
+            </a:extLst>
+          </a:blip>
+          <a:stretch>
+            <a:fillRect/>
+          </a:stretch>
+        </p:blipFill>
+        <p:spPr>
+          <a:xfrm rot="19215335">
+            <a:off x="6786549" y="1924669"/>
+            <a:ext cx="1249305" cy="1249305"/>
+          </a:xfrm>
+          <a:prstGeom prst="rect">
+            <a:avLst/>
+          </a:prstGeom>
+        </p:spPr>
+      </p:pic>
+      <p:pic>
+        <p:nvPicPr>
+          <p:cNvPr id="4" name="Graphic 3" descr="Clock with solid fill">
+            <a:extLst>
+              <a:ext uri="{FF2B5EF4-FFF2-40B4-BE49-F238E27FC236}">
+                <a16:creationId xmlns:a16="http://schemas.microsoft.com/office/drawing/2014/main" id="{531ABAB2-BE16-8A2E-0B01-F99E88718722}"/>
+              </a:ext>
+            </a:extLst>
+          </p:cNvPr>
+          <p:cNvPicPr>
+            <a:picLocks noChangeAspect="1"/>
+          </p:cNvPicPr>
+          <p:nvPr/>
+        </p:nvPicPr>
+        <p:blipFill>
+          <a:blip r:embed="rId2">
+            <a:extLst>
+              <a:ext uri="{96DAC541-7B7A-43D3-8B79-37D633B846F1}">
+                <asvg:svgBlip xmlns:asvg="http://schemas.microsoft.com/office/drawing/2016/SVG/main" r:embed="rId3"/>
+              </a:ext>
+            </a:extLst>
+          </a:blip>
+          <a:stretch>
+            <a:fillRect/>
+          </a:stretch>
+        </p:blipFill>
+        <p:spPr>
+          <a:xfrm rot="21378094">
+            <a:off x="2815203" y="1924048"/>
+            <a:ext cx="1250548" cy="1250548"/>
+          </a:xfrm>
+          <a:prstGeom prst="rect">
+            <a:avLst/>
+          </a:prstGeom>
+        </p:spPr>
+      </p:pic>
+      <p:pic>
+        <p:nvPicPr>
+          <p:cNvPr id="9" name="Graphic 8" descr="Clock with solid fill">
+            <a:extLst>
+              <a:ext uri="{FF2B5EF4-FFF2-40B4-BE49-F238E27FC236}">
+                <a16:creationId xmlns:a16="http://schemas.microsoft.com/office/drawing/2014/main" id="{9914F3B6-854D-FE8A-6755-80755A5870CC}"/>
+              </a:ext>
+            </a:extLst>
+          </p:cNvPr>
+          <p:cNvPicPr>
+            <a:picLocks noChangeAspect="1"/>
+          </p:cNvPicPr>
+          <p:nvPr/>
+        </p:nvPicPr>
+        <p:blipFill>
+          <a:blip r:embed="rId2">
+            <a:extLst>
+              <a:ext uri="{96DAC541-7B7A-43D3-8B79-37D633B846F1}">
+                <asvg:svgBlip xmlns:asvg="http://schemas.microsoft.com/office/drawing/2016/SVG/main" r:embed="rId3"/>
+              </a:ext>
+            </a:extLst>
+          </a:blip>
+          <a:stretch>
+            <a:fillRect/>
+          </a:stretch>
+        </p:blipFill>
+        <p:spPr>
+          <a:xfrm rot="20659468">
+            <a:off x="4736757" y="1904313"/>
+            <a:ext cx="1294281" cy="1294281"/>
+          </a:xfrm>
+          <a:prstGeom prst="rect">
+            <a:avLst/>
+          </a:prstGeom>
+        </p:spPr>
+      </p:pic>
+      <p:sp>
+        <p:nvSpPr>
+          <p:cNvPr id="3" name="Rounded Rectangle 2">
+            <a:extLst>
+              <a:ext uri="{FF2B5EF4-FFF2-40B4-BE49-F238E27FC236}">
+                <a16:creationId xmlns:a16="http://schemas.microsoft.com/office/drawing/2014/main" id="{1F9AB9CE-A56E-1754-5BA5-0ECA64FEC4B4}"/>
+              </a:ext>
+            </a:extLst>
+          </p:cNvPr>
+          <p:cNvSpPr/>
+          <p:nvPr/>
+        </p:nvSpPr>
+        <p:spPr>
+          <a:xfrm>
+            <a:off x="5383897" y="574964"/>
+            <a:ext cx="4281056" cy="990600"/>
+          </a:xfrm>
+          <a:prstGeom prst="roundRect">
+            <a:avLst/>
+          </a:prstGeom>
+          <a:solidFill>
+            <a:schemeClr val="accent2">
+              <a:lumMod val="40000"/>
+              <a:lumOff val="60000"/>
+            </a:schemeClr>
+          </a:solidFill>
+          <a:ln>
+            <a:noFill/>
+          </a:ln>
+        </p:spPr>
+        <p:style>
+          <a:lnRef idx="2">
+            <a:schemeClr val="accent6"/>
+          </a:lnRef>
+          <a:fillRef idx="1">
+            <a:schemeClr val="lt1"/>
+          </a:fillRef>
+          <a:effectRef idx="0">
+            <a:schemeClr val="accent6"/>
+          </a:effectRef>
+          <a:fontRef idx="minor">
+            <a:schemeClr val="dk1"/>
+          </a:fontRef>
+        </p:style>
+        <p:txBody>
+          <a:bodyPr rtlCol="0" anchor="ctr"/>
+          <a:lstStyle/>
+          <a:p>
+            <a:pPr algn="ctr"/>
+            <a:r>
+              <a:rPr lang="en-US" sz="5400" dirty="0">
+                <a:solidFill>
+                  <a:schemeClr val="tx1"/>
+                </a:solidFill>
+              </a:rPr>
+              <a:t>Our Proposal</a:t>
+            </a:r>
+          </a:p>
+        </p:txBody>
+      </p:sp>
+      <p:sp>
+        <p:nvSpPr>
+          <p:cNvPr id="5" name="Rounded Rectangle 4">
+            <a:extLst>
+              <a:ext uri="{FF2B5EF4-FFF2-40B4-BE49-F238E27FC236}">
+                <a16:creationId xmlns:a16="http://schemas.microsoft.com/office/drawing/2014/main" id="{FD7F4FE3-A206-B743-A89B-B5C1E442D9B4}"/>
+              </a:ext>
+            </a:extLst>
+          </p:cNvPr>
+          <p:cNvSpPr/>
+          <p:nvPr/>
+        </p:nvSpPr>
+        <p:spPr>
+          <a:xfrm>
+            <a:off x="355682" y="3317113"/>
+            <a:ext cx="5168006" cy="990600"/>
+          </a:xfrm>
+          <a:prstGeom prst="roundRect">
+            <a:avLst/>
+          </a:prstGeom>
+          <a:solidFill>
+            <a:schemeClr val="accent2">
+              <a:lumMod val="40000"/>
+              <a:lumOff val="60000"/>
+            </a:schemeClr>
+          </a:solidFill>
+          <a:ln>
+            <a:noFill/>
+          </a:ln>
+        </p:spPr>
+        <p:style>
+          <a:lnRef idx="2">
+            <a:schemeClr val="accent6"/>
+          </a:lnRef>
+          <a:fillRef idx="1">
+            <a:schemeClr val="lt1"/>
+          </a:fillRef>
+          <a:effectRef idx="0">
+            <a:schemeClr val="accent6"/>
+          </a:effectRef>
+          <a:fontRef idx="minor">
+            <a:schemeClr val="dk1"/>
+          </a:fontRef>
+        </p:style>
+        <p:txBody>
+          <a:bodyPr rtlCol="0" anchor="ctr"/>
+          <a:lstStyle/>
+          <a:p>
+            <a:pPr algn="ctr"/>
+            <a:r>
+              <a:rPr lang="en-US" sz="3200" dirty="0">
+                <a:solidFill>
+                  <a:schemeClr val="tx1"/>
+                </a:solidFill>
+              </a:rPr>
+              <a:t>1. Learn Error Distributions</a:t>
+            </a:r>
+          </a:p>
+        </p:txBody>
+      </p:sp>
+      <p:sp>
+        <p:nvSpPr>
+          <p:cNvPr id="6" name="Rounded Rectangle 5">
+            <a:extLst>
+              <a:ext uri="{FF2B5EF4-FFF2-40B4-BE49-F238E27FC236}">
+                <a16:creationId xmlns:a16="http://schemas.microsoft.com/office/drawing/2014/main" id="{21F1B849-EC06-F10B-8F75-E6F2BCA066BC}"/>
+              </a:ext>
+            </a:extLst>
+          </p:cNvPr>
+          <p:cNvSpPr/>
+          <p:nvPr/>
+        </p:nvSpPr>
+        <p:spPr>
+          <a:xfrm>
+            <a:off x="1987994" y="4443767"/>
+            <a:ext cx="6449421" cy="990600"/>
+          </a:xfrm>
+          <a:prstGeom prst="roundRect">
+            <a:avLst/>
+          </a:prstGeom>
+          <a:solidFill>
+            <a:schemeClr val="accent2">
+              <a:lumMod val="60000"/>
+              <a:lumOff val="40000"/>
+            </a:schemeClr>
+          </a:solidFill>
+          <a:ln>
+            <a:noFill/>
+          </a:ln>
+        </p:spPr>
+        <p:style>
+          <a:lnRef idx="2">
+            <a:schemeClr val="accent6"/>
+          </a:lnRef>
+          <a:fillRef idx="1">
+            <a:schemeClr val="lt1"/>
+          </a:fillRef>
+          <a:effectRef idx="0">
+            <a:schemeClr val="accent6"/>
+          </a:effectRef>
+          <a:fontRef idx="minor">
+            <a:schemeClr val="dk1"/>
+          </a:fontRef>
+        </p:style>
+        <p:txBody>
+          <a:bodyPr rtlCol="0" anchor="ctr"/>
+          <a:lstStyle/>
+          <a:p>
+            <a:pPr algn="ctr"/>
+            <a:r>
+              <a:rPr lang="en-US" sz="3200" dirty="0">
+                <a:solidFill>
+                  <a:schemeClr val="tx1"/>
+                </a:solidFill>
+              </a:rPr>
+              <a:t>2. True Time as a function of local time + Distributions</a:t>
+            </a:r>
+          </a:p>
+        </p:txBody>
+      </p:sp>
+      <p:sp>
+        <p:nvSpPr>
+          <p:cNvPr id="7" name="Rounded Rectangle 6">
+            <a:extLst>
+              <a:ext uri="{FF2B5EF4-FFF2-40B4-BE49-F238E27FC236}">
+                <a16:creationId xmlns:a16="http://schemas.microsoft.com/office/drawing/2014/main" id="{D4270D84-6DD6-D71A-3B09-09FDD2388292}"/>
+              </a:ext>
+            </a:extLst>
+          </p:cNvPr>
+          <p:cNvSpPr/>
+          <p:nvPr/>
+        </p:nvSpPr>
+        <p:spPr>
+          <a:xfrm>
+            <a:off x="4585975" y="5570422"/>
+            <a:ext cx="7171053" cy="990600"/>
+          </a:xfrm>
+          <a:prstGeom prst="roundRect">
+            <a:avLst/>
+          </a:prstGeom>
+          <a:solidFill>
+            <a:schemeClr val="accent2">
+              <a:lumMod val="75000"/>
+            </a:schemeClr>
+          </a:solidFill>
+          <a:ln>
+            <a:noFill/>
+          </a:ln>
+        </p:spPr>
+        <p:style>
+          <a:lnRef idx="2">
+            <a:schemeClr val="accent6"/>
+          </a:lnRef>
+          <a:fillRef idx="1">
+            <a:schemeClr val="lt1"/>
+          </a:fillRef>
+          <a:effectRef idx="0">
+            <a:schemeClr val="accent6"/>
+          </a:effectRef>
+          <a:fontRef idx="minor">
+            <a:schemeClr val="dk1"/>
+          </a:fontRef>
+        </p:style>
+        <p:txBody>
+          <a:bodyPr rtlCol="0" anchor="ctr"/>
+          <a:lstStyle/>
+          <a:p>
+            <a:pPr algn="ctr"/>
+            <a:r>
+              <a:rPr lang="en-US" sz="3200" dirty="0">
+                <a:solidFill>
+                  <a:schemeClr val="accent2">
+                    <a:lumMod val="20000"/>
+                    <a:lumOff val="80000"/>
+                  </a:schemeClr>
+                </a:solidFill>
+              </a:rPr>
+              <a:t>3. Get True Time comparison by only comparing local time</a:t>
+            </a:r>
+          </a:p>
+        </p:txBody>
+      </p:sp>
+    </p:spTree>
+    <p:extLst>
+      <p:ext uri="{BB962C8B-B14F-4D97-AF65-F5344CB8AC3E}">
+        <p14:creationId xmlns:p14="http://schemas.microsoft.com/office/powerpoint/2010/main" val="970826009"/>
+      </p:ext>
+    </p:extLst>
+  </p:cSld>
+  <p:clrMapOvr>
+    <a:masterClrMapping/>
+  </p:clrMapOvr>
+  <mc:AlternateContent xmlns:mc="http://schemas.openxmlformats.org/markup-compatibility/2006">
+    <mc:Choice xmlns:p159="http://schemas.microsoft.com/office/powerpoint/2015/09/main" Requires="p159">
+      <p:transition>
+        <p159:morph option="byObject"/>
+      </p:transition>
+    </mc:Choice>
+    <mc:Fallback>
+      <p:transition>
+        <p:fade/>
+      </p:transition>
+    </mc:Fallback>
+  </mc:AlternateContent>
+  <p:timing>
+    <p:tnLst>
+      <p:par>
+        <p:cTn id="1" dur="indefinite" restart="never" nodeType="tmRoot">
+          <p:childTnLst>
+            <p:seq concurrent="1" nextAc="seek">
+              <p:cTn id="2" dur="indefinite" nodeType="mainSeq">
+                <p:childTnLst>
+                  <p:par>
+                    <p:cTn id="3" fill="hold">
+                      <p:stCondLst>
+                        <p:cond delay="indefinite"/>
+                      </p:stCondLst>
+                      <p:childTnLst>
+                        <p:par>
+                          <p:cTn id="4" fill="hold">
+                            <p:stCondLst>
+                              <p:cond delay="0"/>
+                            </p:stCondLst>
+                            <p:childTnLst>
+                              <p:par>
+                                <p:cTn id="5" presetID="1" presetClass="entr" presetSubtype="0" fill="hold" grpId="0" nodeType="clickEffect">
+                                  <p:stCondLst>
+                                    <p:cond delay="0"/>
+                                  </p:stCondLst>
+                                  <p:childTnLst>
+                                    <p:set>
+                                      <p:cBhvr>
+                                        <p:cTn id="6" dur="1" fill="hold">
+                                          <p:stCondLst>
+                                            <p:cond delay="0"/>
+                                          </p:stCondLst>
+                                        </p:cTn>
+                                        <p:tgtEl>
+                                          <p:spTgt spid="5"/>
+                                        </p:tgtEl>
+                                        <p:attrNameLst>
+                                          <p:attrName>style.visibility</p:attrName>
+                                        </p:attrNameLst>
+                                      </p:cBhvr>
+                                      <p:to>
+                                        <p:strVal val="visible"/>
+                                      </p:to>
+                                    </p:set>
+                                  </p:childTnLst>
+                                </p:cTn>
+                              </p:par>
+                            </p:childTnLst>
+                          </p:cTn>
+                        </p:par>
+                      </p:childTnLst>
+                    </p:cTn>
+                  </p:par>
+                  <p:par>
+                    <p:cTn id="7" fill="hold">
+                      <p:stCondLst>
+                        <p:cond delay="indefinite"/>
+                      </p:stCondLst>
+                      <p:childTnLst>
+                        <p:par>
+                          <p:cTn id="8" fill="hold">
+                            <p:stCondLst>
+                              <p:cond delay="0"/>
+                            </p:stCondLst>
+                            <p:childTnLst>
+                              <p:par>
+                                <p:cTn id="9" presetID="1" presetClass="entr" presetSubtype="0" fill="hold" grpId="0" nodeType="clickEffect">
+                                  <p:stCondLst>
+                                    <p:cond delay="0"/>
+                                  </p:stCondLst>
+                                  <p:childTnLst>
+                                    <p:set>
+                                      <p:cBhvr>
+                                        <p:cTn id="10" dur="1" fill="hold">
+                                          <p:stCondLst>
+                                            <p:cond delay="0"/>
+                                          </p:stCondLst>
+                                        </p:cTn>
+                                        <p:tgtEl>
+                                          <p:spTgt spid="6"/>
+                                        </p:tgtEl>
+                                        <p:attrNameLst>
+                                          <p:attrName>style.visibility</p:attrName>
+                                        </p:attrNameLst>
+                                      </p:cBhvr>
+                                      <p:to>
+                                        <p:strVal val="visible"/>
+                                      </p:to>
+                                    </p:set>
+                                  </p:childTnLst>
+                                </p:cTn>
+                              </p:par>
+                            </p:childTnLst>
+                          </p:cTn>
+                        </p:par>
+                      </p:childTnLst>
+                    </p:cTn>
+                  </p:par>
+                  <p:par>
+                    <p:cTn id="11" fill="hold">
+                      <p:stCondLst>
+                        <p:cond delay="indefinite"/>
+                      </p:stCondLst>
+                      <p:childTnLst>
+                        <p:par>
+                          <p:cTn id="12" fill="hold">
+                            <p:stCondLst>
+                              <p:cond delay="0"/>
+                            </p:stCondLst>
+                            <p:childTnLst>
+                              <p:par>
+                                <p:cTn id="13" presetID="1" presetClass="entr" presetSubtype="0" fill="hold" grpId="0" nodeType="clickEffect">
+                                  <p:stCondLst>
+                                    <p:cond delay="0"/>
+                                  </p:stCondLst>
+                                  <p:childTnLst>
+                                    <p:set>
+                                      <p:cBhvr>
+                                        <p:cTn id="14" dur="1" fill="hold">
+                                          <p:stCondLst>
+                                            <p:cond delay="0"/>
+                                          </p:stCondLst>
+                                        </p:cTn>
+                                        <p:tgtEl>
+                                          <p:spTgt spid="7"/>
+                                        </p:tgtEl>
+                                        <p:attrNameLst>
+                                          <p:attrName>style.visibility</p:attrName>
+                                        </p:attrNameLst>
+                                      </p:cBhvr>
+                                      <p:to>
+                                        <p:strVal val="visible"/>
+                                      </p:to>
+                                    </p:set>
+                                  </p:childTnLst>
+                                </p:cTn>
+                              </p:par>
+                            </p:childTnLst>
+                          </p:cTn>
+                        </p:par>
+                      </p:childTnLst>
+                    </p:cTn>
+                  </p:par>
+                </p:childTnLst>
+              </p:cTn>
+              <p:prevCondLst>
+                <p:cond evt="onPrev" delay="0">
+                  <p:tgtEl>
+                    <p:sldTgt/>
+                  </p:tgtEl>
+                </p:cond>
+              </p:prevCondLst>
+              <p:nextCondLst>
+                <p:cond evt="onNext" delay="0">
+                  <p:tgtEl>
+                    <p:sldTgt/>
+                  </p:tgtEl>
+                </p:cond>
+              </p:nextCondLst>
+            </p:seq>
+          </p:childTnLst>
+        </p:cTn>
+      </p:par>
+    </p:tnLst>
+    <p:bldLst>
+      <p:bldP spid="5" grpId="0" animBg="1"/>
+      <p:bldP spid="6" grpId="0" animBg="1"/>
+      <p:bldP spid="7" grpId="0" animBg="1"/>
+    </p:bldLst>
+  </p:timing>
+</p:sld>
+</file>
+
+<file path=ppt/slides/slide15.xml><?xml version="1.0" encoding="utf-8"?>
+<p:sld xmlns:a="http://schemas.openxmlformats.org/drawingml/2006/main" xmlns:r="http://schemas.openxmlformats.org/officeDocument/2006/relationships" xmlns:p="http://schemas.openxmlformats.org/presentationml/2006/main">
+  <p:cSld>
+    <p:spTree>
+      <p:nvGrpSpPr>
+        <p:cNvPr id="1" name="">
+          <a:extLst>
+            <a:ext uri="{FF2B5EF4-FFF2-40B4-BE49-F238E27FC236}">
+              <a16:creationId xmlns:a16="http://schemas.microsoft.com/office/drawing/2014/main" id="{08FCFAB5-8AEF-C565-9810-2B08A9508689}"/>
+            </a:ext>
+          </a:extLst>
+        </p:cNvPr>
+        <p:cNvGrpSpPr/>
+        <p:nvPr/>
+      </p:nvGrpSpPr>
+      <p:grpSpPr>
+        <a:xfrm>
+          <a:off x="0" y="0"/>
+          <a:ext cx="0" cy="0"/>
+          <a:chOff x="0" y="0"/>
+          <a:chExt cx="0" cy="0"/>
+        </a:xfrm>
+      </p:grpSpPr>
+      <p:sp>
+        <p:nvSpPr>
+          <p:cNvPr id="16" name="Rounded Rectangle 15">
+            <a:extLst>
+              <a:ext uri="{FF2B5EF4-FFF2-40B4-BE49-F238E27FC236}">
+                <a16:creationId xmlns:a16="http://schemas.microsoft.com/office/drawing/2014/main" id="{BB4B1CE9-DA81-2053-3DA3-057E20B8C6C6}"/>
+              </a:ext>
+            </a:extLst>
+          </p:cNvPr>
+          <p:cNvSpPr/>
+          <p:nvPr/>
+        </p:nvSpPr>
+        <p:spPr>
+          <a:xfrm>
+            <a:off x="623454" y="574964"/>
+            <a:ext cx="4281056" cy="990600"/>
+          </a:xfrm>
+          <a:prstGeom prst="roundRect">
+            <a:avLst/>
+          </a:prstGeom>
+          <a:solidFill>
+            <a:srgbClr val="92D050"/>
+          </a:solidFill>
+          <a:ln>
+            <a:noFill/>
+          </a:ln>
+        </p:spPr>
+        <p:style>
+          <a:lnRef idx="2">
+            <a:schemeClr val="accent6"/>
+          </a:lnRef>
+          <a:fillRef idx="1">
+            <a:schemeClr val="lt1"/>
+          </a:fillRef>
+          <a:effectRef idx="0">
+            <a:schemeClr val="accent6"/>
+          </a:effectRef>
+          <a:fontRef idx="minor">
+            <a:schemeClr val="dk1"/>
+          </a:fontRef>
+        </p:style>
+        <p:txBody>
+          <a:bodyPr rtlCol="0" anchor="ctr"/>
+          <a:lstStyle/>
+          <a:p>
+            <a:pPr algn="ctr"/>
+            <a:r>
+              <a:rPr lang="en-US" sz="5400" dirty="0">
+                <a:solidFill>
+                  <a:schemeClr val="tx1"/>
+                </a:solidFill>
+              </a:rPr>
+              <a:t>Fair Ordering</a:t>
+            </a:r>
+          </a:p>
+        </p:txBody>
+      </p:sp>
+      <p:pic>
+        <p:nvPicPr>
+          <p:cNvPr id="2" name="Graphic 1" descr="Clock with solid fill">
+            <a:extLst>
+              <a:ext uri="{FF2B5EF4-FFF2-40B4-BE49-F238E27FC236}">
+                <a16:creationId xmlns:a16="http://schemas.microsoft.com/office/drawing/2014/main" id="{94C93DC4-19A2-D5C3-9737-E329E91D9377}"/>
+              </a:ext>
+            </a:extLst>
+          </p:cNvPr>
+          <p:cNvPicPr>
+            <a:picLocks noChangeAspect="1"/>
+          </p:cNvPicPr>
+          <p:nvPr/>
+        </p:nvPicPr>
+        <p:blipFill>
+          <a:blip r:embed="rId2">
+            <a:extLst>
+              <a:ext uri="{96DAC541-7B7A-43D3-8B79-37D633B846F1}">
+                <asvg:svgBlip xmlns:asvg="http://schemas.microsoft.com/office/drawing/2016/SVG/main" r:embed="rId3"/>
+              </a:ext>
+            </a:extLst>
+          </a:blip>
+          <a:stretch>
+            <a:fillRect/>
+          </a:stretch>
+        </p:blipFill>
+        <p:spPr>
+          <a:xfrm rot="19215335">
+            <a:off x="6786549" y="1924669"/>
+            <a:ext cx="1249305" cy="1249305"/>
+          </a:xfrm>
+          <a:prstGeom prst="rect">
+            <a:avLst/>
+          </a:prstGeom>
+        </p:spPr>
+      </p:pic>
+      <p:pic>
+        <p:nvPicPr>
+          <p:cNvPr id="4" name="Graphic 3" descr="Clock with solid fill">
+            <a:extLst>
+              <a:ext uri="{FF2B5EF4-FFF2-40B4-BE49-F238E27FC236}">
+                <a16:creationId xmlns:a16="http://schemas.microsoft.com/office/drawing/2014/main" id="{5A52EBB7-83DE-29A5-ACAD-4561CD5BA32E}"/>
+              </a:ext>
+            </a:extLst>
+          </p:cNvPr>
+          <p:cNvPicPr>
+            <a:picLocks noChangeAspect="1"/>
+          </p:cNvPicPr>
+          <p:nvPr/>
+        </p:nvPicPr>
+        <p:blipFill>
+          <a:blip r:embed="rId2">
+            <a:extLst>
+              <a:ext uri="{96DAC541-7B7A-43D3-8B79-37D633B846F1}">
+                <asvg:svgBlip xmlns:asvg="http://schemas.microsoft.com/office/drawing/2016/SVG/main" r:embed="rId3"/>
+              </a:ext>
+            </a:extLst>
+          </a:blip>
+          <a:stretch>
+            <a:fillRect/>
+          </a:stretch>
+        </p:blipFill>
+        <p:spPr>
+          <a:xfrm rot="21378094">
+            <a:off x="2815203" y="1924048"/>
+            <a:ext cx="1250548" cy="1250548"/>
+          </a:xfrm>
+          <a:prstGeom prst="rect">
+            <a:avLst/>
+          </a:prstGeom>
+        </p:spPr>
+      </p:pic>
+      <p:pic>
+        <p:nvPicPr>
+          <p:cNvPr id="9" name="Graphic 8" descr="Clock with solid fill">
+            <a:extLst>
+              <a:ext uri="{FF2B5EF4-FFF2-40B4-BE49-F238E27FC236}">
+                <a16:creationId xmlns:a16="http://schemas.microsoft.com/office/drawing/2014/main" id="{8C5B2475-51DB-B7A6-F27B-32F78EEBD7D9}"/>
+              </a:ext>
+            </a:extLst>
+          </p:cNvPr>
+          <p:cNvPicPr>
+            <a:picLocks noChangeAspect="1"/>
+          </p:cNvPicPr>
+          <p:nvPr/>
+        </p:nvPicPr>
+        <p:blipFill>
+          <a:blip r:embed="rId2">
+            <a:extLst>
+              <a:ext uri="{96DAC541-7B7A-43D3-8B79-37D633B846F1}">
+                <asvg:svgBlip xmlns:asvg="http://schemas.microsoft.com/office/drawing/2016/SVG/main" r:embed="rId3"/>
+              </a:ext>
+            </a:extLst>
+          </a:blip>
+          <a:stretch>
+            <a:fillRect/>
+          </a:stretch>
+        </p:blipFill>
+        <p:spPr>
+          <a:xfrm rot="20659468">
+            <a:off x="4736757" y="1904313"/>
+            <a:ext cx="1294281" cy="1294281"/>
+          </a:xfrm>
+          <a:prstGeom prst="rect">
+            <a:avLst/>
+          </a:prstGeom>
+        </p:spPr>
+      </p:pic>
+      <p:sp>
+        <p:nvSpPr>
+          <p:cNvPr id="3" name="Rounded Rectangle 2">
+            <a:extLst>
+              <a:ext uri="{FF2B5EF4-FFF2-40B4-BE49-F238E27FC236}">
+                <a16:creationId xmlns:a16="http://schemas.microsoft.com/office/drawing/2014/main" id="{C873C2EE-03B9-ADB6-6896-523FE586FCF9}"/>
+              </a:ext>
+            </a:extLst>
+          </p:cNvPr>
+          <p:cNvSpPr/>
+          <p:nvPr/>
+        </p:nvSpPr>
+        <p:spPr>
+          <a:xfrm>
+            <a:off x="5383897" y="574964"/>
+            <a:ext cx="4281056" cy="990600"/>
+          </a:xfrm>
+          <a:prstGeom prst="roundRect">
+            <a:avLst/>
+          </a:prstGeom>
+          <a:solidFill>
+            <a:schemeClr val="accent2">
+              <a:lumMod val="40000"/>
+              <a:lumOff val="60000"/>
+            </a:schemeClr>
+          </a:solidFill>
+          <a:ln>
+            <a:noFill/>
+          </a:ln>
+        </p:spPr>
+        <p:style>
+          <a:lnRef idx="2">
+            <a:schemeClr val="accent6"/>
+          </a:lnRef>
+          <a:fillRef idx="1">
+            <a:schemeClr val="lt1"/>
+          </a:fillRef>
+          <a:effectRef idx="0">
+            <a:schemeClr val="accent6"/>
+          </a:effectRef>
+          <a:fontRef idx="minor">
+            <a:schemeClr val="dk1"/>
+          </a:fontRef>
+        </p:style>
+        <p:txBody>
+          <a:bodyPr rtlCol="0" anchor="ctr"/>
+          <a:lstStyle/>
+          <a:p>
+            <a:pPr algn="ctr"/>
+            <a:r>
+              <a:rPr lang="en-US" sz="5400" dirty="0">
+                <a:solidFill>
+                  <a:schemeClr val="tx1"/>
+                </a:solidFill>
+              </a:rPr>
+              <a:t>Our Proposal</a:t>
+            </a:r>
+          </a:p>
+        </p:txBody>
+      </p:sp>
+      <p:sp>
+        <p:nvSpPr>
+          <p:cNvPr id="5" name="Rounded Rectangle 4">
+            <a:extLst>
+              <a:ext uri="{FF2B5EF4-FFF2-40B4-BE49-F238E27FC236}">
+                <a16:creationId xmlns:a16="http://schemas.microsoft.com/office/drawing/2014/main" id="{C220A784-B5CE-4852-1E05-6F07E3D6229D}"/>
+              </a:ext>
+            </a:extLst>
+          </p:cNvPr>
+          <p:cNvSpPr/>
+          <p:nvPr/>
+        </p:nvSpPr>
+        <p:spPr>
+          <a:xfrm>
+            <a:off x="355682" y="3317113"/>
+            <a:ext cx="5168006" cy="990600"/>
+          </a:xfrm>
+          <a:prstGeom prst="roundRect">
+            <a:avLst/>
+          </a:prstGeom>
+          <a:solidFill>
+            <a:schemeClr val="accent2">
+              <a:lumMod val="40000"/>
+              <a:lumOff val="60000"/>
+            </a:schemeClr>
+          </a:solidFill>
+          <a:ln>
+            <a:noFill/>
+          </a:ln>
+        </p:spPr>
+        <p:style>
+          <a:lnRef idx="2">
+            <a:schemeClr val="accent6"/>
+          </a:lnRef>
+          <a:fillRef idx="1">
+            <a:schemeClr val="lt1"/>
+          </a:fillRef>
+          <a:effectRef idx="0">
+            <a:schemeClr val="accent6"/>
+          </a:effectRef>
+          <a:fontRef idx="minor">
+            <a:schemeClr val="dk1"/>
+          </a:fontRef>
+        </p:style>
+        <p:txBody>
+          <a:bodyPr rtlCol="0" anchor="ctr"/>
+          <a:lstStyle/>
+          <a:p>
+            <a:pPr algn="ctr"/>
+            <a:r>
+              <a:rPr lang="en-US" sz="3200" dirty="0">
+                <a:solidFill>
+                  <a:schemeClr val="tx1"/>
+                </a:solidFill>
+              </a:rPr>
+              <a:t>1. Learn Error Distributions</a:t>
+            </a:r>
+          </a:p>
+        </p:txBody>
+      </p:sp>
+      <p:sp>
+        <p:nvSpPr>
+          <p:cNvPr id="6" name="Rounded Rectangle 5">
+            <a:extLst>
+              <a:ext uri="{FF2B5EF4-FFF2-40B4-BE49-F238E27FC236}">
+                <a16:creationId xmlns:a16="http://schemas.microsoft.com/office/drawing/2014/main" id="{29F64AE5-1C7A-1F0E-63B9-EF466E8679B5}"/>
+              </a:ext>
+            </a:extLst>
+          </p:cNvPr>
+          <p:cNvSpPr/>
+          <p:nvPr/>
+        </p:nvSpPr>
+        <p:spPr>
+          <a:xfrm>
+            <a:off x="1987994" y="4443767"/>
+            <a:ext cx="6449421" cy="990600"/>
+          </a:xfrm>
+          <a:prstGeom prst="roundRect">
+            <a:avLst/>
+          </a:prstGeom>
+          <a:solidFill>
+            <a:schemeClr val="accent2">
+              <a:lumMod val="60000"/>
+              <a:lumOff val="40000"/>
+            </a:schemeClr>
+          </a:solidFill>
+          <a:ln>
+            <a:noFill/>
+          </a:ln>
+        </p:spPr>
+        <p:style>
+          <a:lnRef idx="2">
+            <a:schemeClr val="accent6"/>
+          </a:lnRef>
+          <a:fillRef idx="1">
+            <a:schemeClr val="lt1"/>
+          </a:fillRef>
+          <a:effectRef idx="0">
+            <a:schemeClr val="accent6"/>
+          </a:effectRef>
+          <a:fontRef idx="minor">
+            <a:schemeClr val="dk1"/>
+          </a:fontRef>
+        </p:style>
+        <p:txBody>
+          <a:bodyPr rtlCol="0" anchor="ctr"/>
+          <a:lstStyle/>
+          <a:p>
+            <a:pPr algn="ctr"/>
+            <a:r>
+              <a:rPr lang="en-US" sz="3200" dirty="0">
+                <a:solidFill>
+                  <a:schemeClr val="tx1"/>
+                </a:solidFill>
+              </a:rPr>
+              <a:t>2. True Time as a function of local time + Distributions</a:t>
+            </a:r>
+          </a:p>
+        </p:txBody>
+      </p:sp>
+      <p:sp>
+        <p:nvSpPr>
+          <p:cNvPr id="7" name="Rounded Rectangle 6">
+            <a:extLst>
+              <a:ext uri="{FF2B5EF4-FFF2-40B4-BE49-F238E27FC236}">
+                <a16:creationId xmlns:a16="http://schemas.microsoft.com/office/drawing/2014/main" id="{B0A47632-BF93-BACB-38E0-78C2C961BEC4}"/>
+              </a:ext>
+            </a:extLst>
+          </p:cNvPr>
+          <p:cNvSpPr/>
+          <p:nvPr/>
+        </p:nvSpPr>
+        <p:spPr>
+          <a:xfrm>
+            <a:off x="4585975" y="5570422"/>
+            <a:ext cx="7171053" cy="990600"/>
+          </a:xfrm>
+          <a:prstGeom prst="roundRect">
+            <a:avLst/>
+          </a:prstGeom>
+          <a:solidFill>
+            <a:schemeClr val="accent2">
+              <a:lumMod val="75000"/>
+            </a:schemeClr>
+          </a:solidFill>
+          <a:ln>
+            <a:noFill/>
+          </a:ln>
+        </p:spPr>
+        <p:style>
+          <a:lnRef idx="2">
+            <a:schemeClr val="accent6"/>
+          </a:lnRef>
+          <a:fillRef idx="1">
+            <a:schemeClr val="lt1"/>
+          </a:fillRef>
+          <a:effectRef idx="0">
+            <a:schemeClr val="accent6"/>
+          </a:effectRef>
+          <a:fontRef idx="minor">
+            <a:schemeClr val="dk1"/>
+          </a:fontRef>
+        </p:style>
+        <p:txBody>
+          <a:bodyPr rtlCol="0" anchor="ctr"/>
+          <a:lstStyle/>
+          <a:p>
+            <a:pPr algn="ctr"/>
+            <a:r>
+              <a:rPr lang="en-US" sz="3200" dirty="0">
+                <a:solidFill>
+                  <a:schemeClr val="accent2">
+                    <a:lumMod val="20000"/>
+                    <a:lumOff val="80000"/>
+                  </a:schemeClr>
+                </a:solidFill>
+              </a:rPr>
+              <a:t>3. Get </a:t>
+            </a:r>
+            <a:r>
+              <a:rPr lang="en-US" sz="3200" dirty="0">
+                <a:solidFill>
+                  <a:schemeClr val="tx1"/>
+                </a:solidFill>
+                <a:highlight>
+                  <a:srgbClr val="FFFF00"/>
+                </a:highlight>
+              </a:rPr>
+              <a:t>True Time comparison </a:t>
+            </a:r>
+            <a:r>
+              <a:rPr lang="en-US" sz="3200" dirty="0">
+                <a:solidFill>
+                  <a:schemeClr val="accent2">
+                    <a:lumMod val="20000"/>
+                    <a:lumOff val="80000"/>
+                  </a:schemeClr>
+                </a:solidFill>
+              </a:rPr>
+              <a:t>by only comparing local time</a:t>
+            </a:r>
+          </a:p>
+        </p:txBody>
+      </p:sp>
+      <p:sp>
+        <p:nvSpPr>
+          <p:cNvPr id="8" name="TextBox 7">
+            <a:extLst>
+              <a:ext uri="{FF2B5EF4-FFF2-40B4-BE49-F238E27FC236}">
+                <a16:creationId xmlns:a16="http://schemas.microsoft.com/office/drawing/2014/main" id="{F701D4E0-EDE4-6662-B286-4EC476043736}"/>
+              </a:ext>
+            </a:extLst>
+          </p:cNvPr>
+          <p:cNvSpPr txBox="1"/>
+          <p:nvPr/>
+        </p:nvSpPr>
+        <p:spPr>
+          <a:xfrm>
+            <a:off x="9272052" y="4310983"/>
+            <a:ext cx="2484976" cy="769441"/>
+          </a:xfrm>
+          <a:prstGeom prst="rect">
+            <a:avLst/>
+          </a:prstGeom>
+          <a:noFill/>
+        </p:spPr>
+        <p:txBody>
+          <a:bodyPr wrap="none" rtlCol="0">
+            <a:spAutoFit/>
+          </a:bodyPr>
+          <a:lstStyle/>
+          <a:p>
+            <a:r>
+              <a:rPr lang="en-US" sz="4400" dirty="0">
+                <a:highlight>
+                  <a:srgbClr val="FFFF00"/>
+                </a:highlight>
+                <a:latin typeface="Mistral" panose="03090702030407020403" pitchFamily="66" charset="0"/>
+              </a:rPr>
+              <a:t>Probabilistic</a:t>
+            </a:r>
+            <a:endParaRPr lang="en-US" sz="3600" dirty="0">
+              <a:highlight>
+                <a:srgbClr val="FFFF00"/>
+              </a:highlight>
+              <a:latin typeface="Mistral" panose="03090702030407020403" pitchFamily="66" charset="0"/>
+            </a:endParaRPr>
+          </a:p>
+        </p:txBody>
+      </p:sp>
+      <p:cxnSp>
+        <p:nvCxnSpPr>
+          <p:cNvPr id="11" name="Straight Arrow Connector 10">
+            <a:extLst>
+              <a:ext uri="{FF2B5EF4-FFF2-40B4-BE49-F238E27FC236}">
+                <a16:creationId xmlns:a16="http://schemas.microsoft.com/office/drawing/2014/main" id="{A3F7B18A-214F-E9B0-5AFD-6CBB236EA493}"/>
+              </a:ext>
+            </a:extLst>
+          </p:cNvPr>
+          <p:cNvCxnSpPr>
+            <a:cxnSpLocks/>
+            <a:endCxn id="8" idx="1"/>
+          </p:cNvCxnSpPr>
+          <p:nvPr/>
+        </p:nvCxnSpPr>
+        <p:spPr>
+          <a:xfrm flipV="1">
+            <a:off x="8545085" y="4695704"/>
+            <a:ext cx="726967" cy="874718"/>
+          </a:xfrm>
+          <a:prstGeom prst="straightConnector1">
+            <a:avLst/>
+          </a:prstGeom>
+          <a:ln w="107950">
+            <a:solidFill>
+              <a:schemeClr val="tx1"/>
+            </a:solidFill>
+            <a:tailEnd type="triangle"/>
+          </a:ln>
+        </p:spPr>
+        <p:style>
+          <a:lnRef idx="2">
+            <a:schemeClr val="accent1"/>
+          </a:lnRef>
+          <a:fillRef idx="0">
+            <a:schemeClr val="accent1"/>
+          </a:fillRef>
+          <a:effectRef idx="1">
+            <a:schemeClr val="accent1"/>
+          </a:effectRef>
+          <a:fontRef idx="minor">
+            <a:schemeClr val="tx1"/>
+          </a:fontRef>
+        </p:style>
+      </p:cxnSp>
+    </p:spTree>
+    <p:extLst>
+      <p:ext uri="{BB962C8B-B14F-4D97-AF65-F5344CB8AC3E}">
+        <p14:creationId xmlns:p14="http://schemas.microsoft.com/office/powerpoint/2010/main" val="2705280058"/>
+      </p:ext>
+    </p:extLst>
+  </p:cSld>
+  <p:clrMapOvr>
+    <a:masterClrMapping/>
+  </p:clrMapOvr>
+  <mc:AlternateContent xmlns:mc="http://schemas.openxmlformats.org/markup-compatibility/2006">
+    <mc:Choice xmlns:p159="http://schemas.microsoft.com/office/powerpoint/2015/09/main" Requires="p159">
+      <p:transition>
+        <p159:morph option="byObject"/>
+      </p:transition>
+    </mc:Choice>
+    <mc:Fallback>
+      <p:transition>
+        <p:fade/>
+      </p:transition>
+    </mc:Fallback>
+  </mc:AlternateContent>
+  <p:timing>
+    <p:tnLst>
+      <p:par>
+        <p:cTn id="1" dur="indefinite" restart="never" nodeType="tmRoot">
+          <p:childTnLst>
+            <p:seq concurrent="1" nextAc="seek">
+              <p:cTn id="2" dur="indefinite" nodeType="mainSeq">
+                <p:childTnLst>
+                  <p:par>
+                    <p:cTn id="3" fill="hold">
+                      <p:stCondLst>
+                        <p:cond delay="indefinite"/>
+                      </p:stCondLst>
+                      <p:childTnLst>
+                        <p:par>
+                          <p:cTn id="4" fill="hold">
+                            <p:stCondLst>
+                              <p:cond delay="0"/>
+                            </p:stCondLst>
+                            <p:childTnLst>
+                              <p:par>
+                                <p:cTn id="5" presetID="1" presetClass="entr" presetSubtype="0" fill="hold" nodeType="clickEffect">
+                                  <p:stCondLst>
+                                    <p:cond delay="0"/>
+                                  </p:stCondLst>
+                                  <p:childTnLst>
+                                    <p:set>
+                                      <p:cBhvr>
+                                        <p:cTn id="6" dur="1" fill="hold">
+                                          <p:stCondLst>
+                                            <p:cond delay="0"/>
+                                          </p:stCondLst>
+                                        </p:cTn>
+                                        <p:tgtEl>
+                                          <p:spTgt spid="11"/>
+                                        </p:tgtEl>
+                                        <p:attrNameLst>
+                                          <p:attrName>style.visibility</p:attrName>
+                                        </p:attrNameLst>
+                                      </p:cBhvr>
+                                      <p:to>
+                                        <p:strVal val="visible"/>
+                                      </p:to>
+                                    </p:set>
+                                  </p:childTnLst>
+                                </p:cTn>
+                              </p:par>
+                              <p:par>
+                                <p:cTn id="7" presetID="1" presetClass="entr" presetSubtype="0" fill="hold" grpId="0" nodeType="withEffect">
+                                  <p:stCondLst>
+                                    <p:cond delay="0"/>
+                                  </p:stCondLst>
+                                  <p:childTnLst>
+                                    <p:set>
+                                      <p:cBhvr>
+                                        <p:cTn id="8" dur="1" fill="hold">
+                                          <p:stCondLst>
+                                            <p:cond delay="0"/>
+                                          </p:stCondLst>
+                                        </p:cTn>
+                                        <p:tgtEl>
+                                          <p:spTgt spid="8"/>
+                                        </p:tgtEl>
+                                        <p:attrNameLst>
+                                          <p:attrName>style.visibility</p:attrName>
+                                        </p:attrNameLst>
+                                      </p:cBhvr>
+                                      <p:to>
+                                        <p:strVal val="visible"/>
+                                      </p:to>
+                                    </p:set>
+                                  </p:childTnLst>
+                                </p:cTn>
+                              </p:par>
+                            </p:childTnLst>
+                          </p:cTn>
+                        </p:par>
+                      </p:childTnLst>
+                    </p:cTn>
+                  </p:par>
+                </p:childTnLst>
+              </p:cTn>
+              <p:prevCondLst>
+                <p:cond evt="onPrev" delay="0">
+                  <p:tgtEl>
+                    <p:sldTgt/>
+                  </p:tgtEl>
+                </p:cond>
+              </p:prevCondLst>
+              <p:nextCondLst>
+                <p:cond evt="onNext" delay="0">
+                  <p:tgtEl>
+                    <p:sldTgt/>
+                  </p:tgtEl>
+                </p:cond>
+              </p:nextCondLst>
+            </p:seq>
+          </p:childTnLst>
+        </p:cTn>
+      </p:par>
+    </p:tnLst>
+    <p:bldLst>
+      <p:bldP spid="8" grpId="0"/>
+    </p:bldLst>
+  </p:timing>
+</p:sld>
+</file>
+
+<file path=ppt/slides/slide16.xml><?xml version="1.0" encoding="utf-8"?>
+<p:sld xmlns:a="http://schemas.openxmlformats.org/drawingml/2006/main" xmlns:r="http://schemas.openxmlformats.org/officeDocument/2006/relationships" xmlns:p="http://schemas.openxmlformats.org/presentationml/2006/main">
+  <p:cSld>
+    <p:spTree>
+      <p:nvGrpSpPr>
+        <p:cNvPr id="1" name="">
+          <a:extLst>
+            <a:ext uri="{FF2B5EF4-FFF2-40B4-BE49-F238E27FC236}">
+              <a16:creationId xmlns:a16="http://schemas.microsoft.com/office/drawing/2014/main" id="{821E6FB9-1A41-356D-92A6-862A58684650}"/>
+            </a:ext>
+          </a:extLst>
+        </p:cNvPr>
+        <p:cNvGrpSpPr/>
+        <p:nvPr/>
+      </p:nvGrpSpPr>
+      <p:grpSpPr>
+        <a:xfrm>
+          <a:off x="0" y="0"/>
+          <a:ext cx="0" cy="0"/>
+          <a:chOff x="0" y="0"/>
+          <a:chExt cx="0" cy="0"/>
+        </a:xfrm>
+      </p:grpSpPr>
+      <p:sp>
+        <p:nvSpPr>
+          <p:cNvPr id="16" name="Rounded Rectangle 15">
+            <a:extLst>
+              <a:ext uri="{FF2B5EF4-FFF2-40B4-BE49-F238E27FC236}">
+                <a16:creationId xmlns:a16="http://schemas.microsoft.com/office/drawing/2014/main" id="{F169252D-C91A-6E3E-7FE2-C2587F11A793}"/>
+              </a:ext>
+            </a:extLst>
+          </p:cNvPr>
+          <p:cNvSpPr/>
+          <p:nvPr/>
+        </p:nvSpPr>
+        <p:spPr>
+          <a:xfrm>
+            <a:off x="5338246" y="1374868"/>
+            <a:ext cx="4281056" cy="990600"/>
+          </a:xfrm>
+          <a:prstGeom prst="roundRect">
+            <a:avLst/>
+          </a:prstGeom>
+          <a:solidFill>
+            <a:srgbClr val="92D050"/>
+          </a:solidFill>
+          <a:ln>
+            <a:noFill/>
+          </a:ln>
+        </p:spPr>
+        <p:style>
+          <a:lnRef idx="2">
+            <a:schemeClr val="accent6"/>
+          </a:lnRef>
+          <a:fillRef idx="1">
+            <a:schemeClr val="lt1"/>
+          </a:fillRef>
+          <a:effectRef idx="0">
+            <a:schemeClr val="accent6"/>
+          </a:effectRef>
+          <a:fontRef idx="minor">
+            <a:schemeClr val="dk1"/>
+          </a:fontRef>
+        </p:style>
+        <p:txBody>
+          <a:bodyPr rtlCol="0" anchor="ctr"/>
+          <a:lstStyle/>
+          <a:p>
+            <a:pPr algn="ctr"/>
+            <a:r>
+              <a:rPr lang="en-US" sz="5400" dirty="0">
+                <a:solidFill>
+                  <a:schemeClr val="tx1"/>
+                </a:solidFill>
+              </a:rPr>
+              <a:t>Fair Ordering</a:t>
+            </a:r>
+          </a:p>
+        </p:txBody>
+      </p:sp>
+      <p:sp>
+        <p:nvSpPr>
+          <p:cNvPr id="5" name="Rounded Rectangle 4">
+            <a:extLst>
+              <a:ext uri="{FF2B5EF4-FFF2-40B4-BE49-F238E27FC236}">
+                <a16:creationId xmlns:a16="http://schemas.microsoft.com/office/drawing/2014/main" id="{1E5C91E7-357D-666A-BE08-4264FDFDE979}"/>
+              </a:ext>
+            </a:extLst>
+          </p:cNvPr>
+          <p:cNvSpPr/>
+          <p:nvPr/>
+        </p:nvSpPr>
+        <p:spPr>
+          <a:xfrm>
+            <a:off x="355682" y="3317113"/>
+            <a:ext cx="5168006" cy="990600"/>
+          </a:xfrm>
+          <a:prstGeom prst="roundRect">
+            <a:avLst/>
+          </a:prstGeom>
+          <a:solidFill>
+            <a:schemeClr val="accent2">
+              <a:lumMod val="40000"/>
+              <a:lumOff val="60000"/>
+            </a:schemeClr>
+          </a:solidFill>
+          <a:ln>
+            <a:noFill/>
+          </a:ln>
+        </p:spPr>
+        <p:style>
+          <a:lnRef idx="2">
+            <a:schemeClr val="accent6"/>
+          </a:lnRef>
+          <a:fillRef idx="1">
+            <a:schemeClr val="lt1"/>
+          </a:fillRef>
+          <a:effectRef idx="0">
+            <a:schemeClr val="accent6"/>
+          </a:effectRef>
+          <a:fontRef idx="minor">
+            <a:schemeClr val="dk1"/>
+          </a:fontRef>
+        </p:style>
+        <p:txBody>
+          <a:bodyPr rtlCol="0" anchor="ctr"/>
+          <a:lstStyle/>
+          <a:p>
+            <a:pPr algn="ctr"/>
+            <a:r>
+              <a:rPr lang="en-US" sz="3200" dirty="0">
+                <a:solidFill>
+                  <a:schemeClr val="tx1"/>
+                </a:solidFill>
+              </a:rPr>
+              <a:t>1. Learn Error Distributions</a:t>
+            </a:r>
+          </a:p>
+        </p:txBody>
+      </p:sp>
+      <p:sp>
+        <p:nvSpPr>
+          <p:cNvPr id="6" name="Rounded Rectangle 5">
+            <a:extLst>
+              <a:ext uri="{FF2B5EF4-FFF2-40B4-BE49-F238E27FC236}">
+                <a16:creationId xmlns:a16="http://schemas.microsoft.com/office/drawing/2014/main" id="{A46FA30D-9913-A4B7-DC10-B0D942D4E26F}"/>
+              </a:ext>
+            </a:extLst>
+          </p:cNvPr>
+          <p:cNvSpPr/>
+          <p:nvPr/>
+        </p:nvSpPr>
+        <p:spPr>
+          <a:xfrm>
+            <a:off x="1987994" y="4443767"/>
+            <a:ext cx="6449421" cy="990600"/>
+          </a:xfrm>
+          <a:prstGeom prst="roundRect">
+            <a:avLst/>
+          </a:prstGeom>
+          <a:solidFill>
+            <a:schemeClr val="accent2">
+              <a:lumMod val="60000"/>
+              <a:lumOff val="40000"/>
+            </a:schemeClr>
+          </a:solidFill>
+          <a:ln>
+            <a:noFill/>
+          </a:ln>
+        </p:spPr>
+        <p:style>
+          <a:lnRef idx="2">
+            <a:schemeClr val="accent6"/>
+          </a:lnRef>
+          <a:fillRef idx="1">
+            <a:schemeClr val="lt1"/>
+          </a:fillRef>
+          <a:effectRef idx="0">
+            <a:schemeClr val="accent6"/>
+          </a:effectRef>
+          <a:fontRef idx="minor">
+            <a:schemeClr val="dk1"/>
+          </a:fontRef>
+        </p:style>
+        <p:txBody>
+          <a:bodyPr rtlCol="0" anchor="ctr"/>
+          <a:lstStyle/>
+          <a:p>
+            <a:pPr algn="ctr"/>
+            <a:r>
+              <a:rPr lang="en-US" sz="3200" dirty="0">
+                <a:solidFill>
+                  <a:schemeClr val="tx1"/>
+                </a:solidFill>
+              </a:rPr>
+              <a:t>2. True Time as a function of local time + Distributions</a:t>
+            </a:r>
+          </a:p>
+        </p:txBody>
+      </p:sp>
+      <p:sp>
+        <p:nvSpPr>
+          <p:cNvPr id="7" name="Rounded Rectangle 6">
+            <a:extLst>
+              <a:ext uri="{FF2B5EF4-FFF2-40B4-BE49-F238E27FC236}">
+                <a16:creationId xmlns:a16="http://schemas.microsoft.com/office/drawing/2014/main" id="{36E32169-6A6E-0DDC-EAAF-F7740B9D2F40}"/>
+              </a:ext>
+            </a:extLst>
+          </p:cNvPr>
+          <p:cNvSpPr/>
+          <p:nvPr/>
+        </p:nvSpPr>
+        <p:spPr>
+          <a:xfrm>
+            <a:off x="4585975" y="5570422"/>
+            <a:ext cx="7171053" cy="990600"/>
+          </a:xfrm>
+          <a:prstGeom prst="roundRect">
+            <a:avLst/>
+          </a:prstGeom>
+          <a:solidFill>
+            <a:schemeClr val="accent2">
+              <a:lumMod val="75000"/>
+            </a:schemeClr>
+          </a:solidFill>
+          <a:ln>
+            <a:noFill/>
+          </a:ln>
+        </p:spPr>
+        <p:style>
+          <a:lnRef idx="2">
+            <a:schemeClr val="accent6"/>
+          </a:lnRef>
+          <a:fillRef idx="1">
+            <a:schemeClr val="lt1"/>
+          </a:fillRef>
+          <a:effectRef idx="0">
+            <a:schemeClr val="accent6"/>
+          </a:effectRef>
+          <a:fontRef idx="minor">
+            <a:schemeClr val="dk1"/>
+          </a:fontRef>
+        </p:style>
+        <p:txBody>
+          <a:bodyPr rtlCol="0" anchor="ctr"/>
+          <a:lstStyle/>
+          <a:p>
+            <a:pPr algn="ctr"/>
+            <a:r>
+              <a:rPr lang="en-US" sz="3200" dirty="0">
+                <a:solidFill>
+                  <a:schemeClr val="accent2">
+                    <a:lumMod val="20000"/>
+                    <a:lumOff val="80000"/>
+                  </a:schemeClr>
+                </a:solidFill>
+              </a:rPr>
+              <a:t>3. Get </a:t>
+            </a:r>
+            <a:r>
+              <a:rPr lang="en-US" sz="3200" dirty="0">
+                <a:solidFill>
+                  <a:schemeClr val="tx1"/>
+                </a:solidFill>
+                <a:highlight>
+                  <a:srgbClr val="FFFF00"/>
+                </a:highlight>
+              </a:rPr>
+              <a:t>True Time comparison </a:t>
+            </a:r>
+            <a:r>
+              <a:rPr lang="en-US" sz="3200" dirty="0">
+                <a:solidFill>
+                  <a:schemeClr val="accent2">
+                    <a:lumMod val="20000"/>
+                    <a:lumOff val="80000"/>
+                  </a:schemeClr>
+                </a:solidFill>
+              </a:rPr>
+              <a:t>by only comparing local time</a:t>
+            </a:r>
+          </a:p>
+        </p:txBody>
+      </p:sp>
+      <p:sp>
+        <p:nvSpPr>
+          <p:cNvPr id="8" name="TextBox 7">
+            <a:extLst>
+              <a:ext uri="{FF2B5EF4-FFF2-40B4-BE49-F238E27FC236}">
+                <a16:creationId xmlns:a16="http://schemas.microsoft.com/office/drawing/2014/main" id="{F0708F02-1633-89E6-098B-F1FA39524A6C}"/>
+              </a:ext>
+            </a:extLst>
+          </p:cNvPr>
+          <p:cNvSpPr txBox="1"/>
+          <p:nvPr/>
+        </p:nvSpPr>
+        <p:spPr>
+          <a:xfrm>
+            <a:off x="2201943" y="1442138"/>
+            <a:ext cx="3010761" cy="923330"/>
+          </a:xfrm>
+          <a:prstGeom prst="rect">
+            <a:avLst/>
+          </a:prstGeom>
+          <a:noFill/>
+        </p:spPr>
+        <p:txBody>
+          <a:bodyPr wrap="none" rtlCol="0">
+            <a:spAutoFit/>
+          </a:bodyPr>
+          <a:lstStyle/>
+          <a:p>
+            <a:r>
+              <a:rPr lang="en-US" sz="5400" dirty="0">
+                <a:highlight>
+                  <a:srgbClr val="FFFF00"/>
+                </a:highlight>
+                <a:latin typeface="Mistral" panose="03090702030407020403" pitchFamily="66" charset="0"/>
+              </a:rPr>
+              <a:t>Probabilistic</a:t>
+            </a:r>
+            <a:endParaRPr lang="en-US" sz="3600" dirty="0">
+              <a:highlight>
+                <a:srgbClr val="FFFF00"/>
+              </a:highlight>
+              <a:latin typeface="Mistral" panose="03090702030407020403" pitchFamily="66" charset="0"/>
+            </a:endParaRPr>
+          </a:p>
+        </p:txBody>
+      </p:sp>
+    </p:spTree>
+    <p:extLst>
+      <p:ext uri="{BB962C8B-B14F-4D97-AF65-F5344CB8AC3E}">
+        <p14:creationId xmlns:p14="http://schemas.microsoft.com/office/powerpoint/2010/main" val="1330984122"/>
+      </p:ext>
+    </p:extLst>
+  </p:cSld>
+  <p:clrMapOvr>
+    <a:masterClrMapping/>
+  </p:clrMapOvr>
+  <mc:AlternateContent xmlns:mc="http://schemas.openxmlformats.org/markup-compatibility/2006">
+    <mc:Choice xmlns:p159="http://schemas.microsoft.com/office/powerpoint/2015/09/main" Requires="p159">
+      <p:transition>
+        <p159:morph option="byObject"/>
+      </p:transition>
+    </mc:Choice>
+    <mc:Fallback>
+      <p:transition>
+        <p:fade/>
+      </p:transition>
+    </mc:Fallback>
+  </mc:AlternateContent>
+</p:sld>
+</file>
+
+<file path=ppt/slides/slide17.xml><?xml version="1.0" encoding="utf-8"?>
+<p:sld xmlns:a="http://schemas.openxmlformats.org/drawingml/2006/main" xmlns:r="http://schemas.openxmlformats.org/officeDocument/2006/relationships" xmlns:p="http://schemas.openxmlformats.org/presentationml/2006/main">
+  <p:cSld>
+    <p:spTree>
+      <p:nvGrpSpPr>
+        <p:cNvPr id="1" name="">
+          <a:extLst>
+            <a:ext uri="{FF2B5EF4-FFF2-40B4-BE49-F238E27FC236}">
+              <a16:creationId xmlns:a16="http://schemas.microsoft.com/office/drawing/2014/main" id="{85C9268A-F027-18DF-D925-009465B99AC6}"/>
+            </a:ext>
+          </a:extLst>
+        </p:cNvPr>
+        <p:cNvGrpSpPr/>
+        <p:nvPr/>
+      </p:nvGrpSpPr>
+      <p:grpSpPr>
+        <a:xfrm>
+          <a:off x="0" y="0"/>
+          <a:ext cx="0" cy="0"/>
+          <a:chOff x="0" y="0"/>
+          <a:chExt cx="0" cy="0"/>
+        </a:xfrm>
+      </p:grpSpPr>
+      <p:sp>
+        <p:nvSpPr>
+          <p:cNvPr id="16" name="Rounded Rectangle 15">
+            <a:extLst>
+              <a:ext uri="{FF2B5EF4-FFF2-40B4-BE49-F238E27FC236}">
+                <a16:creationId xmlns:a16="http://schemas.microsoft.com/office/drawing/2014/main" id="{304604C2-111D-D455-DB9E-20834C819605}"/>
+              </a:ext>
+            </a:extLst>
+          </p:cNvPr>
+          <p:cNvSpPr/>
+          <p:nvPr/>
+        </p:nvSpPr>
+        <p:spPr>
+          <a:xfrm>
+            <a:off x="1828801" y="1638104"/>
+            <a:ext cx="8285018" cy="990600"/>
+          </a:xfrm>
+          <a:prstGeom prst="roundRect">
+            <a:avLst/>
+          </a:prstGeom>
+          <a:solidFill>
+            <a:srgbClr val="92D050"/>
+          </a:solidFill>
+          <a:ln>
+            <a:noFill/>
+          </a:ln>
+        </p:spPr>
+        <p:style>
+          <a:lnRef idx="2">
+            <a:schemeClr val="accent6"/>
+          </a:lnRef>
+          <a:fillRef idx="1">
+            <a:schemeClr val="lt1"/>
+          </a:fillRef>
+          <a:effectRef idx="0">
+            <a:schemeClr val="accent6"/>
+          </a:effectRef>
+          <a:fontRef idx="minor">
+            <a:schemeClr val="dk1"/>
+          </a:fontRef>
+        </p:style>
+        <p:txBody>
+          <a:bodyPr rtlCol="0" anchor="ctr"/>
+          <a:lstStyle/>
+          <a:p>
+            <a:pPr algn="ctr"/>
+            <a:r>
+              <a:rPr lang="en-US" sz="5400" dirty="0">
+                <a:solidFill>
+                  <a:schemeClr val="tx1"/>
+                </a:solidFill>
+              </a:rPr>
+              <a:t>Probabilistic Fair Ordering</a:t>
+            </a:r>
+          </a:p>
+        </p:txBody>
+      </p:sp>
+      <p:sp>
+        <p:nvSpPr>
+          <p:cNvPr id="5" name="Rounded Rectangle 4">
+            <a:extLst>
+              <a:ext uri="{FF2B5EF4-FFF2-40B4-BE49-F238E27FC236}">
+                <a16:creationId xmlns:a16="http://schemas.microsoft.com/office/drawing/2014/main" id="{72C60EA4-1139-BC95-81C5-C25A42763D65}"/>
+              </a:ext>
+            </a:extLst>
+          </p:cNvPr>
+          <p:cNvSpPr/>
+          <p:nvPr/>
+        </p:nvSpPr>
+        <p:spPr>
+          <a:xfrm>
+            <a:off x="355682" y="3317113"/>
+            <a:ext cx="5168006" cy="990600"/>
+          </a:xfrm>
+          <a:prstGeom prst="roundRect">
+            <a:avLst/>
+          </a:prstGeom>
+          <a:solidFill>
+            <a:schemeClr val="accent2">
+              <a:lumMod val="40000"/>
+              <a:lumOff val="60000"/>
+            </a:schemeClr>
+          </a:solidFill>
+          <a:ln>
+            <a:noFill/>
+          </a:ln>
+        </p:spPr>
+        <p:style>
+          <a:lnRef idx="2">
+            <a:schemeClr val="accent6"/>
+          </a:lnRef>
+          <a:fillRef idx="1">
+            <a:schemeClr val="lt1"/>
+          </a:fillRef>
+          <a:effectRef idx="0">
+            <a:schemeClr val="accent6"/>
+          </a:effectRef>
+          <a:fontRef idx="minor">
+            <a:schemeClr val="dk1"/>
+          </a:fontRef>
+        </p:style>
+        <p:txBody>
+          <a:bodyPr rtlCol="0" anchor="ctr"/>
+          <a:lstStyle/>
+          <a:p>
+            <a:pPr algn="ctr"/>
+            <a:r>
+              <a:rPr lang="en-US" sz="3200" dirty="0">
+                <a:solidFill>
+                  <a:schemeClr val="tx1"/>
+                </a:solidFill>
+              </a:rPr>
+              <a:t>1. Learn Error Distributions</a:t>
+            </a:r>
+          </a:p>
+        </p:txBody>
+      </p:sp>
+      <p:sp>
+        <p:nvSpPr>
+          <p:cNvPr id="6" name="Rounded Rectangle 5">
+            <a:extLst>
+              <a:ext uri="{FF2B5EF4-FFF2-40B4-BE49-F238E27FC236}">
+                <a16:creationId xmlns:a16="http://schemas.microsoft.com/office/drawing/2014/main" id="{A1429452-F591-9542-48D5-E33EF825A135}"/>
+              </a:ext>
+            </a:extLst>
+          </p:cNvPr>
+          <p:cNvSpPr/>
+          <p:nvPr/>
+        </p:nvSpPr>
+        <p:spPr>
+          <a:xfrm>
+            <a:off x="1987994" y="4443767"/>
+            <a:ext cx="6449421" cy="990600"/>
+          </a:xfrm>
+          <a:prstGeom prst="roundRect">
+            <a:avLst/>
+          </a:prstGeom>
+          <a:solidFill>
+            <a:schemeClr val="accent2">
+              <a:lumMod val="60000"/>
+              <a:lumOff val="40000"/>
+            </a:schemeClr>
+          </a:solidFill>
+          <a:ln>
+            <a:noFill/>
+          </a:ln>
+        </p:spPr>
+        <p:style>
+          <a:lnRef idx="2">
+            <a:schemeClr val="accent6"/>
+          </a:lnRef>
+          <a:fillRef idx="1">
+            <a:schemeClr val="lt1"/>
+          </a:fillRef>
+          <a:effectRef idx="0">
+            <a:schemeClr val="accent6"/>
+          </a:effectRef>
+          <a:fontRef idx="minor">
+            <a:schemeClr val="dk1"/>
+          </a:fontRef>
+        </p:style>
+        <p:txBody>
+          <a:bodyPr rtlCol="0" anchor="ctr"/>
+          <a:lstStyle/>
+          <a:p>
+            <a:pPr algn="ctr"/>
+            <a:r>
+              <a:rPr lang="en-US" sz="3200" dirty="0">
+                <a:solidFill>
+                  <a:schemeClr val="tx1"/>
+                </a:solidFill>
+              </a:rPr>
+              <a:t>2. True Time as a function of local time + Distributions</a:t>
+            </a:r>
+          </a:p>
+        </p:txBody>
+      </p:sp>
+      <p:sp>
+        <p:nvSpPr>
+          <p:cNvPr id="7" name="Rounded Rectangle 6">
+            <a:extLst>
+              <a:ext uri="{FF2B5EF4-FFF2-40B4-BE49-F238E27FC236}">
+                <a16:creationId xmlns:a16="http://schemas.microsoft.com/office/drawing/2014/main" id="{C59CCA99-8103-7BB5-625C-CCC6FC0710A3}"/>
+              </a:ext>
+            </a:extLst>
+          </p:cNvPr>
+          <p:cNvSpPr/>
+          <p:nvPr/>
+        </p:nvSpPr>
+        <p:spPr>
+          <a:xfrm>
+            <a:off x="4585975" y="5570422"/>
+            <a:ext cx="7171053" cy="990600"/>
+          </a:xfrm>
+          <a:prstGeom prst="roundRect">
+            <a:avLst/>
+          </a:prstGeom>
+          <a:solidFill>
+            <a:schemeClr val="accent2">
+              <a:lumMod val="75000"/>
+            </a:schemeClr>
+          </a:solidFill>
+          <a:ln>
+            <a:noFill/>
+          </a:ln>
+        </p:spPr>
+        <p:style>
+          <a:lnRef idx="2">
+            <a:schemeClr val="accent6"/>
+          </a:lnRef>
+          <a:fillRef idx="1">
+            <a:schemeClr val="lt1"/>
+          </a:fillRef>
+          <a:effectRef idx="0">
+            <a:schemeClr val="accent6"/>
+          </a:effectRef>
+          <a:fontRef idx="minor">
+            <a:schemeClr val="dk1"/>
+          </a:fontRef>
+        </p:style>
+        <p:txBody>
+          <a:bodyPr rtlCol="0" anchor="ctr"/>
+          <a:lstStyle/>
+          <a:p>
+            <a:pPr algn="ctr"/>
+            <a:r>
+              <a:rPr lang="en-US" sz="3200" dirty="0">
+                <a:solidFill>
+                  <a:schemeClr val="accent2">
+                    <a:lumMod val="20000"/>
+                    <a:lumOff val="80000"/>
+                  </a:schemeClr>
+                </a:solidFill>
+              </a:rPr>
+              <a:t>3. Get </a:t>
+            </a:r>
+            <a:r>
+              <a:rPr lang="en-US" sz="3200" dirty="0">
+                <a:solidFill>
+                  <a:schemeClr val="tx1"/>
+                </a:solidFill>
+                <a:highlight>
+                  <a:srgbClr val="FFFF00"/>
+                </a:highlight>
+              </a:rPr>
+              <a:t>True Time comparison </a:t>
+            </a:r>
+            <a:r>
+              <a:rPr lang="en-US" sz="3200" dirty="0">
+                <a:solidFill>
+                  <a:schemeClr val="accent2">
+                    <a:lumMod val="20000"/>
+                    <a:lumOff val="80000"/>
+                  </a:schemeClr>
+                </a:solidFill>
+              </a:rPr>
+              <a:t>by only comparing local time</a:t>
+            </a:r>
+          </a:p>
+        </p:txBody>
+      </p:sp>
+      <p:sp>
+        <p:nvSpPr>
+          <p:cNvPr id="2" name="Rounded Rectangle 1">
+            <a:extLst>
+              <a:ext uri="{FF2B5EF4-FFF2-40B4-BE49-F238E27FC236}">
+                <a16:creationId xmlns:a16="http://schemas.microsoft.com/office/drawing/2014/main" id="{A2D6D64D-9F9B-8B1A-8754-BEBDAA6778F6}"/>
+              </a:ext>
+            </a:extLst>
+          </p:cNvPr>
+          <p:cNvSpPr/>
+          <p:nvPr/>
+        </p:nvSpPr>
+        <p:spPr>
+          <a:xfrm>
+            <a:off x="1828801" y="579477"/>
+            <a:ext cx="2951017" cy="990600"/>
+          </a:xfrm>
+          <a:prstGeom prst="roundRect">
+            <a:avLst/>
+          </a:prstGeom>
+          <a:solidFill>
+            <a:srgbClr val="92D050"/>
+          </a:solidFill>
+          <a:ln>
+            <a:noFill/>
+          </a:ln>
+        </p:spPr>
+        <p:style>
+          <a:lnRef idx="2">
+            <a:schemeClr val="accent6"/>
+          </a:lnRef>
+          <a:fillRef idx="1">
+            <a:schemeClr val="lt1"/>
+          </a:fillRef>
+          <a:effectRef idx="0">
+            <a:schemeClr val="accent6"/>
+          </a:effectRef>
+          <a:fontRef idx="minor">
+            <a:schemeClr val="dk1"/>
+          </a:fontRef>
+        </p:style>
+        <p:txBody>
+          <a:bodyPr rtlCol="0" anchor="ctr"/>
+          <a:lstStyle/>
+          <a:p>
+            <a:pPr algn="ctr"/>
+            <a:r>
+              <a:rPr lang="en-US" sz="5400" dirty="0">
+                <a:solidFill>
+                  <a:schemeClr val="tx1"/>
+                </a:solidFill>
+              </a:rPr>
+              <a:t>Tommy:</a:t>
+            </a:r>
+          </a:p>
+        </p:txBody>
+      </p:sp>
+    </p:spTree>
+    <p:extLst>
+      <p:ext uri="{BB962C8B-B14F-4D97-AF65-F5344CB8AC3E}">
+        <p14:creationId xmlns:p14="http://schemas.microsoft.com/office/powerpoint/2010/main" val="4265932292"/>
+      </p:ext>
+    </p:extLst>
+  </p:cSld>
+  <p:clrMapOvr>
+    <a:masterClrMapping/>
+  </p:clrMapOvr>
+  <mc:AlternateContent xmlns:mc="http://schemas.openxmlformats.org/markup-compatibility/2006">
+    <mc:Choice xmlns:p159="http://schemas.microsoft.com/office/powerpoint/2015/09/main" Requires="p159">
+      <p:transition>
+        <p159:morph option="byObject"/>
+      </p:transition>
+    </mc:Choice>
+    <mc:Fallback>
+      <p:transition>
+        <p:fade/>
+      </p:transition>
+    </mc:Fallback>
+  </mc:AlternateContent>
+  <p:timing>
+    <p:tnLst>
+      <p:par>
+        <p:cTn id="1" dur="indefinite" restart="never" nodeType="tmRoot">
+          <p:childTnLst>
+            <p:seq concurrent="1" nextAc="seek">
+              <p:cTn id="2" dur="indefinite" nodeType="mainSeq">
+                <p:childTnLst>
+                  <p:par>
+                    <p:cTn id="3" fill="hold">
+                      <p:stCondLst>
+                        <p:cond delay="indefinite"/>
+                      </p:stCondLst>
+                      <p:childTnLst>
+                        <p:par>
+                          <p:cTn id="4" fill="hold">
+                            <p:stCondLst>
+                              <p:cond delay="0"/>
+                            </p:stCondLst>
+                            <p:childTnLst>
+                              <p:par>
+                                <p:cTn id="5" presetID="1" presetClass="entr" presetSubtype="0" fill="hold" grpId="0" nodeType="clickEffect">
+                                  <p:stCondLst>
+                                    <p:cond delay="0"/>
+                                  </p:stCondLst>
+                                  <p:childTnLst>
+                                    <p:set>
+                                      <p:cBhvr>
+                                        <p:cTn id="6" dur="1" fill="hold">
+                                          <p:stCondLst>
+                                            <p:cond delay="0"/>
+                                          </p:stCondLst>
+                                        </p:cTn>
+                                        <p:tgtEl>
+                                          <p:spTgt spid="2"/>
+                                        </p:tgtEl>
+                                        <p:attrNameLst>
+                                          <p:attrName>style.visibility</p:attrName>
+                                        </p:attrNameLst>
+                                      </p:cBhvr>
+                                      <p:to>
+                                        <p:strVal val="visible"/>
+                                      </p:to>
+                                    </p:set>
+                                  </p:childTnLst>
+                                </p:cTn>
+                              </p:par>
+                            </p:childTnLst>
+                          </p:cTn>
+                        </p:par>
+                      </p:childTnLst>
+                    </p:cTn>
+                  </p:par>
+                </p:childTnLst>
+              </p:cTn>
+              <p:prevCondLst>
+                <p:cond evt="onPrev" delay="0">
+                  <p:tgtEl>
+                    <p:sldTgt/>
+                  </p:tgtEl>
+                </p:cond>
+              </p:prevCondLst>
+              <p:nextCondLst>
+                <p:cond evt="onNext" delay="0">
+                  <p:tgtEl>
+                    <p:sldTgt/>
+                  </p:tgtEl>
+                </p:cond>
+              </p:nextCondLst>
+            </p:seq>
+          </p:childTnLst>
+        </p:cTn>
+      </p:par>
+    </p:tnLst>
+    <p:bldLst>
+      <p:bldP spid="2" grpId="0" animBg="1"/>
+    </p:bldLst>
+  </p:timing>
+</p:sld>
+</file>
+
+<file path=ppt/slides/slide18.xml><?xml version="1.0" encoding="utf-8"?>
 <p:sld xmlns:a="http://schemas.openxmlformats.org/drawingml/2006/main" xmlns:r="http://schemas.openxmlformats.org/officeDocument/2006/relationships" xmlns:p="http://schemas.openxmlformats.org/presentationml/2006/main">
   <p:cSld>
     <p:bg>
@@ -7238,7 +9887,7 @@
 </p:sld>
 </file>
 
-<file path=ppt/slides/slide13.xml><?xml version="1.0" encoding="utf-8"?>
+<file path=ppt/slides/slide19.xml><?xml version="1.0" encoding="utf-8"?>
 <p:sld xmlns:a="http://schemas.openxmlformats.org/drawingml/2006/main" xmlns:r="http://schemas.openxmlformats.org/officeDocument/2006/relationships" xmlns:p="http://schemas.openxmlformats.org/presentationml/2006/main">
   <p:cSld>
     <p:bg>
@@ -7915,7 +10564,137 @@
 </p:sld>
 </file>
 
-<file path=ppt/slides/slide14.xml><?xml version="1.0" encoding="utf-8"?>
+<file path=ppt/slides/slide2.xml><?xml version="1.0" encoding="utf-8"?>
+<p:sld xmlns:a="http://schemas.openxmlformats.org/drawingml/2006/main" xmlns:r="http://schemas.openxmlformats.org/officeDocument/2006/relationships" xmlns:p="http://schemas.openxmlformats.org/presentationml/2006/main">
+  <p:cSld>
+    <p:spTree>
+      <p:nvGrpSpPr>
+        <p:cNvPr id="1" name="">
+          <a:extLst>
+            <a:ext uri="{FF2B5EF4-FFF2-40B4-BE49-F238E27FC236}">
+              <a16:creationId xmlns:a16="http://schemas.microsoft.com/office/drawing/2014/main" id="{F13E79F9-2E62-8239-0CA0-1BC333D3BC03}"/>
+            </a:ext>
+          </a:extLst>
+        </p:cNvPr>
+        <p:cNvGrpSpPr/>
+        <p:nvPr/>
+      </p:nvGrpSpPr>
+      <p:grpSpPr>
+        <a:xfrm>
+          <a:off x="0" y="0"/>
+          <a:ext cx="0" cy="0"/>
+          <a:chOff x="0" y="0"/>
+          <a:chExt cx="0" cy="0"/>
+        </a:xfrm>
+      </p:grpSpPr>
+      <p:sp>
+        <p:nvSpPr>
+          <p:cNvPr id="2" name="Title 1">
+            <a:extLst>
+              <a:ext uri="{FF2B5EF4-FFF2-40B4-BE49-F238E27FC236}">
+                <a16:creationId xmlns:a16="http://schemas.microsoft.com/office/drawing/2014/main" id="{8585DD0D-C2A0-514E-9283-CEC4A187B8C5}"/>
+              </a:ext>
+            </a:extLst>
+          </p:cNvPr>
+          <p:cNvSpPr>
+            <a:spLocks noGrp="1"/>
+          </p:cNvSpPr>
+          <p:nvPr>
+            <p:ph type="title"/>
+          </p:nvPr>
+        </p:nvSpPr>
+        <p:spPr/>
+        <p:txBody>
+          <a:bodyPr/>
+          <a:lstStyle/>
+          <a:p>
+            <a:r>
+              <a:rPr lang="en-US" dirty="0"/>
+              <a:t>A Financial Market</a:t>
+            </a:r>
+          </a:p>
+        </p:txBody>
+      </p:sp>
+      <p:sp>
+        <p:nvSpPr>
+          <p:cNvPr id="4" name="Slide Number Placeholder 3">
+            <a:extLst>
+              <a:ext uri="{FF2B5EF4-FFF2-40B4-BE49-F238E27FC236}">
+                <a16:creationId xmlns:a16="http://schemas.microsoft.com/office/drawing/2014/main" id="{F5638386-D84F-67FD-9F6E-3152820992C4}"/>
+              </a:ext>
+            </a:extLst>
+          </p:cNvPr>
+          <p:cNvSpPr>
+            <a:spLocks noGrp="1"/>
+          </p:cNvSpPr>
+          <p:nvPr>
+            <p:ph type="sldNum" sz="quarter" idx="12"/>
+          </p:nvPr>
+        </p:nvSpPr>
+        <p:spPr/>
+        <p:txBody>
+          <a:bodyPr/>
+          <a:lstStyle/>
+          <a:p>
+            <a:fld id="{F2F80786-77E6-134C-ADA2-416C85F6726C}" type="slidenum">
+              <a:rPr lang="en-US" smtClean="0"/>
+              <a:t>2</a:t>
+            </a:fld>
+            <a:endParaRPr lang="en-US"/>
+          </a:p>
+        </p:txBody>
+      </p:sp>
+      <p:pic>
+        <p:nvPicPr>
+          <p:cNvPr id="10" name="Graphic 9" descr="Downward trend graph outline">
+            <a:extLst>
+              <a:ext uri="{FF2B5EF4-FFF2-40B4-BE49-F238E27FC236}">
+                <a16:creationId xmlns:a16="http://schemas.microsoft.com/office/drawing/2014/main" id="{F7E10220-F9FD-2DA6-3F41-1CA1426561C1}"/>
+              </a:ext>
+            </a:extLst>
+          </p:cNvPr>
+          <p:cNvPicPr>
+            <a:picLocks noChangeAspect="1"/>
+          </p:cNvPicPr>
+          <p:nvPr/>
+        </p:nvPicPr>
+        <p:blipFill>
+          <a:blip r:embed="rId2">
+            <a:extLst>
+              <a:ext uri="{96DAC541-7B7A-43D3-8B79-37D633B846F1}">
+                <asvg:svgBlip xmlns:asvg="http://schemas.microsoft.com/office/drawing/2016/SVG/main" r:embed="rId3"/>
+              </a:ext>
+            </a:extLst>
+          </a:blip>
+          <a:stretch>
+            <a:fillRect/>
+          </a:stretch>
+        </p:blipFill>
+        <p:spPr>
+          <a:xfrm>
+            <a:off x="4045526" y="2050689"/>
+            <a:ext cx="2760519" cy="2760519"/>
+          </a:xfrm>
+          <a:prstGeom prst="rect">
+            <a:avLst/>
+          </a:prstGeom>
+        </p:spPr>
+      </p:pic>
+    </p:spTree>
+    <p:extLst>
+      <p:ext uri="{BB962C8B-B14F-4D97-AF65-F5344CB8AC3E}">
+        <p14:creationId xmlns:p14="http://schemas.microsoft.com/office/powerpoint/2010/main" val="4055813914"/>
+      </p:ext>
+    </p:extLst>
+  </p:cSld>
+  <p:clrMapOvr>
+    <a:masterClrMapping/>
+  </p:clrMapOvr>
+  <p:transition/>
+</p:sld>
+</file>
+
+<file path=ppt/slides/slide20.xml><?xml version="1.0" encoding="utf-8"?>
 <p:sld xmlns:a="http://schemas.openxmlformats.org/drawingml/2006/main" xmlns:r="http://schemas.openxmlformats.org/officeDocument/2006/relationships" xmlns:p="http://schemas.openxmlformats.org/presentationml/2006/main">
   <p:cSld>
     <p:bg>
@@ -9557,7 +12336,7 @@
 </p:sld>
 </file>
 
-<file path=ppt/slides/slide15.xml><?xml version="1.0" encoding="utf-8"?>
+<file path=ppt/slides/slide21.xml><?xml version="1.0" encoding="utf-8"?>
 <p:sld xmlns:a="http://schemas.openxmlformats.org/drawingml/2006/main" xmlns:r="http://schemas.openxmlformats.org/officeDocument/2006/relationships" xmlns:p="http://schemas.openxmlformats.org/presentationml/2006/main">
   <p:cSld>
     <p:bg>
@@ -10952,7 +13731,7 @@
 </p:sld>
 </file>
 
-<file path=ppt/slides/slide16.xml><?xml version="1.0" encoding="utf-8"?>
+<file path=ppt/slides/slide22.xml><?xml version="1.0" encoding="utf-8"?>
 <p:sld xmlns:a="http://schemas.openxmlformats.org/drawingml/2006/main" xmlns:r="http://schemas.openxmlformats.org/officeDocument/2006/relationships" xmlns:p="http://schemas.openxmlformats.org/presentationml/2006/main">
   <p:cSld>
     <p:spTree>
@@ -11581,7 +14360,7 @@
 </p:sld>
 </file>
 
-<file path=ppt/slides/slide17.xml><?xml version="1.0" encoding="utf-8"?>
+<file path=ppt/slides/slide23.xml><?xml version="1.0" encoding="utf-8"?>
 <p:sld xmlns:a="http://schemas.openxmlformats.org/drawingml/2006/main" xmlns:r="http://schemas.openxmlformats.org/officeDocument/2006/relationships" xmlns:p="http://schemas.openxmlformats.org/presentationml/2006/main">
   <p:cSld>
     <p:spTree>
@@ -12134,7 +14913,7 @@
 </p:sld>
 </file>
 
-<file path=ppt/slides/slide18.xml><?xml version="1.0" encoding="utf-8"?>
+<file path=ppt/slides/slide24.xml><?xml version="1.0" encoding="utf-8"?>
 <p:sld xmlns:a="http://schemas.openxmlformats.org/drawingml/2006/main" xmlns:r="http://schemas.openxmlformats.org/officeDocument/2006/relationships" xmlns:p="http://schemas.openxmlformats.org/presentationml/2006/main">
   <p:cSld>
     <p:spTree>
@@ -12976,7 +15755,7 @@
 </p:sld>
 </file>
 
-<file path=ppt/slides/slide19.xml><?xml version="1.0" encoding="utf-8"?>
+<file path=ppt/slides/slide25.xml><?xml version="1.0" encoding="utf-8"?>
 <p:sld xmlns:a="http://schemas.openxmlformats.org/drawingml/2006/main" xmlns:r="http://schemas.openxmlformats.org/officeDocument/2006/relationships" xmlns:p="http://schemas.openxmlformats.org/presentationml/2006/main">
   <p:cSld>
     <p:bg>
@@ -13564,137 +16343,7 @@
 </p:sld>
 </file>
 
-<file path=ppt/slides/slide2.xml><?xml version="1.0" encoding="utf-8"?>
-<p:sld xmlns:a="http://schemas.openxmlformats.org/drawingml/2006/main" xmlns:r="http://schemas.openxmlformats.org/officeDocument/2006/relationships" xmlns:p="http://schemas.openxmlformats.org/presentationml/2006/main">
-  <p:cSld>
-    <p:spTree>
-      <p:nvGrpSpPr>
-        <p:cNvPr id="1" name="">
-          <a:extLst>
-            <a:ext uri="{FF2B5EF4-FFF2-40B4-BE49-F238E27FC236}">
-              <a16:creationId xmlns:a16="http://schemas.microsoft.com/office/drawing/2014/main" id="{F13E79F9-2E62-8239-0CA0-1BC333D3BC03}"/>
-            </a:ext>
-          </a:extLst>
-        </p:cNvPr>
-        <p:cNvGrpSpPr/>
-        <p:nvPr/>
-      </p:nvGrpSpPr>
-      <p:grpSpPr>
-        <a:xfrm>
-          <a:off x="0" y="0"/>
-          <a:ext cx="0" cy="0"/>
-          <a:chOff x="0" y="0"/>
-          <a:chExt cx="0" cy="0"/>
-        </a:xfrm>
-      </p:grpSpPr>
-      <p:sp>
-        <p:nvSpPr>
-          <p:cNvPr id="2" name="Title 1">
-            <a:extLst>
-              <a:ext uri="{FF2B5EF4-FFF2-40B4-BE49-F238E27FC236}">
-                <a16:creationId xmlns:a16="http://schemas.microsoft.com/office/drawing/2014/main" id="{8585DD0D-C2A0-514E-9283-CEC4A187B8C5}"/>
-              </a:ext>
-            </a:extLst>
-          </p:cNvPr>
-          <p:cNvSpPr>
-            <a:spLocks noGrp="1"/>
-          </p:cNvSpPr>
-          <p:nvPr>
-            <p:ph type="title"/>
-          </p:nvPr>
-        </p:nvSpPr>
-        <p:spPr/>
-        <p:txBody>
-          <a:bodyPr/>
-          <a:lstStyle/>
-          <a:p>
-            <a:r>
-              <a:rPr lang="en-US" dirty="0"/>
-              <a:t>A Financial Market</a:t>
-            </a:r>
-          </a:p>
-        </p:txBody>
-      </p:sp>
-      <p:sp>
-        <p:nvSpPr>
-          <p:cNvPr id="4" name="Slide Number Placeholder 3">
-            <a:extLst>
-              <a:ext uri="{FF2B5EF4-FFF2-40B4-BE49-F238E27FC236}">
-                <a16:creationId xmlns:a16="http://schemas.microsoft.com/office/drawing/2014/main" id="{F5638386-D84F-67FD-9F6E-3152820992C4}"/>
-              </a:ext>
-            </a:extLst>
-          </p:cNvPr>
-          <p:cNvSpPr>
-            <a:spLocks noGrp="1"/>
-          </p:cNvSpPr>
-          <p:nvPr>
-            <p:ph type="sldNum" sz="quarter" idx="12"/>
-          </p:nvPr>
-        </p:nvSpPr>
-        <p:spPr/>
-        <p:txBody>
-          <a:bodyPr/>
-          <a:lstStyle/>
-          <a:p>
-            <a:fld id="{F2F80786-77E6-134C-ADA2-416C85F6726C}" type="slidenum">
-              <a:rPr lang="en-US" smtClean="0"/>
-              <a:t>2</a:t>
-            </a:fld>
-            <a:endParaRPr lang="en-US"/>
-          </a:p>
-        </p:txBody>
-      </p:sp>
-      <p:pic>
-        <p:nvPicPr>
-          <p:cNvPr id="10" name="Graphic 9" descr="Downward trend graph outline">
-            <a:extLst>
-              <a:ext uri="{FF2B5EF4-FFF2-40B4-BE49-F238E27FC236}">
-                <a16:creationId xmlns:a16="http://schemas.microsoft.com/office/drawing/2014/main" id="{F7E10220-F9FD-2DA6-3F41-1CA1426561C1}"/>
-              </a:ext>
-            </a:extLst>
-          </p:cNvPr>
-          <p:cNvPicPr>
-            <a:picLocks noChangeAspect="1"/>
-          </p:cNvPicPr>
-          <p:nvPr/>
-        </p:nvPicPr>
-        <p:blipFill>
-          <a:blip r:embed="rId2">
-            <a:extLst>
-              <a:ext uri="{96DAC541-7B7A-43D3-8B79-37D633B846F1}">
-                <asvg:svgBlip xmlns:asvg="http://schemas.microsoft.com/office/drawing/2016/SVG/main" r:embed="rId3"/>
-              </a:ext>
-            </a:extLst>
-          </a:blip>
-          <a:stretch>
-            <a:fillRect/>
-          </a:stretch>
-        </p:blipFill>
-        <p:spPr>
-          <a:xfrm>
-            <a:off x="4045526" y="2050689"/>
-            <a:ext cx="2760519" cy="2760519"/>
-          </a:xfrm>
-          <a:prstGeom prst="rect">
-            <a:avLst/>
-          </a:prstGeom>
-        </p:spPr>
-      </p:pic>
-    </p:spTree>
-    <p:extLst>
-      <p:ext uri="{BB962C8B-B14F-4D97-AF65-F5344CB8AC3E}">
-        <p14:creationId xmlns:p14="http://schemas.microsoft.com/office/powerpoint/2010/main" val="4055813914"/>
-      </p:ext>
-    </p:extLst>
-  </p:cSld>
-  <p:clrMapOvr>
-    <a:masterClrMapping/>
-  </p:clrMapOvr>
-  <p:transition/>
-</p:sld>
-</file>
-
-<file path=ppt/slides/slide20.xml><?xml version="1.0" encoding="utf-8"?>
+<file path=ppt/slides/slide26.xml><?xml version="1.0" encoding="utf-8"?>
 <p:sld xmlns:a="http://schemas.openxmlformats.org/drawingml/2006/main" xmlns:r="http://schemas.openxmlformats.org/officeDocument/2006/relationships" xmlns:p="http://schemas.openxmlformats.org/presentationml/2006/main">
   <p:cSld>
     <p:spTree>
@@ -15298,7 +17947,7 @@
 </p:sld>
 </file>
 
-<file path=ppt/slides/slide21.xml><?xml version="1.0" encoding="utf-8"?>
+<file path=ppt/slides/slide27.xml><?xml version="1.0" encoding="utf-8"?>
 <p:sld xmlns:a="http://schemas.openxmlformats.org/drawingml/2006/main" xmlns:r="http://schemas.openxmlformats.org/officeDocument/2006/relationships" xmlns:p="http://schemas.openxmlformats.org/presentationml/2006/main">
   <p:cSld>
     <p:spTree>
@@ -17805,7 +20454,7 @@
 </p:sld>
 </file>
 
-<file path=ppt/slides/slide22.xml><?xml version="1.0" encoding="utf-8"?>
+<file path=ppt/slides/slide28.xml><?xml version="1.0" encoding="utf-8"?>
 <p:sld xmlns:a="http://schemas.openxmlformats.org/drawingml/2006/main" xmlns:r="http://schemas.openxmlformats.org/officeDocument/2006/relationships" xmlns:p="http://schemas.openxmlformats.org/presentationml/2006/main">
   <p:cSld>
     <p:spTree>
@@ -21047,7 +23696,7 @@
 </p:sld>
 </file>
 
-<file path=ppt/slides/slide23.xml><?xml version="1.0" encoding="utf-8"?>
+<file path=ppt/slides/slide29.xml><?xml version="1.0" encoding="utf-8"?>
 <p:sld xmlns:a="http://schemas.openxmlformats.org/drawingml/2006/main" xmlns:r="http://schemas.openxmlformats.org/officeDocument/2006/relationships" xmlns:p="http://schemas.openxmlformats.org/presentationml/2006/main" show="0">
   <p:cSld>
     <p:spTree>
@@ -21880,7 +24529,561 @@
 </p:sld>
 </file>
 
-<file path=ppt/slides/slide24.xml><?xml version="1.0" encoding="utf-8"?>
+<file path=ppt/slides/slide3.xml><?xml version="1.0" encoding="utf-8"?>
+<p:sld xmlns:a="http://schemas.openxmlformats.org/drawingml/2006/main" xmlns:r="http://schemas.openxmlformats.org/officeDocument/2006/relationships" xmlns:p="http://schemas.openxmlformats.org/presentationml/2006/main">
+  <p:cSld>
+    <p:spTree>
+      <p:nvGrpSpPr>
+        <p:cNvPr id="1" name="">
+          <a:extLst>
+            <a:ext uri="{FF2B5EF4-FFF2-40B4-BE49-F238E27FC236}">
+              <a16:creationId xmlns:a16="http://schemas.microsoft.com/office/drawing/2014/main" id="{96828DBA-EDBD-E3E0-4F1C-519C9B7D12B5}"/>
+            </a:ext>
+          </a:extLst>
+        </p:cNvPr>
+        <p:cNvGrpSpPr/>
+        <p:nvPr/>
+      </p:nvGrpSpPr>
+      <p:grpSpPr>
+        <a:xfrm>
+          <a:off x="0" y="0"/>
+          <a:ext cx="0" cy="0"/>
+          <a:chOff x="0" y="0"/>
+          <a:chExt cx="0" cy="0"/>
+        </a:xfrm>
+      </p:grpSpPr>
+      <p:sp>
+        <p:nvSpPr>
+          <p:cNvPr id="2" name="Title 1">
+            <a:extLst>
+              <a:ext uri="{FF2B5EF4-FFF2-40B4-BE49-F238E27FC236}">
+                <a16:creationId xmlns:a16="http://schemas.microsoft.com/office/drawing/2014/main" id="{740E546F-BF65-FA74-EA2D-F158A58F99F6}"/>
+              </a:ext>
+            </a:extLst>
+          </p:cNvPr>
+          <p:cNvSpPr>
+            <a:spLocks noGrp="1"/>
+          </p:cNvSpPr>
+          <p:nvPr>
+            <p:ph type="title"/>
+          </p:nvPr>
+        </p:nvSpPr>
+        <p:spPr/>
+        <p:txBody>
+          <a:bodyPr/>
+          <a:lstStyle/>
+          <a:p>
+            <a:r>
+              <a:rPr lang="en-US" dirty="0"/>
+              <a:t>A Financial Market</a:t>
+            </a:r>
+          </a:p>
+        </p:txBody>
+      </p:sp>
+      <p:sp>
+        <p:nvSpPr>
+          <p:cNvPr id="4" name="Slide Number Placeholder 3">
+            <a:extLst>
+              <a:ext uri="{FF2B5EF4-FFF2-40B4-BE49-F238E27FC236}">
+                <a16:creationId xmlns:a16="http://schemas.microsoft.com/office/drawing/2014/main" id="{6E28A623-A5D2-8F7D-A271-E1B68D630CCD}"/>
+              </a:ext>
+            </a:extLst>
+          </p:cNvPr>
+          <p:cNvSpPr>
+            <a:spLocks noGrp="1"/>
+          </p:cNvSpPr>
+          <p:nvPr>
+            <p:ph type="sldNum" sz="quarter" idx="12"/>
+          </p:nvPr>
+        </p:nvSpPr>
+        <p:spPr/>
+        <p:txBody>
+          <a:bodyPr/>
+          <a:lstStyle/>
+          <a:p>
+            <a:fld id="{F2F80786-77E6-134C-ADA2-416C85F6726C}" type="slidenum">
+              <a:rPr lang="en-US" smtClean="0"/>
+              <a:t>3</a:t>
+            </a:fld>
+            <a:endParaRPr lang="en-US"/>
+          </a:p>
+        </p:txBody>
+      </p:sp>
+      <p:pic>
+        <p:nvPicPr>
+          <p:cNvPr id="10" name="Graphic 9" descr="Downward trend graph outline">
+            <a:extLst>
+              <a:ext uri="{FF2B5EF4-FFF2-40B4-BE49-F238E27FC236}">
+                <a16:creationId xmlns:a16="http://schemas.microsoft.com/office/drawing/2014/main" id="{B557F74D-ED46-E285-F642-2CB94C47CF06}"/>
+              </a:ext>
+            </a:extLst>
+          </p:cNvPr>
+          <p:cNvPicPr>
+            <a:picLocks noChangeAspect="1"/>
+          </p:cNvPicPr>
+          <p:nvPr/>
+        </p:nvPicPr>
+        <p:blipFill>
+          <a:blip r:embed="rId2">
+            <a:extLst>
+              <a:ext uri="{96DAC541-7B7A-43D3-8B79-37D633B846F1}">
+                <asvg:svgBlip xmlns:asvg="http://schemas.microsoft.com/office/drawing/2016/SVG/main" r:embed="rId3"/>
+              </a:ext>
+            </a:extLst>
+          </a:blip>
+          <a:stretch>
+            <a:fillRect/>
+          </a:stretch>
+        </p:blipFill>
+        <p:spPr>
+          <a:xfrm>
+            <a:off x="720436" y="1801308"/>
+            <a:ext cx="1357746" cy="1357746"/>
+          </a:xfrm>
+          <a:prstGeom prst="rect">
+            <a:avLst/>
+          </a:prstGeom>
+        </p:spPr>
+      </p:pic>
+      <p:pic>
+        <p:nvPicPr>
+          <p:cNvPr id="3" name="Graphic 2" descr="Marketing outline">
+            <a:extLst>
+              <a:ext uri="{FF2B5EF4-FFF2-40B4-BE49-F238E27FC236}">
+                <a16:creationId xmlns:a16="http://schemas.microsoft.com/office/drawing/2014/main" id="{572546F5-F22C-0DE0-1D29-1EC5E0A76C99}"/>
+              </a:ext>
+            </a:extLst>
+          </p:cNvPr>
+          <p:cNvPicPr>
+            <a:picLocks noChangeAspect="1"/>
+          </p:cNvPicPr>
+          <p:nvPr/>
+        </p:nvPicPr>
+        <p:blipFill>
+          <a:blip r:embed="rId4">
+            <a:extLst>
+              <a:ext uri="{96DAC541-7B7A-43D3-8B79-37D633B846F1}">
+                <asvg:svgBlip xmlns:asvg="http://schemas.microsoft.com/office/drawing/2016/SVG/main" r:embed="rId5"/>
+              </a:ext>
+            </a:extLst>
+          </a:blip>
+          <a:stretch>
+            <a:fillRect/>
+          </a:stretch>
+        </p:blipFill>
+        <p:spPr>
+          <a:xfrm>
+            <a:off x="2272144" y="2521527"/>
+            <a:ext cx="1814946" cy="1814946"/>
+          </a:xfrm>
+          <a:prstGeom prst="rect">
+            <a:avLst/>
+          </a:prstGeom>
+        </p:spPr>
+      </p:pic>
+      <p:pic>
+        <p:nvPicPr>
+          <p:cNvPr id="5" name="Graphic 4" descr="Baby outline">
+            <a:extLst>
+              <a:ext uri="{FF2B5EF4-FFF2-40B4-BE49-F238E27FC236}">
+                <a16:creationId xmlns:a16="http://schemas.microsoft.com/office/drawing/2014/main" id="{6714079B-4348-3DE5-27D6-EBB0F747ECEB}"/>
+              </a:ext>
+            </a:extLst>
+          </p:cNvPr>
+          <p:cNvPicPr>
+            <a:picLocks noChangeAspect="1"/>
+          </p:cNvPicPr>
+          <p:nvPr/>
+        </p:nvPicPr>
+        <p:blipFill>
+          <a:blip r:embed="rId6">
+            <a:extLst>
+              <a:ext uri="{96DAC541-7B7A-43D3-8B79-37D633B846F1}">
+                <asvg:svgBlip xmlns:asvg="http://schemas.microsoft.com/office/drawing/2016/SVG/main" r:embed="rId7"/>
+              </a:ext>
+            </a:extLst>
+          </a:blip>
+          <a:stretch>
+            <a:fillRect/>
+          </a:stretch>
+        </p:blipFill>
+        <p:spPr>
+          <a:xfrm>
+            <a:off x="8993285" y="3640757"/>
+            <a:ext cx="1133962" cy="1133962"/>
+          </a:xfrm>
+          <a:prstGeom prst="rect">
+            <a:avLst/>
+          </a:prstGeom>
+        </p:spPr>
+      </p:pic>
+      <p:pic>
+        <p:nvPicPr>
+          <p:cNvPr id="6" name="Graphic 5" descr="Male profile with solid fill">
+            <a:extLst>
+              <a:ext uri="{FF2B5EF4-FFF2-40B4-BE49-F238E27FC236}">
+                <a16:creationId xmlns:a16="http://schemas.microsoft.com/office/drawing/2014/main" id="{C48F3121-D9B7-3858-F89A-0AFFB7F097D5}"/>
+              </a:ext>
+            </a:extLst>
+          </p:cNvPr>
+          <p:cNvPicPr>
+            <a:picLocks noChangeAspect="1"/>
+          </p:cNvPicPr>
+          <p:nvPr/>
+        </p:nvPicPr>
+        <p:blipFill>
+          <a:blip r:embed="rId8">
+            <a:extLst>
+              <a:ext uri="{96DAC541-7B7A-43D3-8B79-37D633B846F1}">
+                <asvg:svgBlip xmlns:asvg="http://schemas.microsoft.com/office/drawing/2016/SVG/main" r:embed="rId9"/>
+              </a:ext>
+            </a:extLst>
+          </a:blip>
+          <a:stretch>
+            <a:fillRect/>
+          </a:stretch>
+        </p:blipFill>
+        <p:spPr>
+          <a:xfrm>
+            <a:off x="8949780" y="851543"/>
+            <a:ext cx="1207583" cy="1207583"/>
+          </a:xfrm>
+          <a:prstGeom prst="rect">
+            <a:avLst/>
+          </a:prstGeom>
+        </p:spPr>
+      </p:pic>
+      <p:pic>
+        <p:nvPicPr>
+          <p:cNvPr id="7" name="Graphic 6" descr="Office worker female with solid fill">
+            <a:extLst>
+              <a:ext uri="{FF2B5EF4-FFF2-40B4-BE49-F238E27FC236}">
+                <a16:creationId xmlns:a16="http://schemas.microsoft.com/office/drawing/2014/main" id="{0C78D743-0D63-5BC5-3661-FD4F74E79AB0}"/>
+              </a:ext>
+            </a:extLst>
+          </p:cNvPr>
+          <p:cNvPicPr>
+            <a:picLocks noChangeAspect="1"/>
+          </p:cNvPicPr>
+          <p:nvPr/>
+        </p:nvPicPr>
+        <p:blipFill>
+          <a:blip r:embed="rId10">
+            <a:extLst>
+              <a:ext uri="{96DAC541-7B7A-43D3-8B79-37D633B846F1}">
+                <asvg:svgBlip xmlns:asvg="http://schemas.microsoft.com/office/drawing/2016/SVG/main" r:embed="rId11"/>
+              </a:ext>
+            </a:extLst>
+          </a:blip>
+          <a:stretch>
+            <a:fillRect/>
+          </a:stretch>
+        </p:blipFill>
+        <p:spPr>
+          <a:xfrm>
+            <a:off x="8914951" y="2073198"/>
+            <a:ext cx="1325562" cy="1325562"/>
+          </a:xfrm>
+          <a:prstGeom prst="rect">
+            <a:avLst/>
+          </a:prstGeom>
+        </p:spPr>
+      </p:pic>
+      <p:pic>
+        <p:nvPicPr>
+          <p:cNvPr id="8" name="Graphic 7" descr="Head with gears with solid fill">
+            <a:extLst>
+              <a:ext uri="{FF2B5EF4-FFF2-40B4-BE49-F238E27FC236}">
+                <a16:creationId xmlns:a16="http://schemas.microsoft.com/office/drawing/2014/main" id="{59C193E1-7AB9-AAB1-C73C-44489D093F02}"/>
+              </a:ext>
+            </a:extLst>
+          </p:cNvPr>
+          <p:cNvPicPr>
+            <a:picLocks noChangeAspect="1"/>
+          </p:cNvPicPr>
+          <p:nvPr/>
+        </p:nvPicPr>
+        <p:blipFill>
+          <a:blip r:embed="rId12">
+            <a:extLst>
+              <a:ext uri="{96DAC541-7B7A-43D3-8B79-37D633B846F1}">
+                <asvg:svgBlip xmlns:asvg="http://schemas.microsoft.com/office/drawing/2016/SVG/main" r:embed="rId13"/>
+              </a:ext>
+            </a:extLst>
+          </a:blip>
+          <a:stretch>
+            <a:fillRect/>
+          </a:stretch>
+        </p:blipFill>
+        <p:spPr>
+          <a:xfrm>
+            <a:off x="9071915" y="5016716"/>
+            <a:ext cx="1133962" cy="1133962"/>
+          </a:xfrm>
+          <a:prstGeom prst="rect">
+            <a:avLst/>
+          </a:prstGeom>
+        </p:spPr>
+      </p:pic>
+    </p:spTree>
+    <p:extLst>
+      <p:ext uri="{BB962C8B-B14F-4D97-AF65-F5344CB8AC3E}">
+        <p14:creationId xmlns:p14="http://schemas.microsoft.com/office/powerpoint/2010/main" val="2511417744"/>
+      </p:ext>
+    </p:extLst>
+  </p:cSld>
+  <p:clrMapOvr>
+    <a:masterClrMapping/>
+  </p:clrMapOvr>
+  <mc:AlternateContent xmlns:mc="http://schemas.openxmlformats.org/markup-compatibility/2006">
+    <mc:Choice xmlns:p159="http://schemas.microsoft.com/office/powerpoint/2015/09/main" Requires="p159">
+      <p:transition>
+        <p159:morph option="byObject"/>
+      </p:transition>
+    </mc:Choice>
+    <mc:Fallback>
+      <p:transition>
+        <p:fade/>
+      </p:transition>
+    </mc:Fallback>
+  </mc:AlternateContent>
+  <p:timing>
+    <p:tnLst>
+      <p:par>
+        <p:cTn id="1" dur="indefinite" restart="never" nodeType="tmRoot">
+          <p:childTnLst>
+            <p:seq concurrent="1" nextAc="seek">
+              <p:cTn id="2" dur="indefinite" nodeType="mainSeq">
+                <p:childTnLst>
+                  <p:par>
+                    <p:cTn id="3" fill="hold">
+                      <p:stCondLst>
+                        <p:cond delay="indefinite"/>
+                      </p:stCondLst>
+                      <p:childTnLst>
+                        <p:par>
+                          <p:cTn id="4" fill="hold">
+                            <p:stCondLst>
+                              <p:cond delay="0"/>
+                            </p:stCondLst>
+                            <p:childTnLst>
+                              <p:par>
+                                <p:cTn id="5" presetID="1" presetClass="entr" presetSubtype="0" fill="hold" nodeType="clickEffect">
+                                  <p:stCondLst>
+                                    <p:cond delay="0"/>
+                                  </p:stCondLst>
+                                  <p:childTnLst>
+                                    <p:set>
+                                      <p:cBhvr>
+                                        <p:cTn id="6" dur="1" fill="hold">
+                                          <p:stCondLst>
+                                            <p:cond delay="0"/>
+                                          </p:stCondLst>
+                                        </p:cTn>
+                                        <p:tgtEl>
+                                          <p:spTgt spid="3"/>
+                                        </p:tgtEl>
+                                        <p:attrNameLst>
+                                          <p:attrName>style.visibility</p:attrName>
+                                        </p:attrNameLst>
+                                      </p:cBhvr>
+                                      <p:to>
+                                        <p:strVal val="visible"/>
+                                      </p:to>
+                                    </p:set>
+                                  </p:childTnLst>
+                                </p:cTn>
+                              </p:par>
+                            </p:childTnLst>
+                          </p:cTn>
+                        </p:par>
+                      </p:childTnLst>
+                    </p:cTn>
+                  </p:par>
+                  <p:par>
+                    <p:cTn id="7" fill="hold">
+                      <p:stCondLst>
+                        <p:cond delay="indefinite"/>
+                      </p:stCondLst>
+                      <p:childTnLst>
+                        <p:par>
+                          <p:cTn id="8" fill="hold">
+                            <p:stCondLst>
+                              <p:cond delay="0"/>
+                            </p:stCondLst>
+                            <p:childTnLst>
+                              <p:par>
+                                <p:cTn id="9" presetID="3" presetClass="entr" presetSubtype="10" fill="hold" nodeType="clickEffect">
+                                  <p:stCondLst>
+                                    <p:cond delay="0"/>
+                                  </p:stCondLst>
+                                  <p:childTnLst>
+                                    <p:set>
+                                      <p:cBhvr>
+                                        <p:cTn id="10" dur="1" fill="hold">
+                                          <p:stCondLst>
+                                            <p:cond delay="0"/>
+                                          </p:stCondLst>
+                                        </p:cTn>
+                                        <p:tgtEl>
+                                          <p:spTgt spid="6"/>
+                                        </p:tgtEl>
+                                        <p:attrNameLst>
+                                          <p:attrName>style.visibility</p:attrName>
+                                        </p:attrNameLst>
+                                      </p:cBhvr>
+                                      <p:to>
+                                        <p:strVal val="visible"/>
+                                      </p:to>
+                                    </p:set>
+                                    <p:animEffect transition="in" filter="blinds(horizontal)">
+                                      <p:cBhvr>
+                                        <p:cTn id="11" dur="500"/>
+                                        <p:tgtEl>
+                                          <p:spTgt spid="6"/>
+                                        </p:tgtEl>
+                                      </p:cBhvr>
+                                    </p:animEffect>
+                                  </p:childTnLst>
+                                </p:cTn>
+                              </p:par>
+                              <p:par>
+                                <p:cTn id="12" presetID="3" presetClass="entr" presetSubtype="10" fill="hold" nodeType="withEffect">
+                                  <p:stCondLst>
+                                    <p:cond delay="0"/>
+                                  </p:stCondLst>
+                                  <p:childTnLst>
+                                    <p:set>
+                                      <p:cBhvr>
+                                        <p:cTn id="13" dur="1" fill="hold">
+                                          <p:stCondLst>
+                                            <p:cond delay="0"/>
+                                          </p:stCondLst>
+                                        </p:cTn>
+                                        <p:tgtEl>
+                                          <p:spTgt spid="7"/>
+                                        </p:tgtEl>
+                                        <p:attrNameLst>
+                                          <p:attrName>style.visibility</p:attrName>
+                                        </p:attrNameLst>
+                                      </p:cBhvr>
+                                      <p:to>
+                                        <p:strVal val="visible"/>
+                                      </p:to>
+                                    </p:set>
+                                    <p:animEffect transition="in" filter="blinds(horizontal)">
+                                      <p:cBhvr>
+                                        <p:cTn id="14" dur="500"/>
+                                        <p:tgtEl>
+                                          <p:spTgt spid="7"/>
+                                        </p:tgtEl>
+                                      </p:cBhvr>
+                                    </p:animEffect>
+                                  </p:childTnLst>
+                                </p:cTn>
+                              </p:par>
+                              <p:par>
+                                <p:cTn id="15" presetID="3" presetClass="entr" presetSubtype="10" fill="hold" nodeType="withEffect">
+                                  <p:stCondLst>
+                                    <p:cond delay="0"/>
+                                  </p:stCondLst>
+                                  <p:childTnLst>
+                                    <p:set>
+                                      <p:cBhvr>
+                                        <p:cTn id="16" dur="1" fill="hold">
+                                          <p:stCondLst>
+                                            <p:cond delay="0"/>
+                                          </p:stCondLst>
+                                        </p:cTn>
+                                        <p:tgtEl>
+                                          <p:spTgt spid="5"/>
+                                        </p:tgtEl>
+                                        <p:attrNameLst>
+                                          <p:attrName>style.visibility</p:attrName>
+                                        </p:attrNameLst>
+                                      </p:cBhvr>
+                                      <p:to>
+                                        <p:strVal val="visible"/>
+                                      </p:to>
+                                    </p:set>
+                                    <p:animEffect transition="in" filter="blinds(horizontal)">
+                                      <p:cBhvr>
+                                        <p:cTn id="17" dur="500"/>
+                                        <p:tgtEl>
+                                          <p:spTgt spid="5"/>
+                                        </p:tgtEl>
+                                      </p:cBhvr>
+                                    </p:animEffect>
+                                  </p:childTnLst>
+                                </p:cTn>
+                              </p:par>
+                              <p:par>
+                                <p:cTn id="18" presetID="3" presetClass="entr" presetSubtype="10" fill="hold" nodeType="withEffect">
+                                  <p:stCondLst>
+                                    <p:cond delay="0"/>
+                                  </p:stCondLst>
+                                  <p:childTnLst>
+                                    <p:set>
+                                      <p:cBhvr>
+                                        <p:cTn id="19" dur="1" fill="hold">
+                                          <p:stCondLst>
+                                            <p:cond delay="0"/>
+                                          </p:stCondLst>
+                                        </p:cTn>
+                                        <p:tgtEl>
+                                          <p:spTgt spid="8"/>
+                                        </p:tgtEl>
+                                        <p:attrNameLst>
+                                          <p:attrName>style.visibility</p:attrName>
+                                        </p:attrNameLst>
+                                      </p:cBhvr>
+                                      <p:to>
+                                        <p:strVal val="visible"/>
+                                      </p:to>
+                                    </p:set>
+                                    <p:animEffect transition="in" filter="blinds(horizontal)">
+                                      <p:cBhvr>
+                                        <p:cTn id="20" dur="500"/>
+                                        <p:tgtEl>
+                                          <p:spTgt spid="8"/>
+                                        </p:tgtEl>
+                                      </p:cBhvr>
+                                    </p:animEffect>
+                                  </p:childTnLst>
+                                </p:cTn>
+                              </p:par>
+                            </p:childTnLst>
+                          </p:cTn>
+                        </p:par>
+                      </p:childTnLst>
+                    </p:cTn>
+                  </p:par>
+                </p:childTnLst>
+              </p:cTn>
+              <p:prevCondLst>
+                <p:cond evt="onPrev" delay="0">
+                  <p:tgtEl>
+                    <p:sldTgt/>
+                  </p:tgtEl>
+                </p:cond>
+              </p:prevCondLst>
+              <p:nextCondLst>
+                <p:cond evt="onNext" delay="0">
+                  <p:tgtEl>
+                    <p:sldTgt/>
+                  </p:tgtEl>
+                </p:cond>
+              </p:nextCondLst>
+            </p:seq>
+          </p:childTnLst>
+        </p:cTn>
+      </p:par>
+    </p:tnLst>
+  </p:timing>
+</p:sld>
+</file>
+
+<file path=ppt/slides/slide30.xml><?xml version="1.0" encoding="utf-8"?>
 <p:sld xmlns:a="http://schemas.openxmlformats.org/drawingml/2006/main" xmlns:r="http://schemas.openxmlformats.org/officeDocument/2006/relationships" xmlns:p="http://schemas.openxmlformats.org/presentationml/2006/main">
   <p:cSld>
     <p:spTree>
@@ -22709,7 +25912,7 @@
 </p:sld>
 </file>
 
-<file path=ppt/slides/slide25.xml><?xml version="1.0" encoding="utf-8"?>
+<file path=ppt/slides/slide31.xml><?xml version="1.0" encoding="utf-8"?>
 <p:sld xmlns:a="http://schemas.openxmlformats.org/drawingml/2006/main" xmlns:r="http://schemas.openxmlformats.org/officeDocument/2006/relationships" xmlns:p="http://schemas.openxmlformats.org/presentationml/2006/main" show="0">
   <p:cSld>
     <p:spTree>
@@ -23095,7 +26298,7 @@
 </p:sld>
 </file>
 
-<file path=ppt/slides/slide26.xml><?xml version="1.0" encoding="utf-8"?>
+<file path=ppt/slides/slide32.xml><?xml version="1.0" encoding="utf-8"?>
 <p:sld xmlns:a="http://schemas.openxmlformats.org/drawingml/2006/main" xmlns:r="http://schemas.openxmlformats.org/officeDocument/2006/relationships" xmlns:p="http://schemas.openxmlformats.org/presentationml/2006/main" show="0">
   <p:cSld>
     <p:spTree>
@@ -23686,7 +26889,7 @@
 </p:sld>
 </file>
 
-<file path=ppt/slides/slide27.xml><?xml version="1.0" encoding="utf-8"?>
+<file path=ppt/slides/slide33.xml><?xml version="1.0" encoding="utf-8"?>
 <p:sld xmlns:a="http://schemas.openxmlformats.org/drawingml/2006/main" xmlns:r="http://schemas.openxmlformats.org/officeDocument/2006/relationships" xmlns:p="http://schemas.openxmlformats.org/presentationml/2006/main" show="0">
   <p:cSld>
     <p:spTree>
@@ -24342,7 +27545,7 @@
 </p:sld>
 </file>
 
-<file path=ppt/slides/slide28.xml><?xml version="1.0" encoding="utf-8"?>
+<file path=ppt/slides/slide34.xml><?xml version="1.0" encoding="utf-8"?>
 <p:sld xmlns:a="http://schemas.openxmlformats.org/drawingml/2006/main" xmlns:r="http://schemas.openxmlformats.org/officeDocument/2006/relationships" xmlns:p="http://schemas.openxmlformats.org/presentationml/2006/main" show="0">
   <p:cSld>
     <p:spTree>
@@ -24826,7 +28029,7 @@
 </p:sld>
 </file>
 
-<file path=ppt/slides/slide29.xml><?xml version="1.0" encoding="utf-8"?>
+<file path=ppt/slides/slide35.xml><?xml version="1.0" encoding="utf-8"?>
 <p:sld xmlns:a="http://schemas.openxmlformats.org/drawingml/2006/main" xmlns:r="http://schemas.openxmlformats.org/officeDocument/2006/relationships" xmlns:p="http://schemas.openxmlformats.org/presentationml/2006/main" show="0">
   <p:cSld>
     <p:bg>
@@ -26356,561 +29559,7 @@
 </p:sld>
 </file>
 
-<file path=ppt/slides/slide3.xml><?xml version="1.0" encoding="utf-8"?>
-<p:sld xmlns:a="http://schemas.openxmlformats.org/drawingml/2006/main" xmlns:r="http://schemas.openxmlformats.org/officeDocument/2006/relationships" xmlns:p="http://schemas.openxmlformats.org/presentationml/2006/main">
-  <p:cSld>
-    <p:spTree>
-      <p:nvGrpSpPr>
-        <p:cNvPr id="1" name="">
-          <a:extLst>
-            <a:ext uri="{FF2B5EF4-FFF2-40B4-BE49-F238E27FC236}">
-              <a16:creationId xmlns:a16="http://schemas.microsoft.com/office/drawing/2014/main" id="{96828DBA-EDBD-E3E0-4F1C-519C9B7D12B5}"/>
-            </a:ext>
-          </a:extLst>
-        </p:cNvPr>
-        <p:cNvGrpSpPr/>
-        <p:nvPr/>
-      </p:nvGrpSpPr>
-      <p:grpSpPr>
-        <a:xfrm>
-          <a:off x="0" y="0"/>
-          <a:ext cx="0" cy="0"/>
-          <a:chOff x="0" y="0"/>
-          <a:chExt cx="0" cy="0"/>
-        </a:xfrm>
-      </p:grpSpPr>
-      <p:sp>
-        <p:nvSpPr>
-          <p:cNvPr id="2" name="Title 1">
-            <a:extLst>
-              <a:ext uri="{FF2B5EF4-FFF2-40B4-BE49-F238E27FC236}">
-                <a16:creationId xmlns:a16="http://schemas.microsoft.com/office/drawing/2014/main" id="{740E546F-BF65-FA74-EA2D-F158A58F99F6}"/>
-              </a:ext>
-            </a:extLst>
-          </p:cNvPr>
-          <p:cNvSpPr>
-            <a:spLocks noGrp="1"/>
-          </p:cNvSpPr>
-          <p:nvPr>
-            <p:ph type="title"/>
-          </p:nvPr>
-        </p:nvSpPr>
-        <p:spPr/>
-        <p:txBody>
-          <a:bodyPr/>
-          <a:lstStyle/>
-          <a:p>
-            <a:r>
-              <a:rPr lang="en-US" dirty="0"/>
-              <a:t>A Financial Market</a:t>
-            </a:r>
-          </a:p>
-        </p:txBody>
-      </p:sp>
-      <p:sp>
-        <p:nvSpPr>
-          <p:cNvPr id="4" name="Slide Number Placeholder 3">
-            <a:extLst>
-              <a:ext uri="{FF2B5EF4-FFF2-40B4-BE49-F238E27FC236}">
-                <a16:creationId xmlns:a16="http://schemas.microsoft.com/office/drawing/2014/main" id="{6E28A623-A5D2-8F7D-A271-E1B68D630CCD}"/>
-              </a:ext>
-            </a:extLst>
-          </p:cNvPr>
-          <p:cNvSpPr>
-            <a:spLocks noGrp="1"/>
-          </p:cNvSpPr>
-          <p:nvPr>
-            <p:ph type="sldNum" sz="quarter" idx="12"/>
-          </p:nvPr>
-        </p:nvSpPr>
-        <p:spPr/>
-        <p:txBody>
-          <a:bodyPr/>
-          <a:lstStyle/>
-          <a:p>
-            <a:fld id="{F2F80786-77E6-134C-ADA2-416C85F6726C}" type="slidenum">
-              <a:rPr lang="en-US" smtClean="0"/>
-              <a:t>3</a:t>
-            </a:fld>
-            <a:endParaRPr lang="en-US"/>
-          </a:p>
-        </p:txBody>
-      </p:sp>
-      <p:pic>
-        <p:nvPicPr>
-          <p:cNvPr id="10" name="Graphic 9" descr="Downward trend graph outline">
-            <a:extLst>
-              <a:ext uri="{FF2B5EF4-FFF2-40B4-BE49-F238E27FC236}">
-                <a16:creationId xmlns:a16="http://schemas.microsoft.com/office/drawing/2014/main" id="{B557F74D-ED46-E285-F642-2CB94C47CF06}"/>
-              </a:ext>
-            </a:extLst>
-          </p:cNvPr>
-          <p:cNvPicPr>
-            <a:picLocks noChangeAspect="1"/>
-          </p:cNvPicPr>
-          <p:nvPr/>
-        </p:nvPicPr>
-        <p:blipFill>
-          <a:blip r:embed="rId2">
-            <a:extLst>
-              <a:ext uri="{96DAC541-7B7A-43D3-8B79-37D633B846F1}">
-                <asvg:svgBlip xmlns:asvg="http://schemas.microsoft.com/office/drawing/2016/SVG/main" r:embed="rId3"/>
-              </a:ext>
-            </a:extLst>
-          </a:blip>
-          <a:stretch>
-            <a:fillRect/>
-          </a:stretch>
-        </p:blipFill>
-        <p:spPr>
-          <a:xfrm>
-            <a:off x="720436" y="1801308"/>
-            <a:ext cx="1357746" cy="1357746"/>
-          </a:xfrm>
-          <a:prstGeom prst="rect">
-            <a:avLst/>
-          </a:prstGeom>
-        </p:spPr>
-      </p:pic>
-      <p:pic>
-        <p:nvPicPr>
-          <p:cNvPr id="3" name="Graphic 2" descr="Marketing outline">
-            <a:extLst>
-              <a:ext uri="{FF2B5EF4-FFF2-40B4-BE49-F238E27FC236}">
-                <a16:creationId xmlns:a16="http://schemas.microsoft.com/office/drawing/2014/main" id="{572546F5-F22C-0DE0-1D29-1EC5E0A76C99}"/>
-              </a:ext>
-            </a:extLst>
-          </p:cNvPr>
-          <p:cNvPicPr>
-            <a:picLocks noChangeAspect="1"/>
-          </p:cNvPicPr>
-          <p:nvPr/>
-        </p:nvPicPr>
-        <p:blipFill>
-          <a:blip r:embed="rId4">
-            <a:extLst>
-              <a:ext uri="{96DAC541-7B7A-43D3-8B79-37D633B846F1}">
-                <asvg:svgBlip xmlns:asvg="http://schemas.microsoft.com/office/drawing/2016/SVG/main" r:embed="rId5"/>
-              </a:ext>
-            </a:extLst>
-          </a:blip>
-          <a:stretch>
-            <a:fillRect/>
-          </a:stretch>
-        </p:blipFill>
-        <p:spPr>
-          <a:xfrm>
-            <a:off x="2272144" y="2521527"/>
-            <a:ext cx="1814946" cy="1814946"/>
-          </a:xfrm>
-          <a:prstGeom prst="rect">
-            <a:avLst/>
-          </a:prstGeom>
-        </p:spPr>
-      </p:pic>
-      <p:pic>
-        <p:nvPicPr>
-          <p:cNvPr id="5" name="Graphic 4" descr="Baby outline">
-            <a:extLst>
-              <a:ext uri="{FF2B5EF4-FFF2-40B4-BE49-F238E27FC236}">
-                <a16:creationId xmlns:a16="http://schemas.microsoft.com/office/drawing/2014/main" id="{6714079B-4348-3DE5-27D6-EBB0F747ECEB}"/>
-              </a:ext>
-            </a:extLst>
-          </p:cNvPr>
-          <p:cNvPicPr>
-            <a:picLocks noChangeAspect="1"/>
-          </p:cNvPicPr>
-          <p:nvPr/>
-        </p:nvPicPr>
-        <p:blipFill>
-          <a:blip r:embed="rId6">
-            <a:extLst>
-              <a:ext uri="{96DAC541-7B7A-43D3-8B79-37D633B846F1}">
-                <asvg:svgBlip xmlns:asvg="http://schemas.microsoft.com/office/drawing/2016/SVG/main" r:embed="rId7"/>
-              </a:ext>
-            </a:extLst>
-          </a:blip>
-          <a:stretch>
-            <a:fillRect/>
-          </a:stretch>
-        </p:blipFill>
-        <p:spPr>
-          <a:xfrm>
-            <a:off x="8993285" y="3640757"/>
-            <a:ext cx="1133962" cy="1133962"/>
-          </a:xfrm>
-          <a:prstGeom prst="rect">
-            <a:avLst/>
-          </a:prstGeom>
-        </p:spPr>
-      </p:pic>
-      <p:pic>
-        <p:nvPicPr>
-          <p:cNvPr id="6" name="Graphic 5" descr="Male profile with solid fill">
-            <a:extLst>
-              <a:ext uri="{FF2B5EF4-FFF2-40B4-BE49-F238E27FC236}">
-                <a16:creationId xmlns:a16="http://schemas.microsoft.com/office/drawing/2014/main" id="{C48F3121-D9B7-3858-F89A-0AFFB7F097D5}"/>
-              </a:ext>
-            </a:extLst>
-          </p:cNvPr>
-          <p:cNvPicPr>
-            <a:picLocks noChangeAspect="1"/>
-          </p:cNvPicPr>
-          <p:nvPr/>
-        </p:nvPicPr>
-        <p:blipFill>
-          <a:blip r:embed="rId8">
-            <a:extLst>
-              <a:ext uri="{96DAC541-7B7A-43D3-8B79-37D633B846F1}">
-                <asvg:svgBlip xmlns:asvg="http://schemas.microsoft.com/office/drawing/2016/SVG/main" r:embed="rId9"/>
-              </a:ext>
-            </a:extLst>
-          </a:blip>
-          <a:stretch>
-            <a:fillRect/>
-          </a:stretch>
-        </p:blipFill>
-        <p:spPr>
-          <a:xfrm>
-            <a:off x="8949780" y="851543"/>
-            <a:ext cx="1207583" cy="1207583"/>
-          </a:xfrm>
-          <a:prstGeom prst="rect">
-            <a:avLst/>
-          </a:prstGeom>
-        </p:spPr>
-      </p:pic>
-      <p:pic>
-        <p:nvPicPr>
-          <p:cNvPr id="7" name="Graphic 6" descr="Office worker female with solid fill">
-            <a:extLst>
-              <a:ext uri="{FF2B5EF4-FFF2-40B4-BE49-F238E27FC236}">
-                <a16:creationId xmlns:a16="http://schemas.microsoft.com/office/drawing/2014/main" id="{0C78D743-0D63-5BC5-3661-FD4F74E79AB0}"/>
-              </a:ext>
-            </a:extLst>
-          </p:cNvPr>
-          <p:cNvPicPr>
-            <a:picLocks noChangeAspect="1"/>
-          </p:cNvPicPr>
-          <p:nvPr/>
-        </p:nvPicPr>
-        <p:blipFill>
-          <a:blip r:embed="rId10">
-            <a:extLst>
-              <a:ext uri="{96DAC541-7B7A-43D3-8B79-37D633B846F1}">
-                <asvg:svgBlip xmlns:asvg="http://schemas.microsoft.com/office/drawing/2016/SVG/main" r:embed="rId11"/>
-              </a:ext>
-            </a:extLst>
-          </a:blip>
-          <a:stretch>
-            <a:fillRect/>
-          </a:stretch>
-        </p:blipFill>
-        <p:spPr>
-          <a:xfrm>
-            <a:off x="8914951" y="2073198"/>
-            <a:ext cx="1325562" cy="1325562"/>
-          </a:xfrm>
-          <a:prstGeom prst="rect">
-            <a:avLst/>
-          </a:prstGeom>
-        </p:spPr>
-      </p:pic>
-      <p:pic>
-        <p:nvPicPr>
-          <p:cNvPr id="8" name="Graphic 7" descr="Head with gears with solid fill">
-            <a:extLst>
-              <a:ext uri="{FF2B5EF4-FFF2-40B4-BE49-F238E27FC236}">
-                <a16:creationId xmlns:a16="http://schemas.microsoft.com/office/drawing/2014/main" id="{59C193E1-7AB9-AAB1-C73C-44489D093F02}"/>
-              </a:ext>
-            </a:extLst>
-          </p:cNvPr>
-          <p:cNvPicPr>
-            <a:picLocks noChangeAspect="1"/>
-          </p:cNvPicPr>
-          <p:nvPr/>
-        </p:nvPicPr>
-        <p:blipFill>
-          <a:blip r:embed="rId12">
-            <a:extLst>
-              <a:ext uri="{96DAC541-7B7A-43D3-8B79-37D633B846F1}">
-                <asvg:svgBlip xmlns:asvg="http://schemas.microsoft.com/office/drawing/2016/SVG/main" r:embed="rId13"/>
-              </a:ext>
-            </a:extLst>
-          </a:blip>
-          <a:stretch>
-            <a:fillRect/>
-          </a:stretch>
-        </p:blipFill>
-        <p:spPr>
-          <a:xfrm>
-            <a:off x="9071915" y="5016716"/>
-            <a:ext cx="1133962" cy="1133962"/>
-          </a:xfrm>
-          <a:prstGeom prst="rect">
-            <a:avLst/>
-          </a:prstGeom>
-        </p:spPr>
-      </p:pic>
-    </p:spTree>
-    <p:extLst>
-      <p:ext uri="{BB962C8B-B14F-4D97-AF65-F5344CB8AC3E}">
-        <p14:creationId xmlns:p14="http://schemas.microsoft.com/office/powerpoint/2010/main" val="2511417744"/>
-      </p:ext>
-    </p:extLst>
-  </p:cSld>
-  <p:clrMapOvr>
-    <a:masterClrMapping/>
-  </p:clrMapOvr>
-  <mc:AlternateContent xmlns:mc="http://schemas.openxmlformats.org/markup-compatibility/2006">
-    <mc:Choice xmlns:p159="http://schemas.microsoft.com/office/powerpoint/2015/09/main" Requires="p159">
-      <p:transition>
-        <p159:morph option="byObject"/>
-      </p:transition>
-    </mc:Choice>
-    <mc:Fallback>
-      <p:transition>
-        <p:fade/>
-      </p:transition>
-    </mc:Fallback>
-  </mc:AlternateContent>
-  <p:timing>
-    <p:tnLst>
-      <p:par>
-        <p:cTn id="1" dur="indefinite" restart="never" nodeType="tmRoot">
-          <p:childTnLst>
-            <p:seq concurrent="1" nextAc="seek">
-              <p:cTn id="2" dur="indefinite" nodeType="mainSeq">
-                <p:childTnLst>
-                  <p:par>
-                    <p:cTn id="3" fill="hold">
-                      <p:stCondLst>
-                        <p:cond delay="indefinite"/>
-                      </p:stCondLst>
-                      <p:childTnLst>
-                        <p:par>
-                          <p:cTn id="4" fill="hold">
-                            <p:stCondLst>
-                              <p:cond delay="0"/>
-                            </p:stCondLst>
-                            <p:childTnLst>
-                              <p:par>
-                                <p:cTn id="5" presetID="1" presetClass="entr" presetSubtype="0" fill="hold" nodeType="clickEffect">
-                                  <p:stCondLst>
-                                    <p:cond delay="0"/>
-                                  </p:stCondLst>
-                                  <p:childTnLst>
-                                    <p:set>
-                                      <p:cBhvr>
-                                        <p:cTn id="6" dur="1" fill="hold">
-                                          <p:stCondLst>
-                                            <p:cond delay="0"/>
-                                          </p:stCondLst>
-                                        </p:cTn>
-                                        <p:tgtEl>
-                                          <p:spTgt spid="3"/>
-                                        </p:tgtEl>
-                                        <p:attrNameLst>
-                                          <p:attrName>style.visibility</p:attrName>
-                                        </p:attrNameLst>
-                                      </p:cBhvr>
-                                      <p:to>
-                                        <p:strVal val="visible"/>
-                                      </p:to>
-                                    </p:set>
-                                  </p:childTnLst>
-                                </p:cTn>
-                              </p:par>
-                            </p:childTnLst>
-                          </p:cTn>
-                        </p:par>
-                      </p:childTnLst>
-                    </p:cTn>
-                  </p:par>
-                  <p:par>
-                    <p:cTn id="7" fill="hold">
-                      <p:stCondLst>
-                        <p:cond delay="indefinite"/>
-                      </p:stCondLst>
-                      <p:childTnLst>
-                        <p:par>
-                          <p:cTn id="8" fill="hold">
-                            <p:stCondLst>
-                              <p:cond delay="0"/>
-                            </p:stCondLst>
-                            <p:childTnLst>
-                              <p:par>
-                                <p:cTn id="9" presetID="3" presetClass="entr" presetSubtype="10" fill="hold" nodeType="clickEffect">
-                                  <p:stCondLst>
-                                    <p:cond delay="0"/>
-                                  </p:stCondLst>
-                                  <p:childTnLst>
-                                    <p:set>
-                                      <p:cBhvr>
-                                        <p:cTn id="10" dur="1" fill="hold">
-                                          <p:stCondLst>
-                                            <p:cond delay="0"/>
-                                          </p:stCondLst>
-                                        </p:cTn>
-                                        <p:tgtEl>
-                                          <p:spTgt spid="6"/>
-                                        </p:tgtEl>
-                                        <p:attrNameLst>
-                                          <p:attrName>style.visibility</p:attrName>
-                                        </p:attrNameLst>
-                                      </p:cBhvr>
-                                      <p:to>
-                                        <p:strVal val="visible"/>
-                                      </p:to>
-                                    </p:set>
-                                    <p:animEffect transition="in" filter="blinds(horizontal)">
-                                      <p:cBhvr>
-                                        <p:cTn id="11" dur="500"/>
-                                        <p:tgtEl>
-                                          <p:spTgt spid="6"/>
-                                        </p:tgtEl>
-                                      </p:cBhvr>
-                                    </p:animEffect>
-                                  </p:childTnLst>
-                                </p:cTn>
-                              </p:par>
-                              <p:par>
-                                <p:cTn id="12" presetID="3" presetClass="entr" presetSubtype="10" fill="hold" nodeType="withEffect">
-                                  <p:stCondLst>
-                                    <p:cond delay="0"/>
-                                  </p:stCondLst>
-                                  <p:childTnLst>
-                                    <p:set>
-                                      <p:cBhvr>
-                                        <p:cTn id="13" dur="1" fill="hold">
-                                          <p:stCondLst>
-                                            <p:cond delay="0"/>
-                                          </p:stCondLst>
-                                        </p:cTn>
-                                        <p:tgtEl>
-                                          <p:spTgt spid="7"/>
-                                        </p:tgtEl>
-                                        <p:attrNameLst>
-                                          <p:attrName>style.visibility</p:attrName>
-                                        </p:attrNameLst>
-                                      </p:cBhvr>
-                                      <p:to>
-                                        <p:strVal val="visible"/>
-                                      </p:to>
-                                    </p:set>
-                                    <p:animEffect transition="in" filter="blinds(horizontal)">
-                                      <p:cBhvr>
-                                        <p:cTn id="14" dur="500"/>
-                                        <p:tgtEl>
-                                          <p:spTgt spid="7"/>
-                                        </p:tgtEl>
-                                      </p:cBhvr>
-                                    </p:animEffect>
-                                  </p:childTnLst>
-                                </p:cTn>
-                              </p:par>
-                              <p:par>
-                                <p:cTn id="15" presetID="3" presetClass="entr" presetSubtype="10" fill="hold" nodeType="withEffect">
-                                  <p:stCondLst>
-                                    <p:cond delay="0"/>
-                                  </p:stCondLst>
-                                  <p:childTnLst>
-                                    <p:set>
-                                      <p:cBhvr>
-                                        <p:cTn id="16" dur="1" fill="hold">
-                                          <p:stCondLst>
-                                            <p:cond delay="0"/>
-                                          </p:stCondLst>
-                                        </p:cTn>
-                                        <p:tgtEl>
-                                          <p:spTgt spid="5"/>
-                                        </p:tgtEl>
-                                        <p:attrNameLst>
-                                          <p:attrName>style.visibility</p:attrName>
-                                        </p:attrNameLst>
-                                      </p:cBhvr>
-                                      <p:to>
-                                        <p:strVal val="visible"/>
-                                      </p:to>
-                                    </p:set>
-                                    <p:animEffect transition="in" filter="blinds(horizontal)">
-                                      <p:cBhvr>
-                                        <p:cTn id="17" dur="500"/>
-                                        <p:tgtEl>
-                                          <p:spTgt spid="5"/>
-                                        </p:tgtEl>
-                                      </p:cBhvr>
-                                    </p:animEffect>
-                                  </p:childTnLst>
-                                </p:cTn>
-                              </p:par>
-                              <p:par>
-                                <p:cTn id="18" presetID="3" presetClass="entr" presetSubtype="10" fill="hold" nodeType="withEffect">
-                                  <p:stCondLst>
-                                    <p:cond delay="0"/>
-                                  </p:stCondLst>
-                                  <p:childTnLst>
-                                    <p:set>
-                                      <p:cBhvr>
-                                        <p:cTn id="19" dur="1" fill="hold">
-                                          <p:stCondLst>
-                                            <p:cond delay="0"/>
-                                          </p:stCondLst>
-                                        </p:cTn>
-                                        <p:tgtEl>
-                                          <p:spTgt spid="8"/>
-                                        </p:tgtEl>
-                                        <p:attrNameLst>
-                                          <p:attrName>style.visibility</p:attrName>
-                                        </p:attrNameLst>
-                                      </p:cBhvr>
-                                      <p:to>
-                                        <p:strVal val="visible"/>
-                                      </p:to>
-                                    </p:set>
-                                    <p:animEffect transition="in" filter="blinds(horizontal)">
-                                      <p:cBhvr>
-                                        <p:cTn id="20" dur="500"/>
-                                        <p:tgtEl>
-                                          <p:spTgt spid="8"/>
-                                        </p:tgtEl>
-                                      </p:cBhvr>
-                                    </p:animEffect>
-                                  </p:childTnLst>
-                                </p:cTn>
-                              </p:par>
-                            </p:childTnLst>
-                          </p:cTn>
-                        </p:par>
-                      </p:childTnLst>
-                    </p:cTn>
-                  </p:par>
-                </p:childTnLst>
-              </p:cTn>
-              <p:prevCondLst>
-                <p:cond evt="onPrev" delay="0">
-                  <p:tgtEl>
-                    <p:sldTgt/>
-                  </p:tgtEl>
-                </p:cond>
-              </p:prevCondLst>
-              <p:nextCondLst>
-                <p:cond evt="onNext" delay="0">
-                  <p:tgtEl>
-                    <p:sldTgt/>
-                  </p:tgtEl>
-                </p:cond>
-              </p:nextCondLst>
-            </p:seq>
-          </p:childTnLst>
-        </p:cTn>
-      </p:par>
-    </p:tnLst>
-  </p:timing>
-</p:sld>
-</file>
-
-<file path=ppt/slides/slide30.xml><?xml version="1.0" encoding="utf-8"?>
+<file path=ppt/slides/slide36.xml><?xml version="1.0" encoding="utf-8"?>
 <p:sld xmlns:a="http://schemas.openxmlformats.org/drawingml/2006/main" xmlns:r="http://schemas.openxmlformats.org/officeDocument/2006/relationships" xmlns:p="http://schemas.openxmlformats.org/presentationml/2006/main" show="0">
   <p:cSld>
     <p:spTree>
@@ -27378,7 +30027,7 @@
 </p:sld>
 </file>
 
-<file path=ppt/slides/slide31.xml><?xml version="1.0" encoding="utf-8"?>
+<file path=ppt/slides/slide37.xml><?xml version="1.0" encoding="utf-8"?>
 <p:sld xmlns:a="http://schemas.openxmlformats.org/drawingml/2006/main" xmlns:r="http://schemas.openxmlformats.org/officeDocument/2006/relationships" xmlns:p="http://schemas.openxmlformats.org/presentationml/2006/main">
   <p:cSld>
     <p:spTree>
@@ -28800,7 +31449,7 @@
 </p:sld>
 </file>
 
-<file path=ppt/slides/slide32.xml><?xml version="1.0" encoding="utf-8"?>
+<file path=ppt/slides/slide38.xml><?xml version="1.0" encoding="utf-8"?>
 <p:sld xmlns:a="http://schemas.openxmlformats.org/drawingml/2006/main" xmlns:r="http://schemas.openxmlformats.org/officeDocument/2006/relationships" xmlns:p="http://schemas.openxmlformats.org/presentationml/2006/main">
   <p:cSld>
     <p:spTree>
@@ -30180,7 +32829,7 @@
 </p:sld>
 </file>
 
-<file path=ppt/slides/slide33.xml><?xml version="1.0" encoding="utf-8"?>
+<file path=ppt/slides/slide39.xml><?xml version="1.0" encoding="utf-8"?>
 <p:sld xmlns:a="http://schemas.openxmlformats.org/drawingml/2006/main" xmlns:r="http://schemas.openxmlformats.org/officeDocument/2006/relationships" xmlns:p="http://schemas.openxmlformats.org/presentationml/2006/main">
   <p:cSld>
     <p:spTree>
@@ -31701,7 +34350,663 @@
 </p:sld>
 </file>
 
-<file path=ppt/slides/slide34.xml><?xml version="1.0" encoding="utf-8"?>
+<file path=ppt/slides/slide4.xml><?xml version="1.0" encoding="utf-8"?>
+<p:sld xmlns:a="http://schemas.openxmlformats.org/drawingml/2006/main" xmlns:r="http://schemas.openxmlformats.org/officeDocument/2006/relationships" xmlns:p="http://schemas.openxmlformats.org/presentationml/2006/main">
+  <p:cSld>
+    <p:spTree>
+      <p:nvGrpSpPr>
+        <p:cNvPr id="1" name="">
+          <a:extLst>
+            <a:ext uri="{FF2B5EF4-FFF2-40B4-BE49-F238E27FC236}">
+              <a16:creationId xmlns:a16="http://schemas.microsoft.com/office/drawing/2014/main" id="{C6F29BBE-72FA-B172-BA93-AC2155D19093}"/>
+            </a:ext>
+          </a:extLst>
+        </p:cNvPr>
+        <p:cNvGrpSpPr/>
+        <p:nvPr/>
+      </p:nvGrpSpPr>
+      <p:grpSpPr>
+        <a:xfrm>
+          <a:off x="0" y="0"/>
+          <a:ext cx="0" cy="0"/>
+          <a:chOff x="0" y="0"/>
+          <a:chExt cx="0" cy="0"/>
+        </a:xfrm>
+      </p:grpSpPr>
+      <p:sp>
+        <p:nvSpPr>
+          <p:cNvPr id="2" name="Title 1">
+            <a:extLst>
+              <a:ext uri="{FF2B5EF4-FFF2-40B4-BE49-F238E27FC236}">
+                <a16:creationId xmlns:a16="http://schemas.microsoft.com/office/drawing/2014/main" id="{C806CD2A-7F51-F988-4A7C-A4510581EBD2}"/>
+              </a:ext>
+            </a:extLst>
+          </p:cNvPr>
+          <p:cNvSpPr>
+            <a:spLocks noGrp="1"/>
+          </p:cNvSpPr>
+          <p:nvPr>
+            <p:ph type="title"/>
+          </p:nvPr>
+        </p:nvSpPr>
+        <p:spPr/>
+        <p:txBody>
+          <a:bodyPr/>
+          <a:lstStyle/>
+          <a:p>
+            <a:r>
+              <a:rPr lang="en-US" dirty="0"/>
+              <a:t>A Financial Market</a:t>
+            </a:r>
+          </a:p>
+        </p:txBody>
+      </p:sp>
+      <p:sp>
+        <p:nvSpPr>
+          <p:cNvPr id="4" name="Slide Number Placeholder 3">
+            <a:extLst>
+              <a:ext uri="{FF2B5EF4-FFF2-40B4-BE49-F238E27FC236}">
+                <a16:creationId xmlns:a16="http://schemas.microsoft.com/office/drawing/2014/main" id="{EC4E64C3-37EC-49C1-C14C-57895B3FF799}"/>
+              </a:ext>
+            </a:extLst>
+          </p:cNvPr>
+          <p:cNvSpPr>
+            <a:spLocks noGrp="1"/>
+          </p:cNvSpPr>
+          <p:nvPr>
+            <p:ph type="sldNum" sz="quarter" idx="12"/>
+          </p:nvPr>
+        </p:nvSpPr>
+        <p:spPr/>
+        <p:txBody>
+          <a:bodyPr/>
+          <a:lstStyle/>
+          <a:p>
+            <a:fld id="{F2F80786-77E6-134C-ADA2-416C85F6726C}" type="slidenum">
+              <a:rPr lang="en-US" smtClean="0"/>
+              <a:t>4</a:t>
+            </a:fld>
+            <a:endParaRPr lang="en-US"/>
+          </a:p>
+        </p:txBody>
+      </p:sp>
+      <p:pic>
+        <p:nvPicPr>
+          <p:cNvPr id="10" name="Graphic 9" descr="Downward trend graph outline">
+            <a:extLst>
+              <a:ext uri="{FF2B5EF4-FFF2-40B4-BE49-F238E27FC236}">
+                <a16:creationId xmlns:a16="http://schemas.microsoft.com/office/drawing/2014/main" id="{05675F9B-60F2-9B0C-70AD-A7FBDB4441D3}"/>
+              </a:ext>
+            </a:extLst>
+          </p:cNvPr>
+          <p:cNvPicPr>
+            <a:picLocks noChangeAspect="1"/>
+          </p:cNvPicPr>
+          <p:nvPr/>
+        </p:nvPicPr>
+        <p:blipFill>
+          <a:blip r:embed="rId2">
+            <a:extLst>
+              <a:ext uri="{96DAC541-7B7A-43D3-8B79-37D633B846F1}">
+                <asvg:svgBlip xmlns:asvg="http://schemas.microsoft.com/office/drawing/2016/SVG/main" r:embed="rId3"/>
+              </a:ext>
+            </a:extLst>
+          </a:blip>
+          <a:stretch>
+            <a:fillRect/>
+          </a:stretch>
+        </p:blipFill>
+        <p:spPr>
+          <a:xfrm>
+            <a:off x="720436" y="1801308"/>
+            <a:ext cx="1357746" cy="1357746"/>
+          </a:xfrm>
+          <a:prstGeom prst="rect">
+            <a:avLst/>
+          </a:prstGeom>
+        </p:spPr>
+      </p:pic>
+      <p:pic>
+        <p:nvPicPr>
+          <p:cNvPr id="3" name="Graphic 2" descr="Marketing outline">
+            <a:extLst>
+              <a:ext uri="{FF2B5EF4-FFF2-40B4-BE49-F238E27FC236}">
+                <a16:creationId xmlns:a16="http://schemas.microsoft.com/office/drawing/2014/main" id="{A1CAD604-E832-1FAC-7935-3412F930CA14}"/>
+              </a:ext>
+            </a:extLst>
+          </p:cNvPr>
+          <p:cNvPicPr>
+            <a:picLocks noChangeAspect="1"/>
+          </p:cNvPicPr>
+          <p:nvPr/>
+        </p:nvPicPr>
+        <p:blipFill>
+          <a:blip r:embed="rId4">
+            <a:extLst>
+              <a:ext uri="{96DAC541-7B7A-43D3-8B79-37D633B846F1}">
+                <asvg:svgBlip xmlns:asvg="http://schemas.microsoft.com/office/drawing/2016/SVG/main" r:embed="rId5"/>
+              </a:ext>
+            </a:extLst>
+          </a:blip>
+          <a:stretch>
+            <a:fillRect/>
+          </a:stretch>
+        </p:blipFill>
+        <p:spPr>
+          <a:xfrm>
+            <a:off x="2272144" y="2521527"/>
+            <a:ext cx="1814946" cy="1814946"/>
+          </a:xfrm>
+          <a:prstGeom prst="rect">
+            <a:avLst/>
+          </a:prstGeom>
+        </p:spPr>
+      </p:pic>
+      <p:pic>
+        <p:nvPicPr>
+          <p:cNvPr id="5" name="Graphic 4" descr="Baby outline">
+            <a:extLst>
+              <a:ext uri="{FF2B5EF4-FFF2-40B4-BE49-F238E27FC236}">
+                <a16:creationId xmlns:a16="http://schemas.microsoft.com/office/drawing/2014/main" id="{F49B5A4D-B2D5-61B2-A78F-29FF6F4A0674}"/>
+              </a:ext>
+            </a:extLst>
+          </p:cNvPr>
+          <p:cNvPicPr>
+            <a:picLocks noChangeAspect="1"/>
+          </p:cNvPicPr>
+          <p:nvPr/>
+        </p:nvPicPr>
+        <p:blipFill>
+          <a:blip r:embed="rId6">
+            <a:extLst>
+              <a:ext uri="{96DAC541-7B7A-43D3-8B79-37D633B846F1}">
+                <asvg:svgBlip xmlns:asvg="http://schemas.microsoft.com/office/drawing/2016/SVG/main" r:embed="rId7"/>
+              </a:ext>
+            </a:extLst>
+          </a:blip>
+          <a:stretch>
+            <a:fillRect/>
+          </a:stretch>
+        </p:blipFill>
+        <p:spPr>
+          <a:xfrm>
+            <a:off x="8993285" y="3640757"/>
+            <a:ext cx="1133962" cy="1133962"/>
+          </a:xfrm>
+          <a:prstGeom prst="rect">
+            <a:avLst/>
+          </a:prstGeom>
+        </p:spPr>
+      </p:pic>
+      <p:pic>
+        <p:nvPicPr>
+          <p:cNvPr id="6" name="Graphic 5" descr="Male profile with solid fill">
+            <a:extLst>
+              <a:ext uri="{FF2B5EF4-FFF2-40B4-BE49-F238E27FC236}">
+                <a16:creationId xmlns:a16="http://schemas.microsoft.com/office/drawing/2014/main" id="{A10C5BBA-F8B7-2266-A081-D924D374ED96}"/>
+              </a:ext>
+            </a:extLst>
+          </p:cNvPr>
+          <p:cNvPicPr>
+            <a:picLocks noChangeAspect="1"/>
+          </p:cNvPicPr>
+          <p:nvPr/>
+        </p:nvPicPr>
+        <p:blipFill>
+          <a:blip r:embed="rId8">
+            <a:extLst>
+              <a:ext uri="{96DAC541-7B7A-43D3-8B79-37D633B846F1}">
+                <asvg:svgBlip xmlns:asvg="http://schemas.microsoft.com/office/drawing/2016/SVG/main" r:embed="rId9"/>
+              </a:ext>
+            </a:extLst>
+          </a:blip>
+          <a:stretch>
+            <a:fillRect/>
+          </a:stretch>
+        </p:blipFill>
+        <p:spPr>
+          <a:xfrm>
+            <a:off x="8949780" y="851543"/>
+            <a:ext cx="1207583" cy="1207583"/>
+          </a:xfrm>
+          <a:prstGeom prst="rect">
+            <a:avLst/>
+          </a:prstGeom>
+        </p:spPr>
+      </p:pic>
+      <p:pic>
+        <p:nvPicPr>
+          <p:cNvPr id="7" name="Graphic 6" descr="Office worker female with solid fill">
+            <a:extLst>
+              <a:ext uri="{FF2B5EF4-FFF2-40B4-BE49-F238E27FC236}">
+                <a16:creationId xmlns:a16="http://schemas.microsoft.com/office/drawing/2014/main" id="{B60B992C-341D-AB67-CC16-9323B9570F3B}"/>
+              </a:ext>
+            </a:extLst>
+          </p:cNvPr>
+          <p:cNvPicPr>
+            <a:picLocks noChangeAspect="1"/>
+          </p:cNvPicPr>
+          <p:nvPr/>
+        </p:nvPicPr>
+        <p:blipFill>
+          <a:blip r:embed="rId10">
+            <a:extLst>
+              <a:ext uri="{96DAC541-7B7A-43D3-8B79-37D633B846F1}">
+                <asvg:svgBlip xmlns:asvg="http://schemas.microsoft.com/office/drawing/2016/SVG/main" r:embed="rId11"/>
+              </a:ext>
+            </a:extLst>
+          </a:blip>
+          <a:stretch>
+            <a:fillRect/>
+          </a:stretch>
+        </p:blipFill>
+        <p:spPr>
+          <a:xfrm>
+            <a:off x="8914951" y="2073198"/>
+            <a:ext cx="1325562" cy="1325562"/>
+          </a:xfrm>
+          <a:prstGeom prst="rect">
+            <a:avLst/>
+          </a:prstGeom>
+        </p:spPr>
+      </p:pic>
+      <p:pic>
+        <p:nvPicPr>
+          <p:cNvPr id="13" name="Graphic 12" descr="Coins with solid fill">
+            <a:extLst>
+              <a:ext uri="{FF2B5EF4-FFF2-40B4-BE49-F238E27FC236}">
+                <a16:creationId xmlns:a16="http://schemas.microsoft.com/office/drawing/2014/main" id="{5C5D49E1-FC73-14BA-D077-1B03A2B75FB7}"/>
+              </a:ext>
+            </a:extLst>
+          </p:cNvPr>
+          <p:cNvPicPr>
+            <a:picLocks noChangeAspect="1"/>
+          </p:cNvPicPr>
+          <p:nvPr/>
+        </p:nvPicPr>
+        <p:blipFill>
+          <a:blip r:embed="rId12">
+            <a:extLst>
+              <a:ext uri="{96DAC541-7B7A-43D3-8B79-37D633B846F1}">
+                <asvg:svgBlip xmlns:asvg="http://schemas.microsoft.com/office/drawing/2016/SVG/main" r:embed="rId13"/>
+              </a:ext>
+            </a:extLst>
+          </a:blip>
+          <a:stretch>
+            <a:fillRect/>
+          </a:stretch>
+        </p:blipFill>
+        <p:spPr>
+          <a:xfrm>
+            <a:off x="7635897" y="1233488"/>
+            <a:ext cx="914400" cy="914400"/>
+          </a:xfrm>
+          <a:prstGeom prst="rect">
+            <a:avLst/>
+          </a:prstGeom>
+        </p:spPr>
+      </p:pic>
+      <p:pic>
+        <p:nvPicPr>
+          <p:cNvPr id="18" name="Graphic 17" descr="Coins with solid fill">
+            <a:extLst>
+              <a:ext uri="{FF2B5EF4-FFF2-40B4-BE49-F238E27FC236}">
+                <a16:creationId xmlns:a16="http://schemas.microsoft.com/office/drawing/2014/main" id="{0C543CD7-E12B-3C4F-14DE-E93BFC384B72}"/>
+              </a:ext>
+            </a:extLst>
+          </p:cNvPr>
+          <p:cNvPicPr>
+            <a:picLocks noChangeAspect="1"/>
+          </p:cNvPicPr>
+          <p:nvPr/>
+        </p:nvPicPr>
+        <p:blipFill>
+          <a:blip r:embed="rId12">
+            <a:extLst>
+              <a:ext uri="{96DAC541-7B7A-43D3-8B79-37D633B846F1}">
+                <asvg:svgBlip xmlns:asvg="http://schemas.microsoft.com/office/drawing/2016/SVG/main" r:embed="rId13"/>
+              </a:ext>
+            </a:extLst>
+          </a:blip>
+          <a:stretch>
+            <a:fillRect/>
+          </a:stretch>
+        </p:blipFill>
+        <p:spPr>
+          <a:xfrm>
+            <a:off x="7696200" y="3726874"/>
+            <a:ext cx="914400" cy="914400"/>
+          </a:xfrm>
+          <a:prstGeom prst="rect">
+            <a:avLst/>
+          </a:prstGeom>
+        </p:spPr>
+      </p:pic>
+      <p:pic>
+        <p:nvPicPr>
+          <p:cNvPr id="19" name="Graphic 18" descr="Coins with solid fill">
+            <a:extLst>
+              <a:ext uri="{FF2B5EF4-FFF2-40B4-BE49-F238E27FC236}">
+                <a16:creationId xmlns:a16="http://schemas.microsoft.com/office/drawing/2014/main" id="{7EE0C082-B571-BFC6-F723-E1236BBABFF0}"/>
+              </a:ext>
+            </a:extLst>
+          </p:cNvPr>
+          <p:cNvPicPr>
+            <a:picLocks noChangeAspect="1"/>
+          </p:cNvPicPr>
+          <p:nvPr/>
+        </p:nvPicPr>
+        <p:blipFill>
+          <a:blip r:embed="rId12">
+            <a:extLst>
+              <a:ext uri="{96DAC541-7B7A-43D3-8B79-37D633B846F1}">
+                <asvg:svgBlip xmlns:asvg="http://schemas.microsoft.com/office/drawing/2016/SVG/main" r:embed="rId13"/>
+              </a:ext>
+            </a:extLst>
+          </a:blip>
+          <a:stretch>
+            <a:fillRect/>
+          </a:stretch>
+        </p:blipFill>
+        <p:spPr>
+          <a:xfrm>
+            <a:off x="7624085" y="2480181"/>
+            <a:ext cx="914400" cy="914400"/>
+          </a:xfrm>
+          <a:prstGeom prst="rect">
+            <a:avLst/>
+          </a:prstGeom>
+        </p:spPr>
+      </p:pic>
+      <p:pic>
+        <p:nvPicPr>
+          <p:cNvPr id="20" name="Graphic 19" descr="Coins with solid fill">
+            <a:extLst>
+              <a:ext uri="{FF2B5EF4-FFF2-40B4-BE49-F238E27FC236}">
+                <a16:creationId xmlns:a16="http://schemas.microsoft.com/office/drawing/2014/main" id="{3C2E0B11-9EBA-CCBA-A6FB-49FF46BDE413}"/>
+              </a:ext>
+            </a:extLst>
+          </p:cNvPr>
+          <p:cNvPicPr>
+            <a:picLocks noChangeAspect="1"/>
+          </p:cNvPicPr>
+          <p:nvPr/>
+        </p:nvPicPr>
+        <p:blipFill>
+          <a:blip r:embed="rId12">
+            <a:extLst>
+              <a:ext uri="{96DAC541-7B7A-43D3-8B79-37D633B846F1}">
+                <asvg:svgBlip xmlns:asvg="http://schemas.microsoft.com/office/drawing/2016/SVG/main" r:embed="rId13"/>
+              </a:ext>
+            </a:extLst>
+          </a:blip>
+          <a:stretch>
+            <a:fillRect/>
+          </a:stretch>
+        </p:blipFill>
+        <p:spPr>
+          <a:xfrm>
+            <a:off x="7696200" y="5041612"/>
+            <a:ext cx="914400" cy="914400"/>
+          </a:xfrm>
+          <a:prstGeom prst="rect">
+            <a:avLst/>
+          </a:prstGeom>
+        </p:spPr>
+      </p:pic>
+      <p:pic>
+        <p:nvPicPr>
+          <p:cNvPr id="21" name="Graphic 20" descr="Head with gears with solid fill">
+            <a:extLst>
+              <a:ext uri="{FF2B5EF4-FFF2-40B4-BE49-F238E27FC236}">
+                <a16:creationId xmlns:a16="http://schemas.microsoft.com/office/drawing/2014/main" id="{13CDDF7D-7FB2-B412-31F8-CCF5418BE592}"/>
+              </a:ext>
+            </a:extLst>
+          </p:cNvPr>
+          <p:cNvPicPr>
+            <a:picLocks noChangeAspect="1"/>
+          </p:cNvPicPr>
+          <p:nvPr/>
+        </p:nvPicPr>
+        <p:blipFill>
+          <a:blip r:embed="rId14">
+            <a:extLst>
+              <a:ext uri="{96DAC541-7B7A-43D3-8B79-37D633B846F1}">
+                <asvg:svgBlip xmlns:asvg="http://schemas.microsoft.com/office/drawing/2016/SVG/main" r:embed="rId15"/>
+              </a:ext>
+            </a:extLst>
+          </a:blip>
+          <a:stretch>
+            <a:fillRect/>
+          </a:stretch>
+        </p:blipFill>
+        <p:spPr>
+          <a:xfrm>
+            <a:off x="9071915" y="5016716"/>
+            <a:ext cx="1133962" cy="1133962"/>
+          </a:xfrm>
+          <a:prstGeom prst="rect">
+            <a:avLst/>
+          </a:prstGeom>
+        </p:spPr>
+      </p:pic>
+    </p:spTree>
+    <p:extLst>
+      <p:ext uri="{BB962C8B-B14F-4D97-AF65-F5344CB8AC3E}">
+        <p14:creationId xmlns:p14="http://schemas.microsoft.com/office/powerpoint/2010/main" val="2402825093"/>
+      </p:ext>
+    </p:extLst>
+  </p:cSld>
+  <p:clrMapOvr>
+    <a:masterClrMapping/>
+  </p:clrMapOvr>
+  <mc:AlternateContent xmlns:mc="http://schemas.openxmlformats.org/markup-compatibility/2006">
+    <mc:Choice xmlns:p159="http://schemas.microsoft.com/office/powerpoint/2015/09/main" Requires="p159">
+      <p:transition>
+        <p159:morph option="byObject"/>
+      </p:transition>
+    </mc:Choice>
+    <mc:Fallback>
+      <p:transition>
+        <p:fade/>
+      </p:transition>
+    </mc:Fallback>
+  </mc:AlternateContent>
+  <p:timing>
+    <p:tnLst>
+      <p:par>
+        <p:cTn id="1" dur="indefinite" restart="never" nodeType="tmRoot">
+          <p:childTnLst>
+            <p:seq concurrent="1" nextAc="seek">
+              <p:cTn id="2" dur="indefinite" nodeType="mainSeq">
+                <p:childTnLst>
+                  <p:par>
+                    <p:cTn id="3" fill="hold">
+                      <p:stCondLst>
+                        <p:cond delay="indefinite"/>
+                        <p:cond evt="onBegin" delay="0">
+                          <p:tn val="2"/>
+                        </p:cond>
+                      </p:stCondLst>
+                      <p:childTnLst>
+                        <p:par>
+                          <p:cTn id="4" fill="hold">
+                            <p:stCondLst>
+                              <p:cond delay="0"/>
+                            </p:stCondLst>
+                            <p:childTnLst>
+                              <p:par>
+                                <p:cTn id="5" presetID="5" presetClass="entr" presetSubtype="10" fill="hold" nodeType="withEffect">
+                                  <p:stCondLst>
+                                    <p:cond delay="0"/>
+                                  </p:stCondLst>
+                                  <p:childTnLst>
+                                    <p:set>
+                                      <p:cBhvr>
+                                        <p:cTn id="6" dur="1" fill="hold">
+                                          <p:stCondLst>
+                                            <p:cond delay="0"/>
+                                          </p:stCondLst>
+                                        </p:cTn>
+                                        <p:tgtEl>
+                                          <p:spTgt spid="13"/>
+                                        </p:tgtEl>
+                                        <p:attrNameLst>
+                                          <p:attrName>style.visibility</p:attrName>
+                                        </p:attrNameLst>
+                                      </p:cBhvr>
+                                      <p:to>
+                                        <p:strVal val="visible"/>
+                                      </p:to>
+                                    </p:set>
+                                    <p:animEffect transition="in" filter="checkerboard(across)">
+                                      <p:cBhvr>
+                                        <p:cTn id="7" dur="500"/>
+                                        <p:tgtEl>
+                                          <p:spTgt spid="13"/>
+                                        </p:tgtEl>
+                                      </p:cBhvr>
+                                    </p:animEffect>
+                                  </p:childTnLst>
+                                </p:cTn>
+                              </p:par>
+                              <p:par>
+                                <p:cTn id="8" presetID="5" presetClass="entr" presetSubtype="10" fill="hold" nodeType="withEffect">
+                                  <p:stCondLst>
+                                    <p:cond delay="0"/>
+                                  </p:stCondLst>
+                                  <p:childTnLst>
+                                    <p:set>
+                                      <p:cBhvr>
+                                        <p:cTn id="9" dur="1" fill="hold">
+                                          <p:stCondLst>
+                                            <p:cond delay="0"/>
+                                          </p:stCondLst>
+                                        </p:cTn>
+                                        <p:tgtEl>
+                                          <p:spTgt spid="19"/>
+                                        </p:tgtEl>
+                                        <p:attrNameLst>
+                                          <p:attrName>style.visibility</p:attrName>
+                                        </p:attrNameLst>
+                                      </p:cBhvr>
+                                      <p:to>
+                                        <p:strVal val="visible"/>
+                                      </p:to>
+                                    </p:set>
+                                    <p:animEffect transition="in" filter="checkerboard(across)">
+                                      <p:cBhvr>
+                                        <p:cTn id="10" dur="500"/>
+                                        <p:tgtEl>
+                                          <p:spTgt spid="19"/>
+                                        </p:tgtEl>
+                                      </p:cBhvr>
+                                    </p:animEffect>
+                                  </p:childTnLst>
+                                </p:cTn>
+                              </p:par>
+                              <p:par>
+                                <p:cTn id="11" presetID="5" presetClass="entr" presetSubtype="10" fill="hold" nodeType="withEffect">
+                                  <p:stCondLst>
+                                    <p:cond delay="0"/>
+                                  </p:stCondLst>
+                                  <p:childTnLst>
+                                    <p:set>
+                                      <p:cBhvr>
+                                        <p:cTn id="12" dur="1" fill="hold">
+                                          <p:stCondLst>
+                                            <p:cond delay="0"/>
+                                          </p:stCondLst>
+                                        </p:cTn>
+                                        <p:tgtEl>
+                                          <p:spTgt spid="18"/>
+                                        </p:tgtEl>
+                                        <p:attrNameLst>
+                                          <p:attrName>style.visibility</p:attrName>
+                                        </p:attrNameLst>
+                                      </p:cBhvr>
+                                      <p:to>
+                                        <p:strVal val="visible"/>
+                                      </p:to>
+                                    </p:set>
+                                    <p:animEffect transition="in" filter="checkerboard(across)">
+                                      <p:cBhvr>
+                                        <p:cTn id="13" dur="500"/>
+                                        <p:tgtEl>
+                                          <p:spTgt spid="18"/>
+                                        </p:tgtEl>
+                                      </p:cBhvr>
+                                    </p:animEffect>
+                                  </p:childTnLst>
+                                </p:cTn>
+                              </p:par>
+                              <p:par>
+                                <p:cTn id="14" presetID="5" presetClass="entr" presetSubtype="10" fill="hold" nodeType="withEffect">
+                                  <p:stCondLst>
+                                    <p:cond delay="0"/>
+                                  </p:stCondLst>
+                                  <p:childTnLst>
+                                    <p:set>
+                                      <p:cBhvr>
+                                        <p:cTn id="15" dur="1" fill="hold">
+                                          <p:stCondLst>
+                                            <p:cond delay="0"/>
+                                          </p:stCondLst>
+                                        </p:cTn>
+                                        <p:tgtEl>
+                                          <p:spTgt spid="20"/>
+                                        </p:tgtEl>
+                                        <p:attrNameLst>
+                                          <p:attrName>style.visibility</p:attrName>
+                                        </p:attrNameLst>
+                                      </p:cBhvr>
+                                      <p:to>
+                                        <p:strVal val="visible"/>
+                                      </p:to>
+                                    </p:set>
+                                    <p:animEffect transition="in" filter="checkerboard(across)">
+                                      <p:cBhvr>
+                                        <p:cTn id="16" dur="500"/>
+                                        <p:tgtEl>
+                                          <p:spTgt spid="20"/>
+                                        </p:tgtEl>
+                                      </p:cBhvr>
+                                    </p:animEffect>
+                                  </p:childTnLst>
+                                </p:cTn>
+                              </p:par>
+                            </p:childTnLst>
+                          </p:cTn>
+                        </p:par>
+                      </p:childTnLst>
+                    </p:cTn>
+                  </p:par>
+                </p:childTnLst>
+              </p:cTn>
+              <p:prevCondLst>
+                <p:cond evt="onPrev" delay="0">
+                  <p:tgtEl>
+                    <p:sldTgt/>
+                  </p:tgtEl>
+                </p:cond>
+              </p:prevCondLst>
+              <p:nextCondLst>
+                <p:cond evt="onNext" delay="0">
+                  <p:tgtEl>
+                    <p:sldTgt/>
+                  </p:tgtEl>
+                </p:cond>
+              </p:nextCondLst>
+            </p:seq>
+          </p:childTnLst>
+        </p:cTn>
+      </p:par>
+    </p:tnLst>
+  </p:timing>
+</p:sld>
+</file>
+
+<file path=ppt/slides/slide40.xml><?xml version="1.0" encoding="utf-8"?>
 <p:sld xmlns:a="http://schemas.openxmlformats.org/drawingml/2006/main" xmlns:r="http://schemas.openxmlformats.org/officeDocument/2006/relationships" xmlns:p="http://schemas.openxmlformats.org/presentationml/2006/main">
   <p:cSld>
     <p:spTree>
@@ -32625,7 +35930,7 @@
 </p:sld>
 </file>
 
-<file path=ppt/slides/slide35.xml><?xml version="1.0" encoding="utf-8"?>
+<file path=ppt/slides/slide41.xml><?xml version="1.0" encoding="utf-8"?>
 <p:sld xmlns:a="http://schemas.openxmlformats.org/drawingml/2006/main" xmlns:r="http://schemas.openxmlformats.org/officeDocument/2006/relationships" xmlns:p="http://schemas.openxmlformats.org/presentationml/2006/main">
   <p:cSld>
     <p:spTree>
@@ -33614,7 +36919,7 @@
 </p:sld>
 </file>
 
-<file path=ppt/slides/slide36.xml><?xml version="1.0" encoding="utf-8"?>
+<file path=ppt/slides/slide42.xml><?xml version="1.0" encoding="utf-8"?>
 <p:sld xmlns:a="http://schemas.openxmlformats.org/drawingml/2006/main" xmlns:r="http://schemas.openxmlformats.org/officeDocument/2006/relationships" xmlns:p="http://schemas.openxmlformats.org/presentationml/2006/main">
   <p:cSld>
     <p:spTree>
@@ -34426,7 +37731,7 @@
 </p:sld>
 </file>
 
-<file path=ppt/slides/slide37.xml><?xml version="1.0" encoding="utf-8"?>
+<file path=ppt/slides/slide43.xml><?xml version="1.0" encoding="utf-8"?>
 <p:sld xmlns:a="http://schemas.openxmlformats.org/drawingml/2006/main" xmlns:r="http://schemas.openxmlformats.org/officeDocument/2006/relationships" xmlns:p="http://schemas.openxmlformats.org/presentationml/2006/main" show="0">
   <p:cSld>
     <p:spTree>
@@ -35492,7 +38797,7 @@
 </p:sld>
 </file>
 
-<file path=ppt/slides/slide38.xml><?xml version="1.0" encoding="utf-8"?>
+<file path=ppt/slides/slide44.xml><?xml version="1.0" encoding="utf-8"?>
 <p:sld xmlns:a="http://schemas.openxmlformats.org/drawingml/2006/main" xmlns:r="http://schemas.openxmlformats.org/officeDocument/2006/relationships" xmlns:p="http://schemas.openxmlformats.org/presentationml/2006/main" show="0">
   <p:cSld>
     <p:spTree>
@@ -36503,7 +39808,7 @@
 </p:sld>
 </file>
 
-<file path=ppt/slides/slide39.xml><?xml version="1.0" encoding="utf-8"?>
+<file path=ppt/slides/slide45.xml><?xml version="1.0" encoding="utf-8"?>
 <p:sld xmlns:a="http://schemas.openxmlformats.org/drawingml/2006/main" xmlns:r="http://schemas.openxmlformats.org/officeDocument/2006/relationships" xmlns:p="http://schemas.openxmlformats.org/presentationml/2006/main" show="0">
   <p:cSld>
     <p:bg>
@@ -37524,663 +40829,7 @@
 </p:sld>
 </file>
 
-<file path=ppt/slides/slide4.xml><?xml version="1.0" encoding="utf-8"?>
-<p:sld xmlns:a="http://schemas.openxmlformats.org/drawingml/2006/main" xmlns:r="http://schemas.openxmlformats.org/officeDocument/2006/relationships" xmlns:p="http://schemas.openxmlformats.org/presentationml/2006/main">
-  <p:cSld>
-    <p:spTree>
-      <p:nvGrpSpPr>
-        <p:cNvPr id="1" name="">
-          <a:extLst>
-            <a:ext uri="{FF2B5EF4-FFF2-40B4-BE49-F238E27FC236}">
-              <a16:creationId xmlns:a16="http://schemas.microsoft.com/office/drawing/2014/main" id="{C6F29BBE-72FA-B172-BA93-AC2155D19093}"/>
-            </a:ext>
-          </a:extLst>
-        </p:cNvPr>
-        <p:cNvGrpSpPr/>
-        <p:nvPr/>
-      </p:nvGrpSpPr>
-      <p:grpSpPr>
-        <a:xfrm>
-          <a:off x="0" y="0"/>
-          <a:ext cx="0" cy="0"/>
-          <a:chOff x="0" y="0"/>
-          <a:chExt cx="0" cy="0"/>
-        </a:xfrm>
-      </p:grpSpPr>
-      <p:sp>
-        <p:nvSpPr>
-          <p:cNvPr id="2" name="Title 1">
-            <a:extLst>
-              <a:ext uri="{FF2B5EF4-FFF2-40B4-BE49-F238E27FC236}">
-                <a16:creationId xmlns:a16="http://schemas.microsoft.com/office/drawing/2014/main" id="{C806CD2A-7F51-F988-4A7C-A4510581EBD2}"/>
-              </a:ext>
-            </a:extLst>
-          </p:cNvPr>
-          <p:cNvSpPr>
-            <a:spLocks noGrp="1"/>
-          </p:cNvSpPr>
-          <p:nvPr>
-            <p:ph type="title"/>
-          </p:nvPr>
-        </p:nvSpPr>
-        <p:spPr/>
-        <p:txBody>
-          <a:bodyPr/>
-          <a:lstStyle/>
-          <a:p>
-            <a:r>
-              <a:rPr lang="en-US" dirty="0"/>
-              <a:t>A Financial Market</a:t>
-            </a:r>
-          </a:p>
-        </p:txBody>
-      </p:sp>
-      <p:sp>
-        <p:nvSpPr>
-          <p:cNvPr id="4" name="Slide Number Placeholder 3">
-            <a:extLst>
-              <a:ext uri="{FF2B5EF4-FFF2-40B4-BE49-F238E27FC236}">
-                <a16:creationId xmlns:a16="http://schemas.microsoft.com/office/drawing/2014/main" id="{EC4E64C3-37EC-49C1-C14C-57895B3FF799}"/>
-              </a:ext>
-            </a:extLst>
-          </p:cNvPr>
-          <p:cNvSpPr>
-            <a:spLocks noGrp="1"/>
-          </p:cNvSpPr>
-          <p:nvPr>
-            <p:ph type="sldNum" sz="quarter" idx="12"/>
-          </p:nvPr>
-        </p:nvSpPr>
-        <p:spPr/>
-        <p:txBody>
-          <a:bodyPr/>
-          <a:lstStyle/>
-          <a:p>
-            <a:fld id="{F2F80786-77E6-134C-ADA2-416C85F6726C}" type="slidenum">
-              <a:rPr lang="en-US" smtClean="0"/>
-              <a:t>4</a:t>
-            </a:fld>
-            <a:endParaRPr lang="en-US"/>
-          </a:p>
-        </p:txBody>
-      </p:sp>
-      <p:pic>
-        <p:nvPicPr>
-          <p:cNvPr id="10" name="Graphic 9" descr="Downward trend graph outline">
-            <a:extLst>
-              <a:ext uri="{FF2B5EF4-FFF2-40B4-BE49-F238E27FC236}">
-                <a16:creationId xmlns:a16="http://schemas.microsoft.com/office/drawing/2014/main" id="{05675F9B-60F2-9B0C-70AD-A7FBDB4441D3}"/>
-              </a:ext>
-            </a:extLst>
-          </p:cNvPr>
-          <p:cNvPicPr>
-            <a:picLocks noChangeAspect="1"/>
-          </p:cNvPicPr>
-          <p:nvPr/>
-        </p:nvPicPr>
-        <p:blipFill>
-          <a:blip r:embed="rId2">
-            <a:extLst>
-              <a:ext uri="{96DAC541-7B7A-43D3-8B79-37D633B846F1}">
-                <asvg:svgBlip xmlns:asvg="http://schemas.microsoft.com/office/drawing/2016/SVG/main" r:embed="rId3"/>
-              </a:ext>
-            </a:extLst>
-          </a:blip>
-          <a:stretch>
-            <a:fillRect/>
-          </a:stretch>
-        </p:blipFill>
-        <p:spPr>
-          <a:xfrm>
-            <a:off x="720436" y="1801308"/>
-            <a:ext cx="1357746" cy="1357746"/>
-          </a:xfrm>
-          <a:prstGeom prst="rect">
-            <a:avLst/>
-          </a:prstGeom>
-        </p:spPr>
-      </p:pic>
-      <p:pic>
-        <p:nvPicPr>
-          <p:cNvPr id="3" name="Graphic 2" descr="Marketing outline">
-            <a:extLst>
-              <a:ext uri="{FF2B5EF4-FFF2-40B4-BE49-F238E27FC236}">
-                <a16:creationId xmlns:a16="http://schemas.microsoft.com/office/drawing/2014/main" id="{A1CAD604-E832-1FAC-7935-3412F930CA14}"/>
-              </a:ext>
-            </a:extLst>
-          </p:cNvPr>
-          <p:cNvPicPr>
-            <a:picLocks noChangeAspect="1"/>
-          </p:cNvPicPr>
-          <p:nvPr/>
-        </p:nvPicPr>
-        <p:blipFill>
-          <a:blip r:embed="rId4">
-            <a:extLst>
-              <a:ext uri="{96DAC541-7B7A-43D3-8B79-37D633B846F1}">
-                <asvg:svgBlip xmlns:asvg="http://schemas.microsoft.com/office/drawing/2016/SVG/main" r:embed="rId5"/>
-              </a:ext>
-            </a:extLst>
-          </a:blip>
-          <a:stretch>
-            <a:fillRect/>
-          </a:stretch>
-        </p:blipFill>
-        <p:spPr>
-          <a:xfrm>
-            <a:off x="2272144" y="2521527"/>
-            <a:ext cx="1814946" cy="1814946"/>
-          </a:xfrm>
-          <a:prstGeom prst="rect">
-            <a:avLst/>
-          </a:prstGeom>
-        </p:spPr>
-      </p:pic>
-      <p:pic>
-        <p:nvPicPr>
-          <p:cNvPr id="5" name="Graphic 4" descr="Baby outline">
-            <a:extLst>
-              <a:ext uri="{FF2B5EF4-FFF2-40B4-BE49-F238E27FC236}">
-                <a16:creationId xmlns:a16="http://schemas.microsoft.com/office/drawing/2014/main" id="{F49B5A4D-B2D5-61B2-A78F-29FF6F4A0674}"/>
-              </a:ext>
-            </a:extLst>
-          </p:cNvPr>
-          <p:cNvPicPr>
-            <a:picLocks noChangeAspect="1"/>
-          </p:cNvPicPr>
-          <p:nvPr/>
-        </p:nvPicPr>
-        <p:blipFill>
-          <a:blip r:embed="rId6">
-            <a:extLst>
-              <a:ext uri="{96DAC541-7B7A-43D3-8B79-37D633B846F1}">
-                <asvg:svgBlip xmlns:asvg="http://schemas.microsoft.com/office/drawing/2016/SVG/main" r:embed="rId7"/>
-              </a:ext>
-            </a:extLst>
-          </a:blip>
-          <a:stretch>
-            <a:fillRect/>
-          </a:stretch>
-        </p:blipFill>
-        <p:spPr>
-          <a:xfrm>
-            <a:off x="8993285" y="3640757"/>
-            <a:ext cx="1133962" cy="1133962"/>
-          </a:xfrm>
-          <a:prstGeom prst="rect">
-            <a:avLst/>
-          </a:prstGeom>
-        </p:spPr>
-      </p:pic>
-      <p:pic>
-        <p:nvPicPr>
-          <p:cNvPr id="6" name="Graphic 5" descr="Male profile with solid fill">
-            <a:extLst>
-              <a:ext uri="{FF2B5EF4-FFF2-40B4-BE49-F238E27FC236}">
-                <a16:creationId xmlns:a16="http://schemas.microsoft.com/office/drawing/2014/main" id="{A10C5BBA-F8B7-2266-A081-D924D374ED96}"/>
-              </a:ext>
-            </a:extLst>
-          </p:cNvPr>
-          <p:cNvPicPr>
-            <a:picLocks noChangeAspect="1"/>
-          </p:cNvPicPr>
-          <p:nvPr/>
-        </p:nvPicPr>
-        <p:blipFill>
-          <a:blip r:embed="rId8">
-            <a:extLst>
-              <a:ext uri="{96DAC541-7B7A-43D3-8B79-37D633B846F1}">
-                <asvg:svgBlip xmlns:asvg="http://schemas.microsoft.com/office/drawing/2016/SVG/main" r:embed="rId9"/>
-              </a:ext>
-            </a:extLst>
-          </a:blip>
-          <a:stretch>
-            <a:fillRect/>
-          </a:stretch>
-        </p:blipFill>
-        <p:spPr>
-          <a:xfrm>
-            <a:off x="8949780" y="851543"/>
-            <a:ext cx="1207583" cy="1207583"/>
-          </a:xfrm>
-          <a:prstGeom prst="rect">
-            <a:avLst/>
-          </a:prstGeom>
-        </p:spPr>
-      </p:pic>
-      <p:pic>
-        <p:nvPicPr>
-          <p:cNvPr id="7" name="Graphic 6" descr="Office worker female with solid fill">
-            <a:extLst>
-              <a:ext uri="{FF2B5EF4-FFF2-40B4-BE49-F238E27FC236}">
-                <a16:creationId xmlns:a16="http://schemas.microsoft.com/office/drawing/2014/main" id="{B60B992C-341D-AB67-CC16-9323B9570F3B}"/>
-              </a:ext>
-            </a:extLst>
-          </p:cNvPr>
-          <p:cNvPicPr>
-            <a:picLocks noChangeAspect="1"/>
-          </p:cNvPicPr>
-          <p:nvPr/>
-        </p:nvPicPr>
-        <p:blipFill>
-          <a:blip r:embed="rId10">
-            <a:extLst>
-              <a:ext uri="{96DAC541-7B7A-43D3-8B79-37D633B846F1}">
-                <asvg:svgBlip xmlns:asvg="http://schemas.microsoft.com/office/drawing/2016/SVG/main" r:embed="rId11"/>
-              </a:ext>
-            </a:extLst>
-          </a:blip>
-          <a:stretch>
-            <a:fillRect/>
-          </a:stretch>
-        </p:blipFill>
-        <p:spPr>
-          <a:xfrm>
-            <a:off x="8914951" y="2073198"/>
-            <a:ext cx="1325562" cy="1325562"/>
-          </a:xfrm>
-          <a:prstGeom prst="rect">
-            <a:avLst/>
-          </a:prstGeom>
-        </p:spPr>
-      </p:pic>
-      <p:pic>
-        <p:nvPicPr>
-          <p:cNvPr id="13" name="Graphic 12" descr="Coins with solid fill">
-            <a:extLst>
-              <a:ext uri="{FF2B5EF4-FFF2-40B4-BE49-F238E27FC236}">
-                <a16:creationId xmlns:a16="http://schemas.microsoft.com/office/drawing/2014/main" id="{5C5D49E1-FC73-14BA-D077-1B03A2B75FB7}"/>
-              </a:ext>
-            </a:extLst>
-          </p:cNvPr>
-          <p:cNvPicPr>
-            <a:picLocks noChangeAspect="1"/>
-          </p:cNvPicPr>
-          <p:nvPr/>
-        </p:nvPicPr>
-        <p:blipFill>
-          <a:blip r:embed="rId12">
-            <a:extLst>
-              <a:ext uri="{96DAC541-7B7A-43D3-8B79-37D633B846F1}">
-                <asvg:svgBlip xmlns:asvg="http://schemas.microsoft.com/office/drawing/2016/SVG/main" r:embed="rId13"/>
-              </a:ext>
-            </a:extLst>
-          </a:blip>
-          <a:stretch>
-            <a:fillRect/>
-          </a:stretch>
-        </p:blipFill>
-        <p:spPr>
-          <a:xfrm>
-            <a:off x="7635897" y="1233488"/>
-            <a:ext cx="914400" cy="914400"/>
-          </a:xfrm>
-          <a:prstGeom prst="rect">
-            <a:avLst/>
-          </a:prstGeom>
-        </p:spPr>
-      </p:pic>
-      <p:pic>
-        <p:nvPicPr>
-          <p:cNvPr id="18" name="Graphic 17" descr="Coins with solid fill">
-            <a:extLst>
-              <a:ext uri="{FF2B5EF4-FFF2-40B4-BE49-F238E27FC236}">
-                <a16:creationId xmlns:a16="http://schemas.microsoft.com/office/drawing/2014/main" id="{0C543CD7-E12B-3C4F-14DE-E93BFC384B72}"/>
-              </a:ext>
-            </a:extLst>
-          </p:cNvPr>
-          <p:cNvPicPr>
-            <a:picLocks noChangeAspect="1"/>
-          </p:cNvPicPr>
-          <p:nvPr/>
-        </p:nvPicPr>
-        <p:blipFill>
-          <a:blip r:embed="rId12">
-            <a:extLst>
-              <a:ext uri="{96DAC541-7B7A-43D3-8B79-37D633B846F1}">
-                <asvg:svgBlip xmlns:asvg="http://schemas.microsoft.com/office/drawing/2016/SVG/main" r:embed="rId13"/>
-              </a:ext>
-            </a:extLst>
-          </a:blip>
-          <a:stretch>
-            <a:fillRect/>
-          </a:stretch>
-        </p:blipFill>
-        <p:spPr>
-          <a:xfrm>
-            <a:off x="7696200" y="3726874"/>
-            <a:ext cx="914400" cy="914400"/>
-          </a:xfrm>
-          <a:prstGeom prst="rect">
-            <a:avLst/>
-          </a:prstGeom>
-        </p:spPr>
-      </p:pic>
-      <p:pic>
-        <p:nvPicPr>
-          <p:cNvPr id="19" name="Graphic 18" descr="Coins with solid fill">
-            <a:extLst>
-              <a:ext uri="{FF2B5EF4-FFF2-40B4-BE49-F238E27FC236}">
-                <a16:creationId xmlns:a16="http://schemas.microsoft.com/office/drawing/2014/main" id="{7EE0C082-B571-BFC6-F723-E1236BBABFF0}"/>
-              </a:ext>
-            </a:extLst>
-          </p:cNvPr>
-          <p:cNvPicPr>
-            <a:picLocks noChangeAspect="1"/>
-          </p:cNvPicPr>
-          <p:nvPr/>
-        </p:nvPicPr>
-        <p:blipFill>
-          <a:blip r:embed="rId12">
-            <a:extLst>
-              <a:ext uri="{96DAC541-7B7A-43D3-8B79-37D633B846F1}">
-                <asvg:svgBlip xmlns:asvg="http://schemas.microsoft.com/office/drawing/2016/SVG/main" r:embed="rId13"/>
-              </a:ext>
-            </a:extLst>
-          </a:blip>
-          <a:stretch>
-            <a:fillRect/>
-          </a:stretch>
-        </p:blipFill>
-        <p:spPr>
-          <a:xfrm>
-            <a:off x="7624085" y="2480181"/>
-            <a:ext cx="914400" cy="914400"/>
-          </a:xfrm>
-          <a:prstGeom prst="rect">
-            <a:avLst/>
-          </a:prstGeom>
-        </p:spPr>
-      </p:pic>
-      <p:pic>
-        <p:nvPicPr>
-          <p:cNvPr id="20" name="Graphic 19" descr="Coins with solid fill">
-            <a:extLst>
-              <a:ext uri="{FF2B5EF4-FFF2-40B4-BE49-F238E27FC236}">
-                <a16:creationId xmlns:a16="http://schemas.microsoft.com/office/drawing/2014/main" id="{3C2E0B11-9EBA-CCBA-A6FB-49FF46BDE413}"/>
-              </a:ext>
-            </a:extLst>
-          </p:cNvPr>
-          <p:cNvPicPr>
-            <a:picLocks noChangeAspect="1"/>
-          </p:cNvPicPr>
-          <p:nvPr/>
-        </p:nvPicPr>
-        <p:blipFill>
-          <a:blip r:embed="rId12">
-            <a:extLst>
-              <a:ext uri="{96DAC541-7B7A-43D3-8B79-37D633B846F1}">
-                <asvg:svgBlip xmlns:asvg="http://schemas.microsoft.com/office/drawing/2016/SVG/main" r:embed="rId13"/>
-              </a:ext>
-            </a:extLst>
-          </a:blip>
-          <a:stretch>
-            <a:fillRect/>
-          </a:stretch>
-        </p:blipFill>
-        <p:spPr>
-          <a:xfrm>
-            <a:off x="7696200" y="5041612"/>
-            <a:ext cx="914400" cy="914400"/>
-          </a:xfrm>
-          <a:prstGeom prst="rect">
-            <a:avLst/>
-          </a:prstGeom>
-        </p:spPr>
-      </p:pic>
-      <p:pic>
-        <p:nvPicPr>
-          <p:cNvPr id="21" name="Graphic 20" descr="Head with gears with solid fill">
-            <a:extLst>
-              <a:ext uri="{FF2B5EF4-FFF2-40B4-BE49-F238E27FC236}">
-                <a16:creationId xmlns:a16="http://schemas.microsoft.com/office/drawing/2014/main" id="{13CDDF7D-7FB2-B412-31F8-CCF5418BE592}"/>
-              </a:ext>
-            </a:extLst>
-          </p:cNvPr>
-          <p:cNvPicPr>
-            <a:picLocks noChangeAspect="1"/>
-          </p:cNvPicPr>
-          <p:nvPr/>
-        </p:nvPicPr>
-        <p:blipFill>
-          <a:blip r:embed="rId14">
-            <a:extLst>
-              <a:ext uri="{96DAC541-7B7A-43D3-8B79-37D633B846F1}">
-                <asvg:svgBlip xmlns:asvg="http://schemas.microsoft.com/office/drawing/2016/SVG/main" r:embed="rId15"/>
-              </a:ext>
-            </a:extLst>
-          </a:blip>
-          <a:stretch>
-            <a:fillRect/>
-          </a:stretch>
-        </p:blipFill>
-        <p:spPr>
-          <a:xfrm>
-            <a:off x="9071915" y="5016716"/>
-            <a:ext cx="1133962" cy="1133962"/>
-          </a:xfrm>
-          <a:prstGeom prst="rect">
-            <a:avLst/>
-          </a:prstGeom>
-        </p:spPr>
-      </p:pic>
-    </p:spTree>
-    <p:extLst>
-      <p:ext uri="{BB962C8B-B14F-4D97-AF65-F5344CB8AC3E}">
-        <p14:creationId xmlns:p14="http://schemas.microsoft.com/office/powerpoint/2010/main" val="2402825093"/>
-      </p:ext>
-    </p:extLst>
-  </p:cSld>
-  <p:clrMapOvr>
-    <a:masterClrMapping/>
-  </p:clrMapOvr>
-  <mc:AlternateContent xmlns:mc="http://schemas.openxmlformats.org/markup-compatibility/2006">
-    <mc:Choice xmlns:p159="http://schemas.microsoft.com/office/powerpoint/2015/09/main" Requires="p159">
-      <p:transition>
-        <p159:morph option="byObject"/>
-      </p:transition>
-    </mc:Choice>
-    <mc:Fallback>
-      <p:transition>
-        <p:fade/>
-      </p:transition>
-    </mc:Fallback>
-  </mc:AlternateContent>
-  <p:timing>
-    <p:tnLst>
-      <p:par>
-        <p:cTn id="1" dur="indefinite" restart="never" nodeType="tmRoot">
-          <p:childTnLst>
-            <p:seq concurrent="1" nextAc="seek">
-              <p:cTn id="2" dur="indefinite" nodeType="mainSeq">
-                <p:childTnLst>
-                  <p:par>
-                    <p:cTn id="3" fill="hold">
-                      <p:stCondLst>
-                        <p:cond delay="indefinite"/>
-                        <p:cond evt="onBegin" delay="0">
-                          <p:tn val="2"/>
-                        </p:cond>
-                      </p:stCondLst>
-                      <p:childTnLst>
-                        <p:par>
-                          <p:cTn id="4" fill="hold">
-                            <p:stCondLst>
-                              <p:cond delay="0"/>
-                            </p:stCondLst>
-                            <p:childTnLst>
-                              <p:par>
-                                <p:cTn id="5" presetID="5" presetClass="entr" presetSubtype="10" fill="hold" nodeType="withEffect">
-                                  <p:stCondLst>
-                                    <p:cond delay="0"/>
-                                  </p:stCondLst>
-                                  <p:childTnLst>
-                                    <p:set>
-                                      <p:cBhvr>
-                                        <p:cTn id="6" dur="1" fill="hold">
-                                          <p:stCondLst>
-                                            <p:cond delay="0"/>
-                                          </p:stCondLst>
-                                        </p:cTn>
-                                        <p:tgtEl>
-                                          <p:spTgt spid="13"/>
-                                        </p:tgtEl>
-                                        <p:attrNameLst>
-                                          <p:attrName>style.visibility</p:attrName>
-                                        </p:attrNameLst>
-                                      </p:cBhvr>
-                                      <p:to>
-                                        <p:strVal val="visible"/>
-                                      </p:to>
-                                    </p:set>
-                                    <p:animEffect transition="in" filter="checkerboard(across)">
-                                      <p:cBhvr>
-                                        <p:cTn id="7" dur="500"/>
-                                        <p:tgtEl>
-                                          <p:spTgt spid="13"/>
-                                        </p:tgtEl>
-                                      </p:cBhvr>
-                                    </p:animEffect>
-                                  </p:childTnLst>
-                                </p:cTn>
-                              </p:par>
-                              <p:par>
-                                <p:cTn id="8" presetID="5" presetClass="entr" presetSubtype="10" fill="hold" nodeType="withEffect">
-                                  <p:stCondLst>
-                                    <p:cond delay="0"/>
-                                  </p:stCondLst>
-                                  <p:childTnLst>
-                                    <p:set>
-                                      <p:cBhvr>
-                                        <p:cTn id="9" dur="1" fill="hold">
-                                          <p:stCondLst>
-                                            <p:cond delay="0"/>
-                                          </p:stCondLst>
-                                        </p:cTn>
-                                        <p:tgtEl>
-                                          <p:spTgt spid="19"/>
-                                        </p:tgtEl>
-                                        <p:attrNameLst>
-                                          <p:attrName>style.visibility</p:attrName>
-                                        </p:attrNameLst>
-                                      </p:cBhvr>
-                                      <p:to>
-                                        <p:strVal val="visible"/>
-                                      </p:to>
-                                    </p:set>
-                                    <p:animEffect transition="in" filter="checkerboard(across)">
-                                      <p:cBhvr>
-                                        <p:cTn id="10" dur="500"/>
-                                        <p:tgtEl>
-                                          <p:spTgt spid="19"/>
-                                        </p:tgtEl>
-                                      </p:cBhvr>
-                                    </p:animEffect>
-                                  </p:childTnLst>
-                                </p:cTn>
-                              </p:par>
-                              <p:par>
-                                <p:cTn id="11" presetID="5" presetClass="entr" presetSubtype="10" fill="hold" nodeType="withEffect">
-                                  <p:stCondLst>
-                                    <p:cond delay="0"/>
-                                  </p:stCondLst>
-                                  <p:childTnLst>
-                                    <p:set>
-                                      <p:cBhvr>
-                                        <p:cTn id="12" dur="1" fill="hold">
-                                          <p:stCondLst>
-                                            <p:cond delay="0"/>
-                                          </p:stCondLst>
-                                        </p:cTn>
-                                        <p:tgtEl>
-                                          <p:spTgt spid="18"/>
-                                        </p:tgtEl>
-                                        <p:attrNameLst>
-                                          <p:attrName>style.visibility</p:attrName>
-                                        </p:attrNameLst>
-                                      </p:cBhvr>
-                                      <p:to>
-                                        <p:strVal val="visible"/>
-                                      </p:to>
-                                    </p:set>
-                                    <p:animEffect transition="in" filter="checkerboard(across)">
-                                      <p:cBhvr>
-                                        <p:cTn id="13" dur="500"/>
-                                        <p:tgtEl>
-                                          <p:spTgt spid="18"/>
-                                        </p:tgtEl>
-                                      </p:cBhvr>
-                                    </p:animEffect>
-                                  </p:childTnLst>
-                                </p:cTn>
-                              </p:par>
-                              <p:par>
-                                <p:cTn id="14" presetID="5" presetClass="entr" presetSubtype="10" fill="hold" nodeType="withEffect">
-                                  <p:stCondLst>
-                                    <p:cond delay="0"/>
-                                  </p:stCondLst>
-                                  <p:childTnLst>
-                                    <p:set>
-                                      <p:cBhvr>
-                                        <p:cTn id="15" dur="1" fill="hold">
-                                          <p:stCondLst>
-                                            <p:cond delay="0"/>
-                                          </p:stCondLst>
-                                        </p:cTn>
-                                        <p:tgtEl>
-                                          <p:spTgt spid="20"/>
-                                        </p:tgtEl>
-                                        <p:attrNameLst>
-                                          <p:attrName>style.visibility</p:attrName>
-                                        </p:attrNameLst>
-                                      </p:cBhvr>
-                                      <p:to>
-                                        <p:strVal val="visible"/>
-                                      </p:to>
-                                    </p:set>
-                                    <p:animEffect transition="in" filter="checkerboard(across)">
-                                      <p:cBhvr>
-                                        <p:cTn id="16" dur="500"/>
-                                        <p:tgtEl>
-                                          <p:spTgt spid="20"/>
-                                        </p:tgtEl>
-                                      </p:cBhvr>
-                                    </p:animEffect>
-                                  </p:childTnLst>
-                                </p:cTn>
-                              </p:par>
-                            </p:childTnLst>
-                          </p:cTn>
-                        </p:par>
-                      </p:childTnLst>
-                    </p:cTn>
-                  </p:par>
-                </p:childTnLst>
-              </p:cTn>
-              <p:prevCondLst>
-                <p:cond evt="onPrev" delay="0">
-                  <p:tgtEl>
-                    <p:sldTgt/>
-                  </p:tgtEl>
-                </p:cond>
-              </p:prevCondLst>
-              <p:nextCondLst>
-                <p:cond evt="onNext" delay="0">
-                  <p:tgtEl>
-                    <p:sldTgt/>
-                  </p:tgtEl>
-                </p:cond>
-              </p:nextCondLst>
-            </p:seq>
-          </p:childTnLst>
-        </p:cTn>
-      </p:par>
-    </p:tnLst>
-  </p:timing>
-</p:sld>
-</file>
-
-<file path=ppt/slides/slide40.xml><?xml version="1.0" encoding="utf-8"?>
+<file path=ppt/slides/slide46.xml><?xml version="1.0" encoding="utf-8"?>
 <p:sld xmlns:a="http://schemas.openxmlformats.org/drawingml/2006/main" xmlns:r="http://schemas.openxmlformats.org/officeDocument/2006/relationships" xmlns:p="http://schemas.openxmlformats.org/presentationml/2006/main" show="0">
   <p:cSld>
     <p:bg>
@@ -39415,7 +42064,7 @@
 </p:sld>
 </file>
 
-<file path=ppt/slides/slide41.xml><?xml version="1.0" encoding="utf-8"?>
+<file path=ppt/slides/slide47.xml><?xml version="1.0" encoding="utf-8"?>
 <p:sld xmlns:a="http://schemas.openxmlformats.org/drawingml/2006/main" xmlns:r="http://schemas.openxmlformats.org/officeDocument/2006/relationships" xmlns:p="http://schemas.openxmlformats.org/presentationml/2006/main">
   <p:cSld>
     <p:bg>
@@ -42014,7 +44663,7 @@
 </p:sld>
 </file>
 
-<file path=ppt/slides/slide42.xml><?xml version="1.0" encoding="utf-8"?>
+<file path=ppt/slides/slide48.xml><?xml version="1.0" encoding="utf-8"?>
 <p:sld xmlns:a="http://schemas.openxmlformats.org/drawingml/2006/main" xmlns:r="http://schemas.openxmlformats.org/officeDocument/2006/relationships" xmlns:p="http://schemas.openxmlformats.org/presentationml/2006/main">
   <p:cSld>
     <p:spTree>

--- a/tommy_hotnets_v2.pptx
+++ b/tommy_hotnets_v2.pptx
@@ -5,7 +5,7 @@
     <p:sldMasterId id="2147483660" r:id="rId1"/>
   </p:sldMasterIdLst>
   <p:notesMasterIdLst>
-    <p:notesMasterId r:id="rId50"/>
+    <p:notesMasterId r:id="rId51"/>
   </p:notesMasterIdLst>
   <p:sldIdLst>
     <p:sldId id="263" r:id="rId2"/>
@@ -25,37 +25,38 @@
     <p:sldId id="364" r:id="rId16"/>
     <p:sldId id="365" r:id="rId17"/>
     <p:sldId id="366" r:id="rId18"/>
-    <p:sldId id="264" r:id="rId19"/>
-    <p:sldId id="265" r:id="rId20"/>
-    <p:sldId id="272" r:id="rId21"/>
-    <p:sldId id="274" r:id="rId22"/>
-    <p:sldId id="288" r:id="rId23"/>
-    <p:sldId id="347" r:id="rId24"/>
-    <p:sldId id="289" r:id="rId25"/>
-    <p:sldId id="290" r:id="rId26"/>
-    <p:sldId id="258" r:id="rId27"/>
-    <p:sldId id="277" r:id="rId28"/>
-    <p:sldId id="340" r:id="rId29"/>
-    <p:sldId id="341" r:id="rId30"/>
-    <p:sldId id="348" r:id="rId31"/>
-    <p:sldId id="292" r:id="rId32"/>
-    <p:sldId id="293" r:id="rId33"/>
-    <p:sldId id="280" r:id="rId34"/>
-    <p:sldId id="279" r:id="rId35"/>
-    <p:sldId id="266" r:id="rId36"/>
-    <p:sldId id="349" r:id="rId37"/>
-    <p:sldId id="278" r:id="rId38"/>
-    <p:sldId id="281" r:id="rId39"/>
-    <p:sldId id="282" r:id="rId40"/>
-    <p:sldId id="283" r:id="rId41"/>
-    <p:sldId id="284" r:id="rId42"/>
-    <p:sldId id="285" r:id="rId43"/>
-    <p:sldId id="286" r:id="rId44"/>
-    <p:sldId id="287" r:id="rId45"/>
-    <p:sldId id="276" r:id="rId46"/>
-    <p:sldId id="269" r:id="rId47"/>
-    <p:sldId id="273" r:id="rId48"/>
-    <p:sldId id="271" r:id="rId49"/>
+    <p:sldId id="368" r:id="rId19"/>
+    <p:sldId id="264" r:id="rId20"/>
+    <p:sldId id="265" r:id="rId21"/>
+    <p:sldId id="272" r:id="rId22"/>
+    <p:sldId id="274" r:id="rId23"/>
+    <p:sldId id="288" r:id="rId24"/>
+    <p:sldId id="347" r:id="rId25"/>
+    <p:sldId id="289" r:id="rId26"/>
+    <p:sldId id="290" r:id="rId27"/>
+    <p:sldId id="258" r:id="rId28"/>
+    <p:sldId id="277" r:id="rId29"/>
+    <p:sldId id="340" r:id="rId30"/>
+    <p:sldId id="341" r:id="rId31"/>
+    <p:sldId id="348" r:id="rId32"/>
+    <p:sldId id="292" r:id="rId33"/>
+    <p:sldId id="293" r:id="rId34"/>
+    <p:sldId id="280" r:id="rId35"/>
+    <p:sldId id="279" r:id="rId36"/>
+    <p:sldId id="266" r:id="rId37"/>
+    <p:sldId id="349" r:id="rId38"/>
+    <p:sldId id="278" r:id="rId39"/>
+    <p:sldId id="281" r:id="rId40"/>
+    <p:sldId id="282" r:id="rId41"/>
+    <p:sldId id="283" r:id="rId42"/>
+    <p:sldId id="284" r:id="rId43"/>
+    <p:sldId id="285" r:id="rId44"/>
+    <p:sldId id="286" r:id="rId45"/>
+    <p:sldId id="287" r:id="rId46"/>
+    <p:sldId id="276" r:id="rId47"/>
+    <p:sldId id="269" r:id="rId48"/>
+    <p:sldId id="273" r:id="rId49"/>
+    <p:sldId id="271" r:id="rId50"/>
   </p:sldIdLst>
   <p:sldSz cx="12192000" cy="6858000"/>
   <p:notesSz cx="6858000" cy="9144000"/>
@@ -576,7 +577,7 @@
           <a:p>
             <a:fld id="{B3E8125A-D8BB-E74B-8C6E-AB7BD2C997CF}" type="slidenum">
               <a:rPr lang="en-US" smtClean="0"/>
-              <a:t>18</a:t>
+              <a:t>19</a:t>
             </a:fld>
             <a:endParaRPr lang="en-US"/>
           </a:p>
@@ -670,7 +671,7 @@
           <a:p>
             <a:fld id="{B3E8125A-D8BB-E74B-8C6E-AB7BD2C997CF}" type="slidenum">
               <a:rPr lang="en-US" smtClean="0"/>
-              <a:t>20</a:t>
+              <a:t>21</a:t>
             </a:fld>
             <a:endParaRPr lang="en-US"/>
           </a:p>
@@ -811,7 +812,7 @@
                 <a:tabLst/>
                 <a:defRPr/>
               </a:pPr>
-              <a:t>21</a:t>
+              <a:t>22</a:t>
             </a:fld>
             <a:endParaRPr kumimoji="0" lang="en-US" sz="1200" b="0" i="0" u="none" strike="noStrike" kern="1200" cap="none" spc="0" normalizeH="0" baseline="0" noProof="0">
               <a:ln>
@@ -911,7 +912,7 @@
           <a:p>
             <a:fld id="{B3E8125A-D8BB-E74B-8C6E-AB7BD2C997CF}" type="slidenum">
               <a:rPr lang="en-US" smtClean="0"/>
-              <a:t>30</a:t>
+              <a:t>31</a:t>
             </a:fld>
             <a:endParaRPr lang="en-US"/>
           </a:p>
@@ -998,7 +999,7 @@
           <a:p>
             <a:fld id="{B3E8125A-D8BB-E74B-8C6E-AB7BD2C997CF}" type="slidenum">
               <a:rPr lang="en-US" smtClean="0"/>
-              <a:t>31</a:t>
+              <a:t>32</a:t>
             </a:fld>
             <a:endParaRPr lang="en-US"/>
           </a:p>
@@ -1139,7 +1140,7 @@
                 <a:tabLst/>
                 <a:defRPr/>
               </a:pPr>
-              <a:t>41</a:t>
+              <a:t>42</a:t>
             </a:fld>
             <a:endParaRPr kumimoji="0" lang="en-US" sz="1200" b="0" i="0" u="none" strike="noStrike" kern="1200" cap="none" spc="0" normalizeH="0" baseline="0" noProof="0">
               <a:ln>
@@ -8889,7 +8890,7 @@
                   <a:schemeClr val="tx1"/>
                 </a:solidFill>
               </a:rPr>
-              <a:t>Tommy:</a:t>
+              <a:t>Tommy</a:t>
             </a:r>
           </a:p>
         </p:txBody>
@@ -8999,6 +9000,1069 @@
 
 <file path=ppt/slides/slide18.xml><?xml version="1.0" encoding="utf-8"?>
 <p:sld xmlns:a="http://schemas.openxmlformats.org/drawingml/2006/main" xmlns:r="http://schemas.openxmlformats.org/officeDocument/2006/relationships" xmlns:p="http://schemas.openxmlformats.org/presentationml/2006/main">
+  <p:cSld>
+    <p:spTree>
+      <p:nvGrpSpPr>
+        <p:cNvPr id="1" name="">
+          <a:extLst>
+            <a:ext uri="{FF2B5EF4-FFF2-40B4-BE49-F238E27FC236}">
+              <a16:creationId xmlns:a16="http://schemas.microsoft.com/office/drawing/2014/main" id="{92AF5D50-8F1C-2BB8-764C-AB798550241E}"/>
+            </a:ext>
+          </a:extLst>
+        </p:cNvPr>
+        <p:cNvGrpSpPr/>
+        <p:nvPr/>
+      </p:nvGrpSpPr>
+      <p:grpSpPr>
+        <a:xfrm>
+          <a:off x="0" y="0"/>
+          <a:ext cx="0" cy="0"/>
+          <a:chOff x="0" y="0"/>
+          <a:chExt cx="0" cy="0"/>
+        </a:xfrm>
+      </p:grpSpPr>
+      <p:sp>
+        <p:nvSpPr>
+          <p:cNvPr id="2" name="Rounded Rectangle 1">
+            <a:extLst>
+              <a:ext uri="{FF2B5EF4-FFF2-40B4-BE49-F238E27FC236}">
+                <a16:creationId xmlns:a16="http://schemas.microsoft.com/office/drawing/2014/main" id="{7398807D-BF3B-7E0E-F1BA-F3D2A0193C0A}"/>
+              </a:ext>
+            </a:extLst>
+          </p:cNvPr>
+          <p:cNvSpPr/>
+          <p:nvPr/>
+        </p:nvSpPr>
+        <p:spPr>
+          <a:xfrm>
+            <a:off x="8091055" y="1757113"/>
+            <a:ext cx="2951017" cy="990600"/>
+          </a:xfrm>
+          <a:prstGeom prst="roundRect">
+            <a:avLst/>
+          </a:prstGeom>
+          <a:solidFill>
+            <a:srgbClr val="92D050"/>
+          </a:solidFill>
+          <a:ln>
+            <a:noFill/>
+          </a:ln>
+        </p:spPr>
+        <p:style>
+          <a:lnRef idx="2">
+            <a:schemeClr val="accent6"/>
+          </a:lnRef>
+          <a:fillRef idx="1">
+            <a:schemeClr val="lt1"/>
+          </a:fillRef>
+          <a:effectRef idx="0">
+            <a:schemeClr val="accent6"/>
+          </a:effectRef>
+          <a:fontRef idx="minor">
+            <a:schemeClr val="dk1"/>
+          </a:fontRef>
+        </p:style>
+        <p:txBody>
+          <a:bodyPr rtlCol="0" anchor="ctr"/>
+          <a:lstStyle/>
+          <a:p>
+            <a:pPr algn="ctr"/>
+            <a:r>
+              <a:rPr lang="en-US" sz="5400" dirty="0">
+                <a:solidFill>
+                  <a:schemeClr val="tx1"/>
+                </a:solidFill>
+              </a:rPr>
+              <a:t>Tommy</a:t>
+            </a:r>
+          </a:p>
+        </p:txBody>
+      </p:sp>
+      <p:sp>
+        <p:nvSpPr>
+          <p:cNvPr id="3" name="Rounded Rectangle 2">
+            <a:extLst>
+              <a:ext uri="{FF2B5EF4-FFF2-40B4-BE49-F238E27FC236}">
+                <a16:creationId xmlns:a16="http://schemas.microsoft.com/office/drawing/2014/main" id="{A88B2A58-92CB-2E41-CC60-98B29EB22764}"/>
+              </a:ext>
+            </a:extLst>
+          </p:cNvPr>
+          <p:cNvSpPr/>
+          <p:nvPr/>
+        </p:nvSpPr>
+        <p:spPr>
+          <a:xfrm>
+            <a:off x="609599" y="1812532"/>
+            <a:ext cx="2951017" cy="990600"/>
+          </a:xfrm>
+          <a:prstGeom prst="roundRect">
+            <a:avLst/>
+          </a:prstGeom>
+          <a:solidFill>
+            <a:srgbClr val="92D050"/>
+          </a:solidFill>
+          <a:ln>
+            <a:noFill/>
+          </a:ln>
+        </p:spPr>
+        <p:style>
+          <a:lnRef idx="2">
+            <a:schemeClr val="accent6"/>
+          </a:lnRef>
+          <a:fillRef idx="1">
+            <a:schemeClr val="lt1"/>
+          </a:fillRef>
+          <a:effectRef idx="0">
+            <a:schemeClr val="accent6"/>
+          </a:effectRef>
+          <a:fontRef idx="minor">
+            <a:schemeClr val="dk1"/>
+          </a:fontRef>
+        </p:style>
+        <p:txBody>
+          <a:bodyPr rtlCol="0" anchor="ctr"/>
+          <a:lstStyle/>
+          <a:p>
+            <a:pPr algn="ctr"/>
+            <a:r>
+              <a:rPr lang="en-US" sz="5400" dirty="0">
+                <a:solidFill>
+                  <a:schemeClr val="tx1"/>
+                </a:solidFill>
+              </a:rPr>
+              <a:t>FIFO</a:t>
+            </a:r>
+          </a:p>
+        </p:txBody>
+      </p:sp>
+      <p:sp>
+        <p:nvSpPr>
+          <p:cNvPr id="4" name="Rounded Rectangle 3">
+            <a:extLst>
+              <a:ext uri="{FF2B5EF4-FFF2-40B4-BE49-F238E27FC236}">
+                <a16:creationId xmlns:a16="http://schemas.microsoft.com/office/drawing/2014/main" id="{0958510F-084C-7AC3-29DF-63139BD9705D}"/>
+              </a:ext>
+            </a:extLst>
+          </p:cNvPr>
+          <p:cNvSpPr/>
+          <p:nvPr/>
+        </p:nvSpPr>
+        <p:spPr>
+          <a:xfrm>
+            <a:off x="4315689" y="1812532"/>
+            <a:ext cx="2951017" cy="990600"/>
+          </a:xfrm>
+          <a:prstGeom prst="roundRect">
+            <a:avLst/>
+          </a:prstGeom>
+          <a:solidFill>
+            <a:srgbClr val="92D050"/>
+          </a:solidFill>
+          <a:ln>
+            <a:noFill/>
+          </a:ln>
+        </p:spPr>
+        <p:style>
+          <a:lnRef idx="2">
+            <a:schemeClr val="accent6"/>
+          </a:lnRef>
+          <a:fillRef idx="1">
+            <a:schemeClr val="lt1"/>
+          </a:fillRef>
+          <a:effectRef idx="0">
+            <a:schemeClr val="accent6"/>
+          </a:effectRef>
+          <a:fontRef idx="minor">
+            <a:schemeClr val="dk1"/>
+          </a:fontRef>
+        </p:style>
+        <p:txBody>
+          <a:bodyPr rtlCol="0" anchor="ctr"/>
+          <a:lstStyle/>
+          <a:p>
+            <a:pPr algn="ctr"/>
+            <a:r>
+              <a:rPr lang="en-US" sz="5400" dirty="0">
+                <a:solidFill>
+                  <a:schemeClr val="tx1"/>
+                </a:solidFill>
+              </a:rPr>
+              <a:t>Onyx</a:t>
+            </a:r>
+          </a:p>
+        </p:txBody>
+      </p:sp>
+      <p:sp>
+        <p:nvSpPr>
+          <p:cNvPr id="8" name="Rectangle 7">
+            <a:extLst>
+              <a:ext uri="{FF2B5EF4-FFF2-40B4-BE49-F238E27FC236}">
+                <a16:creationId xmlns:a16="http://schemas.microsoft.com/office/drawing/2014/main" id="{9C9CD885-647B-8B30-795D-38E72B83CE1A}"/>
+              </a:ext>
+            </a:extLst>
+          </p:cNvPr>
+          <p:cNvSpPr/>
+          <p:nvPr/>
+        </p:nvSpPr>
+        <p:spPr>
+          <a:xfrm>
+            <a:off x="706581" y="1454728"/>
+            <a:ext cx="6560125" cy="180109"/>
+          </a:xfrm>
+          <a:custGeom>
+            <a:avLst/>
+            <a:gdLst>
+              <a:gd name="connsiteX0" fmla="*/ 0 w 6560125"/>
+              <a:gd name="connsiteY0" fmla="*/ 0 h 180109"/>
+              <a:gd name="connsiteX1" fmla="*/ 399571 w 6560125"/>
+              <a:gd name="connsiteY1" fmla="*/ 0 h 180109"/>
+              <a:gd name="connsiteX2" fmla="*/ 1127149 w 6560125"/>
+              <a:gd name="connsiteY2" fmla="*/ 0 h 180109"/>
+              <a:gd name="connsiteX3" fmla="*/ 1789125 w 6560125"/>
+              <a:gd name="connsiteY3" fmla="*/ 0 h 180109"/>
+              <a:gd name="connsiteX4" fmla="*/ 2188696 w 6560125"/>
+              <a:gd name="connsiteY4" fmla="*/ 0 h 180109"/>
+              <a:gd name="connsiteX5" fmla="*/ 2719470 w 6560125"/>
+              <a:gd name="connsiteY5" fmla="*/ 0 h 180109"/>
+              <a:gd name="connsiteX6" fmla="*/ 3447048 w 6560125"/>
+              <a:gd name="connsiteY6" fmla="*/ 0 h 180109"/>
+              <a:gd name="connsiteX7" fmla="*/ 4043423 w 6560125"/>
+              <a:gd name="connsiteY7" fmla="*/ 0 h 180109"/>
+              <a:gd name="connsiteX8" fmla="*/ 4705399 w 6560125"/>
+              <a:gd name="connsiteY8" fmla="*/ 0 h 180109"/>
+              <a:gd name="connsiteX9" fmla="*/ 5236173 w 6560125"/>
+              <a:gd name="connsiteY9" fmla="*/ 0 h 180109"/>
+              <a:gd name="connsiteX10" fmla="*/ 5832548 w 6560125"/>
+              <a:gd name="connsiteY10" fmla="*/ 0 h 180109"/>
+              <a:gd name="connsiteX11" fmla="*/ 6560125 w 6560125"/>
+              <a:gd name="connsiteY11" fmla="*/ 0 h 180109"/>
+              <a:gd name="connsiteX12" fmla="*/ 6560125 w 6560125"/>
+              <a:gd name="connsiteY12" fmla="*/ 180109 h 180109"/>
+              <a:gd name="connsiteX13" fmla="*/ 6160554 w 6560125"/>
+              <a:gd name="connsiteY13" fmla="*/ 180109 h 180109"/>
+              <a:gd name="connsiteX14" fmla="*/ 5760983 w 6560125"/>
+              <a:gd name="connsiteY14" fmla="*/ 180109 h 180109"/>
+              <a:gd name="connsiteX15" fmla="*/ 5099006 w 6560125"/>
+              <a:gd name="connsiteY15" fmla="*/ 180109 h 180109"/>
+              <a:gd name="connsiteX16" fmla="*/ 4699435 w 6560125"/>
+              <a:gd name="connsiteY16" fmla="*/ 180109 h 180109"/>
+              <a:gd name="connsiteX17" fmla="*/ 4103060 w 6560125"/>
+              <a:gd name="connsiteY17" fmla="*/ 180109 h 180109"/>
+              <a:gd name="connsiteX18" fmla="*/ 3637888 w 6560125"/>
+              <a:gd name="connsiteY18" fmla="*/ 180109 h 180109"/>
+              <a:gd name="connsiteX19" fmla="*/ 3041513 w 6560125"/>
+              <a:gd name="connsiteY19" fmla="*/ 180109 h 180109"/>
+              <a:gd name="connsiteX20" fmla="*/ 2445137 w 6560125"/>
+              <a:gd name="connsiteY20" fmla="*/ 180109 h 180109"/>
+              <a:gd name="connsiteX21" fmla="*/ 1848762 w 6560125"/>
+              <a:gd name="connsiteY21" fmla="*/ 180109 h 180109"/>
+              <a:gd name="connsiteX22" fmla="*/ 1252387 w 6560125"/>
+              <a:gd name="connsiteY22" fmla="*/ 180109 h 180109"/>
+              <a:gd name="connsiteX23" fmla="*/ 721614 w 6560125"/>
+              <a:gd name="connsiteY23" fmla="*/ 180109 h 180109"/>
+              <a:gd name="connsiteX24" fmla="*/ 0 w 6560125"/>
+              <a:gd name="connsiteY24" fmla="*/ 180109 h 180109"/>
+              <a:gd name="connsiteX25" fmla="*/ 0 w 6560125"/>
+              <a:gd name="connsiteY25" fmla="*/ 0 h 180109"/>
+            </a:gdLst>
+            <a:ahLst/>
+            <a:cxnLst>
+              <a:cxn ang="0">
+                <a:pos x="connsiteX0" y="connsiteY0"/>
+              </a:cxn>
+              <a:cxn ang="0">
+                <a:pos x="connsiteX1" y="connsiteY1"/>
+              </a:cxn>
+              <a:cxn ang="0">
+                <a:pos x="connsiteX2" y="connsiteY2"/>
+              </a:cxn>
+              <a:cxn ang="0">
+                <a:pos x="connsiteX3" y="connsiteY3"/>
+              </a:cxn>
+              <a:cxn ang="0">
+                <a:pos x="connsiteX4" y="connsiteY4"/>
+              </a:cxn>
+              <a:cxn ang="0">
+                <a:pos x="connsiteX5" y="connsiteY5"/>
+              </a:cxn>
+              <a:cxn ang="0">
+                <a:pos x="connsiteX6" y="connsiteY6"/>
+              </a:cxn>
+              <a:cxn ang="0">
+                <a:pos x="connsiteX7" y="connsiteY7"/>
+              </a:cxn>
+              <a:cxn ang="0">
+                <a:pos x="connsiteX8" y="connsiteY8"/>
+              </a:cxn>
+              <a:cxn ang="0">
+                <a:pos x="connsiteX9" y="connsiteY9"/>
+              </a:cxn>
+              <a:cxn ang="0">
+                <a:pos x="connsiteX10" y="connsiteY10"/>
+              </a:cxn>
+              <a:cxn ang="0">
+                <a:pos x="connsiteX11" y="connsiteY11"/>
+              </a:cxn>
+              <a:cxn ang="0">
+                <a:pos x="connsiteX12" y="connsiteY12"/>
+              </a:cxn>
+              <a:cxn ang="0">
+                <a:pos x="connsiteX13" y="connsiteY13"/>
+              </a:cxn>
+              <a:cxn ang="0">
+                <a:pos x="connsiteX14" y="connsiteY14"/>
+              </a:cxn>
+              <a:cxn ang="0">
+                <a:pos x="connsiteX15" y="connsiteY15"/>
+              </a:cxn>
+              <a:cxn ang="0">
+                <a:pos x="connsiteX16" y="connsiteY16"/>
+              </a:cxn>
+              <a:cxn ang="0">
+                <a:pos x="connsiteX17" y="connsiteY17"/>
+              </a:cxn>
+              <a:cxn ang="0">
+                <a:pos x="connsiteX18" y="connsiteY18"/>
+              </a:cxn>
+              <a:cxn ang="0">
+                <a:pos x="connsiteX19" y="connsiteY19"/>
+              </a:cxn>
+              <a:cxn ang="0">
+                <a:pos x="connsiteX20" y="connsiteY20"/>
+              </a:cxn>
+              <a:cxn ang="0">
+                <a:pos x="connsiteX21" y="connsiteY21"/>
+              </a:cxn>
+              <a:cxn ang="0">
+                <a:pos x="connsiteX22" y="connsiteY22"/>
+              </a:cxn>
+              <a:cxn ang="0">
+                <a:pos x="connsiteX23" y="connsiteY23"/>
+              </a:cxn>
+              <a:cxn ang="0">
+                <a:pos x="connsiteX24" y="connsiteY24"/>
+              </a:cxn>
+              <a:cxn ang="0">
+                <a:pos x="connsiteX25" y="connsiteY25"/>
+              </a:cxn>
+            </a:cxnLst>
+            <a:rect l="l" t="t" r="r" b="b"/>
+            <a:pathLst>
+              <a:path w="6560125" h="180109" fill="none" extrusionOk="0">
+                <a:moveTo>
+                  <a:pt x="0" y="0"/>
+                </a:moveTo>
+                <a:cubicBezTo>
+                  <a:pt x="93079" y="-24371"/>
+                  <a:pt x="278315" y="592"/>
+                  <a:pt x="399571" y="0"/>
+                </a:cubicBezTo>
+                <a:cubicBezTo>
+                  <a:pt x="520827" y="-592"/>
+                  <a:pt x="869396" y="14101"/>
+                  <a:pt x="1127149" y="0"/>
+                </a:cubicBezTo>
+                <a:cubicBezTo>
+                  <a:pt x="1384902" y="-14101"/>
+                  <a:pt x="1541827" y="74442"/>
+                  <a:pt x="1789125" y="0"/>
+                </a:cubicBezTo>
+                <a:cubicBezTo>
+                  <a:pt x="2036423" y="-74442"/>
+                  <a:pt x="2042118" y="39310"/>
+                  <a:pt x="2188696" y="0"/>
+                </a:cubicBezTo>
+                <a:cubicBezTo>
+                  <a:pt x="2335274" y="-39310"/>
+                  <a:pt x="2504451" y="1198"/>
+                  <a:pt x="2719470" y="0"/>
+                </a:cubicBezTo>
+                <a:cubicBezTo>
+                  <a:pt x="2934489" y="-1198"/>
+                  <a:pt x="3212094" y="76278"/>
+                  <a:pt x="3447048" y="0"/>
+                </a:cubicBezTo>
+                <a:cubicBezTo>
+                  <a:pt x="3682002" y="-76278"/>
+                  <a:pt x="3884580" y="20218"/>
+                  <a:pt x="4043423" y="0"/>
+                </a:cubicBezTo>
+                <a:cubicBezTo>
+                  <a:pt x="4202267" y="-20218"/>
+                  <a:pt x="4562783" y="73588"/>
+                  <a:pt x="4705399" y="0"/>
+                </a:cubicBezTo>
+                <a:cubicBezTo>
+                  <a:pt x="4848015" y="-73588"/>
+                  <a:pt x="5067470" y="45843"/>
+                  <a:pt x="5236173" y="0"/>
+                </a:cubicBezTo>
+                <a:cubicBezTo>
+                  <a:pt x="5404876" y="-45843"/>
+                  <a:pt x="5638241" y="16924"/>
+                  <a:pt x="5832548" y="0"/>
+                </a:cubicBezTo>
+                <a:cubicBezTo>
+                  <a:pt x="6026855" y="-16924"/>
+                  <a:pt x="6380958" y="36439"/>
+                  <a:pt x="6560125" y="0"/>
+                </a:cubicBezTo>
+                <a:cubicBezTo>
+                  <a:pt x="6572722" y="60361"/>
+                  <a:pt x="6552397" y="95898"/>
+                  <a:pt x="6560125" y="180109"/>
+                </a:cubicBezTo>
+                <a:cubicBezTo>
+                  <a:pt x="6369462" y="212114"/>
+                  <a:pt x="6345447" y="140515"/>
+                  <a:pt x="6160554" y="180109"/>
+                </a:cubicBezTo>
+                <a:cubicBezTo>
+                  <a:pt x="5975661" y="219703"/>
+                  <a:pt x="5930306" y="150532"/>
+                  <a:pt x="5760983" y="180109"/>
+                </a:cubicBezTo>
+                <a:cubicBezTo>
+                  <a:pt x="5591660" y="209686"/>
+                  <a:pt x="5285742" y="106575"/>
+                  <a:pt x="5099006" y="180109"/>
+                </a:cubicBezTo>
+                <a:cubicBezTo>
+                  <a:pt x="4912270" y="253643"/>
+                  <a:pt x="4827180" y="133626"/>
+                  <a:pt x="4699435" y="180109"/>
+                </a:cubicBezTo>
+                <a:cubicBezTo>
+                  <a:pt x="4571690" y="226592"/>
+                  <a:pt x="4245108" y="141770"/>
+                  <a:pt x="4103060" y="180109"/>
+                </a:cubicBezTo>
+                <a:cubicBezTo>
+                  <a:pt x="3961013" y="218448"/>
+                  <a:pt x="3826924" y="150872"/>
+                  <a:pt x="3637888" y="180109"/>
+                </a:cubicBezTo>
+                <a:cubicBezTo>
+                  <a:pt x="3448852" y="209346"/>
+                  <a:pt x="3268535" y="172336"/>
+                  <a:pt x="3041513" y="180109"/>
+                </a:cubicBezTo>
+                <a:cubicBezTo>
+                  <a:pt x="2814492" y="187882"/>
+                  <a:pt x="2652883" y="165019"/>
+                  <a:pt x="2445137" y="180109"/>
+                </a:cubicBezTo>
+                <a:cubicBezTo>
+                  <a:pt x="2237391" y="195199"/>
+                  <a:pt x="2124635" y="146621"/>
+                  <a:pt x="1848762" y="180109"/>
+                </a:cubicBezTo>
+                <a:cubicBezTo>
+                  <a:pt x="1572890" y="213597"/>
+                  <a:pt x="1518016" y="134321"/>
+                  <a:pt x="1252387" y="180109"/>
+                </a:cubicBezTo>
+                <a:cubicBezTo>
+                  <a:pt x="986759" y="225897"/>
+                  <a:pt x="938880" y="175617"/>
+                  <a:pt x="721614" y="180109"/>
+                </a:cubicBezTo>
+                <a:cubicBezTo>
+                  <a:pt x="504348" y="184601"/>
+                  <a:pt x="196115" y="172397"/>
+                  <a:pt x="0" y="180109"/>
+                </a:cubicBezTo>
+                <a:cubicBezTo>
+                  <a:pt x="-10644" y="113599"/>
+                  <a:pt x="8546" y="65985"/>
+                  <a:pt x="0" y="0"/>
+                </a:cubicBezTo>
+                <a:close/>
+              </a:path>
+              <a:path w="6560125" h="180109" stroke="0" extrusionOk="0">
+                <a:moveTo>
+                  <a:pt x="0" y="0"/>
+                </a:moveTo>
+                <a:cubicBezTo>
+                  <a:pt x="262678" y="-15794"/>
+                  <a:pt x="324387" y="52621"/>
+                  <a:pt x="530774" y="0"/>
+                </a:cubicBezTo>
+                <a:cubicBezTo>
+                  <a:pt x="737161" y="-52621"/>
+                  <a:pt x="763948" y="1149"/>
+                  <a:pt x="930345" y="0"/>
+                </a:cubicBezTo>
+                <a:cubicBezTo>
+                  <a:pt x="1096742" y="-1149"/>
+                  <a:pt x="1469441" y="23267"/>
+                  <a:pt x="1657923" y="0"/>
+                </a:cubicBezTo>
+                <a:cubicBezTo>
+                  <a:pt x="1846405" y="-23267"/>
+                  <a:pt x="1962484" y="53122"/>
+                  <a:pt x="2188696" y="0"/>
+                </a:cubicBezTo>
+                <a:cubicBezTo>
+                  <a:pt x="2414908" y="-53122"/>
+                  <a:pt x="2509858" y="19949"/>
+                  <a:pt x="2719470" y="0"/>
+                </a:cubicBezTo>
+                <a:cubicBezTo>
+                  <a:pt x="2929082" y="-19949"/>
+                  <a:pt x="3137248" y="72350"/>
+                  <a:pt x="3447048" y="0"/>
+                </a:cubicBezTo>
+                <a:cubicBezTo>
+                  <a:pt x="3756848" y="-72350"/>
+                  <a:pt x="3696986" y="40809"/>
+                  <a:pt x="3912220" y="0"/>
+                </a:cubicBezTo>
+                <a:cubicBezTo>
+                  <a:pt x="4127454" y="-40809"/>
+                  <a:pt x="4358494" y="84444"/>
+                  <a:pt x="4639798" y="0"/>
+                </a:cubicBezTo>
+                <a:cubicBezTo>
+                  <a:pt x="4921102" y="-84444"/>
+                  <a:pt x="5011131" y="79389"/>
+                  <a:pt x="5367375" y="0"/>
+                </a:cubicBezTo>
+                <a:cubicBezTo>
+                  <a:pt x="5723619" y="-79389"/>
+                  <a:pt x="5755728" y="54091"/>
+                  <a:pt x="5963750" y="0"/>
+                </a:cubicBezTo>
+                <a:cubicBezTo>
+                  <a:pt x="6171773" y="-54091"/>
+                  <a:pt x="6326448" y="54204"/>
+                  <a:pt x="6560125" y="0"/>
+                </a:cubicBezTo>
+                <a:cubicBezTo>
+                  <a:pt x="6569910" y="55787"/>
+                  <a:pt x="6543166" y="90879"/>
+                  <a:pt x="6560125" y="180109"/>
+                </a:cubicBezTo>
+                <a:cubicBezTo>
+                  <a:pt x="6465890" y="198281"/>
+                  <a:pt x="6282318" y="152187"/>
+                  <a:pt x="6160554" y="180109"/>
+                </a:cubicBezTo>
+                <a:cubicBezTo>
+                  <a:pt x="6038790" y="208031"/>
+                  <a:pt x="5605240" y="130138"/>
+                  <a:pt x="5432976" y="180109"/>
+                </a:cubicBezTo>
+                <a:cubicBezTo>
+                  <a:pt x="5260712" y="230080"/>
+                  <a:pt x="5132902" y="143962"/>
+                  <a:pt x="4967804" y="180109"/>
+                </a:cubicBezTo>
+                <a:cubicBezTo>
+                  <a:pt x="4802706" y="216256"/>
+                  <a:pt x="4610215" y="121996"/>
+                  <a:pt x="4371429" y="180109"/>
+                </a:cubicBezTo>
+                <a:cubicBezTo>
+                  <a:pt x="4132644" y="238222"/>
+                  <a:pt x="3831048" y="151702"/>
+                  <a:pt x="3643851" y="180109"/>
+                </a:cubicBezTo>
+                <a:cubicBezTo>
+                  <a:pt x="3456654" y="208516"/>
+                  <a:pt x="3300671" y="117049"/>
+                  <a:pt x="3047476" y="180109"/>
+                </a:cubicBezTo>
+                <a:cubicBezTo>
+                  <a:pt x="2794282" y="243169"/>
+                  <a:pt x="2735543" y="140250"/>
+                  <a:pt x="2647905" y="180109"/>
+                </a:cubicBezTo>
+                <a:cubicBezTo>
+                  <a:pt x="2560267" y="219968"/>
+                  <a:pt x="2366569" y="160744"/>
+                  <a:pt x="2182733" y="180109"/>
+                </a:cubicBezTo>
+                <a:cubicBezTo>
+                  <a:pt x="1998897" y="199474"/>
+                  <a:pt x="1734880" y="138199"/>
+                  <a:pt x="1455155" y="180109"/>
+                </a:cubicBezTo>
+                <a:cubicBezTo>
+                  <a:pt x="1175430" y="222019"/>
+                  <a:pt x="1028262" y="177887"/>
+                  <a:pt x="858780" y="180109"/>
+                </a:cubicBezTo>
+                <a:cubicBezTo>
+                  <a:pt x="689299" y="182331"/>
+                  <a:pt x="345146" y="157005"/>
+                  <a:pt x="0" y="180109"/>
+                </a:cubicBezTo>
+                <a:cubicBezTo>
+                  <a:pt x="-13722" y="95078"/>
+                  <a:pt x="1346" y="37299"/>
+                  <a:pt x="0" y="0"/>
+                </a:cubicBezTo>
+                <a:close/>
+              </a:path>
+            </a:pathLst>
+          </a:custGeom>
+          <a:ln>
+            <a:extLst>
+              <a:ext uri="{C807C97D-BFC1-408E-A445-0C87EB9F89A2}">
+                <ask:lineSketchStyleProps xmlns:ask="http://schemas.microsoft.com/office/drawing/2018/sketchyshapes" sd="1219033472">
+                  <a:prstGeom prst="rect">
+                    <a:avLst/>
+                  </a:prstGeom>
+                  <ask:type>
+                    <ask:lineSketchScribble/>
+                  </ask:type>
+                </ask:lineSketchStyleProps>
+              </a:ext>
+            </a:extLst>
+          </a:ln>
+        </p:spPr>
+        <p:style>
+          <a:lnRef idx="2">
+            <a:schemeClr val="accent1">
+              <a:shade val="15000"/>
+            </a:schemeClr>
+          </a:lnRef>
+          <a:fillRef idx="1">
+            <a:schemeClr val="accent1"/>
+          </a:fillRef>
+          <a:effectRef idx="0">
+            <a:schemeClr val="accent1"/>
+          </a:effectRef>
+          <a:fontRef idx="minor">
+            <a:schemeClr val="lt1"/>
+          </a:fontRef>
+        </p:style>
+        <p:txBody>
+          <a:bodyPr rtlCol="0" anchor="ctr"/>
+          <a:lstStyle/>
+          <a:p>
+            <a:pPr algn="ctr"/>
+            <a:endParaRPr lang="en-US">
+              <a:ln w="0"/>
+              <a:solidFill>
+                <a:schemeClr val="accent1"/>
+              </a:solidFill>
+              <a:effectLst>
+                <a:outerShdw blurRad="38100" dist="25400" dir="5400000" algn="ctr" rotWithShape="0">
+                  <a:srgbClr val="6E747A">
+                    <a:alpha val="43000"/>
+                  </a:srgbClr>
+                </a:outerShdw>
+              </a:effectLst>
+            </a:endParaRPr>
+          </a:p>
+        </p:txBody>
+      </p:sp>
+      <p:sp>
+        <p:nvSpPr>
+          <p:cNvPr id="9" name="Rectangle 8">
+            <a:extLst>
+              <a:ext uri="{FF2B5EF4-FFF2-40B4-BE49-F238E27FC236}">
+                <a16:creationId xmlns:a16="http://schemas.microsoft.com/office/drawing/2014/main" id="{E528202C-23A4-2938-3F58-7CE00B017D72}"/>
+              </a:ext>
+            </a:extLst>
+          </p:cNvPr>
+          <p:cNvSpPr/>
+          <p:nvPr/>
+        </p:nvSpPr>
+        <p:spPr>
+          <a:xfrm>
+            <a:off x="2294240" y="531398"/>
+            <a:ext cx="3481787" cy="923330"/>
+          </a:xfrm>
+          <a:prstGeom prst="rect">
+            <a:avLst/>
+          </a:prstGeom>
+          <a:noFill/>
+        </p:spPr>
+        <p:txBody>
+          <a:bodyPr wrap="none" lIns="91440" tIns="45720" rIns="91440" bIns="45720">
+            <a:spAutoFit/>
+          </a:bodyPr>
+          <a:lstStyle/>
+          <a:p>
+            <a:pPr algn="ctr"/>
+            <a:r>
+              <a:rPr lang="en-US" sz="5400" b="1" cap="none" spc="0" dirty="0">
+                <a:ln w="12700">
+                  <a:solidFill>
+                    <a:schemeClr val="accent1"/>
+                  </a:solidFill>
+                  <a:prstDash val="solid"/>
+                </a:ln>
+                <a:pattFill prst="pct50">
+                  <a:fgClr>
+                    <a:schemeClr val="accent1"/>
+                  </a:fgClr>
+                  <a:bgClr>
+                    <a:schemeClr val="accent1">
+                      <a:lumMod val="20000"/>
+                      <a:lumOff val="80000"/>
+                    </a:schemeClr>
+                  </a:bgClr>
+                </a:pattFill>
+                <a:effectLst>
+                  <a:outerShdw dist="38100" dir="2640000" algn="bl" rotWithShape="0">
+                    <a:schemeClr val="accent1"/>
+                  </a:outerShdw>
+                </a:effectLst>
+              </a:rPr>
+              <a:t>Prior Work</a:t>
+            </a:r>
+          </a:p>
+        </p:txBody>
+      </p:sp>
+      <p:pic>
+        <p:nvPicPr>
+          <p:cNvPr id="10" name="Picture 9">
+            <a:extLst>
+              <a:ext uri="{FF2B5EF4-FFF2-40B4-BE49-F238E27FC236}">
+                <a16:creationId xmlns:a16="http://schemas.microsoft.com/office/drawing/2014/main" id="{5B4E4D27-03F2-5B6A-7B0B-4AC6FDCE7F79}"/>
+              </a:ext>
+            </a:extLst>
+          </p:cNvPr>
+          <p:cNvPicPr>
+            <a:picLocks noChangeAspect="1"/>
+          </p:cNvPicPr>
+          <p:nvPr/>
+        </p:nvPicPr>
+        <p:blipFill>
+          <a:blip r:embed="rId2"/>
+          <a:stretch>
+            <a:fillRect/>
+          </a:stretch>
+        </p:blipFill>
+        <p:spPr>
+          <a:xfrm>
+            <a:off x="372673" y="2378058"/>
+            <a:ext cx="3355593" cy="3600041"/>
+          </a:xfrm>
+          <a:prstGeom prst="rect">
+            <a:avLst/>
+          </a:prstGeom>
+        </p:spPr>
+      </p:pic>
+      <p:sp>
+        <p:nvSpPr>
+          <p:cNvPr id="11" name="TextBox 10">
+            <a:extLst>
+              <a:ext uri="{FF2B5EF4-FFF2-40B4-BE49-F238E27FC236}">
+                <a16:creationId xmlns:a16="http://schemas.microsoft.com/office/drawing/2014/main" id="{AB08B153-1F4B-D29B-8E4A-5E7E241021B2}"/>
+              </a:ext>
+            </a:extLst>
+          </p:cNvPr>
+          <p:cNvSpPr txBox="1"/>
+          <p:nvPr/>
+        </p:nvSpPr>
+        <p:spPr>
+          <a:xfrm>
+            <a:off x="774754" y="5515016"/>
+            <a:ext cx="2953512" cy="646331"/>
+          </a:xfrm>
+          <a:prstGeom prst="rect">
+            <a:avLst/>
+          </a:prstGeom>
+          <a:noFill/>
+        </p:spPr>
+        <p:txBody>
+          <a:bodyPr wrap="square" rtlCol="0">
+            <a:spAutoFit/>
+          </a:bodyPr>
+          <a:lstStyle/>
+          <a:p>
+            <a:pPr marL="0" marR="0" lvl="0" indent="0" algn="l" defTabSz="914400" rtl="0" eaLnBrk="1" fontAlgn="auto" latinLnBrk="0" hangingPunct="1">
+              <a:lnSpc>
+                <a:spcPct val="100000"/>
+              </a:lnSpc>
+              <a:spcBef>
+                <a:spcPts val="0"/>
+              </a:spcBef>
+              <a:spcAft>
+                <a:spcPts val="0"/>
+              </a:spcAft>
+              <a:buClrTx/>
+              <a:buSzTx/>
+              <a:buFontTx/>
+              <a:buNone/>
+              <a:tabLst/>
+              <a:defRPr/>
+            </a:pPr>
+            <a:r>
+              <a:rPr kumimoji="0" lang="en-US" sz="1800" b="0" i="0" u="none" strike="noStrike" kern="1200" cap="none" spc="0" normalizeH="0" baseline="0" noProof="0" dirty="0">
+                <a:ln>
+                  <a:noFill/>
+                </a:ln>
+                <a:solidFill>
+                  <a:prstClr val="black"/>
+                </a:solidFill>
+                <a:effectLst/>
+                <a:uLnTx/>
+                <a:uFillTx/>
+                <a:latin typeface="Aptos" panose="02110004020202020204"/>
+                <a:ea typeface="+mn-ea"/>
+                <a:cs typeface="+mn-cs"/>
+              </a:rPr>
+              <a:t>On-premises exchanges / private data centers</a:t>
+            </a:r>
+          </a:p>
+        </p:txBody>
+      </p:sp>
+    </p:spTree>
+    <p:extLst>
+      <p:ext uri="{BB962C8B-B14F-4D97-AF65-F5344CB8AC3E}">
+        <p14:creationId xmlns:p14="http://schemas.microsoft.com/office/powerpoint/2010/main" val="43582982"/>
+      </p:ext>
+    </p:extLst>
+  </p:cSld>
+  <p:clrMapOvr>
+    <a:masterClrMapping/>
+  </p:clrMapOvr>
+  <mc:AlternateContent xmlns:mc="http://schemas.openxmlformats.org/markup-compatibility/2006">
+    <mc:Choice xmlns:p159="http://schemas.microsoft.com/office/powerpoint/2015/09/main" Requires="p159">
+      <p:transition>
+        <p159:morph option="byObject"/>
+      </p:transition>
+    </mc:Choice>
+    <mc:Fallback>
+      <p:transition>
+        <p:fade/>
+      </p:transition>
+    </mc:Fallback>
+  </mc:AlternateContent>
+  <p:timing>
+    <p:tnLst>
+      <p:par>
+        <p:cTn id="1" dur="indefinite" restart="never" nodeType="tmRoot">
+          <p:childTnLst>
+            <p:seq concurrent="1" nextAc="seek">
+              <p:cTn id="2" dur="indefinite" nodeType="mainSeq">
+                <p:childTnLst>
+                  <p:par>
+                    <p:cTn id="3" fill="hold">
+                      <p:stCondLst>
+                        <p:cond delay="indefinite"/>
+                      </p:stCondLst>
+                      <p:childTnLst>
+                        <p:par>
+                          <p:cTn id="4" fill="hold">
+                            <p:stCondLst>
+                              <p:cond delay="0"/>
+                            </p:stCondLst>
+                            <p:childTnLst>
+                              <p:par>
+                                <p:cTn id="5" presetID="1" presetClass="entr" presetSubtype="0" fill="hold" grpId="0" nodeType="clickEffect">
+                                  <p:stCondLst>
+                                    <p:cond delay="0"/>
+                                  </p:stCondLst>
+                                  <p:childTnLst>
+                                    <p:set>
+                                      <p:cBhvr>
+                                        <p:cTn id="6" dur="1" fill="hold">
+                                          <p:stCondLst>
+                                            <p:cond delay="0"/>
+                                          </p:stCondLst>
+                                        </p:cTn>
+                                        <p:tgtEl>
+                                          <p:spTgt spid="3"/>
+                                        </p:tgtEl>
+                                        <p:attrNameLst>
+                                          <p:attrName>style.visibility</p:attrName>
+                                        </p:attrNameLst>
+                                      </p:cBhvr>
+                                      <p:to>
+                                        <p:strVal val="visible"/>
+                                      </p:to>
+                                    </p:set>
+                                  </p:childTnLst>
+                                </p:cTn>
+                              </p:par>
+                            </p:childTnLst>
+                          </p:cTn>
+                        </p:par>
+                      </p:childTnLst>
+                    </p:cTn>
+                  </p:par>
+                  <p:par>
+                    <p:cTn id="7" fill="hold">
+                      <p:stCondLst>
+                        <p:cond delay="indefinite"/>
+                      </p:stCondLst>
+                      <p:childTnLst>
+                        <p:par>
+                          <p:cTn id="8" fill="hold">
+                            <p:stCondLst>
+                              <p:cond delay="0"/>
+                            </p:stCondLst>
+                            <p:childTnLst>
+                              <p:par>
+                                <p:cTn id="9" presetID="1" presetClass="entr" presetSubtype="0" fill="hold" grpId="0" nodeType="clickEffect">
+                                  <p:stCondLst>
+                                    <p:cond delay="0"/>
+                                  </p:stCondLst>
+                                  <p:childTnLst>
+                                    <p:set>
+                                      <p:cBhvr>
+                                        <p:cTn id="10" dur="1" fill="hold">
+                                          <p:stCondLst>
+                                            <p:cond delay="0"/>
+                                          </p:stCondLst>
+                                        </p:cTn>
+                                        <p:tgtEl>
+                                          <p:spTgt spid="4"/>
+                                        </p:tgtEl>
+                                        <p:attrNameLst>
+                                          <p:attrName>style.visibility</p:attrName>
+                                        </p:attrNameLst>
+                                      </p:cBhvr>
+                                      <p:to>
+                                        <p:strVal val="visible"/>
+                                      </p:to>
+                                    </p:set>
+                                  </p:childTnLst>
+                                </p:cTn>
+                              </p:par>
+                            </p:childTnLst>
+                          </p:cTn>
+                        </p:par>
+                      </p:childTnLst>
+                    </p:cTn>
+                  </p:par>
+                  <p:par>
+                    <p:cTn id="11" fill="hold">
+                      <p:stCondLst>
+                        <p:cond delay="indefinite"/>
+                      </p:stCondLst>
+                      <p:childTnLst>
+                        <p:par>
+                          <p:cTn id="12" fill="hold">
+                            <p:stCondLst>
+                              <p:cond delay="0"/>
+                            </p:stCondLst>
+                            <p:childTnLst>
+                              <p:par>
+                                <p:cTn id="13" presetID="1" presetClass="entr" presetSubtype="0" fill="hold" nodeType="clickEffect">
+                                  <p:stCondLst>
+                                    <p:cond delay="0"/>
+                                  </p:stCondLst>
+                                  <p:childTnLst>
+                                    <p:set>
+                                      <p:cBhvr>
+                                        <p:cTn id="14" dur="1" fill="hold">
+                                          <p:stCondLst>
+                                            <p:cond delay="0"/>
+                                          </p:stCondLst>
+                                        </p:cTn>
+                                        <p:tgtEl>
+                                          <p:spTgt spid="10"/>
+                                        </p:tgtEl>
+                                        <p:attrNameLst>
+                                          <p:attrName>style.visibility</p:attrName>
+                                        </p:attrNameLst>
+                                      </p:cBhvr>
+                                      <p:to>
+                                        <p:strVal val="visible"/>
+                                      </p:to>
+                                    </p:set>
+                                  </p:childTnLst>
+                                </p:cTn>
+                              </p:par>
+                            </p:childTnLst>
+                          </p:cTn>
+                        </p:par>
+                      </p:childTnLst>
+                    </p:cTn>
+                  </p:par>
+                  <p:par>
+                    <p:cTn id="15" fill="hold">
+                      <p:stCondLst>
+                        <p:cond delay="indefinite"/>
+                      </p:stCondLst>
+                      <p:childTnLst>
+                        <p:par>
+                          <p:cTn id="16" fill="hold">
+                            <p:stCondLst>
+                              <p:cond delay="0"/>
+                            </p:stCondLst>
+                            <p:childTnLst>
+                              <p:par>
+                                <p:cTn id="17" presetID="3" presetClass="entr" presetSubtype="10" fill="hold" grpId="0" nodeType="clickEffect">
+                                  <p:stCondLst>
+                                    <p:cond delay="0"/>
+                                  </p:stCondLst>
+                                  <p:childTnLst>
+                                    <p:set>
+                                      <p:cBhvr>
+                                        <p:cTn id="18" dur="1" fill="hold">
+                                          <p:stCondLst>
+                                            <p:cond delay="0"/>
+                                          </p:stCondLst>
+                                        </p:cTn>
+                                        <p:tgtEl>
+                                          <p:spTgt spid="11"/>
+                                        </p:tgtEl>
+                                        <p:attrNameLst>
+                                          <p:attrName>style.visibility</p:attrName>
+                                        </p:attrNameLst>
+                                      </p:cBhvr>
+                                      <p:to>
+                                        <p:strVal val="visible"/>
+                                      </p:to>
+                                    </p:set>
+                                    <p:animEffect transition="in" filter="blinds(horizontal)">
+                                      <p:cBhvr>
+                                        <p:cTn id="19" dur="500"/>
+                                        <p:tgtEl>
+                                          <p:spTgt spid="11"/>
+                                        </p:tgtEl>
+                                      </p:cBhvr>
+                                    </p:animEffect>
+                                  </p:childTnLst>
+                                </p:cTn>
+                              </p:par>
+                            </p:childTnLst>
+                          </p:cTn>
+                        </p:par>
+                      </p:childTnLst>
+                    </p:cTn>
+                  </p:par>
+                </p:childTnLst>
+              </p:cTn>
+              <p:prevCondLst>
+                <p:cond evt="onPrev" delay="0">
+                  <p:tgtEl>
+                    <p:sldTgt/>
+                  </p:tgtEl>
+                </p:cond>
+              </p:prevCondLst>
+              <p:nextCondLst>
+                <p:cond evt="onNext" delay="0">
+                  <p:tgtEl>
+                    <p:sldTgt/>
+                  </p:tgtEl>
+                </p:cond>
+              </p:nextCondLst>
+            </p:seq>
+          </p:childTnLst>
+        </p:cTn>
+      </p:par>
+    </p:tnLst>
+    <p:bldLst>
+      <p:bldP spid="3" grpId="0" animBg="1"/>
+      <p:bldP spid="4" grpId="0" animBg="1"/>
+      <p:bldP spid="11" grpId="0"/>
+    </p:bldLst>
+  </p:timing>
+</p:sld>
+</file>
+
+<file path=ppt/slides/slide19.xml><?xml version="1.0" encoding="utf-8"?>
+<p:sld xmlns:a="http://schemas.openxmlformats.org/drawingml/2006/main" xmlns:r="http://schemas.openxmlformats.org/officeDocument/2006/relationships" xmlns:p="http://schemas.openxmlformats.org/presentationml/2006/main" show="0">
   <p:cSld>
     <p:bg>
       <p:bgPr>
@@ -9887,8 +10951,138 @@
 </p:sld>
 </file>
 
-<file path=ppt/slides/slide19.xml><?xml version="1.0" encoding="utf-8"?>
+<file path=ppt/slides/slide2.xml><?xml version="1.0" encoding="utf-8"?>
 <p:sld xmlns:a="http://schemas.openxmlformats.org/drawingml/2006/main" xmlns:r="http://schemas.openxmlformats.org/officeDocument/2006/relationships" xmlns:p="http://schemas.openxmlformats.org/presentationml/2006/main">
+  <p:cSld>
+    <p:spTree>
+      <p:nvGrpSpPr>
+        <p:cNvPr id="1" name="">
+          <a:extLst>
+            <a:ext uri="{FF2B5EF4-FFF2-40B4-BE49-F238E27FC236}">
+              <a16:creationId xmlns:a16="http://schemas.microsoft.com/office/drawing/2014/main" id="{F13E79F9-2E62-8239-0CA0-1BC333D3BC03}"/>
+            </a:ext>
+          </a:extLst>
+        </p:cNvPr>
+        <p:cNvGrpSpPr/>
+        <p:nvPr/>
+      </p:nvGrpSpPr>
+      <p:grpSpPr>
+        <a:xfrm>
+          <a:off x="0" y="0"/>
+          <a:ext cx="0" cy="0"/>
+          <a:chOff x="0" y="0"/>
+          <a:chExt cx="0" cy="0"/>
+        </a:xfrm>
+      </p:grpSpPr>
+      <p:sp>
+        <p:nvSpPr>
+          <p:cNvPr id="2" name="Title 1">
+            <a:extLst>
+              <a:ext uri="{FF2B5EF4-FFF2-40B4-BE49-F238E27FC236}">
+                <a16:creationId xmlns:a16="http://schemas.microsoft.com/office/drawing/2014/main" id="{8585DD0D-C2A0-514E-9283-CEC4A187B8C5}"/>
+              </a:ext>
+            </a:extLst>
+          </p:cNvPr>
+          <p:cNvSpPr>
+            <a:spLocks noGrp="1"/>
+          </p:cNvSpPr>
+          <p:nvPr>
+            <p:ph type="title"/>
+          </p:nvPr>
+        </p:nvSpPr>
+        <p:spPr/>
+        <p:txBody>
+          <a:bodyPr/>
+          <a:lstStyle/>
+          <a:p>
+            <a:r>
+              <a:rPr lang="en-US" dirty="0"/>
+              <a:t>A Financial Market</a:t>
+            </a:r>
+          </a:p>
+        </p:txBody>
+      </p:sp>
+      <p:sp>
+        <p:nvSpPr>
+          <p:cNvPr id="4" name="Slide Number Placeholder 3">
+            <a:extLst>
+              <a:ext uri="{FF2B5EF4-FFF2-40B4-BE49-F238E27FC236}">
+                <a16:creationId xmlns:a16="http://schemas.microsoft.com/office/drawing/2014/main" id="{F5638386-D84F-67FD-9F6E-3152820992C4}"/>
+              </a:ext>
+            </a:extLst>
+          </p:cNvPr>
+          <p:cNvSpPr>
+            <a:spLocks noGrp="1"/>
+          </p:cNvSpPr>
+          <p:nvPr>
+            <p:ph type="sldNum" sz="quarter" idx="12"/>
+          </p:nvPr>
+        </p:nvSpPr>
+        <p:spPr/>
+        <p:txBody>
+          <a:bodyPr/>
+          <a:lstStyle/>
+          <a:p>
+            <a:fld id="{F2F80786-77E6-134C-ADA2-416C85F6726C}" type="slidenum">
+              <a:rPr lang="en-US" smtClean="0"/>
+              <a:t>2</a:t>
+            </a:fld>
+            <a:endParaRPr lang="en-US"/>
+          </a:p>
+        </p:txBody>
+      </p:sp>
+      <p:pic>
+        <p:nvPicPr>
+          <p:cNvPr id="10" name="Graphic 9" descr="Downward trend graph outline">
+            <a:extLst>
+              <a:ext uri="{FF2B5EF4-FFF2-40B4-BE49-F238E27FC236}">
+                <a16:creationId xmlns:a16="http://schemas.microsoft.com/office/drawing/2014/main" id="{F7E10220-F9FD-2DA6-3F41-1CA1426561C1}"/>
+              </a:ext>
+            </a:extLst>
+          </p:cNvPr>
+          <p:cNvPicPr>
+            <a:picLocks noChangeAspect="1"/>
+          </p:cNvPicPr>
+          <p:nvPr/>
+        </p:nvPicPr>
+        <p:blipFill>
+          <a:blip r:embed="rId2">
+            <a:extLst>
+              <a:ext uri="{96DAC541-7B7A-43D3-8B79-37D633B846F1}">
+                <asvg:svgBlip xmlns:asvg="http://schemas.microsoft.com/office/drawing/2016/SVG/main" r:embed="rId3"/>
+              </a:ext>
+            </a:extLst>
+          </a:blip>
+          <a:stretch>
+            <a:fillRect/>
+          </a:stretch>
+        </p:blipFill>
+        <p:spPr>
+          <a:xfrm>
+            <a:off x="4045526" y="2050689"/>
+            <a:ext cx="2760519" cy="2760519"/>
+          </a:xfrm>
+          <a:prstGeom prst="rect">
+            <a:avLst/>
+          </a:prstGeom>
+        </p:spPr>
+      </p:pic>
+    </p:spTree>
+    <p:extLst>
+      <p:ext uri="{BB962C8B-B14F-4D97-AF65-F5344CB8AC3E}">
+        <p14:creationId xmlns:p14="http://schemas.microsoft.com/office/powerpoint/2010/main" val="4055813914"/>
+      </p:ext>
+    </p:extLst>
+  </p:cSld>
+  <p:clrMapOvr>
+    <a:masterClrMapping/>
+  </p:clrMapOvr>
+  <p:transition/>
+</p:sld>
+</file>
+
+<file path=ppt/slides/slide20.xml><?xml version="1.0" encoding="utf-8"?>
+<p:sld xmlns:a="http://schemas.openxmlformats.org/drawingml/2006/main" xmlns:r="http://schemas.openxmlformats.org/officeDocument/2006/relationships" xmlns:p="http://schemas.openxmlformats.org/presentationml/2006/main" show="0">
   <p:cSld>
     <p:bg>
       <p:bgPr>
@@ -10564,138 +11758,8 @@
 </p:sld>
 </file>
 
-<file path=ppt/slides/slide2.xml><?xml version="1.0" encoding="utf-8"?>
-<p:sld xmlns:a="http://schemas.openxmlformats.org/drawingml/2006/main" xmlns:r="http://schemas.openxmlformats.org/officeDocument/2006/relationships" xmlns:p="http://schemas.openxmlformats.org/presentationml/2006/main">
-  <p:cSld>
-    <p:spTree>
-      <p:nvGrpSpPr>
-        <p:cNvPr id="1" name="">
-          <a:extLst>
-            <a:ext uri="{FF2B5EF4-FFF2-40B4-BE49-F238E27FC236}">
-              <a16:creationId xmlns:a16="http://schemas.microsoft.com/office/drawing/2014/main" id="{F13E79F9-2E62-8239-0CA0-1BC333D3BC03}"/>
-            </a:ext>
-          </a:extLst>
-        </p:cNvPr>
-        <p:cNvGrpSpPr/>
-        <p:nvPr/>
-      </p:nvGrpSpPr>
-      <p:grpSpPr>
-        <a:xfrm>
-          <a:off x="0" y="0"/>
-          <a:ext cx="0" cy="0"/>
-          <a:chOff x="0" y="0"/>
-          <a:chExt cx="0" cy="0"/>
-        </a:xfrm>
-      </p:grpSpPr>
-      <p:sp>
-        <p:nvSpPr>
-          <p:cNvPr id="2" name="Title 1">
-            <a:extLst>
-              <a:ext uri="{FF2B5EF4-FFF2-40B4-BE49-F238E27FC236}">
-                <a16:creationId xmlns:a16="http://schemas.microsoft.com/office/drawing/2014/main" id="{8585DD0D-C2A0-514E-9283-CEC4A187B8C5}"/>
-              </a:ext>
-            </a:extLst>
-          </p:cNvPr>
-          <p:cNvSpPr>
-            <a:spLocks noGrp="1"/>
-          </p:cNvSpPr>
-          <p:nvPr>
-            <p:ph type="title"/>
-          </p:nvPr>
-        </p:nvSpPr>
-        <p:spPr/>
-        <p:txBody>
-          <a:bodyPr/>
-          <a:lstStyle/>
-          <a:p>
-            <a:r>
-              <a:rPr lang="en-US" dirty="0"/>
-              <a:t>A Financial Market</a:t>
-            </a:r>
-          </a:p>
-        </p:txBody>
-      </p:sp>
-      <p:sp>
-        <p:nvSpPr>
-          <p:cNvPr id="4" name="Slide Number Placeholder 3">
-            <a:extLst>
-              <a:ext uri="{FF2B5EF4-FFF2-40B4-BE49-F238E27FC236}">
-                <a16:creationId xmlns:a16="http://schemas.microsoft.com/office/drawing/2014/main" id="{F5638386-D84F-67FD-9F6E-3152820992C4}"/>
-              </a:ext>
-            </a:extLst>
-          </p:cNvPr>
-          <p:cNvSpPr>
-            <a:spLocks noGrp="1"/>
-          </p:cNvSpPr>
-          <p:nvPr>
-            <p:ph type="sldNum" sz="quarter" idx="12"/>
-          </p:nvPr>
-        </p:nvSpPr>
-        <p:spPr/>
-        <p:txBody>
-          <a:bodyPr/>
-          <a:lstStyle/>
-          <a:p>
-            <a:fld id="{F2F80786-77E6-134C-ADA2-416C85F6726C}" type="slidenum">
-              <a:rPr lang="en-US" smtClean="0"/>
-              <a:t>2</a:t>
-            </a:fld>
-            <a:endParaRPr lang="en-US"/>
-          </a:p>
-        </p:txBody>
-      </p:sp>
-      <p:pic>
-        <p:nvPicPr>
-          <p:cNvPr id="10" name="Graphic 9" descr="Downward trend graph outline">
-            <a:extLst>
-              <a:ext uri="{FF2B5EF4-FFF2-40B4-BE49-F238E27FC236}">
-                <a16:creationId xmlns:a16="http://schemas.microsoft.com/office/drawing/2014/main" id="{F7E10220-F9FD-2DA6-3F41-1CA1426561C1}"/>
-              </a:ext>
-            </a:extLst>
-          </p:cNvPr>
-          <p:cNvPicPr>
-            <a:picLocks noChangeAspect="1"/>
-          </p:cNvPicPr>
-          <p:nvPr/>
-        </p:nvPicPr>
-        <p:blipFill>
-          <a:blip r:embed="rId2">
-            <a:extLst>
-              <a:ext uri="{96DAC541-7B7A-43D3-8B79-37D633B846F1}">
-                <asvg:svgBlip xmlns:asvg="http://schemas.microsoft.com/office/drawing/2016/SVG/main" r:embed="rId3"/>
-              </a:ext>
-            </a:extLst>
-          </a:blip>
-          <a:stretch>
-            <a:fillRect/>
-          </a:stretch>
-        </p:blipFill>
-        <p:spPr>
-          <a:xfrm>
-            <a:off x="4045526" y="2050689"/>
-            <a:ext cx="2760519" cy="2760519"/>
-          </a:xfrm>
-          <a:prstGeom prst="rect">
-            <a:avLst/>
-          </a:prstGeom>
-        </p:spPr>
-      </p:pic>
-    </p:spTree>
-    <p:extLst>
-      <p:ext uri="{BB962C8B-B14F-4D97-AF65-F5344CB8AC3E}">
-        <p14:creationId xmlns:p14="http://schemas.microsoft.com/office/powerpoint/2010/main" val="4055813914"/>
-      </p:ext>
-    </p:extLst>
-  </p:cSld>
-  <p:clrMapOvr>
-    <a:masterClrMapping/>
-  </p:clrMapOvr>
-  <p:transition/>
-</p:sld>
-</file>
-
-<file path=ppt/slides/slide20.xml><?xml version="1.0" encoding="utf-8"?>
-<p:sld xmlns:a="http://schemas.openxmlformats.org/drawingml/2006/main" xmlns:r="http://schemas.openxmlformats.org/officeDocument/2006/relationships" xmlns:p="http://schemas.openxmlformats.org/presentationml/2006/main">
+<file path=ppt/slides/slide21.xml><?xml version="1.0" encoding="utf-8"?>
+<p:sld xmlns:a="http://schemas.openxmlformats.org/drawingml/2006/main" xmlns:r="http://schemas.openxmlformats.org/officeDocument/2006/relationships" xmlns:p="http://schemas.openxmlformats.org/presentationml/2006/main" show="0">
   <p:cSld>
     <p:bg>
       <p:bgPr>
@@ -12336,7 +13400,7 @@
 </p:sld>
 </file>
 
-<file path=ppt/slides/slide21.xml><?xml version="1.0" encoding="utf-8"?>
+<file path=ppt/slides/slide22.xml><?xml version="1.0" encoding="utf-8"?>
 <p:sld xmlns:a="http://schemas.openxmlformats.org/drawingml/2006/main" xmlns:r="http://schemas.openxmlformats.org/officeDocument/2006/relationships" xmlns:p="http://schemas.openxmlformats.org/presentationml/2006/main">
   <p:cSld>
     <p:bg>
@@ -13731,7 +14795,7 @@
 </p:sld>
 </file>
 
-<file path=ppt/slides/slide22.xml><?xml version="1.0" encoding="utf-8"?>
+<file path=ppt/slides/slide23.xml><?xml version="1.0" encoding="utf-8"?>
 <p:sld xmlns:a="http://schemas.openxmlformats.org/drawingml/2006/main" xmlns:r="http://schemas.openxmlformats.org/officeDocument/2006/relationships" xmlns:p="http://schemas.openxmlformats.org/presentationml/2006/main">
   <p:cSld>
     <p:spTree>
@@ -14360,7 +15424,7 @@
 </p:sld>
 </file>
 
-<file path=ppt/slides/slide23.xml><?xml version="1.0" encoding="utf-8"?>
+<file path=ppt/slides/slide24.xml><?xml version="1.0" encoding="utf-8"?>
 <p:sld xmlns:a="http://schemas.openxmlformats.org/drawingml/2006/main" xmlns:r="http://schemas.openxmlformats.org/officeDocument/2006/relationships" xmlns:p="http://schemas.openxmlformats.org/presentationml/2006/main">
   <p:cSld>
     <p:spTree>
@@ -14913,7 +15977,7 @@
 </p:sld>
 </file>
 
-<file path=ppt/slides/slide24.xml><?xml version="1.0" encoding="utf-8"?>
+<file path=ppt/slides/slide25.xml><?xml version="1.0" encoding="utf-8"?>
 <p:sld xmlns:a="http://schemas.openxmlformats.org/drawingml/2006/main" xmlns:r="http://schemas.openxmlformats.org/officeDocument/2006/relationships" xmlns:p="http://schemas.openxmlformats.org/presentationml/2006/main">
   <p:cSld>
     <p:spTree>
@@ -15755,7 +16819,7 @@
 </p:sld>
 </file>
 
-<file path=ppt/slides/slide25.xml><?xml version="1.0" encoding="utf-8"?>
+<file path=ppt/slides/slide26.xml><?xml version="1.0" encoding="utf-8"?>
 <p:sld xmlns:a="http://schemas.openxmlformats.org/drawingml/2006/main" xmlns:r="http://schemas.openxmlformats.org/officeDocument/2006/relationships" xmlns:p="http://schemas.openxmlformats.org/presentationml/2006/main">
   <p:cSld>
     <p:bg>
@@ -16343,7 +17407,7 @@
 </p:sld>
 </file>
 
-<file path=ppt/slides/slide26.xml><?xml version="1.0" encoding="utf-8"?>
+<file path=ppt/slides/slide27.xml><?xml version="1.0" encoding="utf-8"?>
 <p:sld xmlns:a="http://schemas.openxmlformats.org/drawingml/2006/main" xmlns:r="http://schemas.openxmlformats.org/officeDocument/2006/relationships" xmlns:p="http://schemas.openxmlformats.org/presentationml/2006/main">
   <p:cSld>
     <p:spTree>
@@ -17947,7 +19011,7 @@
 </p:sld>
 </file>
 
-<file path=ppt/slides/slide27.xml><?xml version="1.0" encoding="utf-8"?>
+<file path=ppt/slides/slide28.xml><?xml version="1.0" encoding="utf-8"?>
 <p:sld xmlns:a="http://schemas.openxmlformats.org/drawingml/2006/main" xmlns:r="http://schemas.openxmlformats.org/officeDocument/2006/relationships" xmlns:p="http://schemas.openxmlformats.org/presentationml/2006/main">
   <p:cSld>
     <p:spTree>
@@ -20454,7 +21518,7 @@
 </p:sld>
 </file>
 
-<file path=ppt/slides/slide28.xml><?xml version="1.0" encoding="utf-8"?>
+<file path=ppt/slides/slide29.xml><?xml version="1.0" encoding="utf-8"?>
 <p:sld xmlns:a="http://schemas.openxmlformats.org/drawingml/2006/main" xmlns:r="http://schemas.openxmlformats.org/officeDocument/2006/relationships" xmlns:p="http://schemas.openxmlformats.org/presentationml/2006/main">
   <p:cSld>
     <p:spTree>
@@ -23696,7 +24760,561 @@
 </p:sld>
 </file>
 
-<file path=ppt/slides/slide29.xml><?xml version="1.0" encoding="utf-8"?>
+<file path=ppt/slides/slide3.xml><?xml version="1.0" encoding="utf-8"?>
+<p:sld xmlns:a="http://schemas.openxmlformats.org/drawingml/2006/main" xmlns:r="http://schemas.openxmlformats.org/officeDocument/2006/relationships" xmlns:p="http://schemas.openxmlformats.org/presentationml/2006/main">
+  <p:cSld>
+    <p:spTree>
+      <p:nvGrpSpPr>
+        <p:cNvPr id="1" name="">
+          <a:extLst>
+            <a:ext uri="{FF2B5EF4-FFF2-40B4-BE49-F238E27FC236}">
+              <a16:creationId xmlns:a16="http://schemas.microsoft.com/office/drawing/2014/main" id="{96828DBA-EDBD-E3E0-4F1C-519C9B7D12B5}"/>
+            </a:ext>
+          </a:extLst>
+        </p:cNvPr>
+        <p:cNvGrpSpPr/>
+        <p:nvPr/>
+      </p:nvGrpSpPr>
+      <p:grpSpPr>
+        <a:xfrm>
+          <a:off x="0" y="0"/>
+          <a:ext cx="0" cy="0"/>
+          <a:chOff x="0" y="0"/>
+          <a:chExt cx="0" cy="0"/>
+        </a:xfrm>
+      </p:grpSpPr>
+      <p:sp>
+        <p:nvSpPr>
+          <p:cNvPr id="2" name="Title 1">
+            <a:extLst>
+              <a:ext uri="{FF2B5EF4-FFF2-40B4-BE49-F238E27FC236}">
+                <a16:creationId xmlns:a16="http://schemas.microsoft.com/office/drawing/2014/main" id="{740E546F-BF65-FA74-EA2D-F158A58F99F6}"/>
+              </a:ext>
+            </a:extLst>
+          </p:cNvPr>
+          <p:cNvSpPr>
+            <a:spLocks noGrp="1"/>
+          </p:cNvSpPr>
+          <p:nvPr>
+            <p:ph type="title"/>
+          </p:nvPr>
+        </p:nvSpPr>
+        <p:spPr/>
+        <p:txBody>
+          <a:bodyPr/>
+          <a:lstStyle/>
+          <a:p>
+            <a:r>
+              <a:rPr lang="en-US" dirty="0"/>
+              <a:t>A Financial Market</a:t>
+            </a:r>
+          </a:p>
+        </p:txBody>
+      </p:sp>
+      <p:sp>
+        <p:nvSpPr>
+          <p:cNvPr id="4" name="Slide Number Placeholder 3">
+            <a:extLst>
+              <a:ext uri="{FF2B5EF4-FFF2-40B4-BE49-F238E27FC236}">
+                <a16:creationId xmlns:a16="http://schemas.microsoft.com/office/drawing/2014/main" id="{6E28A623-A5D2-8F7D-A271-E1B68D630CCD}"/>
+              </a:ext>
+            </a:extLst>
+          </p:cNvPr>
+          <p:cNvSpPr>
+            <a:spLocks noGrp="1"/>
+          </p:cNvSpPr>
+          <p:nvPr>
+            <p:ph type="sldNum" sz="quarter" idx="12"/>
+          </p:nvPr>
+        </p:nvSpPr>
+        <p:spPr/>
+        <p:txBody>
+          <a:bodyPr/>
+          <a:lstStyle/>
+          <a:p>
+            <a:fld id="{F2F80786-77E6-134C-ADA2-416C85F6726C}" type="slidenum">
+              <a:rPr lang="en-US" smtClean="0"/>
+              <a:t>3</a:t>
+            </a:fld>
+            <a:endParaRPr lang="en-US"/>
+          </a:p>
+        </p:txBody>
+      </p:sp>
+      <p:pic>
+        <p:nvPicPr>
+          <p:cNvPr id="10" name="Graphic 9" descr="Downward trend graph outline">
+            <a:extLst>
+              <a:ext uri="{FF2B5EF4-FFF2-40B4-BE49-F238E27FC236}">
+                <a16:creationId xmlns:a16="http://schemas.microsoft.com/office/drawing/2014/main" id="{B557F74D-ED46-E285-F642-2CB94C47CF06}"/>
+              </a:ext>
+            </a:extLst>
+          </p:cNvPr>
+          <p:cNvPicPr>
+            <a:picLocks noChangeAspect="1"/>
+          </p:cNvPicPr>
+          <p:nvPr/>
+        </p:nvPicPr>
+        <p:blipFill>
+          <a:blip r:embed="rId2">
+            <a:extLst>
+              <a:ext uri="{96DAC541-7B7A-43D3-8B79-37D633B846F1}">
+                <asvg:svgBlip xmlns:asvg="http://schemas.microsoft.com/office/drawing/2016/SVG/main" r:embed="rId3"/>
+              </a:ext>
+            </a:extLst>
+          </a:blip>
+          <a:stretch>
+            <a:fillRect/>
+          </a:stretch>
+        </p:blipFill>
+        <p:spPr>
+          <a:xfrm>
+            <a:off x="720436" y="1801308"/>
+            <a:ext cx="1357746" cy="1357746"/>
+          </a:xfrm>
+          <a:prstGeom prst="rect">
+            <a:avLst/>
+          </a:prstGeom>
+        </p:spPr>
+      </p:pic>
+      <p:pic>
+        <p:nvPicPr>
+          <p:cNvPr id="3" name="Graphic 2" descr="Marketing outline">
+            <a:extLst>
+              <a:ext uri="{FF2B5EF4-FFF2-40B4-BE49-F238E27FC236}">
+                <a16:creationId xmlns:a16="http://schemas.microsoft.com/office/drawing/2014/main" id="{572546F5-F22C-0DE0-1D29-1EC5E0A76C99}"/>
+              </a:ext>
+            </a:extLst>
+          </p:cNvPr>
+          <p:cNvPicPr>
+            <a:picLocks noChangeAspect="1"/>
+          </p:cNvPicPr>
+          <p:nvPr/>
+        </p:nvPicPr>
+        <p:blipFill>
+          <a:blip r:embed="rId4">
+            <a:extLst>
+              <a:ext uri="{96DAC541-7B7A-43D3-8B79-37D633B846F1}">
+                <asvg:svgBlip xmlns:asvg="http://schemas.microsoft.com/office/drawing/2016/SVG/main" r:embed="rId5"/>
+              </a:ext>
+            </a:extLst>
+          </a:blip>
+          <a:stretch>
+            <a:fillRect/>
+          </a:stretch>
+        </p:blipFill>
+        <p:spPr>
+          <a:xfrm>
+            <a:off x="2272144" y="2521527"/>
+            <a:ext cx="1814946" cy="1814946"/>
+          </a:xfrm>
+          <a:prstGeom prst="rect">
+            <a:avLst/>
+          </a:prstGeom>
+        </p:spPr>
+      </p:pic>
+      <p:pic>
+        <p:nvPicPr>
+          <p:cNvPr id="5" name="Graphic 4" descr="Baby outline">
+            <a:extLst>
+              <a:ext uri="{FF2B5EF4-FFF2-40B4-BE49-F238E27FC236}">
+                <a16:creationId xmlns:a16="http://schemas.microsoft.com/office/drawing/2014/main" id="{6714079B-4348-3DE5-27D6-EBB0F747ECEB}"/>
+              </a:ext>
+            </a:extLst>
+          </p:cNvPr>
+          <p:cNvPicPr>
+            <a:picLocks noChangeAspect="1"/>
+          </p:cNvPicPr>
+          <p:nvPr/>
+        </p:nvPicPr>
+        <p:blipFill>
+          <a:blip r:embed="rId6">
+            <a:extLst>
+              <a:ext uri="{96DAC541-7B7A-43D3-8B79-37D633B846F1}">
+                <asvg:svgBlip xmlns:asvg="http://schemas.microsoft.com/office/drawing/2016/SVG/main" r:embed="rId7"/>
+              </a:ext>
+            </a:extLst>
+          </a:blip>
+          <a:stretch>
+            <a:fillRect/>
+          </a:stretch>
+        </p:blipFill>
+        <p:spPr>
+          <a:xfrm>
+            <a:off x="8993285" y="3640757"/>
+            <a:ext cx="1133962" cy="1133962"/>
+          </a:xfrm>
+          <a:prstGeom prst="rect">
+            <a:avLst/>
+          </a:prstGeom>
+        </p:spPr>
+      </p:pic>
+      <p:pic>
+        <p:nvPicPr>
+          <p:cNvPr id="6" name="Graphic 5" descr="Male profile with solid fill">
+            <a:extLst>
+              <a:ext uri="{FF2B5EF4-FFF2-40B4-BE49-F238E27FC236}">
+                <a16:creationId xmlns:a16="http://schemas.microsoft.com/office/drawing/2014/main" id="{C48F3121-D9B7-3858-F89A-0AFFB7F097D5}"/>
+              </a:ext>
+            </a:extLst>
+          </p:cNvPr>
+          <p:cNvPicPr>
+            <a:picLocks noChangeAspect="1"/>
+          </p:cNvPicPr>
+          <p:nvPr/>
+        </p:nvPicPr>
+        <p:blipFill>
+          <a:blip r:embed="rId8">
+            <a:extLst>
+              <a:ext uri="{96DAC541-7B7A-43D3-8B79-37D633B846F1}">
+                <asvg:svgBlip xmlns:asvg="http://schemas.microsoft.com/office/drawing/2016/SVG/main" r:embed="rId9"/>
+              </a:ext>
+            </a:extLst>
+          </a:blip>
+          <a:stretch>
+            <a:fillRect/>
+          </a:stretch>
+        </p:blipFill>
+        <p:spPr>
+          <a:xfrm>
+            <a:off x="8949780" y="851543"/>
+            <a:ext cx="1207583" cy="1207583"/>
+          </a:xfrm>
+          <a:prstGeom prst="rect">
+            <a:avLst/>
+          </a:prstGeom>
+        </p:spPr>
+      </p:pic>
+      <p:pic>
+        <p:nvPicPr>
+          <p:cNvPr id="7" name="Graphic 6" descr="Office worker female with solid fill">
+            <a:extLst>
+              <a:ext uri="{FF2B5EF4-FFF2-40B4-BE49-F238E27FC236}">
+                <a16:creationId xmlns:a16="http://schemas.microsoft.com/office/drawing/2014/main" id="{0C78D743-0D63-5BC5-3661-FD4F74E79AB0}"/>
+              </a:ext>
+            </a:extLst>
+          </p:cNvPr>
+          <p:cNvPicPr>
+            <a:picLocks noChangeAspect="1"/>
+          </p:cNvPicPr>
+          <p:nvPr/>
+        </p:nvPicPr>
+        <p:blipFill>
+          <a:blip r:embed="rId10">
+            <a:extLst>
+              <a:ext uri="{96DAC541-7B7A-43D3-8B79-37D633B846F1}">
+                <asvg:svgBlip xmlns:asvg="http://schemas.microsoft.com/office/drawing/2016/SVG/main" r:embed="rId11"/>
+              </a:ext>
+            </a:extLst>
+          </a:blip>
+          <a:stretch>
+            <a:fillRect/>
+          </a:stretch>
+        </p:blipFill>
+        <p:spPr>
+          <a:xfrm>
+            <a:off x="8914951" y="2073198"/>
+            <a:ext cx="1325562" cy="1325562"/>
+          </a:xfrm>
+          <a:prstGeom prst="rect">
+            <a:avLst/>
+          </a:prstGeom>
+        </p:spPr>
+      </p:pic>
+      <p:pic>
+        <p:nvPicPr>
+          <p:cNvPr id="8" name="Graphic 7" descr="Head with gears with solid fill">
+            <a:extLst>
+              <a:ext uri="{FF2B5EF4-FFF2-40B4-BE49-F238E27FC236}">
+                <a16:creationId xmlns:a16="http://schemas.microsoft.com/office/drawing/2014/main" id="{59C193E1-7AB9-AAB1-C73C-44489D093F02}"/>
+              </a:ext>
+            </a:extLst>
+          </p:cNvPr>
+          <p:cNvPicPr>
+            <a:picLocks noChangeAspect="1"/>
+          </p:cNvPicPr>
+          <p:nvPr/>
+        </p:nvPicPr>
+        <p:blipFill>
+          <a:blip r:embed="rId12">
+            <a:extLst>
+              <a:ext uri="{96DAC541-7B7A-43D3-8B79-37D633B846F1}">
+                <asvg:svgBlip xmlns:asvg="http://schemas.microsoft.com/office/drawing/2016/SVG/main" r:embed="rId13"/>
+              </a:ext>
+            </a:extLst>
+          </a:blip>
+          <a:stretch>
+            <a:fillRect/>
+          </a:stretch>
+        </p:blipFill>
+        <p:spPr>
+          <a:xfrm>
+            <a:off x="9071915" y="5016716"/>
+            <a:ext cx="1133962" cy="1133962"/>
+          </a:xfrm>
+          <a:prstGeom prst="rect">
+            <a:avLst/>
+          </a:prstGeom>
+        </p:spPr>
+      </p:pic>
+    </p:spTree>
+    <p:extLst>
+      <p:ext uri="{BB962C8B-B14F-4D97-AF65-F5344CB8AC3E}">
+        <p14:creationId xmlns:p14="http://schemas.microsoft.com/office/powerpoint/2010/main" val="2511417744"/>
+      </p:ext>
+    </p:extLst>
+  </p:cSld>
+  <p:clrMapOvr>
+    <a:masterClrMapping/>
+  </p:clrMapOvr>
+  <mc:AlternateContent xmlns:mc="http://schemas.openxmlformats.org/markup-compatibility/2006">
+    <mc:Choice xmlns:p159="http://schemas.microsoft.com/office/powerpoint/2015/09/main" Requires="p159">
+      <p:transition>
+        <p159:morph option="byObject"/>
+      </p:transition>
+    </mc:Choice>
+    <mc:Fallback>
+      <p:transition>
+        <p:fade/>
+      </p:transition>
+    </mc:Fallback>
+  </mc:AlternateContent>
+  <p:timing>
+    <p:tnLst>
+      <p:par>
+        <p:cTn id="1" dur="indefinite" restart="never" nodeType="tmRoot">
+          <p:childTnLst>
+            <p:seq concurrent="1" nextAc="seek">
+              <p:cTn id="2" dur="indefinite" nodeType="mainSeq">
+                <p:childTnLst>
+                  <p:par>
+                    <p:cTn id="3" fill="hold">
+                      <p:stCondLst>
+                        <p:cond delay="indefinite"/>
+                      </p:stCondLst>
+                      <p:childTnLst>
+                        <p:par>
+                          <p:cTn id="4" fill="hold">
+                            <p:stCondLst>
+                              <p:cond delay="0"/>
+                            </p:stCondLst>
+                            <p:childTnLst>
+                              <p:par>
+                                <p:cTn id="5" presetID="1" presetClass="entr" presetSubtype="0" fill="hold" nodeType="clickEffect">
+                                  <p:stCondLst>
+                                    <p:cond delay="0"/>
+                                  </p:stCondLst>
+                                  <p:childTnLst>
+                                    <p:set>
+                                      <p:cBhvr>
+                                        <p:cTn id="6" dur="1" fill="hold">
+                                          <p:stCondLst>
+                                            <p:cond delay="0"/>
+                                          </p:stCondLst>
+                                        </p:cTn>
+                                        <p:tgtEl>
+                                          <p:spTgt spid="3"/>
+                                        </p:tgtEl>
+                                        <p:attrNameLst>
+                                          <p:attrName>style.visibility</p:attrName>
+                                        </p:attrNameLst>
+                                      </p:cBhvr>
+                                      <p:to>
+                                        <p:strVal val="visible"/>
+                                      </p:to>
+                                    </p:set>
+                                  </p:childTnLst>
+                                </p:cTn>
+                              </p:par>
+                            </p:childTnLst>
+                          </p:cTn>
+                        </p:par>
+                      </p:childTnLst>
+                    </p:cTn>
+                  </p:par>
+                  <p:par>
+                    <p:cTn id="7" fill="hold">
+                      <p:stCondLst>
+                        <p:cond delay="indefinite"/>
+                      </p:stCondLst>
+                      <p:childTnLst>
+                        <p:par>
+                          <p:cTn id="8" fill="hold">
+                            <p:stCondLst>
+                              <p:cond delay="0"/>
+                            </p:stCondLst>
+                            <p:childTnLst>
+                              <p:par>
+                                <p:cTn id="9" presetID="3" presetClass="entr" presetSubtype="10" fill="hold" nodeType="clickEffect">
+                                  <p:stCondLst>
+                                    <p:cond delay="0"/>
+                                  </p:stCondLst>
+                                  <p:childTnLst>
+                                    <p:set>
+                                      <p:cBhvr>
+                                        <p:cTn id="10" dur="1" fill="hold">
+                                          <p:stCondLst>
+                                            <p:cond delay="0"/>
+                                          </p:stCondLst>
+                                        </p:cTn>
+                                        <p:tgtEl>
+                                          <p:spTgt spid="6"/>
+                                        </p:tgtEl>
+                                        <p:attrNameLst>
+                                          <p:attrName>style.visibility</p:attrName>
+                                        </p:attrNameLst>
+                                      </p:cBhvr>
+                                      <p:to>
+                                        <p:strVal val="visible"/>
+                                      </p:to>
+                                    </p:set>
+                                    <p:animEffect transition="in" filter="blinds(horizontal)">
+                                      <p:cBhvr>
+                                        <p:cTn id="11" dur="500"/>
+                                        <p:tgtEl>
+                                          <p:spTgt spid="6"/>
+                                        </p:tgtEl>
+                                      </p:cBhvr>
+                                    </p:animEffect>
+                                  </p:childTnLst>
+                                </p:cTn>
+                              </p:par>
+                              <p:par>
+                                <p:cTn id="12" presetID="3" presetClass="entr" presetSubtype="10" fill="hold" nodeType="withEffect">
+                                  <p:stCondLst>
+                                    <p:cond delay="0"/>
+                                  </p:stCondLst>
+                                  <p:childTnLst>
+                                    <p:set>
+                                      <p:cBhvr>
+                                        <p:cTn id="13" dur="1" fill="hold">
+                                          <p:stCondLst>
+                                            <p:cond delay="0"/>
+                                          </p:stCondLst>
+                                        </p:cTn>
+                                        <p:tgtEl>
+                                          <p:spTgt spid="7"/>
+                                        </p:tgtEl>
+                                        <p:attrNameLst>
+                                          <p:attrName>style.visibility</p:attrName>
+                                        </p:attrNameLst>
+                                      </p:cBhvr>
+                                      <p:to>
+                                        <p:strVal val="visible"/>
+                                      </p:to>
+                                    </p:set>
+                                    <p:animEffect transition="in" filter="blinds(horizontal)">
+                                      <p:cBhvr>
+                                        <p:cTn id="14" dur="500"/>
+                                        <p:tgtEl>
+                                          <p:spTgt spid="7"/>
+                                        </p:tgtEl>
+                                      </p:cBhvr>
+                                    </p:animEffect>
+                                  </p:childTnLst>
+                                </p:cTn>
+                              </p:par>
+                              <p:par>
+                                <p:cTn id="15" presetID="3" presetClass="entr" presetSubtype="10" fill="hold" nodeType="withEffect">
+                                  <p:stCondLst>
+                                    <p:cond delay="0"/>
+                                  </p:stCondLst>
+                                  <p:childTnLst>
+                                    <p:set>
+                                      <p:cBhvr>
+                                        <p:cTn id="16" dur="1" fill="hold">
+                                          <p:stCondLst>
+                                            <p:cond delay="0"/>
+                                          </p:stCondLst>
+                                        </p:cTn>
+                                        <p:tgtEl>
+                                          <p:spTgt spid="5"/>
+                                        </p:tgtEl>
+                                        <p:attrNameLst>
+                                          <p:attrName>style.visibility</p:attrName>
+                                        </p:attrNameLst>
+                                      </p:cBhvr>
+                                      <p:to>
+                                        <p:strVal val="visible"/>
+                                      </p:to>
+                                    </p:set>
+                                    <p:animEffect transition="in" filter="blinds(horizontal)">
+                                      <p:cBhvr>
+                                        <p:cTn id="17" dur="500"/>
+                                        <p:tgtEl>
+                                          <p:spTgt spid="5"/>
+                                        </p:tgtEl>
+                                      </p:cBhvr>
+                                    </p:animEffect>
+                                  </p:childTnLst>
+                                </p:cTn>
+                              </p:par>
+                              <p:par>
+                                <p:cTn id="18" presetID="3" presetClass="entr" presetSubtype="10" fill="hold" nodeType="withEffect">
+                                  <p:stCondLst>
+                                    <p:cond delay="0"/>
+                                  </p:stCondLst>
+                                  <p:childTnLst>
+                                    <p:set>
+                                      <p:cBhvr>
+                                        <p:cTn id="19" dur="1" fill="hold">
+                                          <p:stCondLst>
+                                            <p:cond delay="0"/>
+                                          </p:stCondLst>
+                                        </p:cTn>
+                                        <p:tgtEl>
+                                          <p:spTgt spid="8"/>
+                                        </p:tgtEl>
+                                        <p:attrNameLst>
+                                          <p:attrName>style.visibility</p:attrName>
+                                        </p:attrNameLst>
+                                      </p:cBhvr>
+                                      <p:to>
+                                        <p:strVal val="visible"/>
+                                      </p:to>
+                                    </p:set>
+                                    <p:animEffect transition="in" filter="blinds(horizontal)">
+                                      <p:cBhvr>
+                                        <p:cTn id="20" dur="500"/>
+                                        <p:tgtEl>
+                                          <p:spTgt spid="8"/>
+                                        </p:tgtEl>
+                                      </p:cBhvr>
+                                    </p:animEffect>
+                                  </p:childTnLst>
+                                </p:cTn>
+                              </p:par>
+                            </p:childTnLst>
+                          </p:cTn>
+                        </p:par>
+                      </p:childTnLst>
+                    </p:cTn>
+                  </p:par>
+                </p:childTnLst>
+              </p:cTn>
+              <p:prevCondLst>
+                <p:cond evt="onPrev" delay="0">
+                  <p:tgtEl>
+                    <p:sldTgt/>
+                  </p:tgtEl>
+                </p:cond>
+              </p:prevCondLst>
+              <p:nextCondLst>
+                <p:cond evt="onNext" delay="0">
+                  <p:tgtEl>
+                    <p:sldTgt/>
+                  </p:tgtEl>
+                </p:cond>
+              </p:nextCondLst>
+            </p:seq>
+          </p:childTnLst>
+        </p:cTn>
+      </p:par>
+    </p:tnLst>
+  </p:timing>
+</p:sld>
+</file>
+
+<file path=ppt/slides/slide30.xml><?xml version="1.0" encoding="utf-8"?>
 <p:sld xmlns:a="http://schemas.openxmlformats.org/drawingml/2006/main" xmlns:r="http://schemas.openxmlformats.org/officeDocument/2006/relationships" xmlns:p="http://schemas.openxmlformats.org/presentationml/2006/main" show="0">
   <p:cSld>
     <p:spTree>
@@ -24529,561 +26147,7 @@
 </p:sld>
 </file>
 
-<file path=ppt/slides/slide3.xml><?xml version="1.0" encoding="utf-8"?>
-<p:sld xmlns:a="http://schemas.openxmlformats.org/drawingml/2006/main" xmlns:r="http://schemas.openxmlformats.org/officeDocument/2006/relationships" xmlns:p="http://schemas.openxmlformats.org/presentationml/2006/main">
-  <p:cSld>
-    <p:spTree>
-      <p:nvGrpSpPr>
-        <p:cNvPr id="1" name="">
-          <a:extLst>
-            <a:ext uri="{FF2B5EF4-FFF2-40B4-BE49-F238E27FC236}">
-              <a16:creationId xmlns:a16="http://schemas.microsoft.com/office/drawing/2014/main" id="{96828DBA-EDBD-E3E0-4F1C-519C9B7D12B5}"/>
-            </a:ext>
-          </a:extLst>
-        </p:cNvPr>
-        <p:cNvGrpSpPr/>
-        <p:nvPr/>
-      </p:nvGrpSpPr>
-      <p:grpSpPr>
-        <a:xfrm>
-          <a:off x="0" y="0"/>
-          <a:ext cx="0" cy="0"/>
-          <a:chOff x="0" y="0"/>
-          <a:chExt cx="0" cy="0"/>
-        </a:xfrm>
-      </p:grpSpPr>
-      <p:sp>
-        <p:nvSpPr>
-          <p:cNvPr id="2" name="Title 1">
-            <a:extLst>
-              <a:ext uri="{FF2B5EF4-FFF2-40B4-BE49-F238E27FC236}">
-                <a16:creationId xmlns:a16="http://schemas.microsoft.com/office/drawing/2014/main" id="{740E546F-BF65-FA74-EA2D-F158A58F99F6}"/>
-              </a:ext>
-            </a:extLst>
-          </p:cNvPr>
-          <p:cNvSpPr>
-            <a:spLocks noGrp="1"/>
-          </p:cNvSpPr>
-          <p:nvPr>
-            <p:ph type="title"/>
-          </p:nvPr>
-        </p:nvSpPr>
-        <p:spPr/>
-        <p:txBody>
-          <a:bodyPr/>
-          <a:lstStyle/>
-          <a:p>
-            <a:r>
-              <a:rPr lang="en-US" dirty="0"/>
-              <a:t>A Financial Market</a:t>
-            </a:r>
-          </a:p>
-        </p:txBody>
-      </p:sp>
-      <p:sp>
-        <p:nvSpPr>
-          <p:cNvPr id="4" name="Slide Number Placeholder 3">
-            <a:extLst>
-              <a:ext uri="{FF2B5EF4-FFF2-40B4-BE49-F238E27FC236}">
-                <a16:creationId xmlns:a16="http://schemas.microsoft.com/office/drawing/2014/main" id="{6E28A623-A5D2-8F7D-A271-E1B68D630CCD}"/>
-              </a:ext>
-            </a:extLst>
-          </p:cNvPr>
-          <p:cNvSpPr>
-            <a:spLocks noGrp="1"/>
-          </p:cNvSpPr>
-          <p:nvPr>
-            <p:ph type="sldNum" sz="quarter" idx="12"/>
-          </p:nvPr>
-        </p:nvSpPr>
-        <p:spPr/>
-        <p:txBody>
-          <a:bodyPr/>
-          <a:lstStyle/>
-          <a:p>
-            <a:fld id="{F2F80786-77E6-134C-ADA2-416C85F6726C}" type="slidenum">
-              <a:rPr lang="en-US" smtClean="0"/>
-              <a:t>3</a:t>
-            </a:fld>
-            <a:endParaRPr lang="en-US"/>
-          </a:p>
-        </p:txBody>
-      </p:sp>
-      <p:pic>
-        <p:nvPicPr>
-          <p:cNvPr id="10" name="Graphic 9" descr="Downward trend graph outline">
-            <a:extLst>
-              <a:ext uri="{FF2B5EF4-FFF2-40B4-BE49-F238E27FC236}">
-                <a16:creationId xmlns:a16="http://schemas.microsoft.com/office/drawing/2014/main" id="{B557F74D-ED46-E285-F642-2CB94C47CF06}"/>
-              </a:ext>
-            </a:extLst>
-          </p:cNvPr>
-          <p:cNvPicPr>
-            <a:picLocks noChangeAspect="1"/>
-          </p:cNvPicPr>
-          <p:nvPr/>
-        </p:nvPicPr>
-        <p:blipFill>
-          <a:blip r:embed="rId2">
-            <a:extLst>
-              <a:ext uri="{96DAC541-7B7A-43D3-8B79-37D633B846F1}">
-                <asvg:svgBlip xmlns:asvg="http://schemas.microsoft.com/office/drawing/2016/SVG/main" r:embed="rId3"/>
-              </a:ext>
-            </a:extLst>
-          </a:blip>
-          <a:stretch>
-            <a:fillRect/>
-          </a:stretch>
-        </p:blipFill>
-        <p:spPr>
-          <a:xfrm>
-            <a:off x="720436" y="1801308"/>
-            <a:ext cx="1357746" cy="1357746"/>
-          </a:xfrm>
-          <a:prstGeom prst="rect">
-            <a:avLst/>
-          </a:prstGeom>
-        </p:spPr>
-      </p:pic>
-      <p:pic>
-        <p:nvPicPr>
-          <p:cNvPr id="3" name="Graphic 2" descr="Marketing outline">
-            <a:extLst>
-              <a:ext uri="{FF2B5EF4-FFF2-40B4-BE49-F238E27FC236}">
-                <a16:creationId xmlns:a16="http://schemas.microsoft.com/office/drawing/2014/main" id="{572546F5-F22C-0DE0-1D29-1EC5E0A76C99}"/>
-              </a:ext>
-            </a:extLst>
-          </p:cNvPr>
-          <p:cNvPicPr>
-            <a:picLocks noChangeAspect="1"/>
-          </p:cNvPicPr>
-          <p:nvPr/>
-        </p:nvPicPr>
-        <p:blipFill>
-          <a:blip r:embed="rId4">
-            <a:extLst>
-              <a:ext uri="{96DAC541-7B7A-43D3-8B79-37D633B846F1}">
-                <asvg:svgBlip xmlns:asvg="http://schemas.microsoft.com/office/drawing/2016/SVG/main" r:embed="rId5"/>
-              </a:ext>
-            </a:extLst>
-          </a:blip>
-          <a:stretch>
-            <a:fillRect/>
-          </a:stretch>
-        </p:blipFill>
-        <p:spPr>
-          <a:xfrm>
-            <a:off x="2272144" y="2521527"/>
-            <a:ext cx="1814946" cy="1814946"/>
-          </a:xfrm>
-          <a:prstGeom prst="rect">
-            <a:avLst/>
-          </a:prstGeom>
-        </p:spPr>
-      </p:pic>
-      <p:pic>
-        <p:nvPicPr>
-          <p:cNvPr id="5" name="Graphic 4" descr="Baby outline">
-            <a:extLst>
-              <a:ext uri="{FF2B5EF4-FFF2-40B4-BE49-F238E27FC236}">
-                <a16:creationId xmlns:a16="http://schemas.microsoft.com/office/drawing/2014/main" id="{6714079B-4348-3DE5-27D6-EBB0F747ECEB}"/>
-              </a:ext>
-            </a:extLst>
-          </p:cNvPr>
-          <p:cNvPicPr>
-            <a:picLocks noChangeAspect="1"/>
-          </p:cNvPicPr>
-          <p:nvPr/>
-        </p:nvPicPr>
-        <p:blipFill>
-          <a:blip r:embed="rId6">
-            <a:extLst>
-              <a:ext uri="{96DAC541-7B7A-43D3-8B79-37D633B846F1}">
-                <asvg:svgBlip xmlns:asvg="http://schemas.microsoft.com/office/drawing/2016/SVG/main" r:embed="rId7"/>
-              </a:ext>
-            </a:extLst>
-          </a:blip>
-          <a:stretch>
-            <a:fillRect/>
-          </a:stretch>
-        </p:blipFill>
-        <p:spPr>
-          <a:xfrm>
-            <a:off x="8993285" y="3640757"/>
-            <a:ext cx="1133962" cy="1133962"/>
-          </a:xfrm>
-          <a:prstGeom prst="rect">
-            <a:avLst/>
-          </a:prstGeom>
-        </p:spPr>
-      </p:pic>
-      <p:pic>
-        <p:nvPicPr>
-          <p:cNvPr id="6" name="Graphic 5" descr="Male profile with solid fill">
-            <a:extLst>
-              <a:ext uri="{FF2B5EF4-FFF2-40B4-BE49-F238E27FC236}">
-                <a16:creationId xmlns:a16="http://schemas.microsoft.com/office/drawing/2014/main" id="{C48F3121-D9B7-3858-F89A-0AFFB7F097D5}"/>
-              </a:ext>
-            </a:extLst>
-          </p:cNvPr>
-          <p:cNvPicPr>
-            <a:picLocks noChangeAspect="1"/>
-          </p:cNvPicPr>
-          <p:nvPr/>
-        </p:nvPicPr>
-        <p:blipFill>
-          <a:blip r:embed="rId8">
-            <a:extLst>
-              <a:ext uri="{96DAC541-7B7A-43D3-8B79-37D633B846F1}">
-                <asvg:svgBlip xmlns:asvg="http://schemas.microsoft.com/office/drawing/2016/SVG/main" r:embed="rId9"/>
-              </a:ext>
-            </a:extLst>
-          </a:blip>
-          <a:stretch>
-            <a:fillRect/>
-          </a:stretch>
-        </p:blipFill>
-        <p:spPr>
-          <a:xfrm>
-            <a:off x="8949780" y="851543"/>
-            <a:ext cx="1207583" cy="1207583"/>
-          </a:xfrm>
-          <a:prstGeom prst="rect">
-            <a:avLst/>
-          </a:prstGeom>
-        </p:spPr>
-      </p:pic>
-      <p:pic>
-        <p:nvPicPr>
-          <p:cNvPr id="7" name="Graphic 6" descr="Office worker female with solid fill">
-            <a:extLst>
-              <a:ext uri="{FF2B5EF4-FFF2-40B4-BE49-F238E27FC236}">
-                <a16:creationId xmlns:a16="http://schemas.microsoft.com/office/drawing/2014/main" id="{0C78D743-0D63-5BC5-3661-FD4F74E79AB0}"/>
-              </a:ext>
-            </a:extLst>
-          </p:cNvPr>
-          <p:cNvPicPr>
-            <a:picLocks noChangeAspect="1"/>
-          </p:cNvPicPr>
-          <p:nvPr/>
-        </p:nvPicPr>
-        <p:blipFill>
-          <a:blip r:embed="rId10">
-            <a:extLst>
-              <a:ext uri="{96DAC541-7B7A-43D3-8B79-37D633B846F1}">
-                <asvg:svgBlip xmlns:asvg="http://schemas.microsoft.com/office/drawing/2016/SVG/main" r:embed="rId11"/>
-              </a:ext>
-            </a:extLst>
-          </a:blip>
-          <a:stretch>
-            <a:fillRect/>
-          </a:stretch>
-        </p:blipFill>
-        <p:spPr>
-          <a:xfrm>
-            <a:off x="8914951" y="2073198"/>
-            <a:ext cx="1325562" cy="1325562"/>
-          </a:xfrm>
-          <a:prstGeom prst="rect">
-            <a:avLst/>
-          </a:prstGeom>
-        </p:spPr>
-      </p:pic>
-      <p:pic>
-        <p:nvPicPr>
-          <p:cNvPr id="8" name="Graphic 7" descr="Head with gears with solid fill">
-            <a:extLst>
-              <a:ext uri="{FF2B5EF4-FFF2-40B4-BE49-F238E27FC236}">
-                <a16:creationId xmlns:a16="http://schemas.microsoft.com/office/drawing/2014/main" id="{59C193E1-7AB9-AAB1-C73C-44489D093F02}"/>
-              </a:ext>
-            </a:extLst>
-          </p:cNvPr>
-          <p:cNvPicPr>
-            <a:picLocks noChangeAspect="1"/>
-          </p:cNvPicPr>
-          <p:nvPr/>
-        </p:nvPicPr>
-        <p:blipFill>
-          <a:blip r:embed="rId12">
-            <a:extLst>
-              <a:ext uri="{96DAC541-7B7A-43D3-8B79-37D633B846F1}">
-                <asvg:svgBlip xmlns:asvg="http://schemas.microsoft.com/office/drawing/2016/SVG/main" r:embed="rId13"/>
-              </a:ext>
-            </a:extLst>
-          </a:blip>
-          <a:stretch>
-            <a:fillRect/>
-          </a:stretch>
-        </p:blipFill>
-        <p:spPr>
-          <a:xfrm>
-            <a:off x="9071915" y="5016716"/>
-            <a:ext cx="1133962" cy="1133962"/>
-          </a:xfrm>
-          <a:prstGeom prst="rect">
-            <a:avLst/>
-          </a:prstGeom>
-        </p:spPr>
-      </p:pic>
-    </p:spTree>
-    <p:extLst>
-      <p:ext uri="{BB962C8B-B14F-4D97-AF65-F5344CB8AC3E}">
-        <p14:creationId xmlns:p14="http://schemas.microsoft.com/office/powerpoint/2010/main" val="2511417744"/>
-      </p:ext>
-    </p:extLst>
-  </p:cSld>
-  <p:clrMapOvr>
-    <a:masterClrMapping/>
-  </p:clrMapOvr>
-  <mc:AlternateContent xmlns:mc="http://schemas.openxmlformats.org/markup-compatibility/2006">
-    <mc:Choice xmlns:p159="http://schemas.microsoft.com/office/powerpoint/2015/09/main" Requires="p159">
-      <p:transition>
-        <p159:morph option="byObject"/>
-      </p:transition>
-    </mc:Choice>
-    <mc:Fallback>
-      <p:transition>
-        <p:fade/>
-      </p:transition>
-    </mc:Fallback>
-  </mc:AlternateContent>
-  <p:timing>
-    <p:tnLst>
-      <p:par>
-        <p:cTn id="1" dur="indefinite" restart="never" nodeType="tmRoot">
-          <p:childTnLst>
-            <p:seq concurrent="1" nextAc="seek">
-              <p:cTn id="2" dur="indefinite" nodeType="mainSeq">
-                <p:childTnLst>
-                  <p:par>
-                    <p:cTn id="3" fill="hold">
-                      <p:stCondLst>
-                        <p:cond delay="indefinite"/>
-                      </p:stCondLst>
-                      <p:childTnLst>
-                        <p:par>
-                          <p:cTn id="4" fill="hold">
-                            <p:stCondLst>
-                              <p:cond delay="0"/>
-                            </p:stCondLst>
-                            <p:childTnLst>
-                              <p:par>
-                                <p:cTn id="5" presetID="1" presetClass="entr" presetSubtype="0" fill="hold" nodeType="clickEffect">
-                                  <p:stCondLst>
-                                    <p:cond delay="0"/>
-                                  </p:stCondLst>
-                                  <p:childTnLst>
-                                    <p:set>
-                                      <p:cBhvr>
-                                        <p:cTn id="6" dur="1" fill="hold">
-                                          <p:stCondLst>
-                                            <p:cond delay="0"/>
-                                          </p:stCondLst>
-                                        </p:cTn>
-                                        <p:tgtEl>
-                                          <p:spTgt spid="3"/>
-                                        </p:tgtEl>
-                                        <p:attrNameLst>
-                                          <p:attrName>style.visibility</p:attrName>
-                                        </p:attrNameLst>
-                                      </p:cBhvr>
-                                      <p:to>
-                                        <p:strVal val="visible"/>
-                                      </p:to>
-                                    </p:set>
-                                  </p:childTnLst>
-                                </p:cTn>
-                              </p:par>
-                            </p:childTnLst>
-                          </p:cTn>
-                        </p:par>
-                      </p:childTnLst>
-                    </p:cTn>
-                  </p:par>
-                  <p:par>
-                    <p:cTn id="7" fill="hold">
-                      <p:stCondLst>
-                        <p:cond delay="indefinite"/>
-                      </p:stCondLst>
-                      <p:childTnLst>
-                        <p:par>
-                          <p:cTn id="8" fill="hold">
-                            <p:stCondLst>
-                              <p:cond delay="0"/>
-                            </p:stCondLst>
-                            <p:childTnLst>
-                              <p:par>
-                                <p:cTn id="9" presetID="3" presetClass="entr" presetSubtype="10" fill="hold" nodeType="clickEffect">
-                                  <p:stCondLst>
-                                    <p:cond delay="0"/>
-                                  </p:stCondLst>
-                                  <p:childTnLst>
-                                    <p:set>
-                                      <p:cBhvr>
-                                        <p:cTn id="10" dur="1" fill="hold">
-                                          <p:stCondLst>
-                                            <p:cond delay="0"/>
-                                          </p:stCondLst>
-                                        </p:cTn>
-                                        <p:tgtEl>
-                                          <p:spTgt spid="6"/>
-                                        </p:tgtEl>
-                                        <p:attrNameLst>
-                                          <p:attrName>style.visibility</p:attrName>
-                                        </p:attrNameLst>
-                                      </p:cBhvr>
-                                      <p:to>
-                                        <p:strVal val="visible"/>
-                                      </p:to>
-                                    </p:set>
-                                    <p:animEffect transition="in" filter="blinds(horizontal)">
-                                      <p:cBhvr>
-                                        <p:cTn id="11" dur="500"/>
-                                        <p:tgtEl>
-                                          <p:spTgt spid="6"/>
-                                        </p:tgtEl>
-                                      </p:cBhvr>
-                                    </p:animEffect>
-                                  </p:childTnLst>
-                                </p:cTn>
-                              </p:par>
-                              <p:par>
-                                <p:cTn id="12" presetID="3" presetClass="entr" presetSubtype="10" fill="hold" nodeType="withEffect">
-                                  <p:stCondLst>
-                                    <p:cond delay="0"/>
-                                  </p:stCondLst>
-                                  <p:childTnLst>
-                                    <p:set>
-                                      <p:cBhvr>
-                                        <p:cTn id="13" dur="1" fill="hold">
-                                          <p:stCondLst>
-                                            <p:cond delay="0"/>
-                                          </p:stCondLst>
-                                        </p:cTn>
-                                        <p:tgtEl>
-                                          <p:spTgt spid="7"/>
-                                        </p:tgtEl>
-                                        <p:attrNameLst>
-                                          <p:attrName>style.visibility</p:attrName>
-                                        </p:attrNameLst>
-                                      </p:cBhvr>
-                                      <p:to>
-                                        <p:strVal val="visible"/>
-                                      </p:to>
-                                    </p:set>
-                                    <p:animEffect transition="in" filter="blinds(horizontal)">
-                                      <p:cBhvr>
-                                        <p:cTn id="14" dur="500"/>
-                                        <p:tgtEl>
-                                          <p:spTgt spid="7"/>
-                                        </p:tgtEl>
-                                      </p:cBhvr>
-                                    </p:animEffect>
-                                  </p:childTnLst>
-                                </p:cTn>
-                              </p:par>
-                              <p:par>
-                                <p:cTn id="15" presetID="3" presetClass="entr" presetSubtype="10" fill="hold" nodeType="withEffect">
-                                  <p:stCondLst>
-                                    <p:cond delay="0"/>
-                                  </p:stCondLst>
-                                  <p:childTnLst>
-                                    <p:set>
-                                      <p:cBhvr>
-                                        <p:cTn id="16" dur="1" fill="hold">
-                                          <p:stCondLst>
-                                            <p:cond delay="0"/>
-                                          </p:stCondLst>
-                                        </p:cTn>
-                                        <p:tgtEl>
-                                          <p:spTgt spid="5"/>
-                                        </p:tgtEl>
-                                        <p:attrNameLst>
-                                          <p:attrName>style.visibility</p:attrName>
-                                        </p:attrNameLst>
-                                      </p:cBhvr>
-                                      <p:to>
-                                        <p:strVal val="visible"/>
-                                      </p:to>
-                                    </p:set>
-                                    <p:animEffect transition="in" filter="blinds(horizontal)">
-                                      <p:cBhvr>
-                                        <p:cTn id="17" dur="500"/>
-                                        <p:tgtEl>
-                                          <p:spTgt spid="5"/>
-                                        </p:tgtEl>
-                                      </p:cBhvr>
-                                    </p:animEffect>
-                                  </p:childTnLst>
-                                </p:cTn>
-                              </p:par>
-                              <p:par>
-                                <p:cTn id="18" presetID="3" presetClass="entr" presetSubtype="10" fill="hold" nodeType="withEffect">
-                                  <p:stCondLst>
-                                    <p:cond delay="0"/>
-                                  </p:stCondLst>
-                                  <p:childTnLst>
-                                    <p:set>
-                                      <p:cBhvr>
-                                        <p:cTn id="19" dur="1" fill="hold">
-                                          <p:stCondLst>
-                                            <p:cond delay="0"/>
-                                          </p:stCondLst>
-                                        </p:cTn>
-                                        <p:tgtEl>
-                                          <p:spTgt spid="8"/>
-                                        </p:tgtEl>
-                                        <p:attrNameLst>
-                                          <p:attrName>style.visibility</p:attrName>
-                                        </p:attrNameLst>
-                                      </p:cBhvr>
-                                      <p:to>
-                                        <p:strVal val="visible"/>
-                                      </p:to>
-                                    </p:set>
-                                    <p:animEffect transition="in" filter="blinds(horizontal)">
-                                      <p:cBhvr>
-                                        <p:cTn id="20" dur="500"/>
-                                        <p:tgtEl>
-                                          <p:spTgt spid="8"/>
-                                        </p:tgtEl>
-                                      </p:cBhvr>
-                                    </p:animEffect>
-                                  </p:childTnLst>
-                                </p:cTn>
-                              </p:par>
-                            </p:childTnLst>
-                          </p:cTn>
-                        </p:par>
-                      </p:childTnLst>
-                    </p:cTn>
-                  </p:par>
-                </p:childTnLst>
-              </p:cTn>
-              <p:prevCondLst>
-                <p:cond evt="onPrev" delay="0">
-                  <p:tgtEl>
-                    <p:sldTgt/>
-                  </p:tgtEl>
-                </p:cond>
-              </p:prevCondLst>
-              <p:nextCondLst>
-                <p:cond evt="onNext" delay="0">
-                  <p:tgtEl>
-                    <p:sldTgt/>
-                  </p:tgtEl>
-                </p:cond>
-              </p:nextCondLst>
-            </p:seq>
-          </p:childTnLst>
-        </p:cTn>
-      </p:par>
-    </p:tnLst>
-  </p:timing>
-</p:sld>
-</file>
-
-<file path=ppt/slides/slide30.xml><?xml version="1.0" encoding="utf-8"?>
+<file path=ppt/slides/slide31.xml><?xml version="1.0" encoding="utf-8"?>
 <p:sld xmlns:a="http://schemas.openxmlformats.org/drawingml/2006/main" xmlns:r="http://schemas.openxmlformats.org/officeDocument/2006/relationships" xmlns:p="http://schemas.openxmlformats.org/presentationml/2006/main">
   <p:cSld>
     <p:spTree>
@@ -25912,7 +26976,7 @@
 </p:sld>
 </file>
 
-<file path=ppt/slides/slide31.xml><?xml version="1.0" encoding="utf-8"?>
+<file path=ppt/slides/slide32.xml><?xml version="1.0" encoding="utf-8"?>
 <p:sld xmlns:a="http://schemas.openxmlformats.org/drawingml/2006/main" xmlns:r="http://schemas.openxmlformats.org/officeDocument/2006/relationships" xmlns:p="http://schemas.openxmlformats.org/presentationml/2006/main" show="0">
   <p:cSld>
     <p:spTree>
@@ -26298,7 +27362,7 @@
 </p:sld>
 </file>
 
-<file path=ppt/slides/slide32.xml><?xml version="1.0" encoding="utf-8"?>
+<file path=ppt/slides/slide33.xml><?xml version="1.0" encoding="utf-8"?>
 <p:sld xmlns:a="http://schemas.openxmlformats.org/drawingml/2006/main" xmlns:r="http://schemas.openxmlformats.org/officeDocument/2006/relationships" xmlns:p="http://schemas.openxmlformats.org/presentationml/2006/main" show="0">
   <p:cSld>
     <p:spTree>
@@ -26889,7 +27953,7 @@
 </p:sld>
 </file>
 
-<file path=ppt/slides/slide33.xml><?xml version="1.0" encoding="utf-8"?>
+<file path=ppt/slides/slide34.xml><?xml version="1.0" encoding="utf-8"?>
 <p:sld xmlns:a="http://schemas.openxmlformats.org/drawingml/2006/main" xmlns:r="http://schemas.openxmlformats.org/officeDocument/2006/relationships" xmlns:p="http://schemas.openxmlformats.org/presentationml/2006/main" show="0">
   <p:cSld>
     <p:spTree>
@@ -27545,7 +28609,7 @@
 </p:sld>
 </file>
 
-<file path=ppt/slides/slide34.xml><?xml version="1.0" encoding="utf-8"?>
+<file path=ppt/slides/slide35.xml><?xml version="1.0" encoding="utf-8"?>
 <p:sld xmlns:a="http://schemas.openxmlformats.org/drawingml/2006/main" xmlns:r="http://schemas.openxmlformats.org/officeDocument/2006/relationships" xmlns:p="http://schemas.openxmlformats.org/presentationml/2006/main" show="0">
   <p:cSld>
     <p:spTree>
@@ -28029,7 +29093,7 @@
 </p:sld>
 </file>
 
-<file path=ppt/slides/slide35.xml><?xml version="1.0" encoding="utf-8"?>
+<file path=ppt/slides/slide36.xml><?xml version="1.0" encoding="utf-8"?>
 <p:sld xmlns:a="http://schemas.openxmlformats.org/drawingml/2006/main" xmlns:r="http://schemas.openxmlformats.org/officeDocument/2006/relationships" xmlns:p="http://schemas.openxmlformats.org/presentationml/2006/main" show="0">
   <p:cSld>
     <p:bg>
@@ -29559,7 +30623,7 @@
 </p:sld>
 </file>
 
-<file path=ppt/slides/slide36.xml><?xml version="1.0" encoding="utf-8"?>
+<file path=ppt/slides/slide37.xml><?xml version="1.0" encoding="utf-8"?>
 <p:sld xmlns:a="http://schemas.openxmlformats.org/drawingml/2006/main" xmlns:r="http://schemas.openxmlformats.org/officeDocument/2006/relationships" xmlns:p="http://schemas.openxmlformats.org/presentationml/2006/main" show="0">
   <p:cSld>
     <p:spTree>
@@ -30027,7 +31091,7 @@
 </p:sld>
 </file>
 
-<file path=ppt/slides/slide37.xml><?xml version="1.0" encoding="utf-8"?>
+<file path=ppt/slides/slide38.xml><?xml version="1.0" encoding="utf-8"?>
 <p:sld xmlns:a="http://schemas.openxmlformats.org/drawingml/2006/main" xmlns:r="http://schemas.openxmlformats.org/officeDocument/2006/relationships" xmlns:p="http://schemas.openxmlformats.org/presentationml/2006/main">
   <p:cSld>
     <p:spTree>
@@ -31449,7 +32513,7 @@
 </p:sld>
 </file>
 
-<file path=ppt/slides/slide38.xml><?xml version="1.0" encoding="utf-8"?>
+<file path=ppt/slides/slide39.xml><?xml version="1.0" encoding="utf-8"?>
 <p:sld xmlns:a="http://schemas.openxmlformats.org/drawingml/2006/main" xmlns:r="http://schemas.openxmlformats.org/officeDocument/2006/relationships" xmlns:p="http://schemas.openxmlformats.org/presentationml/2006/main">
   <p:cSld>
     <p:spTree>
@@ -32829,7 +33893,663 @@
 </p:sld>
 </file>
 
-<file path=ppt/slides/slide39.xml><?xml version="1.0" encoding="utf-8"?>
+<file path=ppt/slides/slide4.xml><?xml version="1.0" encoding="utf-8"?>
+<p:sld xmlns:a="http://schemas.openxmlformats.org/drawingml/2006/main" xmlns:r="http://schemas.openxmlformats.org/officeDocument/2006/relationships" xmlns:p="http://schemas.openxmlformats.org/presentationml/2006/main">
+  <p:cSld>
+    <p:spTree>
+      <p:nvGrpSpPr>
+        <p:cNvPr id="1" name="">
+          <a:extLst>
+            <a:ext uri="{FF2B5EF4-FFF2-40B4-BE49-F238E27FC236}">
+              <a16:creationId xmlns:a16="http://schemas.microsoft.com/office/drawing/2014/main" id="{C6F29BBE-72FA-B172-BA93-AC2155D19093}"/>
+            </a:ext>
+          </a:extLst>
+        </p:cNvPr>
+        <p:cNvGrpSpPr/>
+        <p:nvPr/>
+      </p:nvGrpSpPr>
+      <p:grpSpPr>
+        <a:xfrm>
+          <a:off x="0" y="0"/>
+          <a:ext cx="0" cy="0"/>
+          <a:chOff x="0" y="0"/>
+          <a:chExt cx="0" cy="0"/>
+        </a:xfrm>
+      </p:grpSpPr>
+      <p:sp>
+        <p:nvSpPr>
+          <p:cNvPr id="2" name="Title 1">
+            <a:extLst>
+              <a:ext uri="{FF2B5EF4-FFF2-40B4-BE49-F238E27FC236}">
+                <a16:creationId xmlns:a16="http://schemas.microsoft.com/office/drawing/2014/main" id="{C806CD2A-7F51-F988-4A7C-A4510581EBD2}"/>
+              </a:ext>
+            </a:extLst>
+          </p:cNvPr>
+          <p:cNvSpPr>
+            <a:spLocks noGrp="1"/>
+          </p:cNvSpPr>
+          <p:nvPr>
+            <p:ph type="title"/>
+          </p:nvPr>
+        </p:nvSpPr>
+        <p:spPr/>
+        <p:txBody>
+          <a:bodyPr/>
+          <a:lstStyle/>
+          <a:p>
+            <a:r>
+              <a:rPr lang="en-US" dirty="0"/>
+              <a:t>A Financial Market</a:t>
+            </a:r>
+          </a:p>
+        </p:txBody>
+      </p:sp>
+      <p:sp>
+        <p:nvSpPr>
+          <p:cNvPr id="4" name="Slide Number Placeholder 3">
+            <a:extLst>
+              <a:ext uri="{FF2B5EF4-FFF2-40B4-BE49-F238E27FC236}">
+                <a16:creationId xmlns:a16="http://schemas.microsoft.com/office/drawing/2014/main" id="{EC4E64C3-37EC-49C1-C14C-57895B3FF799}"/>
+              </a:ext>
+            </a:extLst>
+          </p:cNvPr>
+          <p:cNvSpPr>
+            <a:spLocks noGrp="1"/>
+          </p:cNvSpPr>
+          <p:nvPr>
+            <p:ph type="sldNum" sz="quarter" idx="12"/>
+          </p:nvPr>
+        </p:nvSpPr>
+        <p:spPr/>
+        <p:txBody>
+          <a:bodyPr/>
+          <a:lstStyle/>
+          <a:p>
+            <a:fld id="{F2F80786-77E6-134C-ADA2-416C85F6726C}" type="slidenum">
+              <a:rPr lang="en-US" smtClean="0"/>
+              <a:t>4</a:t>
+            </a:fld>
+            <a:endParaRPr lang="en-US"/>
+          </a:p>
+        </p:txBody>
+      </p:sp>
+      <p:pic>
+        <p:nvPicPr>
+          <p:cNvPr id="10" name="Graphic 9" descr="Downward trend graph outline">
+            <a:extLst>
+              <a:ext uri="{FF2B5EF4-FFF2-40B4-BE49-F238E27FC236}">
+                <a16:creationId xmlns:a16="http://schemas.microsoft.com/office/drawing/2014/main" id="{05675F9B-60F2-9B0C-70AD-A7FBDB4441D3}"/>
+              </a:ext>
+            </a:extLst>
+          </p:cNvPr>
+          <p:cNvPicPr>
+            <a:picLocks noChangeAspect="1"/>
+          </p:cNvPicPr>
+          <p:nvPr/>
+        </p:nvPicPr>
+        <p:blipFill>
+          <a:blip r:embed="rId2">
+            <a:extLst>
+              <a:ext uri="{96DAC541-7B7A-43D3-8B79-37D633B846F1}">
+                <asvg:svgBlip xmlns:asvg="http://schemas.microsoft.com/office/drawing/2016/SVG/main" r:embed="rId3"/>
+              </a:ext>
+            </a:extLst>
+          </a:blip>
+          <a:stretch>
+            <a:fillRect/>
+          </a:stretch>
+        </p:blipFill>
+        <p:spPr>
+          <a:xfrm>
+            <a:off x="720436" y="1801308"/>
+            <a:ext cx="1357746" cy="1357746"/>
+          </a:xfrm>
+          <a:prstGeom prst="rect">
+            <a:avLst/>
+          </a:prstGeom>
+        </p:spPr>
+      </p:pic>
+      <p:pic>
+        <p:nvPicPr>
+          <p:cNvPr id="3" name="Graphic 2" descr="Marketing outline">
+            <a:extLst>
+              <a:ext uri="{FF2B5EF4-FFF2-40B4-BE49-F238E27FC236}">
+                <a16:creationId xmlns:a16="http://schemas.microsoft.com/office/drawing/2014/main" id="{A1CAD604-E832-1FAC-7935-3412F930CA14}"/>
+              </a:ext>
+            </a:extLst>
+          </p:cNvPr>
+          <p:cNvPicPr>
+            <a:picLocks noChangeAspect="1"/>
+          </p:cNvPicPr>
+          <p:nvPr/>
+        </p:nvPicPr>
+        <p:blipFill>
+          <a:blip r:embed="rId4">
+            <a:extLst>
+              <a:ext uri="{96DAC541-7B7A-43D3-8B79-37D633B846F1}">
+                <asvg:svgBlip xmlns:asvg="http://schemas.microsoft.com/office/drawing/2016/SVG/main" r:embed="rId5"/>
+              </a:ext>
+            </a:extLst>
+          </a:blip>
+          <a:stretch>
+            <a:fillRect/>
+          </a:stretch>
+        </p:blipFill>
+        <p:spPr>
+          <a:xfrm>
+            <a:off x="2272144" y="2521527"/>
+            <a:ext cx="1814946" cy="1814946"/>
+          </a:xfrm>
+          <a:prstGeom prst="rect">
+            <a:avLst/>
+          </a:prstGeom>
+        </p:spPr>
+      </p:pic>
+      <p:pic>
+        <p:nvPicPr>
+          <p:cNvPr id="5" name="Graphic 4" descr="Baby outline">
+            <a:extLst>
+              <a:ext uri="{FF2B5EF4-FFF2-40B4-BE49-F238E27FC236}">
+                <a16:creationId xmlns:a16="http://schemas.microsoft.com/office/drawing/2014/main" id="{F49B5A4D-B2D5-61B2-A78F-29FF6F4A0674}"/>
+              </a:ext>
+            </a:extLst>
+          </p:cNvPr>
+          <p:cNvPicPr>
+            <a:picLocks noChangeAspect="1"/>
+          </p:cNvPicPr>
+          <p:nvPr/>
+        </p:nvPicPr>
+        <p:blipFill>
+          <a:blip r:embed="rId6">
+            <a:extLst>
+              <a:ext uri="{96DAC541-7B7A-43D3-8B79-37D633B846F1}">
+                <asvg:svgBlip xmlns:asvg="http://schemas.microsoft.com/office/drawing/2016/SVG/main" r:embed="rId7"/>
+              </a:ext>
+            </a:extLst>
+          </a:blip>
+          <a:stretch>
+            <a:fillRect/>
+          </a:stretch>
+        </p:blipFill>
+        <p:spPr>
+          <a:xfrm>
+            <a:off x="8993285" y="3640757"/>
+            <a:ext cx="1133962" cy="1133962"/>
+          </a:xfrm>
+          <a:prstGeom prst="rect">
+            <a:avLst/>
+          </a:prstGeom>
+        </p:spPr>
+      </p:pic>
+      <p:pic>
+        <p:nvPicPr>
+          <p:cNvPr id="6" name="Graphic 5" descr="Male profile with solid fill">
+            <a:extLst>
+              <a:ext uri="{FF2B5EF4-FFF2-40B4-BE49-F238E27FC236}">
+                <a16:creationId xmlns:a16="http://schemas.microsoft.com/office/drawing/2014/main" id="{A10C5BBA-F8B7-2266-A081-D924D374ED96}"/>
+              </a:ext>
+            </a:extLst>
+          </p:cNvPr>
+          <p:cNvPicPr>
+            <a:picLocks noChangeAspect="1"/>
+          </p:cNvPicPr>
+          <p:nvPr/>
+        </p:nvPicPr>
+        <p:blipFill>
+          <a:blip r:embed="rId8">
+            <a:extLst>
+              <a:ext uri="{96DAC541-7B7A-43D3-8B79-37D633B846F1}">
+                <asvg:svgBlip xmlns:asvg="http://schemas.microsoft.com/office/drawing/2016/SVG/main" r:embed="rId9"/>
+              </a:ext>
+            </a:extLst>
+          </a:blip>
+          <a:stretch>
+            <a:fillRect/>
+          </a:stretch>
+        </p:blipFill>
+        <p:spPr>
+          <a:xfrm>
+            <a:off x="8949780" y="851543"/>
+            <a:ext cx="1207583" cy="1207583"/>
+          </a:xfrm>
+          <a:prstGeom prst="rect">
+            <a:avLst/>
+          </a:prstGeom>
+        </p:spPr>
+      </p:pic>
+      <p:pic>
+        <p:nvPicPr>
+          <p:cNvPr id="7" name="Graphic 6" descr="Office worker female with solid fill">
+            <a:extLst>
+              <a:ext uri="{FF2B5EF4-FFF2-40B4-BE49-F238E27FC236}">
+                <a16:creationId xmlns:a16="http://schemas.microsoft.com/office/drawing/2014/main" id="{B60B992C-341D-AB67-CC16-9323B9570F3B}"/>
+              </a:ext>
+            </a:extLst>
+          </p:cNvPr>
+          <p:cNvPicPr>
+            <a:picLocks noChangeAspect="1"/>
+          </p:cNvPicPr>
+          <p:nvPr/>
+        </p:nvPicPr>
+        <p:blipFill>
+          <a:blip r:embed="rId10">
+            <a:extLst>
+              <a:ext uri="{96DAC541-7B7A-43D3-8B79-37D633B846F1}">
+                <asvg:svgBlip xmlns:asvg="http://schemas.microsoft.com/office/drawing/2016/SVG/main" r:embed="rId11"/>
+              </a:ext>
+            </a:extLst>
+          </a:blip>
+          <a:stretch>
+            <a:fillRect/>
+          </a:stretch>
+        </p:blipFill>
+        <p:spPr>
+          <a:xfrm>
+            <a:off x="8914951" y="2073198"/>
+            <a:ext cx="1325562" cy="1325562"/>
+          </a:xfrm>
+          <a:prstGeom prst="rect">
+            <a:avLst/>
+          </a:prstGeom>
+        </p:spPr>
+      </p:pic>
+      <p:pic>
+        <p:nvPicPr>
+          <p:cNvPr id="13" name="Graphic 12" descr="Coins with solid fill">
+            <a:extLst>
+              <a:ext uri="{FF2B5EF4-FFF2-40B4-BE49-F238E27FC236}">
+                <a16:creationId xmlns:a16="http://schemas.microsoft.com/office/drawing/2014/main" id="{5C5D49E1-FC73-14BA-D077-1B03A2B75FB7}"/>
+              </a:ext>
+            </a:extLst>
+          </p:cNvPr>
+          <p:cNvPicPr>
+            <a:picLocks noChangeAspect="1"/>
+          </p:cNvPicPr>
+          <p:nvPr/>
+        </p:nvPicPr>
+        <p:blipFill>
+          <a:blip r:embed="rId12">
+            <a:extLst>
+              <a:ext uri="{96DAC541-7B7A-43D3-8B79-37D633B846F1}">
+                <asvg:svgBlip xmlns:asvg="http://schemas.microsoft.com/office/drawing/2016/SVG/main" r:embed="rId13"/>
+              </a:ext>
+            </a:extLst>
+          </a:blip>
+          <a:stretch>
+            <a:fillRect/>
+          </a:stretch>
+        </p:blipFill>
+        <p:spPr>
+          <a:xfrm>
+            <a:off x="7635897" y="1233488"/>
+            <a:ext cx="914400" cy="914400"/>
+          </a:xfrm>
+          <a:prstGeom prst="rect">
+            <a:avLst/>
+          </a:prstGeom>
+        </p:spPr>
+      </p:pic>
+      <p:pic>
+        <p:nvPicPr>
+          <p:cNvPr id="18" name="Graphic 17" descr="Coins with solid fill">
+            <a:extLst>
+              <a:ext uri="{FF2B5EF4-FFF2-40B4-BE49-F238E27FC236}">
+                <a16:creationId xmlns:a16="http://schemas.microsoft.com/office/drawing/2014/main" id="{0C543CD7-E12B-3C4F-14DE-E93BFC384B72}"/>
+              </a:ext>
+            </a:extLst>
+          </p:cNvPr>
+          <p:cNvPicPr>
+            <a:picLocks noChangeAspect="1"/>
+          </p:cNvPicPr>
+          <p:nvPr/>
+        </p:nvPicPr>
+        <p:blipFill>
+          <a:blip r:embed="rId12">
+            <a:extLst>
+              <a:ext uri="{96DAC541-7B7A-43D3-8B79-37D633B846F1}">
+                <asvg:svgBlip xmlns:asvg="http://schemas.microsoft.com/office/drawing/2016/SVG/main" r:embed="rId13"/>
+              </a:ext>
+            </a:extLst>
+          </a:blip>
+          <a:stretch>
+            <a:fillRect/>
+          </a:stretch>
+        </p:blipFill>
+        <p:spPr>
+          <a:xfrm>
+            <a:off x="7696200" y="3726874"/>
+            <a:ext cx="914400" cy="914400"/>
+          </a:xfrm>
+          <a:prstGeom prst="rect">
+            <a:avLst/>
+          </a:prstGeom>
+        </p:spPr>
+      </p:pic>
+      <p:pic>
+        <p:nvPicPr>
+          <p:cNvPr id="19" name="Graphic 18" descr="Coins with solid fill">
+            <a:extLst>
+              <a:ext uri="{FF2B5EF4-FFF2-40B4-BE49-F238E27FC236}">
+                <a16:creationId xmlns:a16="http://schemas.microsoft.com/office/drawing/2014/main" id="{7EE0C082-B571-BFC6-F723-E1236BBABFF0}"/>
+              </a:ext>
+            </a:extLst>
+          </p:cNvPr>
+          <p:cNvPicPr>
+            <a:picLocks noChangeAspect="1"/>
+          </p:cNvPicPr>
+          <p:nvPr/>
+        </p:nvPicPr>
+        <p:blipFill>
+          <a:blip r:embed="rId12">
+            <a:extLst>
+              <a:ext uri="{96DAC541-7B7A-43D3-8B79-37D633B846F1}">
+                <asvg:svgBlip xmlns:asvg="http://schemas.microsoft.com/office/drawing/2016/SVG/main" r:embed="rId13"/>
+              </a:ext>
+            </a:extLst>
+          </a:blip>
+          <a:stretch>
+            <a:fillRect/>
+          </a:stretch>
+        </p:blipFill>
+        <p:spPr>
+          <a:xfrm>
+            <a:off x="7624085" y="2480181"/>
+            <a:ext cx="914400" cy="914400"/>
+          </a:xfrm>
+          <a:prstGeom prst="rect">
+            <a:avLst/>
+          </a:prstGeom>
+        </p:spPr>
+      </p:pic>
+      <p:pic>
+        <p:nvPicPr>
+          <p:cNvPr id="20" name="Graphic 19" descr="Coins with solid fill">
+            <a:extLst>
+              <a:ext uri="{FF2B5EF4-FFF2-40B4-BE49-F238E27FC236}">
+                <a16:creationId xmlns:a16="http://schemas.microsoft.com/office/drawing/2014/main" id="{3C2E0B11-9EBA-CCBA-A6FB-49FF46BDE413}"/>
+              </a:ext>
+            </a:extLst>
+          </p:cNvPr>
+          <p:cNvPicPr>
+            <a:picLocks noChangeAspect="1"/>
+          </p:cNvPicPr>
+          <p:nvPr/>
+        </p:nvPicPr>
+        <p:blipFill>
+          <a:blip r:embed="rId12">
+            <a:extLst>
+              <a:ext uri="{96DAC541-7B7A-43D3-8B79-37D633B846F1}">
+                <asvg:svgBlip xmlns:asvg="http://schemas.microsoft.com/office/drawing/2016/SVG/main" r:embed="rId13"/>
+              </a:ext>
+            </a:extLst>
+          </a:blip>
+          <a:stretch>
+            <a:fillRect/>
+          </a:stretch>
+        </p:blipFill>
+        <p:spPr>
+          <a:xfrm>
+            <a:off x="7696200" y="5041612"/>
+            <a:ext cx="914400" cy="914400"/>
+          </a:xfrm>
+          <a:prstGeom prst="rect">
+            <a:avLst/>
+          </a:prstGeom>
+        </p:spPr>
+      </p:pic>
+      <p:pic>
+        <p:nvPicPr>
+          <p:cNvPr id="21" name="Graphic 20" descr="Head with gears with solid fill">
+            <a:extLst>
+              <a:ext uri="{FF2B5EF4-FFF2-40B4-BE49-F238E27FC236}">
+                <a16:creationId xmlns:a16="http://schemas.microsoft.com/office/drawing/2014/main" id="{13CDDF7D-7FB2-B412-31F8-CCF5418BE592}"/>
+              </a:ext>
+            </a:extLst>
+          </p:cNvPr>
+          <p:cNvPicPr>
+            <a:picLocks noChangeAspect="1"/>
+          </p:cNvPicPr>
+          <p:nvPr/>
+        </p:nvPicPr>
+        <p:blipFill>
+          <a:blip r:embed="rId14">
+            <a:extLst>
+              <a:ext uri="{96DAC541-7B7A-43D3-8B79-37D633B846F1}">
+                <asvg:svgBlip xmlns:asvg="http://schemas.microsoft.com/office/drawing/2016/SVG/main" r:embed="rId15"/>
+              </a:ext>
+            </a:extLst>
+          </a:blip>
+          <a:stretch>
+            <a:fillRect/>
+          </a:stretch>
+        </p:blipFill>
+        <p:spPr>
+          <a:xfrm>
+            <a:off x="9071915" y="5016716"/>
+            <a:ext cx="1133962" cy="1133962"/>
+          </a:xfrm>
+          <a:prstGeom prst="rect">
+            <a:avLst/>
+          </a:prstGeom>
+        </p:spPr>
+      </p:pic>
+    </p:spTree>
+    <p:extLst>
+      <p:ext uri="{BB962C8B-B14F-4D97-AF65-F5344CB8AC3E}">
+        <p14:creationId xmlns:p14="http://schemas.microsoft.com/office/powerpoint/2010/main" val="2402825093"/>
+      </p:ext>
+    </p:extLst>
+  </p:cSld>
+  <p:clrMapOvr>
+    <a:masterClrMapping/>
+  </p:clrMapOvr>
+  <mc:AlternateContent xmlns:mc="http://schemas.openxmlformats.org/markup-compatibility/2006">
+    <mc:Choice xmlns:p159="http://schemas.microsoft.com/office/powerpoint/2015/09/main" Requires="p159">
+      <p:transition>
+        <p159:morph option="byObject"/>
+      </p:transition>
+    </mc:Choice>
+    <mc:Fallback>
+      <p:transition>
+        <p:fade/>
+      </p:transition>
+    </mc:Fallback>
+  </mc:AlternateContent>
+  <p:timing>
+    <p:tnLst>
+      <p:par>
+        <p:cTn id="1" dur="indefinite" restart="never" nodeType="tmRoot">
+          <p:childTnLst>
+            <p:seq concurrent="1" nextAc="seek">
+              <p:cTn id="2" dur="indefinite" nodeType="mainSeq">
+                <p:childTnLst>
+                  <p:par>
+                    <p:cTn id="3" fill="hold">
+                      <p:stCondLst>
+                        <p:cond delay="indefinite"/>
+                        <p:cond evt="onBegin" delay="0">
+                          <p:tn val="2"/>
+                        </p:cond>
+                      </p:stCondLst>
+                      <p:childTnLst>
+                        <p:par>
+                          <p:cTn id="4" fill="hold">
+                            <p:stCondLst>
+                              <p:cond delay="0"/>
+                            </p:stCondLst>
+                            <p:childTnLst>
+                              <p:par>
+                                <p:cTn id="5" presetID="5" presetClass="entr" presetSubtype="10" fill="hold" nodeType="withEffect">
+                                  <p:stCondLst>
+                                    <p:cond delay="0"/>
+                                  </p:stCondLst>
+                                  <p:childTnLst>
+                                    <p:set>
+                                      <p:cBhvr>
+                                        <p:cTn id="6" dur="1" fill="hold">
+                                          <p:stCondLst>
+                                            <p:cond delay="0"/>
+                                          </p:stCondLst>
+                                        </p:cTn>
+                                        <p:tgtEl>
+                                          <p:spTgt spid="13"/>
+                                        </p:tgtEl>
+                                        <p:attrNameLst>
+                                          <p:attrName>style.visibility</p:attrName>
+                                        </p:attrNameLst>
+                                      </p:cBhvr>
+                                      <p:to>
+                                        <p:strVal val="visible"/>
+                                      </p:to>
+                                    </p:set>
+                                    <p:animEffect transition="in" filter="checkerboard(across)">
+                                      <p:cBhvr>
+                                        <p:cTn id="7" dur="500"/>
+                                        <p:tgtEl>
+                                          <p:spTgt spid="13"/>
+                                        </p:tgtEl>
+                                      </p:cBhvr>
+                                    </p:animEffect>
+                                  </p:childTnLst>
+                                </p:cTn>
+                              </p:par>
+                              <p:par>
+                                <p:cTn id="8" presetID="5" presetClass="entr" presetSubtype="10" fill="hold" nodeType="withEffect">
+                                  <p:stCondLst>
+                                    <p:cond delay="0"/>
+                                  </p:stCondLst>
+                                  <p:childTnLst>
+                                    <p:set>
+                                      <p:cBhvr>
+                                        <p:cTn id="9" dur="1" fill="hold">
+                                          <p:stCondLst>
+                                            <p:cond delay="0"/>
+                                          </p:stCondLst>
+                                        </p:cTn>
+                                        <p:tgtEl>
+                                          <p:spTgt spid="19"/>
+                                        </p:tgtEl>
+                                        <p:attrNameLst>
+                                          <p:attrName>style.visibility</p:attrName>
+                                        </p:attrNameLst>
+                                      </p:cBhvr>
+                                      <p:to>
+                                        <p:strVal val="visible"/>
+                                      </p:to>
+                                    </p:set>
+                                    <p:animEffect transition="in" filter="checkerboard(across)">
+                                      <p:cBhvr>
+                                        <p:cTn id="10" dur="500"/>
+                                        <p:tgtEl>
+                                          <p:spTgt spid="19"/>
+                                        </p:tgtEl>
+                                      </p:cBhvr>
+                                    </p:animEffect>
+                                  </p:childTnLst>
+                                </p:cTn>
+                              </p:par>
+                              <p:par>
+                                <p:cTn id="11" presetID="5" presetClass="entr" presetSubtype="10" fill="hold" nodeType="withEffect">
+                                  <p:stCondLst>
+                                    <p:cond delay="0"/>
+                                  </p:stCondLst>
+                                  <p:childTnLst>
+                                    <p:set>
+                                      <p:cBhvr>
+                                        <p:cTn id="12" dur="1" fill="hold">
+                                          <p:stCondLst>
+                                            <p:cond delay="0"/>
+                                          </p:stCondLst>
+                                        </p:cTn>
+                                        <p:tgtEl>
+                                          <p:spTgt spid="18"/>
+                                        </p:tgtEl>
+                                        <p:attrNameLst>
+                                          <p:attrName>style.visibility</p:attrName>
+                                        </p:attrNameLst>
+                                      </p:cBhvr>
+                                      <p:to>
+                                        <p:strVal val="visible"/>
+                                      </p:to>
+                                    </p:set>
+                                    <p:animEffect transition="in" filter="checkerboard(across)">
+                                      <p:cBhvr>
+                                        <p:cTn id="13" dur="500"/>
+                                        <p:tgtEl>
+                                          <p:spTgt spid="18"/>
+                                        </p:tgtEl>
+                                      </p:cBhvr>
+                                    </p:animEffect>
+                                  </p:childTnLst>
+                                </p:cTn>
+                              </p:par>
+                              <p:par>
+                                <p:cTn id="14" presetID="5" presetClass="entr" presetSubtype="10" fill="hold" nodeType="withEffect">
+                                  <p:stCondLst>
+                                    <p:cond delay="0"/>
+                                  </p:stCondLst>
+                                  <p:childTnLst>
+                                    <p:set>
+                                      <p:cBhvr>
+                                        <p:cTn id="15" dur="1" fill="hold">
+                                          <p:stCondLst>
+                                            <p:cond delay="0"/>
+                                          </p:stCondLst>
+                                        </p:cTn>
+                                        <p:tgtEl>
+                                          <p:spTgt spid="20"/>
+                                        </p:tgtEl>
+                                        <p:attrNameLst>
+                                          <p:attrName>style.visibility</p:attrName>
+                                        </p:attrNameLst>
+                                      </p:cBhvr>
+                                      <p:to>
+                                        <p:strVal val="visible"/>
+                                      </p:to>
+                                    </p:set>
+                                    <p:animEffect transition="in" filter="checkerboard(across)">
+                                      <p:cBhvr>
+                                        <p:cTn id="16" dur="500"/>
+                                        <p:tgtEl>
+                                          <p:spTgt spid="20"/>
+                                        </p:tgtEl>
+                                      </p:cBhvr>
+                                    </p:animEffect>
+                                  </p:childTnLst>
+                                </p:cTn>
+                              </p:par>
+                            </p:childTnLst>
+                          </p:cTn>
+                        </p:par>
+                      </p:childTnLst>
+                    </p:cTn>
+                  </p:par>
+                </p:childTnLst>
+              </p:cTn>
+              <p:prevCondLst>
+                <p:cond evt="onPrev" delay="0">
+                  <p:tgtEl>
+                    <p:sldTgt/>
+                  </p:tgtEl>
+                </p:cond>
+              </p:prevCondLst>
+              <p:nextCondLst>
+                <p:cond evt="onNext" delay="0">
+                  <p:tgtEl>
+                    <p:sldTgt/>
+                  </p:tgtEl>
+                </p:cond>
+              </p:nextCondLst>
+            </p:seq>
+          </p:childTnLst>
+        </p:cTn>
+      </p:par>
+    </p:tnLst>
+  </p:timing>
+</p:sld>
+</file>
+
+<file path=ppt/slides/slide40.xml><?xml version="1.0" encoding="utf-8"?>
 <p:sld xmlns:a="http://schemas.openxmlformats.org/drawingml/2006/main" xmlns:r="http://schemas.openxmlformats.org/officeDocument/2006/relationships" xmlns:p="http://schemas.openxmlformats.org/presentationml/2006/main">
   <p:cSld>
     <p:spTree>
@@ -34350,663 +36070,7 @@
 </p:sld>
 </file>
 
-<file path=ppt/slides/slide4.xml><?xml version="1.0" encoding="utf-8"?>
-<p:sld xmlns:a="http://schemas.openxmlformats.org/drawingml/2006/main" xmlns:r="http://schemas.openxmlformats.org/officeDocument/2006/relationships" xmlns:p="http://schemas.openxmlformats.org/presentationml/2006/main">
-  <p:cSld>
-    <p:spTree>
-      <p:nvGrpSpPr>
-        <p:cNvPr id="1" name="">
-          <a:extLst>
-            <a:ext uri="{FF2B5EF4-FFF2-40B4-BE49-F238E27FC236}">
-              <a16:creationId xmlns:a16="http://schemas.microsoft.com/office/drawing/2014/main" id="{C6F29BBE-72FA-B172-BA93-AC2155D19093}"/>
-            </a:ext>
-          </a:extLst>
-        </p:cNvPr>
-        <p:cNvGrpSpPr/>
-        <p:nvPr/>
-      </p:nvGrpSpPr>
-      <p:grpSpPr>
-        <a:xfrm>
-          <a:off x="0" y="0"/>
-          <a:ext cx="0" cy="0"/>
-          <a:chOff x="0" y="0"/>
-          <a:chExt cx="0" cy="0"/>
-        </a:xfrm>
-      </p:grpSpPr>
-      <p:sp>
-        <p:nvSpPr>
-          <p:cNvPr id="2" name="Title 1">
-            <a:extLst>
-              <a:ext uri="{FF2B5EF4-FFF2-40B4-BE49-F238E27FC236}">
-                <a16:creationId xmlns:a16="http://schemas.microsoft.com/office/drawing/2014/main" id="{C806CD2A-7F51-F988-4A7C-A4510581EBD2}"/>
-              </a:ext>
-            </a:extLst>
-          </p:cNvPr>
-          <p:cNvSpPr>
-            <a:spLocks noGrp="1"/>
-          </p:cNvSpPr>
-          <p:nvPr>
-            <p:ph type="title"/>
-          </p:nvPr>
-        </p:nvSpPr>
-        <p:spPr/>
-        <p:txBody>
-          <a:bodyPr/>
-          <a:lstStyle/>
-          <a:p>
-            <a:r>
-              <a:rPr lang="en-US" dirty="0"/>
-              <a:t>A Financial Market</a:t>
-            </a:r>
-          </a:p>
-        </p:txBody>
-      </p:sp>
-      <p:sp>
-        <p:nvSpPr>
-          <p:cNvPr id="4" name="Slide Number Placeholder 3">
-            <a:extLst>
-              <a:ext uri="{FF2B5EF4-FFF2-40B4-BE49-F238E27FC236}">
-                <a16:creationId xmlns:a16="http://schemas.microsoft.com/office/drawing/2014/main" id="{EC4E64C3-37EC-49C1-C14C-57895B3FF799}"/>
-              </a:ext>
-            </a:extLst>
-          </p:cNvPr>
-          <p:cNvSpPr>
-            <a:spLocks noGrp="1"/>
-          </p:cNvSpPr>
-          <p:nvPr>
-            <p:ph type="sldNum" sz="quarter" idx="12"/>
-          </p:nvPr>
-        </p:nvSpPr>
-        <p:spPr/>
-        <p:txBody>
-          <a:bodyPr/>
-          <a:lstStyle/>
-          <a:p>
-            <a:fld id="{F2F80786-77E6-134C-ADA2-416C85F6726C}" type="slidenum">
-              <a:rPr lang="en-US" smtClean="0"/>
-              <a:t>4</a:t>
-            </a:fld>
-            <a:endParaRPr lang="en-US"/>
-          </a:p>
-        </p:txBody>
-      </p:sp>
-      <p:pic>
-        <p:nvPicPr>
-          <p:cNvPr id="10" name="Graphic 9" descr="Downward trend graph outline">
-            <a:extLst>
-              <a:ext uri="{FF2B5EF4-FFF2-40B4-BE49-F238E27FC236}">
-                <a16:creationId xmlns:a16="http://schemas.microsoft.com/office/drawing/2014/main" id="{05675F9B-60F2-9B0C-70AD-A7FBDB4441D3}"/>
-              </a:ext>
-            </a:extLst>
-          </p:cNvPr>
-          <p:cNvPicPr>
-            <a:picLocks noChangeAspect="1"/>
-          </p:cNvPicPr>
-          <p:nvPr/>
-        </p:nvPicPr>
-        <p:blipFill>
-          <a:blip r:embed="rId2">
-            <a:extLst>
-              <a:ext uri="{96DAC541-7B7A-43D3-8B79-37D633B846F1}">
-                <asvg:svgBlip xmlns:asvg="http://schemas.microsoft.com/office/drawing/2016/SVG/main" r:embed="rId3"/>
-              </a:ext>
-            </a:extLst>
-          </a:blip>
-          <a:stretch>
-            <a:fillRect/>
-          </a:stretch>
-        </p:blipFill>
-        <p:spPr>
-          <a:xfrm>
-            <a:off x="720436" y="1801308"/>
-            <a:ext cx="1357746" cy="1357746"/>
-          </a:xfrm>
-          <a:prstGeom prst="rect">
-            <a:avLst/>
-          </a:prstGeom>
-        </p:spPr>
-      </p:pic>
-      <p:pic>
-        <p:nvPicPr>
-          <p:cNvPr id="3" name="Graphic 2" descr="Marketing outline">
-            <a:extLst>
-              <a:ext uri="{FF2B5EF4-FFF2-40B4-BE49-F238E27FC236}">
-                <a16:creationId xmlns:a16="http://schemas.microsoft.com/office/drawing/2014/main" id="{A1CAD604-E832-1FAC-7935-3412F930CA14}"/>
-              </a:ext>
-            </a:extLst>
-          </p:cNvPr>
-          <p:cNvPicPr>
-            <a:picLocks noChangeAspect="1"/>
-          </p:cNvPicPr>
-          <p:nvPr/>
-        </p:nvPicPr>
-        <p:blipFill>
-          <a:blip r:embed="rId4">
-            <a:extLst>
-              <a:ext uri="{96DAC541-7B7A-43D3-8B79-37D633B846F1}">
-                <asvg:svgBlip xmlns:asvg="http://schemas.microsoft.com/office/drawing/2016/SVG/main" r:embed="rId5"/>
-              </a:ext>
-            </a:extLst>
-          </a:blip>
-          <a:stretch>
-            <a:fillRect/>
-          </a:stretch>
-        </p:blipFill>
-        <p:spPr>
-          <a:xfrm>
-            <a:off x="2272144" y="2521527"/>
-            <a:ext cx="1814946" cy="1814946"/>
-          </a:xfrm>
-          <a:prstGeom prst="rect">
-            <a:avLst/>
-          </a:prstGeom>
-        </p:spPr>
-      </p:pic>
-      <p:pic>
-        <p:nvPicPr>
-          <p:cNvPr id="5" name="Graphic 4" descr="Baby outline">
-            <a:extLst>
-              <a:ext uri="{FF2B5EF4-FFF2-40B4-BE49-F238E27FC236}">
-                <a16:creationId xmlns:a16="http://schemas.microsoft.com/office/drawing/2014/main" id="{F49B5A4D-B2D5-61B2-A78F-29FF6F4A0674}"/>
-              </a:ext>
-            </a:extLst>
-          </p:cNvPr>
-          <p:cNvPicPr>
-            <a:picLocks noChangeAspect="1"/>
-          </p:cNvPicPr>
-          <p:nvPr/>
-        </p:nvPicPr>
-        <p:blipFill>
-          <a:blip r:embed="rId6">
-            <a:extLst>
-              <a:ext uri="{96DAC541-7B7A-43D3-8B79-37D633B846F1}">
-                <asvg:svgBlip xmlns:asvg="http://schemas.microsoft.com/office/drawing/2016/SVG/main" r:embed="rId7"/>
-              </a:ext>
-            </a:extLst>
-          </a:blip>
-          <a:stretch>
-            <a:fillRect/>
-          </a:stretch>
-        </p:blipFill>
-        <p:spPr>
-          <a:xfrm>
-            <a:off x="8993285" y="3640757"/>
-            <a:ext cx="1133962" cy="1133962"/>
-          </a:xfrm>
-          <a:prstGeom prst="rect">
-            <a:avLst/>
-          </a:prstGeom>
-        </p:spPr>
-      </p:pic>
-      <p:pic>
-        <p:nvPicPr>
-          <p:cNvPr id="6" name="Graphic 5" descr="Male profile with solid fill">
-            <a:extLst>
-              <a:ext uri="{FF2B5EF4-FFF2-40B4-BE49-F238E27FC236}">
-                <a16:creationId xmlns:a16="http://schemas.microsoft.com/office/drawing/2014/main" id="{A10C5BBA-F8B7-2266-A081-D924D374ED96}"/>
-              </a:ext>
-            </a:extLst>
-          </p:cNvPr>
-          <p:cNvPicPr>
-            <a:picLocks noChangeAspect="1"/>
-          </p:cNvPicPr>
-          <p:nvPr/>
-        </p:nvPicPr>
-        <p:blipFill>
-          <a:blip r:embed="rId8">
-            <a:extLst>
-              <a:ext uri="{96DAC541-7B7A-43D3-8B79-37D633B846F1}">
-                <asvg:svgBlip xmlns:asvg="http://schemas.microsoft.com/office/drawing/2016/SVG/main" r:embed="rId9"/>
-              </a:ext>
-            </a:extLst>
-          </a:blip>
-          <a:stretch>
-            <a:fillRect/>
-          </a:stretch>
-        </p:blipFill>
-        <p:spPr>
-          <a:xfrm>
-            <a:off x="8949780" y="851543"/>
-            <a:ext cx="1207583" cy="1207583"/>
-          </a:xfrm>
-          <a:prstGeom prst="rect">
-            <a:avLst/>
-          </a:prstGeom>
-        </p:spPr>
-      </p:pic>
-      <p:pic>
-        <p:nvPicPr>
-          <p:cNvPr id="7" name="Graphic 6" descr="Office worker female with solid fill">
-            <a:extLst>
-              <a:ext uri="{FF2B5EF4-FFF2-40B4-BE49-F238E27FC236}">
-                <a16:creationId xmlns:a16="http://schemas.microsoft.com/office/drawing/2014/main" id="{B60B992C-341D-AB67-CC16-9323B9570F3B}"/>
-              </a:ext>
-            </a:extLst>
-          </p:cNvPr>
-          <p:cNvPicPr>
-            <a:picLocks noChangeAspect="1"/>
-          </p:cNvPicPr>
-          <p:nvPr/>
-        </p:nvPicPr>
-        <p:blipFill>
-          <a:blip r:embed="rId10">
-            <a:extLst>
-              <a:ext uri="{96DAC541-7B7A-43D3-8B79-37D633B846F1}">
-                <asvg:svgBlip xmlns:asvg="http://schemas.microsoft.com/office/drawing/2016/SVG/main" r:embed="rId11"/>
-              </a:ext>
-            </a:extLst>
-          </a:blip>
-          <a:stretch>
-            <a:fillRect/>
-          </a:stretch>
-        </p:blipFill>
-        <p:spPr>
-          <a:xfrm>
-            <a:off x="8914951" y="2073198"/>
-            <a:ext cx="1325562" cy="1325562"/>
-          </a:xfrm>
-          <a:prstGeom prst="rect">
-            <a:avLst/>
-          </a:prstGeom>
-        </p:spPr>
-      </p:pic>
-      <p:pic>
-        <p:nvPicPr>
-          <p:cNvPr id="13" name="Graphic 12" descr="Coins with solid fill">
-            <a:extLst>
-              <a:ext uri="{FF2B5EF4-FFF2-40B4-BE49-F238E27FC236}">
-                <a16:creationId xmlns:a16="http://schemas.microsoft.com/office/drawing/2014/main" id="{5C5D49E1-FC73-14BA-D077-1B03A2B75FB7}"/>
-              </a:ext>
-            </a:extLst>
-          </p:cNvPr>
-          <p:cNvPicPr>
-            <a:picLocks noChangeAspect="1"/>
-          </p:cNvPicPr>
-          <p:nvPr/>
-        </p:nvPicPr>
-        <p:blipFill>
-          <a:blip r:embed="rId12">
-            <a:extLst>
-              <a:ext uri="{96DAC541-7B7A-43D3-8B79-37D633B846F1}">
-                <asvg:svgBlip xmlns:asvg="http://schemas.microsoft.com/office/drawing/2016/SVG/main" r:embed="rId13"/>
-              </a:ext>
-            </a:extLst>
-          </a:blip>
-          <a:stretch>
-            <a:fillRect/>
-          </a:stretch>
-        </p:blipFill>
-        <p:spPr>
-          <a:xfrm>
-            <a:off x="7635897" y="1233488"/>
-            <a:ext cx="914400" cy="914400"/>
-          </a:xfrm>
-          <a:prstGeom prst="rect">
-            <a:avLst/>
-          </a:prstGeom>
-        </p:spPr>
-      </p:pic>
-      <p:pic>
-        <p:nvPicPr>
-          <p:cNvPr id="18" name="Graphic 17" descr="Coins with solid fill">
-            <a:extLst>
-              <a:ext uri="{FF2B5EF4-FFF2-40B4-BE49-F238E27FC236}">
-                <a16:creationId xmlns:a16="http://schemas.microsoft.com/office/drawing/2014/main" id="{0C543CD7-E12B-3C4F-14DE-E93BFC384B72}"/>
-              </a:ext>
-            </a:extLst>
-          </p:cNvPr>
-          <p:cNvPicPr>
-            <a:picLocks noChangeAspect="1"/>
-          </p:cNvPicPr>
-          <p:nvPr/>
-        </p:nvPicPr>
-        <p:blipFill>
-          <a:blip r:embed="rId12">
-            <a:extLst>
-              <a:ext uri="{96DAC541-7B7A-43D3-8B79-37D633B846F1}">
-                <asvg:svgBlip xmlns:asvg="http://schemas.microsoft.com/office/drawing/2016/SVG/main" r:embed="rId13"/>
-              </a:ext>
-            </a:extLst>
-          </a:blip>
-          <a:stretch>
-            <a:fillRect/>
-          </a:stretch>
-        </p:blipFill>
-        <p:spPr>
-          <a:xfrm>
-            <a:off x="7696200" y="3726874"/>
-            <a:ext cx="914400" cy="914400"/>
-          </a:xfrm>
-          <a:prstGeom prst="rect">
-            <a:avLst/>
-          </a:prstGeom>
-        </p:spPr>
-      </p:pic>
-      <p:pic>
-        <p:nvPicPr>
-          <p:cNvPr id="19" name="Graphic 18" descr="Coins with solid fill">
-            <a:extLst>
-              <a:ext uri="{FF2B5EF4-FFF2-40B4-BE49-F238E27FC236}">
-                <a16:creationId xmlns:a16="http://schemas.microsoft.com/office/drawing/2014/main" id="{7EE0C082-B571-BFC6-F723-E1236BBABFF0}"/>
-              </a:ext>
-            </a:extLst>
-          </p:cNvPr>
-          <p:cNvPicPr>
-            <a:picLocks noChangeAspect="1"/>
-          </p:cNvPicPr>
-          <p:nvPr/>
-        </p:nvPicPr>
-        <p:blipFill>
-          <a:blip r:embed="rId12">
-            <a:extLst>
-              <a:ext uri="{96DAC541-7B7A-43D3-8B79-37D633B846F1}">
-                <asvg:svgBlip xmlns:asvg="http://schemas.microsoft.com/office/drawing/2016/SVG/main" r:embed="rId13"/>
-              </a:ext>
-            </a:extLst>
-          </a:blip>
-          <a:stretch>
-            <a:fillRect/>
-          </a:stretch>
-        </p:blipFill>
-        <p:spPr>
-          <a:xfrm>
-            <a:off x="7624085" y="2480181"/>
-            <a:ext cx="914400" cy="914400"/>
-          </a:xfrm>
-          <a:prstGeom prst="rect">
-            <a:avLst/>
-          </a:prstGeom>
-        </p:spPr>
-      </p:pic>
-      <p:pic>
-        <p:nvPicPr>
-          <p:cNvPr id="20" name="Graphic 19" descr="Coins with solid fill">
-            <a:extLst>
-              <a:ext uri="{FF2B5EF4-FFF2-40B4-BE49-F238E27FC236}">
-                <a16:creationId xmlns:a16="http://schemas.microsoft.com/office/drawing/2014/main" id="{3C2E0B11-9EBA-CCBA-A6FB-49FF46BDE413}"/>
-              </a:ext>
-            </a:extLst>
-          </p:cNvPr>
-          <p:cNvPicPr>
-            <a:picLocks noChangeAspect="1"/>
-          </p:cNvPicPr>
-          <p:nvPr/>
-        </p:nvPicPr>
-        <p:blipFill>
-          <a:blip r:embed="rId12">
-            <a:extLst>
-              <a:ext uri="{96DAC541-7B7A-43D3-8B79-37D633B846F1}">
-                <asvg:svgBlip xmlns:asvg="http://schemas.microsoft.com/office/drawing/2016/SVG/main" r:embed="rId13"/>
-              </a:ext>
-            </a:extLst>
-          </a:blip>
-          <a:stretch>
-            <a:fillRect/>
-          </a:stretch>
-        </p:blipFill>
-        <p:spPr>
-          <a:xfrm>
-            <a:off x="7696200" y="5041612"/>
-            <a:ext cx="914400" cy="914400"/>
-          </a:xfrm>
-          <a:prstGeom prst="rect">
-            <a:avLst/>
-          </a:prstGeom>
-        </p:spPr>
-      </p:pic>
-      <p:pic>
-        <p:nvPicPr>
-          <p:cNvPr id="21" name="Graphic 20" descr="Head with gears with solid fill">
-            <a:extLst>
-              <a:ext uri="{FF2B5EF4-FFF2-40B4-BE49-F238E27FC236}">
-                <a16:creationId xmlns:a16="http://schemas.microsoft.com/office/drawing/2014/main" id="{13CDDF7D-7FB2-B412-31F8-CCF5418BE592}"/>
-              </a:ext>
-            </a:extLst>
-          </p:cNvPr>
-          <p:cNvPicPr>
-            <a:picLocks noChangeAspect="1"/>
-          </p:cNvPicPr>
-          <p:nvPr/>
-        </p:nvPicPr>
-        <p:blipFill>
-          <a:blip r:embed="rId14">
-            <a:extLst>
-              <a:ext uri="{96DAC541-7B7A-43D3-8B79-37D633B846F1}">
-                <asvg:svgBlip xmlns:asvg="http://schemas.microsoft.com/office/drawing/2016/SVG/main" r:embed="rId15"/>
-              </a:ext>
-            </a:extLst>
-          </a:blip>
-          <a:stretch>
-            <a:fillRect/>
-          </a:stretch>
-        </p:blipFill>
-        <p:spPr>
-          <a:xfrm>
-            <a:off x="9071915" y="5016716"/>
-            <a:ext cx="1133962" cy="1133962"/>
-          </a:xfrm>
-          <a:prstGeom prst="rect">
-            <a:avLst/>
-          </a:prstGeom>
-        </p:spPr>
-      </p:pic>
-    </p:spTree>
-    <p:extLst>
-      <p:ext uri="{BB962C8B-B14F-4D97-AF65-F5344CB8AC3E}">
-        <p14:creationId xmlns:p14="http://schemas.microsoft.com/office/powerpoint/2010/main" val="2402825093"/>
-      </p:ext>
-    </p:extLst>
-  </p:cSld>
-  <p:clrMapOvr>
-    <a:masterClrMapping/>
-  </p:clrMapOvr>
-  <mc:AlternateContent xmlns:mc="http://schemas.openxmlformats.org/markup-compatibility/2006">
-    <mc:Choice xmlns:p159="http://schemas.microsoft.com/office/powerpoint/2015/09/main" Requires="p159">
-      <p:transition>
-        <p159:morph option="byObject"/>
-      </p:transition>
-    </mc:Choice>
-    <mc:Fallback>
-      <p:transition>
-        <p:fade/>
-      </p:transition>
-    </mc:Fallback>
-  </mc:AlternateContent>
-  <p:timing>
-    <p:tnLst>
-      <p:par>
-        <p:cTn id="1" dur="indefinite" restart="never" nodeType="tmRoot">
-          <p:childTnLst>
-            <p:seq concurrent="1" nextAc="seek">
-              <p:cTn id="2" dur="indefinite" nodeType="mainSeq">
-                <p:childTnLst>
-                  <p:par>
-                    <p:cTn id="3" fill="hold">
-                      <p:stCondLst>
-                        <p:cond delay="indefinite"/>
-                        <p:cond evt="onBegin" delay="0">
-                          <p:tn val="2"/>
-                        </p:cond>
-                      </p:stCondLst>
-                      <p:childTnLst>
-                        <p:par>
-                          <p:cTn id="4" fill="hold">
-                            <p:stCondLst>
-                              <p:cond delay="0"/>
-                            </p:stCondLst>
-                            <p:childTnLst>
-                              <p:par>
-                                <p:cTn id="5" presetID="5" presetClass="entr" presetSubtype="10" fill="hold" nodeType="withEffect">
-                                  <p:stCondLst>
-                                    <p:cond delay="0"/>
-                                  </p:stCondLst>
-                                  <p:childTnLst>
-                                    <p:set>
-                                      <p:cBhvr>
-                                        <p:cTn id="6" dur="1" fill="hold">
-                                          <p:stCondLst>
-                                            <p:cond delay="0"/>
-                                          </p:stCondLst>
-                                        </p:cTn>
-                                        <p:tgtEl>
-                                          <p:spTgt spid="13"/>
-                                        </p:tgtEl>
-                                        <p:attrNameLst>
-                                          <p:attrName>style.visibility</p:attrName>
-                                        </p:attrNameLst>
-                                      </p:cBhvr>
-                                      <p:to>
-                                        <p:strVal val="visible"/>
-                                      </p:to>
-                                    </p:set>
-                                    <p:animEffect transition="in" filter="checkerboard(across)">
-                                      <p:cBhvr>
-                                        <p:cTn id="7" dur="500"/>
-                                        <p:tgtEl>
-                                          <p:spTgt spid="13"/>
-                                        </p:tgtEl>
-                                      </p:cBhvr>
-                                    </p:animEffect>
-                                  </p:childTnLst>
-                                </p:cTn>
-                              </p:par>
-                              <p:par>
-                                <p:cTn id="8" presetID="5" presetClass="entr" presetSubtype="10" fill="hold" nodeType="withEffect">
-                                  <p:stCondLst>
-                                    <p:cond delay="0"/>
-                                  </p:stCondLst>
-                                  <p:childTnLst>
-                                    <p:set>
-                                      <p:cBhvr>
-                                        <p:cTn id="9" dur="1" fill="hold">
-                                          <p:stCondLst>
-                                            <p:cond delay="0"/>
-                                          </p:stCondLst>
-                                        </p:cTn>
-                                        <p:tgtEl>
-                                          <p:spTgt spid="19"/>
-                                        </p:tgtEl>
-                                        <p:attrNameLst>
-                                          <p:attrName>style.visibility</p:attrName>
-                                        </p:attrNameLst>
-                                      </p:cBhvr>
-                                      <p:to>
-                                        <p:strVal val="visible"/>
-                                      </p:to>
-                                    </p:set>
-                                    <p:animEffect transition="in" filter="checkerboard(across)">
-                                      <p:cBhvr>
-                                        <p:cTn id="10" dur="500"/>
-                                        <p:tgtEl>
-                                          <p:spTgt spid="19"/>
-                                        </p:tgtEl>
-                                      </p:cBhvr>
-                                    </p:animEffect>
-                                  </p:childTnLst>
-                                </p:cTn>
-                              </p:par>
-                              <p:par>
-                                <p:cTn id="11" presetID="5" presetClass="entr" presetSubtype="10" fill="hold" nodeType="withEffect">
-                                  <p:stCondLst>
-                                    <p:cond delay="0"/>
-                                  </p:stCondLst>
-                                  <p:childTnLst>
-                                    <p:set>
-                                      <p:cBhvr>
-                                        <p:cTn id="12" dur="1" fill="hold">
-                                          <p:stCondLst>
-                                            <p:cond delay="0"/>
-                                          </p:stCondLst>
-                                        </p:cTn>
-                                        <p:tgtEl>
-                                          <p:spTgt spid="18"/>
-                                        </p:tgtEl>
-                                        <p:attrNameLst>
-                                          <p:attrName>style.visibility</p:attrName>
-                                        </p:attrNameLst>
-                                      </p:cBhvr>
-                                      <p:to>
-                                        <p:strVal val="visible"/>
-                                      </p:to>
-                                    </p:set>
-                                    <p:animEffect transition="in" filter="checkerboard(across)">
-                                      <p:cBhvr>
-                                        <p:cTn id="13" dur="500"/>
-                                        <p:tgtEl>
-                                          <p:spTgt spid="18"/>
-                                        </p:tgtEl>
-                                      </p:cBhvr>
-                                    </p:animEffect>
-                                  </p:childTnLst>
-                                </p:cTn>
-                              </p:par>
-                              <p:par>
-                                <p:cTn id="14" presetID="5" presetClass="entr" presetSubtype="10" fill="hold" nodeType="withEffect">
-                                  <p:stCondLst>
-                                    <p:cond delay="0"/>
-                                  </p:stCondLst>
-                                  <p:childTnLst>
-                                    <p:set>
-                                      <p:cBhvr>
-                                        <p:cTn id="15" dur="1" fill="hold">
-                                          <p:stCondLst>
-                                            <p:cond delay="0"/>
-                                          </p:stCondLst>
-                                        </p:cTn>
-                                        <p:tgtEl>
-                                          <p:spTgt spid="20"/>
-                                        </p:tgtEl>
-                                        <p:attrNameLst>
-                                          <p:attrName>style.visibility</p:attrName>
-                                        </p:attrNameLst>
-                                      </p:cBhvr>
-                                      <p:to>
-                                        <p:strVal val="visible"/>
-                                      </p:to>
-                                    </p:set>
-                                    <p:animEffect transition="in" filter="checkerboard(across)">
-                                      <p:cBhvr>
-                                        <p:cTn id="16" dur="500"/>
-                                        <p:tgtEl>
-                                          <p:spTgt spid="20"/>
-                                        </p:tgtEl>
-                                      </p:cBhvr>
-                                    </p:animEffect>
-                                  </p:childTnLst>
-                                </p:cTn>
-                              </p:par>
-                            </p:childTnLst>
-                          </p:cTn>
-                        </p:par>
-                      </p:childTnLst>
-                    </p:cTn>
-                  </p:par>
-                </p:childTnLst>
-              </p:cTn>
-              <p:prevCondLst>
-                <p:cond evt="onPrev" delay="0">
-                  <p:tgtEl>
-                    <p:sldTgt/>
-                  </p:tgtEl>
-                </p:cond>
-              </p:prevCondLst>
-              <p:nextCondLst>
-                <p:cond evt="onNext" delay="0">
-                  <p:tgtEl>
-                    <p:sldTgt/>
-                  </p:tgtEl>
-                </p:cond>
-              </p:nextCondLst>
-            </p:seq>
-          </p:childTnLst>
-        </p:cTn>
-      </p:par>
-    </p:tnLst>
-  </p:timing>
-</p:sld>
-</file>
-
-<file path=ppt/slides/slide40.xml><?xml version="1.0" encoding="utf-8"?>
+<file path=ppt/slides/slide41.xml><?xml version="1.0" encoding="utf-8"?>
 <p:sld xmlns:a="http://schemas.openxmlformats.org/drawingml/2006/main" xmlns:r="http://schemas.openxmlformats.org/officeDocument/2006/relationships" xmlns:p="http://schemas.openxmlformats.org/presentationml/2006/main">
   <p:cSld>
     <p:spTree>
@@ -35930,7 +36994,7 @@
 </p:sld>
 </file>
 
-<file path=ppt/slides/slide41.xml><?xml version="1.0" encoding="utf-8"?>
+<file path=ppt/slides/slide42.xml><?xml version="1.0" encoding="utf-8"?>
 <p:sld xmlns:a="http://schemas.openxmlformats.org/drawingml/2006/main" xmlns:r="http://schemas.openxmlformats.org/officeDocument/2006/relationships" xmlns:p="http://schemas.openxmlformats.org/presentationml/2006/main">
   <p:cSld>
     <p:spTree>
@@ -36919,7 +37983,7 @@
 </p:sld>
 </file>
 
-<file path=ppt/slides/slide42.xml><?xml version="1.0" encoding="utf-8"?>
+<file path=ppt/slides/slide43.xml><?xml version="1.0" encoding="utf-8"?>
 <p:sld xmlns:a="http://schemas.openxmlformats.org/drawingml/2006/main" xmlns:r="http://schemas.openxmlformats.org/officeDocument/2006/relationships" xmlns:p="http://schemas.openxmlformats.org/presentationml/2006/main">
   <p:cSld>
     <p:spTree>
@@ -37731,7 +38795,7 @@
 </p:sld>
 </file>
 
-<file path=ppt/slides/slide43.xml><?xml version="1.0" encoding="utf-8"?>
+<file path=ppt/slides/slide44.xml><?xml version="1.0" encoding="utf-8"?>
 <p:sld xmlns:a="http://schemas.openxmlformats.org/drawingml/2006/main" xmlns:r="http://schemas.openxmlformats.org/officeDocument/2006/relationships" xmlns:p="http://schemas.openxmlformats.org/presentationml/2006/main" show="0">
   <p:cSld>
     <p:spTree>
@@ -38797,7 +39861,7 @@
 </p:sld>
 </file>
 
-<file path=ppt/slides/slide44.xml><?xml version="1.0" encoding="utf-8"?>
+<file path=ppt/slides/slide45.xml><?xml version="1.0" encoding="utf-8"?>
 <p:sld xmlns:a="http://schemas.openxmlformats.org/drawingml/2006/main" xmlns:r="http://schemas.openxmlformats.org/officeDocument/2006/relationships" xmlns:p="http://schemas.openxmlformats.org/presentationml/2006/main" show="0">
   <p:cSld>
     <p:spTree>
@@ -39808,7 +40872,7 @@
 </p:sld>
 </file>
 
-<file path=ppt/slides/slide45.xml><?xml version="1.0" encoding="utf-8"?>
+<file path=ppt/slides/slide46.xml><?xml version="1.0" encoding="utf-8"?>
 <p:sld xmlns:a="http://schemas.openxmlformats.org/drawingml/2006/main" xmlns:r="http://schemas.openxmlformats.org/officeDocument/2006/relationships" xmlns:p="http://schemas.openxmlformats.org/presentationml/2006/main" show="0">
   <p:cSld>
     <p:bg>
@@ -40829,7 +41893,7 @@
 </p:sld>
 </file>
 
-<file path=ppt/slides/slide46.xml><?xml version="1.0" encoding="utf-8"?>
+<file path=ppt/slides/slide47.xml><?xml version="1.0" encoding="utf-8"?>
 <p:sld xmlns:a="http://schemas.openxmlformats.org/drawingml/2006/main" xmlns:r="http://schemas.openxmlformats.org/officeDocument/2006/relationships" xmlns:p="http://schemas.openxmlformats.org/presentationml/2006/main" show="0">
   <p:cSld>
     <p:bg>
@@ -42064,7 +43128,7 @@
 </p:sld>
 </file>
 
-<file path=ppt/slides/slide47.xml><?xml version="1.0" encoding="utf-8"?>
+<file path=ppt/slides/slide48.xml><?xml version="1.0" encoding="utf-8"?>
 <p:sld xmlns:a="http://schemas.openxmlformats.org/drawingml/2006/main" xmlns:r="http://schemas.openxmlformats.org/officeDocument/2006/relationships" xmlns:p="http://schemas.openxmlformats.org/presentationml/2006/main">
   <p:cSld>
     <p:bg>
@@ -44663,7 +45727,7 @@
 </p:sld>
 </file>
 
-<file path=ppt/slides/slide48.xml><?xml version="1.0" encoding="utf-8"?>
+<file path=ppt/slides/slide49.xml><?xml version="1.0" encoding="utf-8"?>
 <p:sld xmlns:a="http://schemas.openxmlformats.org/drawingml/2006/main" xmlns:r="http://schemas.openxmlformats.org/officeDocument/2006/relationships" xmlns:p="http://schemas.openxmlformats.org/presentationml/2006/main">
   <p:cSld>
     <p:spTree>
